--- a/High Fidelity Prototyping Group 19.pptx
+++ b/High Fidelity Prototyping Group 19.pptx
@@ -108,6 +108,11 @@
       </a:defRPr>
     </a:lvl9pPr>
   </p:defaultTextStyle>
+  <p:extLst>
+    <p:ext uri="{EFAFB233-063F-42B5-8137-9DF3F51BA10A}">
+      <p15:sldGuideLst xmlns:p15="http://schemas.microsoft.com/office/powerpoint/2012/main"/>
+    </p:ext>
+  </p:extLst>
 </p:presentation>
 </file>
 
@@ -385,7 +390,7 @@
           <a:p>
             <a:fld id="{57398CF1-2A2E-404A-9DC0-DB6C4A39A2F6}" type="datetimeFigureOut">
               <a:rPr lang="en-US" smtClean="0"/>
-              <a:t>3/31/2020</a:t>
+              <a:t>4/4/20</a:t>
             </a:fld>
             <a:endParaRPr lang="en-US"/>
           </a:p>
@@ -799,7 +804,7 @@
           <a:p>
             <a:fld id="{57398CF1-2A2E-404A-9DC0-DB6C4A39A2F6}" type="datetimeFigureOut">
               <a:rPr lang="en-US" smtClean="0"/>
-              <a:t>3/31/2020</a:t>
+              <a:t>4/4/20</a:t>
             </a:fld>
             <a:endParaRPr lang="en-US"/>
           </a:p>
@@ -1135,7 +1140,7 @@
           <a:p>
             <a:fld id="{57398CF1-2A2E-404A-9DC0-DB6C4A39A2F6}" type="datetimeFigureOut">
               <a:rPr lang="en-US" smtClean="0"/>
-              <a:t>3/31/2020</a:t>
+              <a:t>4/4/20</a:t>
             </a:fld>
             <a:endParaRPr lang="en-US"/>
           </a:p>
@@ -1540,7 +1545,7 @@
           <a:p>
             <a:fld id="{57398CF1-2A2E-404A-9DC0-DB6C4A39A2F6}" type="datetimeFigureOut">
               <a:rPr lang="en-US" smtClean="0"/>
-              <a:t>3/31/2020</a:t>
+              <a:t>4/4/20</a:t>
             </a:fld>
             <a:endParaRPr lang="en-US"/>
           </a:p>
@@ -2108,7 +2113,7 @@
           <a:p>
             <a:fld id="{57398CF1-2A2E-404A-9DC0-DB6C4A39A2F6}" type="datetimeFigureOut">
               <a:rPr lang="en-US" smtClean="0"/>
-              <a:t>3/31/2020</a:t>
+              <a:t>4/4/20</a:t>
             </a:fld>
             <a:endParaRPr lang="en-US"/>
           </a:p>
@@ -2789,7 +2794,7 @@
           <a:p>
             <a:fld id="{57398CF1-2A2E-404A-9DC0-DB6C4A39A2F6}" type="datetimeFigureOut">
               <a:rPr lang="en-US" smtClean="0"/>
-              <a:t>3/31/2020</a:t>
+              <a:t>4/4/20</a:t>
             </a:fld>
             <a:endParaRPr lang="en-US"/>
           </a:p>
@@ -3702,7 +3707,7 @@
           <a:p>
             <a:fld id="{57398CF1-2A2E-404A-9DC0-DB6C4A39A2F6}" type="datetimeFigureOut">
               <a:rPr lang="en-US" smtClean="0"/>
-              <a:t>3/31/2020</a:t>
+              <a:t>4/4/20</a:t>
             </a:fld>
             <a:endParaRPr lang="en-US"/>
           </a:p>
@@ -4015,7 +4020,7 @@
           <a:p>
             <a:fld id="{57398CF1-2A2E-404A-9DC0-DB6C4A39A2F6}" type="datetimeFigureOut">
               <a:rPr lang="en-US" smtClean="0"/>
-              <a:t>3/31/2020</a:t>
+              <a:t>4/4/20</a:t>
             </a:fld>
             <a:endParaRPr lang="en-US"/>
           </a:p>
@@ -4279,7 +4284,7 @@
           <a:p>
             <a:fld id="{57398CF1-2A2E-404A-9DC0-DB6C4A39A2F6}" type="datetimeFigureOut">
               <a:rPr lang="en-US" smtClean="0"/>
-              <a:t>3/31/2020</a:t>
+              <a:t>4/4/20</a:t>
             </a:fld>
             <a:endParaRPr lang="en-US"/>
           </a:p>
@@ -4602,7 +4607,7 @@
           <a:p>
             <a:fld id="{57398CF1-2A2E-404A-9DC0-DB6C4A39A2F6}" type="datetimeFigureOut">
               <a:rPr lang="en-US" smtClean="0"/>
-              <a:t>3/31/2020</a:t>
+              <a:t>4/4/20</a:t>
             </a:fld>
             <a:endParaRPr lang="en-US"/>
           </a:p>
@@ -4991,7 +4996,7 @@
           <a:p>
             <a:fld id="{57398CF1-2A2E-404A-9DC0-DB6C4A39A2F6}" type="datetimeFigureOut">
               <a:rPr lang="en-US" smtClean="0"/>
-              <a:t>3/31/2020</a:t>
+              <a:t>4/4/20</a:t>
             </a:fld>
             <a:endParaRPr lang="en-US"/>
           </a:p>
@@ -5367,7 +5372,7 @@
           <a:p>
             <a:fld id="{57398CF1-2A2E-404A-9DC0-DB6C4A39A2F6}" type="datetimeFigureOut">
               <a:rPr lang="en-US" smtClean="0"/>
-              <a:t>3/31/2020</a:t>
+              <a:t>4/4/20</a:t>
             </a:fld>
             <a:endParaRPr lang="en-US"/>
           </a:p>
@@ -5873,7 +5878,7 @@
           <a:p>
             <a:fld id="{57398CF1-2A2E-404A-9DC0-DB6C4A39A2F6}" type="datetimeFigureOut">
               <a:rPr lang="en-US" smtClean="0"/>
-              <a:t>3/31/2020</a:t>
+              <a:t>4/4/20</a:t>
             </a:fld>
             <a:endParaRPr lang="en-US"/>
           </a:p>
@@ -6130,7 +6135,7 @@
           <a:p>
             <a:fld id="{57398CF1-2A2E-404A-9DC0-DB6C4A39A2F6}" type="datetimeFigureOut">
               <a:rPr lang="en-US" smtClean="0"/>
-              <a:t>3/31/2020</a:t>
+              <a:t>4/4/20</a:t>
             </a:fld>
             <a:endParaRPr lang="en-US"/>
           </a:p>
@@ -6293,7 +6298,7 @@
           <a:p>
             <a:fld id="{57398CF1-2A2E-404A-9DC0-DB6C4A39A2F6}" type="datetimeFigureOut">
               <a:rPr lang="en-US" smtClean="0"/>
-              <a:t>3/31/2020</a:t>
+              <a:t>4/4/20</a:t>
             </a:fld>
             <a:endParaRPr lang="en-US"/>
           </a:p>
@@ -6683,7 +6688,7 @@
           <a:p>
             <a:fld id="{57398CF1-2A2E-404A-9DC0-DB6C4A39A2F6}" type="datetimeFigureOut">
               <a:rPr lang="en-US" smtClean="0"/>
-              <a:t>3/31/2020</a:t>
+              <a:t>4/4/20</a:t>
             </a:fld>
             <a:endParaRPr lang="en-US"/>
           </a:p>
@@ -7092,7 +7097,7 @@
           <a:p>
             <a:fld id="{57398CF1-2A2E-404A-9DC0-DB6C4A39A2F6}" type="datetimeFigureOut">
               <a:rPr lang="en-US" smtClean="0"/>
-              <a:t>3/31/2020</a:t>
+              <a:t>4/4/20</a:t>
             </a:fld>
             <a:endParaRPr lang="en-US"/>
           </a:p>
@@ -7336,7 +7341,7 @@
           <a:p>
             <a:fld id="{57398CF1-2A2E-404A-9DC0-DB6C4A39A2F6}" type="datetimeFigureOut">
               <a:rPr lang="en-US" smtClean="0"/>
-              <a:t>3/31/2020</a:t>
+              <a:t>4/4/20</a:t>
             </a:fld>
             <a:endParaRPr lang="en-US"/>
           </a:p>
@@ -8454,7 +8459,7 @@
         </p:nvSpPr>
         <p:spPr>
           <a:xfrm>
-            <a:off x="2121646" y="269904"/>
+            <a:off x="2212591" y="276672"/>
             <a:ext cx="1589741" cy="369332"/>
           </a:xfrm>
           <a:prstGeom prst="rect">
@@ -8471,10 +8476,32 @@
             <a:pPr algn="ctr"/>
             <a:r>
               <a:rPr lang="en-US" dirty="0">
+                <a:solidFill>
+                  <a:schemeClr val="accent1">
+                    <a:lumMod val="20000"/>
+                    <a:lumOff val="80000"/>
+                  </a:schemeClr>
+                </a:solidFill>
                 <a:latin typeface="Counter-Strike" panose="02000506030000020004" pitchFamily="2" charset="0"/>
+                <a:hlinkClick r:id="rId5" action="ppaction://hlinksldjump">
+                  <a:extLst>
+                    <a:ext uri="{A12FA001-AC4F-418D-AE19-62706E023703}">
+                      <ahyp:hlinkClr xmlns:ahyp="http://schemas.microsoft.com/office/drawing/2018/hyperlinkcolor" val="tx"/>
+                    </a:ext>
+                  </a:extLst>
+                </a:hlinkClick>
               </a:rPr>
               <a:t>Workouts</a:t>
             </a:r>
+            <a:endParaRPr lang="en-US" dirty="0">
+              <a:solidFill>
+                <a:schemeClr val="accent1">
+                  <a:lumMod val="20000"/>
+                  <a:lumOff val="80000"/>
+                </a:schemeClr>
+              </a:solidFill>
+              <a:latin typeface="Counter-Strike" panose="02000506030000020004" pitchFamily="2" charset="0"/>
+            </a:endParaRPr>
           </a:p>
         </p:txBody>
       </p:sp>
@@ -8509,10 +8536,32 @@
             <a:pPr algn="ctr"/>
             <a:r>
               <a:rPr lang="en-US" dirty="0">
+                <a:solidFill>
+                  <a:schemeClr val="accent1">
+                    <a:lumMod val="20000"/>
+                    <a:lumOff val="80000"/>
+                  </a:schemeClr>
+                </a:solidFill>
                 <a:latin typeface="Counter-Strike" panose="02000506030000020004" pitchFamily="2" charset="0"/>
+                <a:hlinkClick r:id="rId6" action="ppaction://hlinksldjump">
+                  <a:extLst>
+                    <a:ext uri="{A12FA001-AC4F-418D-AE19-62706E023703}">
+                      <ahyp:hlinkClr xmlns:ahyp="http://schemas.microsoft.com/office/drawing/2018/hyperlinkcolor" val="tx"/>
+                    </a:ext>
+                  </a:extLst>
+                </a:hlinkClick>
               </a:rPr>
               <a:t>People</a:t>
             </a:r>
+            <a:endParaRPr lang="en-US" dirty="0">
+              <a:solidFill>
+                <a:schemeClr val="accent1">
+                  <a:lumMod val="20000"/>
+                  <a:lumOff val="80000"/>
+                </a:schemeClr>
+              </a:solidFill>
+              <a:latin typeface="Counter-Strike" panose="02000506030000020004" pitchFamily="2" charset="0"/>
+            </a:endParaRPr>
           </a:p>
         </p:txBody>
       </p:sp>
@@ -8547,13 +8596,358 @@
             <a:pPr algn="ctr"/>
             <a:r>
               <a:rPr lang="en-US" dirty="0">
+                <a:solidFill>
+                  <a:schemeClr val="accent1">
+                    <a:lumMod val="20000"/>
+                    <a:lumOff val="80000"/>
+                  </a:schemeClr>
+                </a:solidFill>
                 <a:latin typeface="Counter-Strike" panose="02000506030000020004" pitchFamily="2" charset="0"/>
+                <a:hlinkClick r:id="rId7" action="ppaction://hlinksldjump">
+                  <a:extLst>
+                    <a:ext uri="{A12FA001-AC4F-418D-AE19-62706E023703}">
+                      <ahyp:hlinkClr xmlns:ahyp="http://schemas.microsoft.com/office/drawing/2018/hyperlinkcolor" val="tx"/>
+                    </a:ext>
+                  </a:extLst>
+                </a:hlinkClick>
               </a:rPr>
               <a:t>Messaging</a:t>
             </a:r>
-          </a:p>
-        </p:txBody>
-      </p:sp>
+            <a:endParaRPr lang="en-US" dirty="0">
+              <a:solidFill>
+                <a:schemeClr val="accent1">
+                  <a:lumMod val="20000"/>
+                  <a:lumOff val="80000"/>
+                </a:schemeClr>
+              </a:solidFill>
+              <a:latin typeface="Counter-Strike" panose="02000506030000020004" pitchFamily="2" charset="0"/>
+            </a:endParaRPr>
+          </a:p>
+        </p:txBody>
+      </p:sp>
+      <p:sp>
+        <p:nvSpPr>
+          <p:cNvPr id="2" name="TextBox 1">
+            <a:extLst>
+              <a:ext uri="{FF2B5EF4-FFF2-40B4-BE49-F238E27FC236}">
+                <a16:creationId xmlns:a16="http://schemas.microsoft.com/office/drawing/2014/main" id="{D3B398B1-E3AE-8B4E-B125-F03796B4116E}"/>
+              </a:ext>
+            </a:extLst>
+          </p:cNvPr>
+          <p:cNvSpPr txBox="1"/>
+          <p:nvPr/>
+        </p:nvSpPr>
+        <p:spPr>
+          <a:xfrm>
+            <a:off x="834731" y="1484678"/>
+            <a:ext cx="8032543" cy="646331"/>
+          </a:xfrm>
+          <a:prstGeom prst="rect">
+            <a:avLst/>
+          </a:prstGeom>
+          <a:noFill/>
+        </p:spPr>
+        <p:txBody>
+          <a:bodyPr wrap="square" rtlCol="0">
+            <a:spAutoFit/>
+          </a:bodyPr>
+          <a:lstStyle/>
+          <a:p>
+            <a:r>
+              <a:rPr lang="en-US" dirty="0"/>
+              <a:t>Welcome to </a:t>
+            </a:r>
+            <a:r>
+              <a:rPr lang="en-US" dirty="0" err="1"/>
+              <a:t>ExerPals</a:t>
+            </a:r>
+            <a:r>
+              <a:rPr lang="en-US" dirty="0"/>
+              <a:t>! The site where you can find like-minded people near you to exercise and grow with.</a:t>
+            </a:r>
+          </a:p>
+        </p:txBody>
+      </p:sp>
+      <p:pic>
+        <p:nvPicPr>
+          <p:cNvPr id="3" name="Picture 2">
+            <a:extLst>
+              <a:ext uri="{FF2B5EF4-FFF2-40B4-BE49-F238E27FC236}">
+                <a16:creationId xmlns:a16="http://schemas.microsoft.com/office/drawing/2014/main" id="{0088BF91-BDCE-DD44-B2B5-ABD70311857F}"/>
+              </a:ext>
+            </a:extLst>
+          </p:cNvPr>
+          <p:cNvPicPr>
+            <a:picLocks noChangeAspect="1"/>
+          </p:cNvPicPr>
+          <p:nvPr/>
+        </p:nvPicPr>
+        <p:blipFill>
+          <a:blip r:embed="rId8"/>
+          <a:stretch>
+            <a:fillRect/>
+          </a:stretch>
+        </p:blipFill>
+        <p:spPr>
+          <a:xfrm>
+            <a:off x="834731" y="4434666"/>
+            <a:ext cx="2755719" cy="1830441"/>
+          </a:xfrm>
+          <a:prstGeom prst="rect">
+            <a:avLst/>
+          </a:prstGeom>
+        </p:spPr>
+      </p:pic>
+      <p:sp>
+        <p:nvSpPr>
+          <p:cNvPr id="4" name="TextBox 3">
+            <a:extLst>
+              <a:ext uri="{FF2B5EF4-FFF2-40B4-BE49-F238E27FC236}">
+                <a16:creationId xmlns:a16="http://schemas.microsoft.com/office/drawing/2014/main" id="{FFDCD675-6D82-7046-A8F7-76D09E74F53E}"/>
+              </a:ext>
+            </a:extLst>
+          </p:cNvPr>
+          <p:cNvSpPr txBox="1"/>
+          <p:nvPr/>
+        </p:nvSpPr>
+        <p:spPr>
+          <a:xfrm>
+            <a:off x="889116" y="3380108"/>
+            <a:ext cx="2646947" cy="923330"/>
+          </a:xfrm>
+          <a:prstGeom prst="rect">
+            <a:avLst/>
+          </a:prstGeom>
+          <a:noFill/>
+        </p:spPr>
+        <p:txBody>
+          <a:bodyPr wrap="square" rtlCol="0">
+            <a:spAutoFit/>
+          </a:bodyPr>
+          <a:lstStyle/>
+          <a:p>
+            <a:r>
+              <a:rPr lang="en-US" dirty="0"/>
+              <a:t>To find workouts happening near you, click </a:t>
+            </a:r>
+            <a:r>
+              <a:rPr lang="en-US" dirty="0">
+                <a:solidFill>
+                  <a:schemeClr val="accent1">
+                    <a:lumMod val="20000"/>
+                    <a:lumOff val="80000"/>
+                  </a:schemeClr>
+                </a:solidFill>
+                <a:hlinkClick r:id="rId5" action="ppaction://hlinksldjump">
+                  <a:extLst>
+                    <a:ext uri="{A12FA001-AC4F-418D-AE19-62706E023703}">
+                      <ahyp:hlinkClr xmlns:ahyp="http://schemas.microsoft.com/office/drawing/2018/hyperlinkcolor" val="tx"/>
+                    </a:ext>
+                  </a:extLst>
+                </a:hlinkClick>
+              </a:rPr>
+              <a:t>here</a:t>
+            </a:r>
+            <a:r>
+              <a:rPr lang="en-US" dirty="0">
+                <a:solidFill>
+                  <a:schemeClr val="accent1">
+                    <a:lumMod val="20000"/>
+                    <a:lumOff val="80000"/>
+                  </a:schemeClr>
+                </a:solidFill>
+              </a:rPr>
+              <a:t>!</a:t>
+            </a:r>
+            <a:endParaRPr lang="en-US" dirty="0"/>
+          </a:p>
+        </p:txBody>
+      </p:sp>
+      <p:sp>
+        <p:nvSpPr>
+          <p:cNvPr id="5" name="TextBox 4">
+            <a:extLst>
+              <a:ext uri="{FF2B5EF4-FFF2-40B4-BE49-F238E27FC236}">
+                <a16:creationId xmlns:a16="http://schemas.microsoft.com/office/drawing/2014/main" id="{4BEA4F1A-4563-284F-A86B-B2B674C7FDB4}"/>
+              </a:ext>
+            </a:extLst>
+          </p:cNvPr>
+          <p:cNvSpPr txBox="1"/>
+          <p:nvPr/>
+        </p:nvSpPr>
+        <p:spPr>
+          <a:xfrm>
+            <a:off x="4017937" y="3211315"/>
+            <a:ext cx="2286000" cy="1200329"/>
+          </a:xfrm>
+          <a:prstGeom prst="rect">
+            <a:avLst/>
+          </a:prstGeom>
+          <a:noFill/>
+        </p:spPr>
+        <p:txBody>
+          <a:bodyPr wrap="square" rtlCol="0">
+            <a:spAutoFit/>
+          </a:bodyPr>
+          <a:lstStyle/>
+          <a:p>
+            <a:r>
+              <a:rPr lang="en-US" dirty="0"/>
+              <a:t>For people looking for workout partners or groups, click </a:t>
+            </a:r>
+            <a:r>
+              <a:rPr lang="en-US" dirty="0">
+                <a:solidFill>
+                  <a:schemeClr val="accent1">
+                    <a:lumMod val="20000"/>
+                    <a:lumOff val="80000"/>
+                  </a:schemeClr>
+                </a:solidFill>
+                <a:hlinkClick r:id="rId6" action="ppaction://hlinksldjump">
+                  <a:extLst>
+                    <a:ext uri="{A12FA001-AC4F-418D-AE19-62706E023703}">
+                      <ahyp:hlinkClr xmlns:ahyp="http://schemas.microsoft.com/office/drawing/2018/hyperlinkcolor" val="tx"/>
+                    </a:ext>
+                  </a:extLst>
+                </a:hlinkClick>
+              </a:rPr>
+              <a:t>here</a:t>
+            </a:r>
+            <a:r>
+              <a:rPr lang="en-US" dirty="0"/>
+              <a:t>!</a:t>
+            </a:r>
+          </a:p>
+        </p:txBody>
+      </p:sp>
+      <p:sp>
+        <p:nvSpPr>
+          <p:cNvPr id="8" name="TextBox 7">
+            <a:extLst>
+              <a:ext uri="{FF2B5EF4-FFF2-40B4-BE49-F238E27FC236}">
+                <a16:creationId xmlns:a16="http://schemas.microsoft.com/office/drawing/2014/main" id="{DD501CF6-DD69-E04E-9FE9-09BEF2C6C338}"/>
+              </a:ext>
+            </a:extLst>
+          </p:cNvPr>
+          <p:cNvSpPr txBox="1"/>
+          <p:nvPr/>
+        </p:nvSpPr>
+        <p:spPr>
+          <a:xfrm>
+            <a:off x="6785811" y="3333850"/>
+            <a:ext cx="2081463" cy="1200329"/>
+          </a:xfrm>
+          <a:prstGeom prst="rect">
+            <a:avLst/>
+          </a:prstGeom>
+          <a:noFill/>
+        </p:spPr>
+        <p:txBody>
+          <a:bodyPr wrap="square" rtlCol="0">
+            <a:spAutoFit/>
+          </a:bodyPr>
+          <a:lstStyle/>
+          <a:p>
+            <a:r>
+              <a:rPr lang="en-US" dirty="0"/>
+              <a:t>For the messaging page, please click </a:t>
+            </a:r>
+            <a:r>
+              <a:rPr lang="en-US" dirty="0">
+                <a:solidFill>
+                  <a:schemeClr val="accent1">
+                    <a:lumMod val="20000"/>
+                    <a:lumOff val="80000"/>
+                  </a:schemeClr>
+                </a:solidFill>
+                <a:hlinkClick r:id="rId7" action="ppaction://hlinksldjump">
+                  <a:extLst>
+                    <a:ext uri="{A12FA001-AC4F-418D-AE19-62706E023703}">
+                      <ahyp:hlinkClr xmlns:ahyp="http://schemas.microsoft.com/office/drawing/2018/hyperlinkcolor" val="tx"/>
+                    </a:ext>
+                  </a:extLst>
+                </a:hlinkClick>
+              </a:rPr>
+              <a:t>here</a:t>
+            </a:r>
+            <a:r>
+              <a:rPr lang="en-US" dirty="0">
+                <a:solidFill>
+                  <a:schemeClr val="accent1">
+                    <a:lumMod val="20000"/>
+                    <a:lumOff val="80000"/>
+                  </a:schemeClr>
+                </a:solidFill>
+              </a:rPr>
+              <a:t>!</a:t>
+            </a:r>
+            <a:endParaRPr lang="en-US" dirty="0"/>
+          </a:p>
+          <a:p>
+            <a:endParaRPr lang="en-US" dirty="0"/>
+          </a:p>
+        </p:txBody>
+      </p:sp>
+      <p:pic>
+        <p:nvPicPr>
+          <p:cNvPr id="19" name="Picture 18">
+            <a:extLst>
+              <a:ext uri="{FF2B5EF4-FFF2-40B4-BE49-F238E27FC236}">
+                <a16:creationId xmlns:a16="http://schemas.microsoft.com/office/drawing/2014/main" id="{41C3A364-4839-BC4E-829C-0E18170ADED1}"/>
+              </a:ext>
+            </a:extLst>
+          </p:cNvPr>
+          <p:cNvPicPr>
+            <a:picLocks noChangeAspect="1"/>
+          </p:cNvPicPr>
+          <p:nvPr/>
+        </p:nvPicPr>
+        <p:blipFill>
+          <a:blip r:embed="rId9"/>
+          <a:stretch>
+            <a:fillRect/>
+          </a:stretch>
+        </p:blipFill>
+        <p:spPr>
+          <a:xfrm>
+            <a:off x="3943789" y="4458102"/>
+            <a:ext cx="2434296" cy="1807005"/>
+          </a:xfrm>
+          <a:prstGeom prst="rect">
+            <a:avLst/>
+          </a:prstGeom>
+        </p:spPr>
+      </p:pic>
+      <p:pic>
+        <p:nvPicPr>
+          <p:cNvPr id="21" name="Picture 20">
+            <a:extLst>
+              <a:ext uri="{FF2B5EF4-FFF2-40B4-BE49-F238E27FC236}">
+                <a16:creationId xmlns:a16="http://schemas.microsoft.com/office/drawing/2014/main" id="{8B8797CC-1A7A-5749-B4D7-F8BA15E96164}"/>
+              </a:ext>
+            </a:extLst>
+          </p:cNvPr>
+          <p:cNvPicPr>
+            <a:picLocks noChangeAspect="1"/>
+          </p:cNvPicPr>
+          <p:nvPr/>
+        </p:nvPicPr>
+        <p:blipFill>
+          <a:blip r:embed="rId10"/>
+          <a:stretch>
+            <a:fillRect/>
+          </a:stretch>
+        </p:blipFill>
+        <p:spPr>
+          <a:xfrm>
+            <a:off x="6821294" y="4465318"/>
+            <a:ext cx="2045980" cy="1799789"/>
+          </a:xfrm>
+          <a:prstGeom prst="rect">
+            <a:avLst/>
+          </a:prstGeom>
+        </p:spPr>
+      </p:pic>
     </p:spTree>
     <p:extLst>
       <p:ext uri="{BB962C8B-B14F-4D97-AF65-F5344CB8AC3E}">
@@ -9291,7 +9685,7 @@
         </p:nvSpPr>
         <p:spPr>
           <a:xfrm>
-            <a:off x="2121646" y="269904"/>
+            <a:off x="2212591" y="276672"/>
             <a:ext cx="1589741" cy="369332"/>
           </a:xfrm>
           <a:prstGeom prst="rect">
@@ -9308,10 +9702,32 @@
             <a:pPr algn="ctr"/>
             <a:r>
               <a:rPr lang="en-US" dirty="0">
+                <a:solidFill>
+                  <a:schemeClr val="accent1">
+                    <a:lumMod val="20000"/>
+                    <a:lumOff val="80000"/>
+                  </a:schemeClr>
+                </a:solidFill>
                 <a:latin typeface="Counter-Strike" panose="02000506030000020004" pitchFamily="2" charset="0"/>
+                <a:hlinkClick r:id="rId5" action="ppaction://hlinksldjump">
+                  <a:extLst>
+                    <a:ext uri="{A12FA001-AC4F-418D-AE19-62706E023703}">
+                      <ahyp:hlinkClr xmlns:ahyp="http://schemas.microsoft.com/office/drawing/2018/hyperlinkcolor" val="tx"/>
+                    </a:ext>
+                  </a:extLst>
+                </a:hlinkClick>
               </a:rPr>
               <a:t>Workouts</a:t>
             </a:r>
+            <a:endParaRPr lang="en-US" dirty="0">
+              <a:solidFill>
+                <a:schemeClr val="accent1">
+                  <a:lumMod val="20000"/>
+                  <a:lumOff val="80000"/>
+                </a:schemeClr>
+              </a:solidFill>
+              <a:latin typeface="Counter-Strike" panose="02000506030000020004" pitchFamily="2" charset="0"/>
+            </a:endParaRPr>
           </a:p>
         </p:txBody>
       </p:sp>
@@ -9346,10 +9762,32 @@
             <a:pPr algn="ctr"/>
             <a:r>
               <a:rPr lang="en-US" dirty="0">
+                <a:solidFill>
+                  <a:schemeClr val="accent1">
+                    <a:lumMod val="20000"/>
+                    <a:lumOff val="80000"/>
+                  </a:schemeClr>
+                </a:solidFill>
                 <a:latin typeface="Counter-Strike" panose="02000506030000020004" pitchFamily="2" charset="0"/>
+                <a:hlinkClick r:id="rId6" action="ppaction://hlinksldjump">
+                  <a:extLst>
+                    <a:ext uri="{A12FA001-AC4F-418D-AE19-62706E023703}">
+                      <ahyp:hlinkClr xmlns:ahyp="http://schemas.microsoft.com/office/drawing/2018/hyperlinkcolor" val="tx"/>
+                    </a:ext>
+                  </a:extLst>
+                </a:hlinkClick>
               </a:rPr>
               <a:t>People</a:t>
             </a:r>
+            <a:endParaRPr lang="en-US" dirty="0">
+              <a:solidFill>
+                <a:schemeClr val="accent1">
+                  <a:lumMod val="20000"/>
+                  <a:lumOff val="80000"/>
+                </a:schemeClr>
+              </a:solidFill>
+              <a:latin typeface="Counter-Strike" panose="02000506030000020004" pitchFamily="2" charset="0"/>
+            </a:endParaRPr>
           </a:p>
         </p:txBody>
       </p:sp>
@@ -9384,10 +9822,32 @@
             <a:pPr algn="ctr"/>
             <a:r>
               <a:rPr lang="en-US" dirty="0">
+                <a:solidFill>
+                  <a:schemeClr val="accent1">
+                    <a:lumMod val="20000"/>
+                    <a:lumOff val="80000"/>
+                  </a:schemeClr>
+                </a:solidFill>
                 <a:latin typeface="Counter-Strike" panose="02000506030000020004" pitchFamily="2" charset="0"/>
+                <a:hlinkClick r:id="rId7" action="ppaction://hlinksldjump">
+                  <a:extLst>
+                    <a:ext uri="{A12FA001-AC4F-418D-AE19-62706E023703}">
+                      <ahyp:hlinkClr xmlns:ahyp="http://schemas.microsoft.com/office/drawing/2018/hyperlinkcolor" val="tx"/>
+                    </a:ext>
+                  </a:extLst>
+                </a:hlinkClick>
               </a:rPr>
               <a:t>Messaging</a:t>
             </a:r>
+            <a:endParaRPr lang="en-US" dirty="0">
+              <a:solidFill>
+                <a:schemeClr val="accent1">
+                  <a:lumMod val="20000"/>
+                  <a:lumOff val="80000"/>
+                </a:schemeClr>
+              </a:solidFill>
+              <a:latin typeface="Counter-Strike" panose="02000506030000020004" pitchFamily="2" charset="0"/>
+            </a:endParaRPr>
           </a:p>
         </p:txBody>
       </p:sp>
@@ -10128,7 +10588,7 @@
         </p:nvSpPr>
         <p:spPr>
           <a:xfrm>
-            <a:off x="2121646" y="269904"/>
+            <a:off x="2212591" y="276672"/>
             <a:ext cx="1589741" cy="369332"/>
           </a:xfrm>
           <a:prstGeom prst="rect">
@@ -10145,10 +10605,32 @@
             <a:pPr algn="ctr"/>
             <a:r>
               <a:rPr lang="en-US" dirty="0">
+                <a:solidFill>
+                  <a:schemeClr val="accent1">
+                    <a:lumMod val="20000"/>
+                    <a:lumOff val="80000"/>
+                  </a:schemeClr>
+                </a:solidFill>
                 <a:latin typeface="Counter-Strike" panose="02000506030000020004" pitchFamily="2" charset="0"/>
+                <a:hlinkClick r:id="rId5" action="ppaction://hlinksldjump">
+                  <a:extLst>
+                    <a:ext uri="{A12FA001-AC4F-418D-AE19-62706E023703}">
+                      <ahyp:hlinkClr xmlns:ahyp="http://schemas.microsoft.com/office/drawing/2018/hyperlinkcolor" val="tx"/>
+                    </a:ext>
+                  </a:extLst>
+                </a:hlinkClick>
               </a:rPr>
               <a:t>Workouts</a:t>
             </a:r>
+            <a:endParaRPr lang="en-US" dirty="0">
+              <a:solidFill>
+                <a:schemeClr val="accent1">
+                  <a:lumMod val="20000"/>
+                  <a:lumOff val="80000"/>
+                </a:schemeClr>
+              </a:solidFill>
+              <a:latin typeface="Counter-Strike" panose="02000506030000020004" pitchFamily="2" charset="0"/>
+            </a:endParaRPr>
           </a:p>
         </p:txBody>
       </p:sp>
@@ -10183,10 +10665,32 @@
             <a:pPr algn="ctr"/>
             <a:r>
               <a:rPr lang="en-US" dirty="0">
+                <a:solidFill>
+                  <a:schemeClr val="accent1">
+                    <a:lumMod val="20000"/>
+                    <a:lumOff val="80000"/>
+                  </a:schemeClr>
+                </a:solidFill>
                 <a:latin typeface="Counter-Strike" panose="02000506030000020004" pitchFamily="2" charset="0"/>
+                <a:hlinkClick r:id="rId6" action="ppaction://hlinksldjump">
+                  <a:extLst>
+                    <a:ext uri="{A12FA001-AC4F-418D-AE19-62706E023703}">
+                      <ahyp:hlinkClr xmlns:ahyp="http://schemas.microsoft.com/office/drawing/2018/hyperlinkcolor" val="tx"/>
+                    </a:ext>
+                  </a:extLst>
+                </a:hlinkClick>
               </a:rPr>
               <a:t>People</a:t>
             </a:r>
+            <a:endParaRPr lang="en-US" dirty="0">
+              <a:solidFill>
+                <a:schemeClr val="accent1">
+                  <a:lumMod val="20000"/>
+                  <a:lumOff val="80000"/>
+                </a:schemeClr>
+              </a:solidFill>
+              <a:latin typeface="Counter-Strike" panose="02000506030000020004" pitchFamily="2" charset="0"/>
+            </a:endParaRPr>
           </a:p>
         </p:txBody>
       </p:sp>
@@ -10221,10 +10725,32 @@
             <a:pPr algn="ctr"/>
             <a:r>
               <a:rPr lang="en-US" dirty="0">
+                <a:solidFill>
+                  <a:schemeClr val="accent1">
+                    <a:lumMod val="20000"/>
+                    <a:lumOff val="80000"/>
+                  </a:schemeClr>
+                </a:solidFill>
                 <a:latin typeface="Counter-Strike" panose="02000506030000020004" pitchFamily="2" charset="0"/>
+                <a:hlinkClick r:id="rId7" action="ppaction://hlinksldjump">
+                  <a:extLst>
+                    <a:ext uri="{A12FA001-AC4F-418D-AE19-62706E023703}">
+                      <ahyp:hlinkClr xmlns:ahyp="http://schemas.microsoft.com/office/drawing/2018/hyperlinkcolor" val="tx"/>
+                    </a:ext>
+                  </a:extLst>
+                </a:hlinkClick>
               </a:rPr>
               <a:t>Messaging</a:t>
             </a:r>
+            <a:endParaRPr lang="en-US" dirty="0">
+              <a:solidFill>
+                <a:schemeClr val="accent1">
+                  <a:lumMod val="20000"/>
+                  <a:lumOff val="80000"/>
+                </a:schemeClr>
+              </a:solidFill>
+              <a:latin typeface="Counter-Strike" panose="02000506030000020004" pitchFamily="2" charset="0"/>
+            </a:endParaRPr>
           </a:p>
         </p:txBody>
       </p:sp>
@@ -10965,7 +11491,7 @@
         </p:nvSpPr>
         <p:spPr>
           <a:xfrm>
-            <a:off x="2121646" y="269904"/>
+            <a:off x="2212591" y="276672"/>
             <a:ext cx="1589741" cy="369332"/>
           </a:xfrm>
           <a:prstGeom prst="rect">
@@ -10982,10 +11508,32 @@
             <a:pPr algn="ctr"/>
             <a:r>
               <a:rPr lang="en-US" dirty="0">
+                <a:solidFill>
+                  <a:schemeClr val="accent1">
+                    <a:lumMod val="20000"/>
+                    <a:lumOff val="80000"/>
+                  </a:schemeClr>
+                </a:solidFill>
                 <a:latin typeface="Counter-Strike" panose="02000506030000020004" pitchFamily="2" charset="0"/>
+                <a:hlinkClick r:id="rId5" action="ppaction://hlinksldjump">
+                  <a:extLst>
+                    <a:ext uri="{A12FA001-AC4F-418D-AE19-62706E023703}">
+                      <ahyp:hlinkClr xmlns:ahyp="http://schemas.microsoft.com/office/drawing/2018/hyperlinkcolor" val="tx"/>
+                    </a:ext>
+                  </a:extLst>
+                </a:hlinkClick>
               </a:rPr>
               <a:t>Workouts</a:t>
             </a:r>
+            <a:endParaRPr lang="en-US" dirty="0">
+              <a:solidFill>
+                <a:schemeClr val="accent1">
+                  <a:lumMod val="20000"/>
+                  <a:lumOff val="80000"/>
+                </a:schemeClr>
+              </a:solidFill>
+              <a:latin typeface="Counter-Strike" panose="02000506030000020004" pitchFamily="2" charset="0"/>
+            </a:endParaRPr>
           </a:p>
         </p:txBody>
       </p:sp>
@@ -11020,10 +11568,32 @@
             <a:pPr algn="ctr"/>
             <a:r>
               <a:rPr lang="en-US" dirty="0">
+                <a:solidFill>
+                  <a:schemeClr val="accent1">
+                    <a:lumMod val="20000"/>
+                    <a:lumOff val="80000"/>
+                  </a:schemeClr>
+                </a:solidFill>
                 <a:latin typeface="Counter-Strike" panose="02000506030000020004" pitchFamily="2" charset="0"/>
+                <a:hlinkClick r:id="rId6" action="ppaction://hlinksldjump">
+                  <a:extLst>
+                    <a:ext uri="{A12FA001-AC4F-418D-AE19-62706E023703}">
+                      <ahyp:hlinkClr xmlns:ahyp="http://schemas.microsoft.com/office/drawing/2018/hyperlinkcolor" val="tx"/>
+                    </a:ext>
+                  </a:extLst>
+                </a:hlinkClick>
               </a:rPr>
               <a:t>People</a:t>
             </a:r>
+            <a:endParaRPr lang="en-US" dirty="0">
+              <a:solidFill>
+                <a:schemeClr val="accent1">
+                  <a:lumMod val="20000"/>
+                  <a:lumOff val="80000"/>
+                </a:schemeClr>
+              </a:solidFill>
+              <a:latin typeface="Counter-Strike" panose="02000506030000020004" pitchFamily="2" charset="0"/>
+            </a:endParaRPr>
           </a:p>
         </p:txBody>
       </p:sp>
@@ -11058,10 +11628,32 @@
             <a:pPr algn="ctr"/>
             <a:r>
               <a:rPr lang="en-US" dirty="0">
+                <a:solidFill>
+                  <a:schemeClr val="accent1">
+                    <a:lumMod val="20000"/>
+                    <a:lumOff val="80000"/>
+                  </a:schemeClr>
+                </a:solidFill>
                 <a:latin typeface="Counter-Strike" panose="02000506030000020004" pitchFamily="2" charset="0"/>
+                <a:hlinkClick r:id="rId7" action="ppaction://hlinksldjump">
+                  <a:extLst>
+                    <a:ext uri="{A12FA001-AC4F-418D-AE19-62706E023703}">
+                      <ahyp:hlinkClr xmlns:ahyp="http://schemas.microsoft.com/office/drawing/2018/hyperlinkcolor" val="tx"/>
+                    </a:ext>
+                  </a:extLst>
+                </a:hlinkClick>
               </a:rPr>
               <a:t>Messaging</a:t>
             </a:r>
+            <a:endParaRPr lang="en-US" dirty="0">
+              <a:solidFill>
+                <a:schemeClr val="accent1">
+                  <a:lumMod val="20000"/>
+                  <a:lumOff val="80000"/>
+                </a:schemeClr>
+              </a:solidFill>
+              <a:latin typeface="Counter-Strike" panose="02000506030000020004" pitchFamily="2" charset="0"/>
+            </a:endParaRPr>
           </a:p>
         </p:txBody>
       </p:sp>
@@ -11802,7 +12394,7 @@
         </p:nvSpPr>
         <p:spPr>
           <a:xfrm>
-            <a:off x="2121646" y="269904"/>
+            <a:off x="2212591" y="314000"/>
             <a:ext cx="1589741" cy="369332"/>
           </a:xfrm>
           <a:prstGeom prst="rect">

--- a/High Fidelity Prototyping Group 19.pptx
+++ b/High Fidelity Prototyping Group 19.pptx
@@ -11657,6 +11657,650 @@
           </a:p>
         </p:txBody>
       </p:sp>
+      <p:sp>
+        <p:nvSpPr>
+          <p:cNvPr id="2" name="Rectangle 1">
+            <a:extLst>
+              <a:ext uri="{FF2B5EF4-FFF2-40B4-BE49-F238E27FC236}">
+                <a16:creationId xmlns:a16="http://schemas.microsoft.com/office/drawing/2014/main" id="{E2F02F2F-0461-AB41-B91E-5982F79DEC60}"/>
+              </a:ext>
+            </a:extLst>
+          </p:cNvPr>
+          <p:cNvSpPr/>
+          <p:nvPr/>
+        </p:nvSpPr>
+        <p:spPr>
+          <a:xfrm>
+            <a:off x="484092" y="1780681"/>
+            <a:ext cx="10326399" cy="4584673"/>
+          </a:xfrm>
+          <a:prstGeom prst="rect">
+            <a:avLst/>
+          </a:prstGeom>
+          <a:solidFill>
+            <a:schemeClr val="accent1">
+              <a:lumMod val="20000"/>
+              <a:lumOff val="80000"/>
+            </a:schemeClr>
+          </a:solidFill>
+        </p:spPr>
+        <p:style>
+          <a:lnRef idx="2">
+            <a:schemeClr val="accent1">
+              <a:shade val="50000"/>
+            </a:schemeClr>
+          </a:lnRef>
+          <a:fillRef idx="1">
+            <a:schemeClr val="accent1"/>
+          </a:fillRef>
+          <a:effectRef idx="0">
+            <a:schemeClr val="accent1"/>
+          </a:effectRef>
+          <a:fontRef idx="minor">
+            <a:schemeClr val="lt1"/>
+          </a:fontRef>
+        </p:style>
+        <p:txBody>
+          <a:bodyPr rtlCol="0" anchor="ctr"/>
+          <a:lstStyle/>
+          <a:p>
+            <a:pPr algn="ctr"/>
+            <a:endParaRPr lang="en-US" dirty="0"/>
+          </a:p>
+        </p:txBody>
+      </p:sp>
+      <p:cxnSp>
+        <p:nvCxnSpPr>
+          <p:cNvPr id="4" name="Straight Connector 3">
+            <a:extLst>
+              <a:ext uri="{FF2B5EF4-FFF2-40B4-BE49-F238E27FC236}">
+                <a16:creationId xmlns:a16="http://schemas.microsoft.com/office/drawing/2014/main" id="{0390F5B1-ACFA-704C-B381-C26EC0F3A184}"/>
+              </a:ext>
+            </a:extLst>
+          </p:cNvPr>
+          <p:cNvCxnSpPr>
+            <a:cxnSpLocks/>
+          </p:cNvCxnSpPr>
+          <p:nvPr/>
+        </p:nvCxnSpPr>
+        <p:spPr>
+          <a:xfrm>
+            <a:off x="502022" y="2478505"/>
+            <a:ext cx="10326399" cy="0"/>
+          </a:xfrm>
+          <a:prstGeom prst="line">
+            <a:avLst/>
+          </a:prstGeom>
+        </p:spPr>
+        <p:style>
+          <a:lnRef idx="1">
+            <a:schemeClr val="accent1"/>
+          </a:lnRef>
+          <a:fillRef idx="0">
+            <a:schemeClr val="accent1"/>
+          </a:fillRef>
+          <a:effectRef idx="0">
+            <a:schemeClr val="accent1"/>
+          </a:effectRef>
+          <a:fontRef idx="minor">
+            <a:schemeClr val="tx1"/>
+          </a:fontRef>
+        </p:style>
+      </p:cxnSp>
+      <p:cxnSp>
+        <p:nvCxnSpPr>
+          <p:cNvPr id="19" name="Straight Connector 18">
+            <a:extLst>
+              <a:ext uri="{FF2B5EF4-FFF2-40B4-BE49-F238E27FC236}">
+                <a16:creationId xmlns:a16="http://schemas.microsoft.com/office/drawing/2014/main" id="{2A814C2D-6B2E-AE41-AF16-C545A726108B}"/>
+              </a:ext>
+            </a:extLst>
+          </p:cNvPr>
+          <p:cNvCxnSpPr/>
+          <p:nvPr/>
+        </p:nvCxnSpPr>
+        <p:spPr>
+          <a:xfrm>
+            <a:off x="502022" y="3152274"/>
+            <a:ext cx="10326399" cy="0"/>
+          </a:xfrm>
+          <a:prstGeom prst="line">
+            <a:avLst/>
+          </a:prstGeom>
+        </p:spPr>
+        <p:style>
+          <a:lnRef idx="1">
+            <a:schemeClr val="accent1"/>
+          </a:lnRef>
+          <a:fillRef idx="0">
+            <a:schemeClr val="accent1"/>
+          </a:fillRef>
+          <a:effectRef idx="0">
+            <a:schemeClr val="accent1"/>
+          </a:effectRef>
+          <a:fontRef idx="minor">
+            <a:schemeClr val="tx1"/>
+          </a:fontRef>
+        </p:style>
+      </p:cxnSp>
+      <p:cxnSp>
+        <p:nvCxnSpPr>
+          <p:cNvPr id="23" name="Straight Connector 22">
+            <a:extLst>
+              <a:ext uri="{FF2B5EF4-FFF2-40B4-BE49-F238E27FC236}">
+                <a16:creationId xmlns:a16="http://schemas.microsoft.com/office/drawing/2014/main" id="{115B2645-EB18-6047-B500-E0EEDC203865}"/>
+              </a:ext>
+            </a:extLst>
+          </p:cNvPr>
+          <p:cNvCxnSpPr/>
+          <p:nvPr/>
+        </p:nvCxnSpPr>
+        <p:spPr>
+          <a:xfrm>
+            <a:off x="502022" y="3838074"/>
+            <a:ext cx="10326399" cy="0"/>
+          </a:xfrm>
+          <a:prstGeom prst="line">
+            <a:avLst/>
+          </a:prstGeom>
+        </p:spPr>
+        <p:style>
+          <a:lnRef idx="1">
+            <a:schemeClr val="accent1"/>
+          </a:lnRef>
+          <a:fillRef idx="0">
+            <a:schemeClr val="accent1"/>
+          </a:fillRef>
+          <a:effectRef idx="0">
+            <a:schemeClr val="accent1"/>
+          </a:effectRef>
+          <a:fontRef idx="minor">
+            <a:schemeClr val="tx1"/>
+          </a:fontRef>
+        </p:style>
+      </p:cxnSp>
+      <p:cxnSp>
+        <p:nvCxnSpPr>
+          <p:cNvPr id="26" name="Straight Connector 25">
+            <a:extLst>
+              <a:ext uri="{FF2B5EF4-FFF2-40B4-BE49-F238E27FC236}">
+                <a16:creationId xmlns:a16="http://schemas.microsoft.com/office/drawing/2014/main" id="{140E06D5-7EFF-2940-AC31-DD6568B5E51D}"/>
+              </a:ext>
+            </a:extLst>
+          </p:cNvPr>
+          <p:cNvCxnSpPr/>
+          <p:nvPr/>
+        </p:nvCxnSpPr>
+        <p:spPr>
+          <a:xfrm>
+            <a:off x="502022" y="4518793"/>
+            <a:ext cx="10326399" cy="0"/>
+          </a:xfrm>
+          <a:prstGeom prst="line">
+            <a:avLst/>
+          </a:prstGeom>
+        </p:spPr>
+        <p:style>
+          <a:lnRef idx="1">
+            <a:schemeClr val="accent1"/>
+          </a:lnRef>
+          <a:fillRef idx="0">
+            <a:schemeClr val="accent1"/>
+          </a:fillRef>
+          <a:effectRef idx="0">
+            <a:schemeClr val="accent1"/>
+          </a:effectRef>
+          <a:fontRef idx="minor">
+            <a:schemeClr val="tx1"/>
+          </a:fontRef>
+        </p:style>
+      </p:cxnSp>
+      <p:cxnSp>
+        <p:nvCxnSpPr>
+          <p:cNvPr id="28" name="Straight Connector 27">
+            <a:extLst>
+              <a:ext uri="{FF2B5EF4-FFF2-40B4-BE49-F238E27FC236}">
+                <a16:creationId xmlns:a16="http://schemas.microsoft.com/office/drawing/2014/main" id="{3056ED4B-211E-8A4F-B434-5846ED99A107}"/>
+              </a:ext>
+            </a:extLst>
+          </p:cNvPr>
+          <p:cNvCxnSpPr/>
+          <p:nvPr/>
+        </p:nvCxnSpPr>
+        <p:spPr>
+          <a:xfrm>
+            <a:off x="502022" y="5161547"/>
+            <a:ext cx="10326399" cy="0"/>
+          </a:xfrm>
+          <a:prstGeom prst="line">
+            <a:avLst/>
+          </a:prstGeom>
+        </p:spPr>
+        <p:style>
+          <a:lnRef idx="1">
+            <a:schemeClr val="accent1"/>
+          </a:lnRef>
+          <a:fillRef idx="0">
+            <a:schemeClr val="accent1"/>
+          </a:fillRef>
+          <a:effectRef idx="0">
+            <a:schemeClr val="accent1"/>
+          </a:effectRef>
+          <a:fontRef idx="minor">
+            <a:schemeClr val="tx1"/>
+          </a:fontRef>
+        </p:style>
+      </p:cxnSp>
+      <p:cxnSp>
+        <p:nvCxnSpPr>
+          <p:cNvPr id="30" name="Straight Connector 29">
+            <a:extLst>
+              <a:ext uri="{FF2B5EF4-FFF2-40B4-BE49-F238E27FC236}">
+                <a16:creationId xmlns:a16="http://schemas.microsoft.com/office/drawing/2014/main" id="{C9B68DE0-6C2E-6E43-8A36-03BACE54CDAB}"/>
+              </a:ext>
+            </a:extLst>
+          </p:cNvPr>
+          <p:cNvCxnSpPr/>
+          <p:nvPr/>
+        </p:nvCxnSpPr>
+        <p:spPr>
+          <a:xfrm>
+            <a:off x="502022" y="5868770"/>
+            <a:ext cx="10326399" cy="0"/>
+          </a:xfrm>
+          <a:prstGeom prst="line">
+            <a:avLst/>
+          </a:prstGeom>
+        </p:spPr>
+        <p:style>
+          <a:lnRef idx="1">
+            <a:schemeClr val="accent1"/>
+          </a:lnRef>
+          <a:fillRef idx="0">
+            <a:schemeClr val="accent1"/>
+          </a:fillRef>
+          <a:effectRef idx="0">
+            <a:schemeClr val="accent1"/>
+          </a:effectRef>
+          <a:fontRef idx="minor">
+            <a:schemeClr val="tx1"/>
+          </a:fontRef>
+        </p:style>
+      </p:cxnSp>
+      <p:sp>
+        <p:nvSpPr>
+          <p:cNvPr id="33" name="TextBox 32">
+            <a:extLst>
+              <a:ext uri="{FF2B5EF4-FFF2-40B4-BE49-F238E27FC236}">
+                <a16:creationId xmlns:a16="http://schemas.microsoft.com/office/drawing/2014/main" id="{7D1F823B-1AC6-E648-94F6-8599E2A6471C}"/>
+              </a:ext>
+            </a:extLst>
+          </p:cNvPr>
+          <p:cNvSpPr txBox="1"/>
+          <p:nvPr/>
+        </p:nvSpPr>
+        <p:spPr>
+          <a:xfrm>
+            <a:off x="1275347" y="1949116"/>
+            <a:ext cx="937244" cy="369332"/>
+          </a:xfrm>
+          <a:prstGeom prst="rect">
+            <a:avLst/>
+          </a:prstGeom>
+          <a:noFill/>
+        </p:spPr>
+        <p:txBody>
+          <a:bodyPr wrap="square" rtlCol="0">
+            <a:spAutoFit/>
+          </a:bodyPr>
+          <a:lstStyle/>
+          <a:p>
+            <a:r>
+              <a:rPr lang="en-US" dirty="0">
+                <a:solidFill>
+                  <a:schemeClr val="accent1">
+                    <a:lumMod val="75000"/>
+                  </a:schemeClr>
+                </a:solidFill>
+              </a:rPr>
+              <a:t>Bob</a:t>
+            </a:r>
+          </a:p>
+        </p:txBody>
+      </p:sp>
+      <p:sp>
+        <p:nvSpPr>
+          <p:cNvPr id="34" name="TextBox 33">
+            <a:extLst>
+              <a:ext uri="{FF2B5EF4-FFF2-40B4-BE49-F238E27FC236}">
+                <a16:creationId xmlns:a16="http://schemas.microsoft.com/office/drawing/2014/main" id="{2434CABA-F0E9-114E-9F7A-6EC27990B974}"/>
+              </a:ext>
+            </a:extLst>
+          </p:cNvPr>
+          <p:cNvSpPr txBox="1"/>
+          <p:nvPr/>
+        </p:nvSpPr>
+        <p:spPr>
+          <a:xfrm>
+            <a:off x="1257573" y="2626380"/>
+            <a:ext cx="937244" cy="369332"/>
+          </a:xfrm>
+          <a:prstGeom prst="rect">
+            <a:avLst/>
+          </a:prstGeom>
+          <a:noFill/>
+        </p:spPr>
+        <p:txBody>
+          <a:bodyPr wrap="square" rtlCol="0">
+            <a:spAutoFit/>
+          </a:bodyPr>
+          <a:lstStyle/>
+          <a:p>
+            <a:r>
+              <a:rPr lang="en-US" dirty="0">
+                <a:solidFill>
+                  <a:schemeClr val="accent1">
+                    <a:lumMod val="75000"/>
+                  </a:schemeClr>
+                </a:solidFill>
+              </a:rPr>
+              <a:t>Amy</a:t>
+            </a:r>
+          </a:p>
+        </p:txBody>
+      </p:sp>
+      <p:sp>
+        <p:nvSpPr>
+          <p:cNvPr id="35" name="TextBox 34">
+            <a:extLst>
+              <a:ext uri="{FF2B5EF4-FFF2-40B4-BE49-F238E27FC236}">
+                <a16:creationId xmlns:a16="http://schemas.microsoft.com/office/drawing/2014/main" id="{E3609244-E3DA-524E-97B8-3EBFCD7AEDBE}"/>
+              </a:ext>
+            </a:extLst>
+          </p:cNvPr>
+          <p:cNvSpPr txBox="1"/>
+          <p:nvPr/>
+        </p:nvSpPr>
+        <p:spPr>
+          <a:xfrm>
+            <a:off x="1275347" y="3296653"/>
+            <a:ext cx="937244" cy="369332"/>
+          </a:xfrm>
+          <a:prstGeom prst="rect">
+            <a:avLst/>
+          </a:prstGeom>
+          <a:noFill/>
+        </p:spPr>
+        <p:txBody>
+          <a:bodyPr wrap="square" rtlCol="0">
+            <a:spAutoFit/>
+          </a:bodyPr>
+          <a:lstStyle/>
+          <a:p>
+            <a:r>
+              <a:rPr lang="en-US" dirty="0">
+                <a:solidFill>
+                  <a:schemeClr val="accent1">
+                    <a:lumMod val="75000"/>
+                  </a:schemeClr>
+                </a:solidFill>
+              </a:rPr>
+              <a:t>Josh</a:t>
+            </a:r>
+          </a:p>
+        </p:txBody>
+      </p:sp>
+      <p:sp>
+        <p:nvSpPr>
+          <p:cNvPr id="36" name="TextBox 35">
+            <a:extLst>
+              <a:ext uri="{FF2B5EF4-FFF2-40B4-BE49-F238E27FC236}">
+                <a16:creationId xmlns:a16="http://schemas.microsoft.com/office/drawing/2014/main" id="{77A6D70A-32F9-FA4C-87DD-7DE394FA0BEA}"/>
+              </a:ext>
+            </a:extLst>
+          </p:cNvPr>
+          <p:cNvSpPr txBox="1"/>
+          <p:nvPr/>
+        </p:nvSpPr>
+        <p:spPr>
+          <a:xfrm>
+            <a:off x="1275347" y="4018547"/>
+            <a:ext cx="937244" cy="369332"/>
+          </a:xfrm>
+          <a:prstGeom prst="rect">
+            <a:avLst/>
+          </a:prstGeom>
+          <a:noFill/>
+        </p:spPr>
+        <p:txBody>
+          <a:bodyPr wrap="square" rtlCol="0">
+            <a:spAutoFit/>
+          </a:bodyPr>
+          <a:lstStyle/>
+          <a:p>
+            <a:r>
+              <a:rPr lang="en-US" dirty="0">
+                <a:solidFill>
+                  <a:schemeClr val="accent1">
+                    <a:lumMod val="75000"/>
+                  </a:schemeClr>
+                </a:solidFill>
+              </a:rPr>
+              <a:t>Anna</a:t>
+            </a:r>
+          </a:p>
+        </p:txBody>
+      </p:sp>
+      <p:sp>
+        <p:nvSpPr>
+          <p:cNvPr id="37" name="TextBox 36">
+            <a:extLst>
+              <a:ext uri="{FF2B5EF4-FFF2-40B4-BE49-F238E27FC236}">
+                <a16:creationId xmlns:a16="http://schemas.microsoft.com/office/drawing/2014/main" id="{89E848AE-101B-BD4A-89FB-B9D08DC2D67A}"/>
+              </a:ext>
+            </a:extLst>
+          </p:cNvPr>
+          <p:cNvSpPr txBox="1"/>
+          <p:nvPr/>
+        </p:nvSpPr>
+        <p:spPr>
+          <a:xfrm>
+            <a:off x="2352959" y="2598278"/>
+            <a:ext cx="3390983" cy="369332"/>
+          </a:xfrm>
+          <a:prstGeom prst="rect">
+            <a:avLst/>
+          </a:prstGeom>
+          <a:noFill/>
+        </p:spPr>
+        <p:txBody>
+          <a:bodyPr wrap="square" rtlCol="0">
+            <a:spAutoFit/>
+          </a:bodyPr>
+          <a:lstStyle/>
+          <a:p>
+            <a:r>
+              <a:rPr lang="en-US" dirty="0">
+                <a:solidFill>
+                  <a:schemeClr val="tx2">
+                    <a:lumMod val="10000"/>
+                  </a:schemeClr>
+                </a:solidFill>
+              </a:rPr>
+              <a:t>Last active 2 hours ago</a:t>
+            </a:r>
+          </a:p>
+        </p:txBody>
+      </p:sp>
+      <p:sp>
+        <p:nvSpPr>
+          <p:cNvPr id="38" name="TextBox 37">
+            <a:extLst>
+              <a:ext uri="{FF2B5EF4-FFF2-40B4-BE49-F238E27FC236}">
+                <a16:creationId xmlns:a16="http://schemas.microsoft.com/office/drawing/2014/main" id="{8D0A846C-B138-FC46-892B-8BC161144B3C}"/>
+              </a:ext>
+            </a:extLst>
+          </p:cNvPr>
+          <p:cNvSpPr txBox="1"/>
+          <p:nvPr/>
+        </p:nvSpPr>
+        <p:spPr>
+          <a:xfrm>
+            <a:off x="2352960" y="1968774"/>
+            <a:ext cx="3585246" cy="369332"/>
+          </a:xfrm>
+          <a:prstGeom prst="rect">
+            <a:avLst/>
+          </a:prstGeom>
+          <a:noFill/>
+        </p:spPr>
+        <p:txBody>
+          <a:bodyPr wrap="square" rtlCol="0">
+            <a:spAutoFit/>
+          </a:bodyPr>
+          <a:lstStyle/>
+          <a:p>
+            <a:r>
+              <a:rPr lang="en-US" dirty="0">
+                <a:solidFill>
+                  <a:schemeClr val="tx2">
+                    <a:lumMod val="10000"/>
+                  </a:schemeClr>
+                </a:solidFill>
+              </a:rPr>
+              <a:t>Active now: one new message</a:t>
+            </a:r>
+          </a:p>
+        </p:txBody>
+      </p:sp>
+      <p:sp>
+        <p:nvSpPr>
+          <p:cNvPr id="39" name="TextBox 38">
+            <a:extLst>
+              <a:ext uri="{FF2B5EF4-FFF2-40B4-BE49-F238E27FC236}">
+                <a16:creationId xmlns:a16="http://schemas.microsoft.com/office/drawing/2014/main" id="{0CC75971-302B-824A-B64B-97BA53A85B2F}"/>
+              </a:ext>
+            </a:extLst>
+          </p:cNvPr>
+          <p:cNvSpPr txBox="1"/>
+          <p:nvPr/>
+        </p:nvSpPr>
+        <p:spPr>
+          <a:xfrm>
+            <a:off x="2352958" y="3278996"/>
+            <a:ext cx="3390983" cy="369332"/>
+          </a:xfrm>
+          <a:prstGeom prst="rect">
+            <a:avLst/>
+          </a:prstGeom>
+          <a:noFill/>
+        </p:spPr>
+        <p:txBody>
+          <a:bodyPr wrap="square" rtlCol="0">
+            <a:spAutoFit/>
+          </a:bodyPr>
+          <a:lstStyle/>
+          <a:p>
+            <a:r>
+              <a:rPr lang="en-US" dirty="0">
+                <a:solidFill>
+                  <a:schemeClr val="tx2">
+                    <a:lumMod val="10000"/>
+                  </a:schemeClr>
+                </a:solidFill>
+              </a:rPr>
+              <a:t>Last active 4 hours ago</a:t>
+            </a:r>
+          </a:p>
+        </p:txBody>
+      </p:sp>
+      <p:sp>
+        <p:nvSpPr>
+          <p:cNvPr id="40" name="TextBox 39">
+            <a:extLst>
+              <a:ext uri="{FF2B5EF4-FFF2-40B4-BE49-F238E27FC236}">
+                <a16:creationId xmlns:a16="http://schemas.microsoft.com/office/drawing/2014/main" id="{71B84212-7603-184B-BB4C-2730DAB3B391}"/>
+              </a:ext>
+            </a:extLst>
+          </p:cNvPr>
+          <p:cNvSpPr txBox="1"/>
+          <p:nvPr/>
+        </p:nvSpPr>
+        <p:spPr>
+          <a:xfrm>
+            <a:off x="2352958" y="3960388"/>
+            <a:ext cx="3390983" cy="369332"/>
+          </a:xfrm>
+          <a:prstGeom prst="rect">
+            <a:avLst/>
+          </a:prstGeom>
+          <a:noFill/>
+        </p:spPr>
+        <p:txBody>
+          <a:bodyPr wrap="square" rtlCol="0">
+            <a:spAutoFit/>
+          </a:bodyPr>
+          <a:lstStyle/>
+          <a:p>
+            <a:r>
+              <a:rPr lang="en-US" dirty="0">
+                <a:solidFill>
+                  <a:schemeClr val="tx2">
+                    <a:lumMod val="10000"/>
+                  </a:schemeClr>
+                </a:solidFill>
+              </a:rPr>
+              <a:t>Last active yesterday</a:t>
+            </a:r>
+          </a:p>
+        </p:txBody>
+      </p:sp>
+      <p:sp>
+        <p:nvSpPr>
+          <p:cNvPr id="42" name="Lightning Bolt 41">
+            <a:extLst>
+              <a:ext uri="{FF2B5EF4-FFF2-40B4-BE49-F238E27FC236}">
+                <a16:creationId xmlns:a16="http://schemas.microsoft.com/office/drawing/2014/main" id="{12D5E3DD-1951-BE4B-A971-46E560455667}"/>
+              </a:ext>
+            </a:extLst>
+          </p:cNvPr>
+          <p:cNvSpPr/>
+          <p:nvPr/>
+        </p:nvSpPr>
+        <p:spPr>
+          <a:xfrm rot="249055">
+            <a:off x="1053791" y="2016868"/>
+            <a:ext cx="235933" cy="251834"/>
+          </a:xfrm>
+          <a:prstGeom prst="lightningBolt">
+            <a:avLst/>
+          </a:prstGeom>
+        </p:spPr>
+        <p:style>
+          <a:lnRef idx="2">
+            <a:schemeClr val="accent1">
+              <a:shade val="50000"/>
+            </a:schemeClr>
+          </a:lnRef>
+          <a:fillRef idx="1">
+            <a:schemeClr val="accent1"/>
+          </a:fillRef>
+          <a:effectRef idx="0">
+            <a:schemeClr val="accent1"/>
+          </a:effectRef>
+          <a:fontRef idx="minor">
+            <a:schemeClr val="lt1"/>
+          </a:fontRef>
+        </p:style>
+        <p:txBody>
+          <a:bodyPr rtlCol="0" anchor="ctr"/>
+          <a:lstStyle/>
+          <a:p>
+            <a:pPr algn="ctr"/>
+            <a:endParaRPr lang="en-US"/>
+          </a:p>
+        </p:txBody>
+      </p:sp>
     </p:spTree>
     <p:extLst>
       <p:ext uri="{BB962C8B-B14F-4D97-AF65-F5344CB8AC3E}">

--- a/High Fidelity Prototyping Group 19.pptx
+++ b/High Fidelity Prototyping Group 19.pptx
@@ -9391,6 +9391,93 @@
           </a:p>
         </p:txBody>
       </p:sp>
+      <p:pic>
+        <p:nvPicPr>
+          <p:cNvPr id="3" name="Picture 2" descr="A person swimming in a body of water&#10;&#10;Description automatically generated">
+            <a:extLst>
+              <a:ext uri="{FF2B5EF4-FFF2-40B4-BE49-F238E27FC236}">
+                <a16:creationId xmlns:a16="http://schemas.microsoft.com/office/drawing/2014/main" id="{4870C8B5-FFCE-48BD-B3ED-64AA617548BB}"/>
+              </a:ext>
+            </a:extLst>
+          </p:cNvPr>
+          <p:cNvPicPr>
+            <a:picLocks noChangeAspect="1"/>
+          </p:cNvPicPr>
+          <p:nvPr/>
+        </p:nvPicPr>
+        <p:blipFill>
+          <a:blip r:embed="rId5">
+            <a:extLst>
+              <a:ext uri="{28A0092B-C50C-407E-A947-70E740481C1C}">
+                <a14:useLocalDpi xmlns:a14="http://schemas.microsoft.com/office/drawing/2010/main" val="0"/>
+              </a:ext>
+              <a:ext uri="{837473B0-CC2E-450A-ABE3-18F120FF3D39}">
+                <a1611:picAttrSrcUrl xmlns:a1611="http://schemas.microsoft.com/office/drawing/2016/11/main" r:id="rId6"/>
+              </a:ext>
+            </a:extLst>
+          </a:blip>
+          <a:stretch>
+            <a:fillRect/>
+          </a:stretch>
+        </p:blipFill>
+        <p:spPr>
+          <a:xfrm>
+            <a:off x="1397299" y="1635165"/>
+            <a:ext cx="1950720" cy="1313688"/>
+          </a:xfrm>
+          <a:prstGeom prst="rect">
+            <a:avLst/>
+          </a:prstGeom>
+        </p:spPr>
+      </p:pic>
+      <p:sp>
+        <p:nvSpPr>
+          <p:cNvPr id="4" name="TextBox 3">
+            <a:extLst>
+              <a:ext uri="{FF2B5EF4-FFF2-40B4-BE49-F238E27FC236}">
+                <a16:creationId xmlns:a16="http://schemas.microsoft.com/office/drawing/2014/main" id="{64A578F4-760E-461A-8004-5B4B2246133E}"/>
+              </a:ext>
+            </a:extLst>
+          </p:cNvPr>
+          <p:cNvSpPr txBox="1"/>
+          <p:nvPr/>
+        </p:nvSpPr>
+        <p:spPr>
+          <a:xfrm>
+            <a:off x="1397299" y="2948853"/>
+            <a:ext cx="1950720" cy="369332"/>
+          </a:xfrm>
+          <a:prstGeom prst="rect">
+            <a:avLst/>
+          </a:prstGeom>
+          <a:noFill/>
+        </p:spPr>
+        <p:txBody>
+          <a:bodyPr wrap="square" rtlCol="0">
+            <a:spAutoFit/>
+          </a:bodyPr>
+          <a:lstStyle/>
+          <a:p>
+            <a:r>
+              <a:rPr lang="en-US" sz="900">
+                <a:hlinkClick r:id="rId6" tooltip="http://www.internetmonk.com/archive/swim-or-float-guess-what-god-wants-from-us"/>
+              </a:rPr>
+              <a:t>This Photo</a:t>
+            </a:r>
+            <a:r>
+              <a:rPr lang="en-US" sz="900"/>
+              <a:t> by Unknown Author is licensed under </a:t>
+            </a:r>
+            <a:r>
+              <a:rPr lang="en-US" sz="900">
+                <a:hlinkClick r:id="rId7" tooltip="https://creativecommons.org/licenses/by-nc-nd/3.0/"/>
+              </a:rPr>
+              <a:t>CC BY-NC-ND</a:t>
+            </a:r>
+            <a:endParaRPr lang="en-US" sz="900"/>
+          </a:p>
+        </p:txBody>
+      </p:sp>
     </p:spTree>
     <p:extLst>
       <p:ext uri="{BB962C8B-B14F-4D97-AF65-F5344CB8AC3E}">
@@ -10225,6 +10312,240 @@
               </a:rPr>
               <a:t>Messaging</a:t>
             </a:r>
+          </a:p>
+        </p:txBody>
+      </p:sp>
+      <p:sp>
+        <p:nvSpPr>
+          <p:cNvPr id="3" name="Rectangle: Rounded Corners 2">
+            <a:extLst>
+              <a:ext uri="{FF2B5EF4-FFF2-40B4-BE49-F238E27FC236}">
+                <a16:creationId xmlns:a16="http://schemas.microsoft.com/office/drawing/2014/main" id="{6069000D-72AE-4ED4-94D5-D466315FFB5A}"/>
+              </a:ext>
+            </a:extLst>
+          </p:cNvPr>
+          <p:cNvSpPr/>
+          <p:nvPr/>
+        </p:nvSpPr>
+        <p:spPr>
+          <a:xfrm>
+            <a:off x="2121646" y="2912370"/>
+            <a:ext cx="7948707" cy="1472232"/>
+          </a:xfrm>
+          <a:prstGeom prst="roundRect">
+            <a:avLst/>
+          </a:prstGeom>
+        </p:spPr>
+        <p:style>
+          <a:lnRef idx="2">
+            <a:schemeClr val="accent1">
+              <a:shade val="50000"/>
+            </a:schemeClr>
+          </a:lnRef>
+          <a:fillRef idx="1">
+            <a:schemeClr val="accent1"/>
+          </a:fillRef>
+          <a:effectRef idx="0">
+            <a:schemeClr val="accent1"/>
+          </a:effectRef>
+          <a:fontRef idx="minor">
+            <a:schemeClr val="lt1"/>
+          </a:fontRef>
+        </p:style>
+        <p:txBody>
+          <a:bodyPr rtlCol="0" anchor="ctr"/>
+          <a:lstStyle/>
+          <a:p>
+            <a:pPr algn="ctr"/>
+            <a:endParaRPr lang="en-US"/>
+          </a:p>
+        </p:txBody>
+      </p:sp>
+      <p:sp>
+        <p:nvSpPr>
+          <p:cNvPr id="2" name="Rectangle: Rounded Corners 1">
+            <a:extLst>
+              <a:ext uri="{FF2B5EF4-FFF2-40B4-BE49-F238E27FC236}">
+                <a16:creationId xmlns:a16="http://schemas.microsoft.com/office/drawing/2014/main" id="{1AF0AC33-8A77-47DD-91FB-D5A871C9C13C}"/>
+              </a:ext>
+            </a:extLst>
+          </p:cNvPr>
+          <p:cNvSpPr/>
+          <p:nvPr/>
+        </p:nvSpPr>
+        <p:spPr>
+          <a:xfrm>
+            <a:off x="2316778" y="3853253"/>
+            <a:ext cx="4996330" cy="343785"/>
+          </a:xfrm>
+          <a:prstGeom prst="roundRect">
+            <a:avLst/>
+          </a:prstGeom>
+          <a:solidFill>
+            <a:schemeClr val="tx1"/>
+          </a:solidFill>
+          <a:ln>
+            <a:solidFill>
+              <a:schemeClr val="accent1"/>
+            </a:solidFill>
+          </a:ln>
+        </p:spPr>
+        <p:style>
+          <a:lnRef idx="2">
+            <a:schemeClr val="accent1">
+              <a:shade val="50000"/>
+            </a:schemeClr>
+          </a:lnRef>
+          <a:fillRef idx="1">
+            <a:schemeClr val="accent1"/>
+          </a:fillRef>
+          <a:effectRef idx="0">
+            <a:schemeClr val="accent1"/>
+          </a:effectRef>
+          <a:fontRef idx="minor">
+            <a:schemeClr val="lt1"/>
+          </a:fontRef>
+        </p:style>
+        <p:txBody>
+          <a:bodyPr rtlCol="0" anchor="ctr"/>
+          <a:lstStyle/>
+          <a:p>
+            <a:pPr algn="ctr"/>
+            <a:endParaRPr lang="en-US"/>
+          </a:p>
+        </p:txBody>
+      </p:sp>
+      <p:sp>
+        <p:nvSpPr>
+          <p:cNvPr id="4" name="Rectangle: Rounded Corners 3">
+            <a:extLst>
+              <a:ext uri="{FF2B5EF4-FFF2-40B4-BE49-F238E27FC236}">
+                <a16:creationId xmlns:a16="http://schemas.microsoft.com/office/drawing/2014/main" id="{C3D75A2B-C6C0-4ED1-95F0-2AE4D753137A}"/>
+              </a:ext>
+            </a:extLst>
+          </p:cNvPr>
+          <p:cNvSpPr/>
+          <p:nvPr/>
+        </p:nvSpPr>
+        <p:spPr>
+          <a:xfrm>
+            <a:off x="7508240" y="3864445"/>
+            <a:ext cx="2366982" cy="332759"/>
+          </a:xfrm>
+          <a:prstGeom prst="roundRect">
+            <a:avLst/>
+          </a:prstGeom>
+          <a:solidFill>
+            <a:schemeClr val="accent1">
+              <a:lumMod val="60000"/>
+              <a:lumOff val="40000"/>
+            </a:schemeClr>
+          </a:solidFill>
+        </p:spPr>
+        <p:style>
+          <a:lnRef idx="2">
+            <a:schemeClr val="accent1">
+              <a:shade val="50000"/>
+            </a:schemeClr>
+          </a:lnRef>
+          <a:fillRef idx="1">
+            <a:schemeClr val="accent1"/>
+          </a:fillRef>
+          <a:effectRef idx="0">
+            <a:schemeClr val="accent1"/>
+          </a:effectRef>
+          <a:fontRef idx="minor">
+            <a:schemeClr val="lt1"/>
+          </a:fontRef>
+        </p:style>
+        <p:txBody>
+          <a:bodyPr rtlCol="0" anchor="ctr"/>
+          <a:lstStyle/>
+          <a:p>
+            <a:pPr algn="ctr"/>
+            <a:endParaRPr lang="en-US" dirty="0">
+              <a:latin typeface="Counter-Strike" panose="02000506030000020004" pitchFamily="2" charset="0"/>
+            </a:endParaRPr>
+          </a:p>
+        </p:txBody>
+      </p:sp>
+      <p:sp>
+        <p:nvSpPr>
+          <p:cNvPr id="5" name="TextBox 4">
+            <a:extLst>
+              <a:ext uri="{FF2B5EF4-FFF2-40B4-BE49-F238E27FC236}">
+                <a16:creationId xmlns:a16="http://schemas.microsoft.com/office/drawing/2014/main" id="{8F19B52C-088B-40FD-BCCA-FEEC3D7A0B65}"/>
+              </a:ext>
+            </a:extLst>
+          </p:cNvPr>
+          <p:cNvSpPr txBox="1"/>
+          <p:nvPr/>
+        </p:nvSpPr>
+        <p:spPr>
+          <a:xfrm>
+            <a:off x="2409414" y="3823380"/>
+            <a:ext cx="4811058" cy="369332"/>
+          </a:xfrm>
+          <a:prstGeom prst="rect">
+            <a:avLst/>
+          </a:prstGeom>
+          <a:noFill/>
+        </p:spPr>
+        <p:txBody>
+          <a:bodyPr wrap="square" rtlCol="0">
+            <a:spAutoFit/>
+          </a:bodyPr>
+          <a:lstStyle/>
+          <a:p>
+            <a:pPr algn="ctr"/>
+            <a:r>
+              <a:rPr lang="en-US" dirty="0">
+                <a:solidFill>
+                  <a:schemeClr val="bg1"/>
+                </a:solidFill>
+                <a:latin typeface="Counter-Strike" panose="02000506030000020004" pitchFamily="2" charset="0"/>
+              </a:rPr>
+              <a:t>Click to enter your location</a:t>
+            </a:r>
+          </a:p>
+        </p:txBody>
+      </p:sp>
+      <p:sp>
+        <p:nvSpPr>
+          <p:cNvPr id="8" name="TextBox 7">
+            <a:extLst>
+              <a:ext uri="{FF2B5EF4-FFF2-40B4-BE49-F238E27FC236}">
+                <a16:creationId xmlns:a16="http://schemas.microsoft.com/office/drawing/2014/main" id="{2827C5CA-12E9-4079-8CDC-3C21DD2FE800}"/>
+              </a:ext>
+            </a:extLst>
+          </p:cNvPr>
+          <p:cNvSpPr txBox="1"/>
+          <p:nvPr/>
+        </p:nvSpPr>
+        <p:spPr>
+          <a:xfrm>
+            <a:off x="7602071" y="3827706"/>
+            <a:ext cx="2175927" cy="369332"/>
+          </a:xfrm>
+          <a:prstGeom prst="rect">
+            <a:avLst/>
+          </a:prstGeom>
+          <a:noFill/>
+        </p:spPr>
+        <p:txBody>
+          <a:bodyPr wrap="square" rtlCol="0">
+            <a:spAutoFit/>
+          </a:bodyPr>
+          <a:lstStyle/>
+          <a:p>
+            <a:pPr algn="ctr"/>
+            <a:r>
+              <a:rPr lang="en-US" dirty="0">
+                <a:latin typeface="Counter-Strike" panose="02000506030000020004" pitchFamily="2" charset="0"/>
+              </a:rPr>
+              <a:t>Search</a:t>
+            </a:r>
+            <a:endParaRPr lang="en-US" dirty="0"/>
           </a:p>
         </p:txBody>
       </p:sp>

--- a/High Fidelity Prototyping Group 19.pptx
+++ b/High Fidelity Prototyping Group 19.pptx
@@ -7,9 +7,14 @@
   <p:sldIdLst>
     <p:sldId id="257" r:id="rId2"/>
     <p:sldId id="258" r:id="rId3"/>
-    <p:sldId id="259" r:id="rId4"/>
-    <p:sldId id="260" r:id="rId5"/>
-    <p:sldId id="261" r:id="rId6"/>
+    <p:sldId id="262" r:id="rId4"/>
+    <p:sldId id="263" r:id="rId5"/>
+    <p:sldId id="259" r:id="rId6"/>
+    <p:sldId id="260" r:id="rId7"/>
+    <p:sldId id="264" r:id="rId8"/>
+    <p:sldId id="265" r:id="rId9"/>
+    <p:sldId id="261" r:id="rId10"/>
+    <p:sldId id="266" r:id="rId11"/>
   </p:sldIdLst>
   <p:sldSz cx="12192000" cy="6858000"/>
   <p:notesSz cx="6858000" cy="9144000"/>
@@ -390,7 +395,7 @@
           <a:p>
             <a:fld id="{57398CF1-2A2E-404A-9DC0-DB6C4A39A2F6}" type="datetimeFigureOut">
               <a:rPr lang="en-US" smtClean="0"/>
-              <a:t>4/4/20</a:t>
+              <a:t>4/5/2020</a:t>
             </a:fld>
             <a:endParaRPr lang="en-US"/>
           </a:p>
@@ -804,7 +809,7 @@
           <a:p>
             <a:fld id="{57398CF1-2A2E-404A-9DC0-DB6C4A39A2F6}" type="datetimeFigureOut">
               <a:rPr lang="en-US" smtClean="0"/>
-              <a:t>4/4/20</a:t>
+              <a:t>4/5/2020</a:t>
             </a:fld>
             <a:endParaRPr lang="en-US"/>
           </a:p>
@@ -1140,7 +1145,7 @@
           <a:p>
             <a:fld id="{57398CF1-2A2E-404A-9DC0-DB6C4A39A2F6}" type="datetimeFigureOut">
               <a:rPr lang="en-US" smtClean="0"/>
-              <a:t>4/4/20</a:t>
+              <a:t>4/5/2020</a:t>
             </a:fld>
             <a:endParaRPr lang="en-US"/>
           </a:p>
@@ -1545,7 +1550,7 @@
           <a:p>
             <a:fld id="{57398CF1-2A2E-404A-9DC0-DB6C4A39A2F6}" type="datetimeFigureOut">
               <a:rPr lang="en-US" smtClean="0"/>
-              <a:t>4/4/20</a:t>
+              <a:t>4/5/2020</a:t>
             </a:fld>
             <a:endParaRPr lang="en-US"/>
           </a:p>
@@ -2113,7 +2118,7 @@
           <a:p>
             <a:fld id="{57398CF1-2A2E-404A-9DC0-DB6C4A39A2F6}" type="datetimeFigureOut">
               <a:rPr lang="en-US" smtClean="0"/>
-              <a:t>4/4/20</a:t>
+              <a:t>4/5/2020</a:t>
             </a:fld>
             <a:endParaRPr lang="en-US"/>
           </a:p>
@@ -2794,7 +2799,7 @@
           <a:p>
             <a:fld id="{57398CF1-2A2E-404A-9DC0-DB6C4A39A2F6}" type="datetimeFigureOut">
               <a:rPr lang="en-US" smtClean="0"/>
-              <a:t>4/4/20</a:t>
+              <a:t>4/5/2020</a:t>
             </a:fld>
             <a:endParaRPr lang="en-US"/>
           </a:p>
@@ -3707,7 +3712,7 @@
           <a:p>
             <a:fld id="{57398CF1-2A2E-404A-9DC0-DB6C4A39A2F6}" type="datetimeFigureOut">
               <a:rPr lang="en-US" smtClean="0"/>
-              <a:t>4/4/20</a:t>
+              <a:t>4/5/2020</a:t>
             </a:fld>
             <a:endParaRPr lang="en-US"/>
           </a:p>
@@ -4020,7 +4025,7 @@
           <a:p>
             <a:fld id="{57398CF1-2A2E-404A-9DC0-DB6C4A39A2F6}" type="datetimeFigureOut">
               <a:rPr lang="en-US" smtClean="0"/>
-              <a:t>4/4/20</a:t>
+              <a:t>4/5/2020</a:t>
             </a:fld>
             <a:endParaRPr lang="en-US"/>
           </a:p>
@@ -4284,7 +4289,7 @@
           <a:p>
             <a:fld id="{57398CF1-2A2E-404A-9DC0-DB6C4A39A2F6}" type="datetimeFigureOut">
               <a:rPr lang="en-US" smtClean="0"/>
-              <a:t>4/4/20</a:t>
+              <a:t>4/5/2020</a:t>
             </a:fld>
             <a:endParaRPr lang="en-US"/>
           </a:p>
@@ -4607,7 +4612,7 @@
           <a:p>
             <a:fld id="{57398CF1-2A2E-404A-9DC0-DB6C4A39A2F6}" type="datetimeFigureOut">
               <a:rPr lang="en-US" smtClean="0"/>
-              <a:t>4/4/20</a:t>
+              <a:t>4/5/2020</a:t>
             </a:fld>
             <a:endParaRPr lang="en-US"/>
           </a:p>
@@ -4996,7 +5001,7 @@
           <a:p>
             <a:fld id="{57398CF1-2A2E-404A-9DC0-DB6C4A39A2F6}" type="datetimeFigureOut">
               <a:rPr lang="en-US" smtClean="0"/>
-              <a:t>4/4/20</a:t>
+              <a:t>4/5/2020</a:t>
             </a:fld>
             <a:endParaRPr lang="en-US"/>
           </a:p>
@@ -5372,7 +5377,7 @@
           <a:p>
             <a:fld id="{57398CF1-2A2E-404A-9DC0-DB6C4A39A2F6}" type="datetimeFigureOut">
               <a:rPr lang="en-US" smtClean="0"/>
-              <a:t>4/4/20</a:t>
+              <a:t>4/5/2020</a:t>
             </a:fld>
             <a:endParaRPr lang="en-US"/>
           </a:p>
@@ -5878,7 +5883,7 @@
           <a:p>
             <a:fld id="{57398CF1-2A2E-404A-9DC0-DB6C4A39A2F6}" type="datetimeFigureOut">
               <a:rPr lang="en-US" smtClean="0"/>
-              <a:t>4/4/20</a:t>
+              <a:t>4/5/2020</a:t>
             </a:fld>
             <a:endParaRPr lang="en-US"/>
           </a:p>
@@ -6135,7 +6140,7 @@
           <a:p>
             <a:fld id="{57398CF1-2A2E-404A-9DC0-DB6C4A39A2F6}" type="datetimeFigureOut">
               <a:rPr lang="en-US" smtClean="0"/>
-              <a:t>4/4/20</a:t>
+              <a:t>4/5/2020</a:t>
             </a:fld>
             <a:endParaRPr lang="en-US"/>
           </a:p>
@@ -6298,7 +6303,7 @@
           <a:p>
             <a:fld id="{57398CF1-2A2E-404A-9DC0-DB6C4A39A2F6}" type="datetimeFigureOut">
               <a:rPr lang="en-US" smtClean="0"/>
-              <a:t>4/4/20</a:t>
+              <a:t>4/5/2020</a:t>
             </a:fld>
             <a:endParaRPr lang="en-US"/>
           </a:p>
@@ -6688,7 +6693,7 @@
           <a:p>
             <a:fld id="{57398CF1-2A2E-404A-9DC0-DB6C4A39A2F6}" type="datetimeFigureOut">
               <a:rPr lang="en-US" smtClean="0"/>
-              <a:t>4/4/20</a:t>
+              <a:t>4/5/2020</a:t>
             </a:fld>
             <a:endParaRPr lang="en-US"/>
           </a:p>
@@ -7097,7 +7102,7 @@
           <a:p>
             <a:fld id="{57398CF1-2A2E-404A-9DC0-DB6C4A39A2F6}" type="datetimeFigureOut">
               <a:rPr lang="en-US" smtClean="0"/>
-              <a:t>4/4/20</a:t>
+              <a:t>4/5/2020</a:t>
             </a:fld>
             <a:endParaRPr lang="en-US"/>
           </a:p>
@@ -7341,7 +7346,7 @@
           <a:p>
             <a:fld id="{57398CF1-2A2E-404A-9DC0-DB6C4A39A2F6}" type="datetimeFigureOut">
               <a:rPr lang="en-US" smtClean="0"/>
-              <a:t>4/4/20</a:t>
+              <a:t>4/5/2020</a:t>
             </a:fld>
             <a:endParaRPr lang="en-US"/>
           </a:p>
@@ -8639,7 +8644,7 @@
         </p:nvSpPr>
         <p:spPr>
           <a:xfrm>
-            <a:off x="834731" y="1484678"/>
+            <a:off x="1718459" y="1354374"/>
             <a:ext cx="8032543" cy="646331"/>
           </a:xfrm>
           <a:prstGeom prst="rect">
@@ -8653,16 +8658,23 @@
           </a:bodyPr>
           <a:lstStyle/>
           <a:p>
+            <a:pPr algn="ctr"/>
             <a:r>
-              <a:rPr lang="en-US" dirty="0"/>
+              <a:rPr lang="en-US" dirty="0">
+                <a:latin typeface="Counter-Strike" panose="02000506030000020004" pitchFamily="2" charset="0"/>
+              </a:rPr>
               <a:t>Welcome to </a:t>
             </a:r>
             <a:r>
-              <a:rPr lang="en-US" dirty="0" err="1"/>
+              <a:rPr lang="en-US" dirty="0" err="1">
+                <a:latin typeface="Counter-Strike" panose="02000506030000020004" pitchFamily="2" charset="0"/>
+              </a:rPr>
               <a:t>ExerPals</a:t>
             </a:r>
             <a:r>
-              <a:rPr lang="en-US" dirty="0"/>
+              <a:rPr lang="en-US" dirty="0">
+                <a:latin typeface="Counter-Strike" panose="02000506030000020004" pitchFamily="2" charset="0"/>
+              </a:rPr>
               <a:t>! The site where you can find like-minded people near you to exercise and grow with.</a:t>
             </a:r>
           </a:p>
@@ -8690,7 +8702,7 @@
         </p:blipFill>
         <p:spPr>
           <a:xfrm>
-            <a:off x="834731" y="4434666"/>
+            <a:off x="870996" y="4341125"/>
             <a:ext cx="2755719" cy="1830441"/>
           </a:xfrm>
           <a:prstGeom prst="rect">
@@ -8712,7 +8724,7 @@
         </p:nvSpPr>
         <p:spPr>
           <a:xfrm>
-            <a:off x="889116" y="3380108"/>
+            <a:off x="979768" y="2958579"/>
             <a:ext cx="2646947" cy="923330"/>
           </a:xfrm>
           <a:prstGeom prst="rect">
@@ -8727,7 +8739,9 @@
           <a:lstStyle/>
           <a:p>
             <a:r>
-              <a:rPr lang="en-US" dirty="0"/>
+              <a:rPr lang="en-US" dirty="0">
+                <a:latin typeface="Counter-Strike" panose="02000506030000020004" pitchFamily="2" charset="0"/>
+              </a:rPr>
               <a:t>To find workouts happening near you, click </a:t>
             </a:r>
             <a:r>
@@ -8738,6 +8752,7 @@
                     <a:lumOff val="80000"/>
                   </a:schemeClr>
                 </a:solidFill>
+                <a:latin typeface="Counter-Strike" panose="02000506030000020004" pitchFamily="2" charset="0"/>
                 <a:hlinkClick r:id="rId5" action="ppaction://hlinksldjump">
                   <a:extLst>
                     <a:ext uri="{A12FA001-AC4F-418D-AE19-62706E023703}">
@@ -8756,10 +8771,13 @@
                     <a:lumOff val="80000"/>
                   </a:schemeClr>
                 </a:solidFill>
+                <a:latin typeface="Counter-Strike" panose="02000506030000020004" pitchFamily="2" charset="0"/>
               </a:rPr>
               <a:t>!</a:t>
             </a:r>
-            <a:endParaRPr lang="en-US" dirty="0"/>
+            <a:endParaRPr lang="en-US" dirty="0">
+              <a:latin typeface="Counter-Strike" panose="02000506030000020004" pitchFamily="2" charset="0"/>
+            </a:endParaRPr>
           </a:p>
         </p:txBody>
       </p:sp>
@@ -8777,7 +8795,7 @@
         </p:nvSpPr>
         <p:spPr>
           <a:xfrm>
-            <a:off x="4017937" y="3211315"/>
+            <a:off x="4776948" y="2855961"/>
             <a:ext cx="2286000" cy="1200329"/>
           </a:xfrm>
           <a:prstGeom prst="rect">
@@ -8792,7 +8810,9 @@
           <a:lstStyle/>
           <a:p>
             <a:r>
-              <a:rPr lang="en-US" dirty="0"/>
+              <a:rPr lang="en-US" dirty="0">
+                <a:latin typeface="Counter-Strike" panose="02000506030000020004" pitchFamily="2" charset="0"/>
+              </a:rPr>
               <a:t>For people looking for workout partners or groups, click </a:t>
             </a:r>
             <a:r>
@@ -8803,6 +8823,7 @@
                     <a:lumOff val="80000"/>
                   </a:schemeClr>
                 </a:solidFill>
+                <a:latin typeface="Counter-Strike" panose="02000506030000020004" pitchFamily="2" charset="0"/>
                 <a:hlinkClick r:id="rId6" action="ppaction://hlinksldjump">
                   <a:extLst>
                     <a:ext uri="{A12FA001-AC4F-418D-AE19-62706E023703}">
@@ -8814,7 +8835,9 @@
               <a:t>here</a:t>
             </a:r>
             <a:r>
-              <a:rPr lang="en-US" dirty="0"/>
+              <a:rPr lang="en-US" dirty="0">
+                <a:latin typeface="Counter-Strike" panose="02000506030000020004" pitchFamily="2" charset="0"/>
+              </a:rPr>
               <a:t>!</a:t>
             </a:r>
           </a:p>
@@ -8834,8 +8857,8 @@
         </p:nvSpPr>
         <p:spPr>
           <a:xfrm>
-            <a:off x="6785811" y="3333850"/>
-            <a:ext cx="2081463" cy="1200329"/>
+            <a:off x="8983355" y="2851479"/>
+            <a:ext cx="1914400" cy="1477328"/>
           </a:xfrm>
           <a:prstGeom prst="rect">
             <a:avLst/>
@@ -8849,7 +8872,9 @@
           <a:lstStyle/>
           <a:p>
             <a:r>
-              <a:rPr lang="en-US" dirty="0"/>
+              <a:rPr lang="en-US" dirty="0">
+                <a:latin typeface="Counter-Strike" panose="02000506030000020004" pitchFamily="2" charset="0"/>
+              </a:rPr>
               <a:t>For the messaging page, please click </a:t>
             </a:r>
             <a:r>
@@ -8860,6 +8885,7 @@
                     <a:lumOff val="80000"/>
                   </a:schemeClr>
                 </a:solidFill>
+                <a:latin typeface="Counter-Strike" panose="02000506030000020004" pitchFamily="2" charset="0"/>
                 <a:hlinkClick r:id="rId7" action="ppaction://hlinksldjump">
                   <a:extLst>
                     <a:ext uri="{A12FA001-AC4F-418D-AE19-62706E023703}">
@@ -8878,10 +8904,13 @@
                     <a:lumOff val="80000"/>
                   </a:schemeClr>
                 </a:solidFill>
+                <a:latin typeface="Counter-Strike" panose="02000506030000020004" pitchFamily="2" charset="0"/>
               </a:rPr>
               <a:t>!</a:t>
             </a:r>
-            <a:endParaRPr lang="en-US" dirty="0"/>
+            <a:endParaRPr lang="en-US" dirty="0">
+              <a:latin typeface="Counter-Strike" panose="02000506030000020004" pitchFamily="2" charset="0"/>
+            </a:endParaRPr>
           </a:p>
           <a:p>
             <a:endParaRPr lang="en-US" dirty="0"/>
@@ -8910,8 +8939,8 @@
         </p:blipFill>
         <p:spPr>
           <a:xfrm>
-            <a:off x="3943789" y="4458102"/>
-            <a:ext cx="2434296" cy="1807005"/>
+            <a:off x="4682716" y="4328807"/>
+            <a:ext cx="2482462" cy="1842759"/>
           </a:xfrm>
           <a:prstGeom prst="rect">
             <a:avLst/>
@@ -8940,8 +8969,8 @@
         </p:blipFill>
         <p:spPr>
           <a:xfrm>
-            <a:off x="6821294" y="4465318"/>
-            <a:ext cx="2045980" cy="1799789"/>
+            <a:off x="8816291" y="4328807"/>
+            <a:ext cx="2081463" cy="1831002"/>
           </a:xfrm>
           <a:prstGeom prst="rect">
             <a:avLst/>
@@ -8952,6 +8981,1216 @@
     <p:extLst>
       <p:ext uri="{BB962C8B-B14F-4D97-AF65-F5344CB8AC3E}">
         <p14:creationId xmlns:p14="http://schemas.microsoft.com/office/powerpoint/2010/main" val="4284942965"/>
+      </p:ext>
+    </p:extLst>
+  </p:cSld>
+  <p:clrMapOvr>
+    <a:masterClrMapping/>
+  </p:clrMapOvr>
+</p:sld>
+</file>
+
+<file path=ppt/slides/slide10.xml><?xml version="1.0" encoding="utf-8"?>
+<p:sld xmlns:a="http://schemas.openxmlformats.org/drawingml/2006/main" xmlns:r="http://schemas.openxmlformats.org/officeDocument/2006/relationships" xmlns:p="http://schemas.openxmlformats.org/presentationml/2006/main">
+  <p:cSld>
+    <p:bg>
+      <p:bgPr>
+        <a:gradFill rotWithShape="1">
+          <a:gsLst>
+            <a:gs pos="0">
+              <a:schemeClr val="bg2">
+                <a:tint val="96000"/>
+                <a:shade val="100000"/>
+                <a:hueMod val="270000"/>
+                <a:satMod val="200000"/>
+                <a:lumMod val="128000"/>
+              </a:schemeClr>
+            </a:gs>
+            <a:gs pos="50000">
+              <a:schemeClr val="bg2">
+                <a:shade val="100000"/>
+                <a:hueMod val="100000"/>
+                <a:satMod val="110000"/>
+                <a:lumMod val="130000"/>
+              </a:schemeClr>
+            </a:gs>
+            <a:gs pos="100000">
+              <a:schemeClr val="bg2">
+                <a:shade val="78000"/>
+                <a:hueMod val="44000"/>
+                <a:satMod val="200000"/>
+                <a:lumMod val="69000"/>
+              </a:schemeClr>
+            </a:gs>
+          </a:gsLst>
+          <a:lin ang="2520000" scaled="0"/>
+        </a:gradFill>
+        <a:effectLst/>
+      </p:bgPr>
+    </p:bg>
+    <p:spTree>
+      <p:nvGrpSpPr>
+        <p:cNvPr id="1" name=""/>
+        <p:cNvGrpSpPr/>
+        <p:nvPr/>
+      </p:nvGrpSpPr>
+      <p:grpSpPr>
+        <a:xfrm>
+          <a:off x="0" y="0"/>
+          <a:ext cx="0" cy="0"/>
+          <a:chOff x="0" y="0"/>
+          <a:chExt cx="0" cy="0"/>
+        </a:xfrm>
+      </p:grpSpPr>
+      <p:pic>
+        <p:nvPicPr>
+          <p:cNvPr id="12" name="Picture 11">
+            <a:extLst>
+              <a:ext uri="{FF2B5EF4-FFF2-40B4-BE49-F238E27FC236}">
+                <a16:creationId xmlns:a16="http://schemas.microsoft.com/office/drawing/2014/main" id="{AC3E6C53-102E-4ACA-BCBB-3CC973B99486}"/>
+              </a:ext>
+              <a:ext uri="{C183D7F6-B498-43B3-948B-1728B52AA6E4}">
+                <adec:decorative xmlns:adec="http://schemas.microsoft.com/office/drawing/2017/decorative" val="1"/>
+              </a:ext>
+            </a:extLst>
+          </p:cNvPr>
+          <p:cNvPicPr>
+            <a:picLocks noGrp="1" noRot="1" noChangeAspect="1" noMove="1" noResize="1" noEditPoints="1" noAdjustHandles="1" noChangeArrowheads="1" noChangeShapeType="1" noCrop="1"/>
+          </p:cNvPicPr>
+          <p:nvPr>
+            <p:extLst>
+              <p:ext uri="{386F3935-93C4-4BCD-93E2-E3B085C9AB24}">
+                <p16:designElem xmlns:p16="http://schemas.microsoft.com/office/powerpoint/2015/main" val="1"/>
+              </p:ext>
+            </p:extLst>
+          </p:nvPr>
+        </p:nvPicPr>
+        <p:blipFill>
+          <a:blip r:embed="rId2">
+            <a:alphaModFix amt="10000"/>
+            <a:extLst>
+              <a:ext uri="{28A0092B-C50C-407E-A947-70E740481C1C}">
+                <a14:useLocalDpi xmlns:a14="http://schemas.microsoft.com/office/drawing/2010/main" val="0"/>
+              </a:ext>
+            </a:extLst>
+          </a:blip>
+          <a:stretch>
+            <a:fillRect/>
+          </a:stretch>
+        </p:blipFill>
+        <p:spPr>
+          <a:xfrm>
+            <a:off x="0" y="0"/>
+            <a:ext cx="12192000" cy="6858000"/>
+          </a:xfrm>
+          <a:prstGeom prst="rect">
+            <a:avLst/>
+          </a:prstGeom>
+        </p:spPr>
+      </p:pic>
+      <p:pic>
+        <p:nvPicPr>
+          <p:cNvPr id="14" name="Picture 13">
+            <a:extLst>
+              <a:ext uri="{FF2B5EF4-FFF2-40B4-BE49-F238E27FC236}">
+                <a16:creationId xmlns:a16="http://schemas.microsoft.com/office/drawing/2014/main" id="{17B2B42C-0777-4D6E-9432-535281803A88}"/>
+              </a:ext>
+              <a:ext uri="{C183D7F6-B498-43B3-948B-1728B52AA6E4}">
+                <adec:decorative xmlns:adec="http://schemas.microsoft.com/office/drawing/2017/decorative" val="1"/>
+              </a:ext>
+            </a:extLst>
+          </p:cNvPr>
+          <p:cNvPicPr>
+            <a:picLocks noGrp="1" noRot="1" noChangeAspect="1" noMove="1" noResize="1" noEditPoints="1" noAdjustHandles="1" noChangeArrowheads="1" noChangeShapeType="1" noCrop="1"/>
+          </p:cNvPicPr>
+          <p:nvPr>
+            <p:extLst>
+              <p:ext uri="{386F3935-93C4-4BCD-93E2-E3B085C9AB24}">
+                <p16:designElem xmlns:p16="http://schemas.microsoft.com/office/powerpoint/2015/main" val="1"/>
+              </p:ext>
+            </p:extLst>
+          </p:nvPr>
+        </p:nvPicPr>
+        <p:blipFill>
+          <a:blip r:embed="rId3">
+            <a:extLst>
+              <a:ext uri="{28A0092B-C50C-407E-A947-70E740481C1C}">
+                <a14:useLocalDpi xmlns:a14="http://schemas.microsoft.com/office/drawing/2010/main" val="0"/>
+              </a:ext>
+            </a:extLst>
+          </a:blip>
+          <a:stretch>
+            <a:fillRect/>
+          </a:stretch>
+        </p:blipFill>
+        <p:spPr>
+          <a:xfrm>
+            <a:off x="1" y="4242851"/>
+            <a:ext cx="8968084" cy="275942"/>
+          </a:xfrm>
+          <a:prstGeom prst="rect">
+            <a:avLst/>
+          </a:prstGeom>
+        </p:spPr>
+      </p:pic>
+      <p:pic>
+        <p:nvPicPr>
+          <p:cNvPr id="16" name="Picture 15">
+            <a:extLst>
+              <a:ext uri="{FF2B5EF4-FFF2-40B4-BE49-F238E27FC236}">
+                <a16:creationId xmlns:a16="http://schemas.microsoft.com/office/drawing/2014/main" id="{EFEAAB60-93E2-4DC6-99AC-939637BCE864}"/>
+              </a:ext>
+              <a:ext uri="{C183D7F6-B498-43B3-948B-1728B52AA6E4}">
+                <adec:decorative xmlns:adec="http://schemas.microsoft.com/office/drawing/2017/decorative" val="1"/>
+              </a:ext>
+            </a:extLst>
+          </p:cNvPr>
+          <p:cNvPicPr>
+            <a:picLocks noGrp="1" noRot="1" noChangeAspect="1" noMove="1" noResize="1" noEditPoints="1" noAdjustHandles="1" noChangeArrowheads="1" noChangeShapeType="1" noCrop="1"/>
+          </p:cNvPicPr>
+          <p:nvPr>
+            <p:extLst>
+              <p:ext uri="{386F3935-93C4-4BCD-93E2-E3B085C9AB24}">
+                <p16:designElem xmlns:p16="http://schemas.microsoft.com/office/powerpoint/2015/main" val="1"/>
+              </p:ext>
+            </p:extLst>
+          </p:nvPr>
+        </p:nvPicPr>
+        <p:blipFill>
+          <a:blip r:embed="rId4">
+            <a:extLst>
+              <a:ext uri="{28A0092B-C50C-407E-A947-70E740481C1C}">
+                <a14:useLocalDpi xmlns:a14="http://schemas.microsoft.com/office/drawing/2010/main" val="0"/>
+              </a:ext>
+            </a:extLst>
+          </a:blip>
+          <a:stretch>
+            <a:fillRect/>
+          </a:stretch>
+        </p:blipFill>
+        <p:spPr>
+          <a:xfrm>
+            <a:off x="9111716" y="4243845"/>
+            <a:ext cx="3077108" cy="276940"/>
+          </a:xfrm>
+          <a:prstGeom prst="rect">
+            <a:avLst/>
+          </a:prstGeom>
+        </p:spPr>
+      </p:pic>
+      <p:sp>
+        <p:nvSpPr>
+          <p:cNvPr id="18" name="Rectangle 17">
+            <a:extLst>
+              <a:ext uri="{FF2B5EF4-FFF2-40B4-BE49-F238E27FC236}">
+                <a16:creationId xmlns:a16="http://schemas.microsoft.com/office/drawing/2014/main" id="{7EF5ECB8-D49C-48FB-A93E-88EB2FFDFD42}"/>
+              </a:ext>
+              <a:ext uri="{C183D7F6-B498-43B3-948B-1728B52AA6E4}">
+                <adec:decorative xmlns:adec="http://schemas.microsoft.com/office/drawing/2017/decorative" val="1"/>
+              </a:ext>
+            </a:extLst>
+          </p:cNvPr>
+          <p:cNvSpPr>
+            <a:spLocks noGrp="1" noRot="1" noChangeAspect="1" noMove="1" noResize="1" noEditPoints="1" noAdjustHandles="1" noChangeArrowheads="1" noChangeShapeType="1" noTextEdit="1"/>
+          </p:cNvSpPr>
+          <p:nvPr>
+            <p:extLst>
+              <p:ext uri="{386F3935-93C4-4BCD-93E2-E3B085C9AB24}">
+                <p16:designElem xmlns:p16="http://schemas.microsoft.com/office/powerpoint/2015/main" val="1"/>
+              </p:ext>
+            </p:extLst>
+          </p:nvPr>
+        </p:nvSpPr>
+        <p:spPr bwMode="ltGray">
+          <a:xfrm>
+            <a:off x="0" y="2590078"/>
+            <a:ext cx="8968085" cy="1660332"/>
+          </a:xfrm>
+          <a:prstGeom prst="rect">
+            <a:avLst/>
+          </a:prstGeom>
+          <a:solidFill>
+            <a:schemeClr val="bg1">
+              <a:lumMod val="85000"/>
+              <a:lumOff val="15000"/>
+            </a:schemeClr>
+          </a:solidFill>
+          <a:ln>
+            <a:noFill/>
+          </a:ln>
+        </p:spPr>
+        <p:style>
+          <a:lnRef idx="2">
+            <a:schemeClr val="accent1">
+              <a:shade val="50000"/>
+            </a:schemeClr>
+          </a:lnRef>
+          <a:fillRef idx="1">
+            <a:schemeClr val="accent1"/>
+          </a:fillRef>
+          <a:effectRef idx="0">
+            <a:schemeClr val="accent1"/>
+          </a:effectRef>
+          <a:fontRef idx="minor">
+            <a:schemeClr val="lt1"/>
+          </a:fontRef>
+        </p:style>
+      </p:sp>
+      <p:sp>
+        <p:nvSpPr>
+          <p:cNvPr id="20" name="Rectangle 19">
+            <a:extLst>
+              <a:ext uri="{FF2B5EF4-FFF2-40B4-BE49-F238E27FC236}">
+                <a16:creationId xmlns:a16="http://schemas.microsoft.com/office/drawing/2014/main" id="{411B77A2-BD5C-432D-B52E-C12612C74C17}"/>
+              </a:ext>
+              <a:ext uri="{C183D7F6-B498-43B3-948B-1728B52AA6E4}">
+                <adec:decorative xmlns:adec="http://schemas.microsoft.com/office/drawing/2017/decorative" val="1"/>
+              </a:ext>
+            </a:extLst>
+          </p:cNvPr>
+          <p:cNvSpPr>
+            <a:spLocks noGrp="1" noRot="1" noChangeAspect="1" noMove="1" noResize="1" noEditPoints="1" noAdjustHandles="1" noChangeArrowheads="1" noChangeShapeType="1" noTextEdit="1"/>
+          </p:cNvSpPr>
+          <p:nvPr>
+            <p:extLst>
+              <p:ext uri="{386F3935-93C4-4BCD-93E2-E3B085C9AB24}">
+                <p16:designElem xmlns:p16="http://schemas.microsoft.com/office/powerpoint/2015/main" val="1"/>
+              </p:ext>
+            </p:extLst>
+          </p:nvPr>
+        </p:nvSpPr>
+        <p:spPr>
+          <a:xfrm>
+            <a:off x="9111715" y="2590078"/>
+            <a:ext cx="3077109" cy="1660332"/>
+          </a:xfrm>
+          <a:prstGeom prst="rect">
+            <a:avLst/>
+          </a:prstGeom>
+          <a:solidFill>
+            <a:schemeClr val="accent1"/>
+          </a:solidFill>
+          <a:ln>
+            <a:noFill/>
+          </a:ln>
+        </p:spPr>
+        <p:style>
+          <a:lnRef idx="2">
+            <a:schemeClr val="accent1">
+              <a:shade val="50000"/>
+            </a:schemeClr>
+          </a:lnRef>
+          <a:fillRef idx="1">
+            <a:schemeClr val="accent1"/>
+          </a:fillRef>
+          <a:effectRef idx="0">
+            <a:schemeClr val="accent1"/>
+          </a:effectRef>
+          <a:fontRef idx="minor">
+            <a:schemeClr val="lt1"/>
+          </a:fontRef>
+        </p:style>
+      </p:sp>
+      <p:sp useBgFill="1">
+        <p:nvSpPr>
+          <p:cNvPr id="22" name="Rectangle 21">
+            <a:extLst>
+              <a:ext uri="{FF2B5EF4-FFF2-40B4-BE49-F238E27FC236}">
+                <a16:creationId xmlns:a16="http://schemas.microsoft.com/office/drawing/2014/main" id="{B5C18694-F55B-41C0-ABF3-C1D971F99ADB}"/>
+              </a:ext>
+              <a:ext uri="{C183D7F6-B498-43B3-948B-1728B52AA6E4}">
+                <adec:decorative xmlns:adec="http://schemas.microsoft.com/office/drawing/2017/decorative" val="1"/>
+              </a:ext>
+            </a:extLst>
+          </p:cNvPr>
+          <p:cNvSpPr>
+            <a:spLocks noGrp="1" noRot="1" noChangeAspect="1" noMove="1" noResize="1" noEditPoints="1" noAdjustHandles="1" noChangeArrowheads="1" noChangeShapeType="1" noTextEdit="1"/>
+          </p:cNvSpPr>
+          <p:nvPr>
+            <p:extLst>
+              <p:ext uri="{386F3935-93C4-4BCD-93E2-E3B085C9AB24}">
+                <p16:designElem xmlns:p16="http://schemas.microsoft.com/office/powerpoint/2015/main" val="1"/>
+              </p:ext>
+            </p:extLst>
+          </p:nvPr>
+        </p:nvSpPr>
+        <p:spPr>
+          <a:xfrm>
+            <a:off x="0" y="0"/>
+            <a:ext cx="12192000" cy="6858000"/>
+          </a:xfrm>
+          <a:prstGeom prst="rect">
+            <a:avLst/>
+          </a:prstGeom>
+          <a:ln>
+            <a:noFill/>
+          </a:ln>
+        </p:spPr>
+        <p:style>
+          <a:lnRef idx="2">
+            <a:schemeClr val="accent1">
+              <a:shade val="50000"/>
+            </a:schemeClr>
+          </a:lnRef>
+          <a:fillRef idx="1">
+            <a:schemeClr val="accent1"/>
+          </a:fillRef>
+          <a:effectRef idx="0">
+            <a:schemeClr val="accent1"/>
+          </a:effectRef>
+          <a:fontRef idx="minor">
+            <a:schemeClr val="lt1"/>
+          </a:fontRef>
+        </p:style>
+        <p:txBody>
+          <a:bodyPr rtlCol="0" anchor="ctr"/>
+          <a:lstStyle/>
+          <a:p>
+            <a:pPr algn="ctr"/>
+            <a:endParaRPr lang="en-US"/>
+          </a:p>
+        </p:txBody>
+      </p:sp>
+      <p:pic>
+        <p:nvPicPr>
+          <p:cNvPr id="24" name="Picture 23">
+            <a:extLst>
+              <a:ext uri="{FF2B5EF4-FFF2-40B4-BE49-F238E27FC236}">
+                <a16:creationId xmlns:a16="http://schemas.microsoft.com/office/drawing/2014/main" id="{E3E46CA8-7278-4BA3-AACE-235B5B3B53E0}"/>
+              </a:ext>
+              <a:ext uri="{C183D7F6-B498-43B3-948B-1728B52AA6E4}">
+                <adec:decorative xmlns:adec="http://schemas.microsoft.com/office/drawing/2017/decorative" val="1"/>
+              </a:ext>
+            </a:extLst>
+          </p:cNvPr>
+          <p:cNvPicPr>
+            <a:picLocks noGrp="1" noRot="1" noChangeAspect="1" noMove="1" noResize="1" noEditPoints="1" noAdjustHandles="1" noChangeArrowheads="1" noChangeShapeType="1" noCrop="1"/>
+          </p:cNvPicPr>
+          <p:nvPr>
+            <p:extLst>
+              <p:ext uri="{386F3935-93C4-4BCD-93E2-E3B085C9AB24}">
+                <p16:designElem xmlns:p16="http://schemas.microsoft.com/office/powerpoint/2015/main" val="1"/>
+              </p:ext>
+            </p:extLst>
+          </p:nvPr>
+        </p:nvPicPr>
+        <p:blipFill>
+          <a:blip r:embed="rId2">
+            <a:alphaModFix amt="10000"/>
+            <a:extLst>
+              <a:ext uri="{28A0092B-C50C-407E-A947-70E740481C1C}">
+                <a14:useLocalDpi xmlns:a14="http://schemas.microsoft.com/office/drawing/2010/main" val="0"/>
+              </a:ext>
+            </a:extLst>
+          </a:blip>
+          <a:stretch>
+            <a:fillRect/>
+          </a:stretch>
+        </p:blipFill>
+        <p:spPr>
+          <a:xfrm>
+            <a:off x="0" y="0"/>
+            <a:ext cx="12192000" cy="6858000"/>
+          </a:xfrm>
+          <a:prstGeom prst="rect">
+            <a:avLst/>
+          </a:prstGeom>
+        </p:spPr>
+      </p:pic>
+      <p:sp>
+        <p:nvSpPr>
+          <p:cNvPr id="9" name="Rectangle 8">
+            <a:extLst>
+              <a:ext uri="{FF2B5EF4-FFF2-40B4-BE49-F238E27FC236}">
+                <a16:creationId xmlns:a16="http://schemas.microsoft.com/office/drawing/2014/main" id="{6DFE6781-8F98-4989-B963-48136A48563D}"/>
+              </a:ext>
+            </a:extLst>
+          </p:cNvPr>
+          <p:cNvSpPr/>
+          <p:nvPr/>
+        </p:nvSpPr>
+        <p:spPr>
+          <a:xfrm>
+            <a:off x="10970001" y="5868770"/>
+            <a:ext cx="1222000" cy="989230"/>
+          </a:xfrm>
+          <a:prstGeom prst="rect">
+            <a:avLst/>
+          </a:prstGeom>
+          <a:effectLst>
+            <a:outerShdw blurRad="50800" dist="38100" dir="2700000" algn="tl" rotWithShape="0">
+              <a:prstClr val="black">
+                <a:alpha val="40000"/>
+              </a:prstClr>
+            </a:outerShdw>
+          </a:effectLst>
+        </p:spPr>
+        <p:style>
+          <a:lnRef idx="2">
+            <a:schemeClr val="accent1">
+              <a:shade val="50000"/>
+            </a:schemeClr>
+          </a:lnRef>
+          <a:fillRef idx="1">
+            <a:schemeClr val="accent1"/>
+          </a:fillRef>
+          <a:effectRef idx="0">
+            <a:schemeClr val="accent1"/>
+          </a:effectRef>
+          <a:fontRef idx="minor">
+            <a:schemeClr val="lt1"/>
+          </a:fontRef>
+        </p:style>
+        <p:txBody>
+          <a:bodyPr rtlCol="0" anchor="ctr"/>
+          <a:lstStyle/>
+          <a:p>
+            <a:pPr algn="ctr"/>
+            <a:endParaRPr lang="en-US"/>
+          </a:p>
+        </p:txBody>
+      </p:sp>
+      <p:sp>
+        <p:nvSpPr>
+          <p:cNvPr id="6" name="TextBox 5">
+            <a:extLst>
+              <a:ext uri="{FF2B5EF4-FFF2-40B4-BE49-F238E27FC236}">
+                <a16:creationId xmlns:a16="http://schemas.microsoft.com/office/drawing/2014/main" id="{1D6E3BC5-6F68-4014-AEE1-3D012AF022C3}"/>
+              </a:ext>
+            </a:extLst>
+          </p:cNvPr>
+          <p:cNvSpPr txBox="1"/>
+          <p:nvPr/>
+        </p:nvSpPr>
+        <p:spPr>
+          <a:xfrm>
+            <a:off x="10987930" y="5760874"/>
+            <a:ext cx="1222000" cy="923330"/>
+          </a:xfrm>
+          <a:prstGeom prst="rect">
+            <a:avLst/>
+          </a:prstGeom>
+          <a:noFill/>
+        </p:spPr>
+        <p:txBody>
+          <a:bodyPr wrap="square" rtlCol="0">
+            <a:spAutoFit/>
+          </a:bodyPr>
+          <a:lstStyle/>
+          <a:p>
+            <a:pPr>
+              <a:spcAft>
+                <a:spcPts val="600"/>
+              </a:spcAft>
+            </a:pPr>
+            <a:r>
+              <a:rPr lang="en-US" sz="5400" dirty="0">
+                <a:solidFill>
+                  <a:schemeClr val="accent1">
+                    <a:lumMod val="20000"/>
+                    <a:lumOff val="80000"/>
+                  </a:schemeClr>
+                </a:solidFill>
+                <a:latin typeface="Counter-Strike" panose="02000506030000020004" pitchFamily="2" charset="0"/>
+                <a:hlinkClick r:id="" action="ppaction://hlinkshowjump?jump=firstslide">
+                  <a:extLst>
+                    <a:ext uri="{A12FA001-AC4F-418D-AE19-62706E023703}">
+                      <ahyp:hlinkClr xmlns:ahyp="http://schemas.microsoft.com/office/drawing/2018/hyperlinkcolor" val="tx"/>
+                    </a:ext>
+                  </a:extLst>
+                </a:hlinkClick>
+              </a:rPr>
+              <a:t>EP</a:t>
+            </a:r>
+            <a:endParaRPr lang="en-US" sz="5400" dirty="0">
+              <a:solidFill>
+                <a:schemeClr val="accent1">
+                  <a:lumMod val="20000"/>
+                  <a:lumOff val="80000"/>
+                </a:schemeClr>
+              </a:solidFill>
+              <a:latin typeface="Counter-Strike" panose="02000506030000020004" pitchFamily="2" charset="0"/>
+            </a:endParaRPr>
+          </a:p>
+        </p:txBody>
+      </p:sp>
+      <p:sp>
+        <p:nvSpPr>
+          <p:cNvPr id="10" name="Rectangle 9">
+            <a:extLst>
+              <a:ext uri="{FF2B5EF4-FFF2-40B4-BE49-F238E27FC236}">
+                <a16:creationId xmlns:a16="http://schemas.microsoft.com/office/drawing/2014/main" id="{9DA4959C-10EA-4094-A70F-B79F0082F990}"/>
+              </a:ext>
+            </a:extLst>
+          </p:cNvPr>
+          <p:cNvSpPr/>
+          <p:nvPr/>
+        </p:nvSpPr>
+        <p:spPr>
+          <a:xfrm>
+            <a:off x="3176" y="253561"/>
+            <a:ext cx="12192000" cy="490211"/>
+          </a:xfrm>
+          <a:prstGeom prst="rect">
+            <a:avLst/>
+          </a:prstGeom>
+        </p:spPr>
+        <p:style>
+          <a:lnRef idx="2">
+            <a:schemeClr val="accent1">
+              <a:shade val="50000"/>
+            </a:schemeClr>
+          </a:lnRef>
+          <a:fillRef idx="1">
+            <a:schemeClr val="accent1"/>
+          </a:fillRef>
+          <a:effectRef idx="0">
+            <a:schemeClr val="accent1"/>
+          </a:effectRef>
+          <a:fontRef idx="minor">
+            <a:schemeClr val="lt1"/>
+          </a:fontRef>
+        </p:style>
+        <p:txBody>
+          <a:bodyPr rtlCol="0" anchor="ctr"/>
+          <a:lstStyle/>
+          <a:p>
+            <a:pPr algn="ctr"/>
+            <a:endParaRPr lang="en-US"/>
+          </a:p>
+        </p:txBody>
+      </p:sp>
+      <p:sp>
+        <p:nvSpPr>
+          <p:cNvPr id="7" name="TextBox 6">
+            <a:extLst>
+              <a:ext uri="{FF2B5EF4-FFF2-40B4-BE49-F238E27FC236}">
+                <a16:creationId xmlns:a16="http://schemas.microsoft.com/office/drawing/2014/main" id="{6585967D-4C3F-41FF-8621-A94A3115096A}"/>
+              </a:ext>
+            </a:extLst>
+          </p:cNvPr>
+          <p:cNvSpPr txBox="1"/>
+          <p:nvPr/>
+        </p:nvSpPr>
+        <p:spPr>
+          <a:xfrm>
+            <a:off x="4254251" y="165368"/>
+            <a:ext cx="3683498" cy="578404"/>
+          </a:xfrm>
+          <a:prstGeom prst="rect">
+            <a:avLst/>
+          </a:prstGeom>
+          <a:effectLst>
+            <a:outerShdw blurRad="88900" dist="38100" dir="2700000" algn="tl" rotWithShape="0">
+              <a:prstClr val="black">
+                <a:alpha val="30000"/>
+              </a:prstClr>
+            </a:outerShdw>
+          </a:effectLst>
+        </p:spPr>
+        <p:txBody>
+          <a:bodyPr vert="horz" lIns="91440" tIns="45720" rIns="91440" bIns="45720" rtlCol="0" anchor="b">
+            <a:normAutofit fontScale="92500" lnSpcReduction="20000"/>
+          </a:bodyPr>
+          <a:lstStyle/>
+          <a:p>
+            <a:pPr algn="ctr" defTabSz="914400">
+              <a:lnSpc>
+                <a:spcPct val="90000"/>
+              </a:lnSpc>
+              <a:spcBef>
+                <a:spcPct val="0"/>
+              </a:spcBef>
+              <a:spcAft>
+                <a:spcPts val="600"/>
+              </a:spcAft>
+            </a:pPr>
+            <a:r>
+              <a:rPr lang="en-US" sz="4400" dirty="0">
+                <a:solidFill>
+                  <a:schemeClr val="accent1">
+                    <a:lumMod val="20000"/>
+                    <a:lumOff val="80000"/>
+                  </a:schemeClr>
+                </a:solidFill>
+                <a:latin typeface="Counter-Strike" panose="02000506030000020004" pitchFamily="2" charset="0"/>
+                <a:ea typeface="+mj-ea"/>
+                <a:cs typeface="+mj-cs"/>
+                <a:hlinkClick r:id="" action="ppaction://hlinkshowjump?jump=firstslide">
+                  <a:extLst>
+                    <a:ext uri="{A12FA001-AC4F-418D-AE19-62706E023703}">
+                      <ahyp:hlinkClr xmlns:ahyp="http://schemas.microsoft.com/office/drawing/2018/hyperlinkcolor" val="tx"/>
+                    </a:ext>
+                  </a:extLst>
+                </a:hlinkClick>
+              </a:rPr>
+              <a:t>ExerPals.com</a:t>
+            </a:r>
+            <a:endParaRPr lang="en-US" sz="4400" dirty="0">
+              <a:solidFill>
+                <a:schemeClr val="accent1">
+                  <a:lumMod val="20000"/>
+                  <a:lumOff val="80000"/>
+                </a:schemeClr>
+              </a:solidFill>
+              <a:latin typeface="Counter-Strike" panose="02000506030000020004" pitchFamily="2" charset="0"/>
+              <a:ea typeface="+mj-ea"/>
+              <a:cs typeface="+mj-cs"/>
+            </a:endParaRPr>
+          </a:p>
+        </p:txBody>
+      </p:sp>
+      <p:sp>
+        <p:nvSpPr>
+          <p:cNvPr id="11" name="TextBox 10">
+            <a:extLst>
+              <a:ext uri="{FF2B5EF4-FFF2-40B4-BE49-F238E27FC236}">
+                <a16:creationId xmlns:a16="http://schemas.microsoft.com/office/drawing/2014/main" id="{84256461-81E3-4C58-ACCA-B9F44393FC21}"/>
+              </a:ext>
+            </a:extLst>
+          </p:cNvPr>
+          <p:cNvSpPr txBox="1"/>
+          <p:nvPr/>
+        </p:nvSpPr>
+        <p:spPr>
+          <a:xfrm>
+            <a:off x="502022" y="269904"/>
+            <a:ext cx="1284941" cy="369332"/>
+          </a:xfrm>
+          <a:prstGeom prst="rect">
+            <a:avLst/>
+          </a:prstGeom>
+          <a:noFill/>
+        </p:spPr>
+        <p:txBody>
+          <a:bodyPr wrap="square" rtlCol="0">
+            <a:spAutoFit/>
+          </a:bodyPr>
+          <a:lstStyle/>
+          <a:p>
+            <a:pPr algn="ctr"/>
+            <a:r>
+              <a:rPr lang="en-US" dirty="0">
+                <a:solidFill>
+                  <a:schemeClr val="accent1">
+                    <a:lumMod val="20000"/>
+                    <a:lumOff val="80000"/>
+                  </a:schemeClr>
+                </a:solidFill>
+                <a:latin typeface="Counter-Strike" panose="02000506030000020004" pitchFamily="2" charset="0"/>
+                <a:hlinkClick r:id="" action="ppaction://hlinkshowjump?jump=firstslide">
+                  <a:extLst>
+                    <a:ext uri="{A12FA001-AC4F-418D-AE19-62706E023703}">
+                      <ahyp:hlinkClr xmlns:ahyp="http://schemas.microsoft.com/office/drawing/2018/hyperlinkcolor" val="tx"/>
+                    </a:ext>
+                  </a:extLst>
+                </a:hlinkClick>
+              </a:rPr>
+              <a:t>Home</a:t>
+            </a:r>
+            <a:endParaRPr lang="en-US" dirty="0">
+              <a:solidFill>
+                <a:schemeClr val="accent1">
+                  <a:lumMod val="20000"/>
+                  <a:lumOff val="80000"/>
+                </a:schemeClr>
+              </a:solidFill>
+              <a:latin typeface="Counter-Strike" panose="02000506030000020004" pitchFamily="2" charset="0"/>
+            </a:endParaRPr>
+          </a:p>
+        </p:txBody>
+      </p:sp>
+      <p:sp>
+        <p:nvSpPr>
+          <p:cNvPr id="13" name="TextBox 12">
+            <a:extLst>
+              <a:ext uri="{FF2B5EF4-FFF2-40B4-BE49-F238E27FC236}">
+                <a16:creationId xmlns:a16="http://schemas.microsoft.com/office/drawing/2014/main" id="{ED23F9D3-B298-495F-B0C6-3DDB24866581}"/>
+              </a:ext>
+            </a:extLst>
+          </p:cNvPr>
+          <p:cNvSpPr txBox="1"/>
+          <p:nvPr/>
+        </p:nvSpPr>
+        <p:spPr>
+          <a:xfrm>
+            <a:off x="2212591" y="276672"/>
+            <a:ext cx="1589741" cy="369332"/>
+          </a:xfrm>
+          <a:prstGeom prst="rect">
+            <a:avLst/>
+          </a:prstGeom>
+          <a:noFill/>
+        </p:spPr>
+        <p:txBody>
+          <a:bodyPr wrap="square" rtlCol="0">
+            <a:spAutoFit/>
+          </a:bodyPr>
+          <a:lstStyle/>
+          <a:p>
+            <a:pPr algn="ctr"/>
+            <a:r>
+              <a:rPr lang="en-US" dirty="0">
+                <a:solidFill>
+                  <a:schemeClr val="accent1">
+                    <a:lumMod val="20000"/>
+                    <a:lumOff val="80000"/>
+                  </a:schemeClr>
+                </a:solidFill>
+                <a:latin typeface="Counter-Strike" panose="02000506030000020004" pitchFamily="2" charset="0"/>
+                <a:hlinkClick r:id="rId5" action="ppaction://hlinksldjump">
+                  <a:extLst>
+                    <a:ext uri="{A12FA001-AC4F-418D-AE19-62706E023703}">
+                      <ahyp:hlinkClr xmlns:ahyp="http://schemas.microsoft.com/office/drawing/2018/hyperlinkcolor" val="tx"/>
+                    </a:ext>
+                  </a:extLst>
+                </a:hlinkClick>
+              </a:rPr>
+              <a:t>Workouts</a:t>
+            </a:r>
+            <a:endParaRPr lang="en-US" dirty="0">
+              <a:solidFill>
+                <a:schemeClr val="accent1">
+                  <a:lumMod val="20000"/>
+                  <a:lumOff val="80000"/>
+                </a:schemeClr>
+              </a:solidFill>
+              <a:latin typeface="Counter-Strike" panose="02000506030000020004" pitchFamily="2" charset="0"/>
+            </a:endParaRPr>
+          </a:p>
+        </p:txBody>
+      </p:sp>
+      <p:sp>
+        <p:nvSpPr>
+          <p:cNvPr id="15" name="TextBox 14">
+            <a:extLst>
+              <a:ext uri="{FF2B5EF4-FFF2-40B4-BE49-F238E27FC236}">
+                <a16:creationId xmlns:a16="http://schemas.microsoft.com/office/drawing/2014/main" id="{23FDE9B0-6214-466C-BE66-394519FA5712}"/>
+              </a:ext>
+            </a:extLst>
+          </p:cNvPr>
+          <p:cNvSpPr txBox="1"/>
+          <p:nvPr/>
+        </p:nvSpPr>
+        <p:spPr>
+          <a:xfrm>
+            <a:off x="8185167" y="269904"/>
+            <a:ext cx="1565835" cy="369332"/>
+          </a:xfrm>
+          <a:prstGeom prst="rect">
+            <a:avLst/>
+          </a:prstGeom>
+          <a:noFill/>
+        </p:spPr>
+        <p:txBody>
+          <a:bodyPr wrap="square" rtlCol="0">
+            <a:spAutoFit/>
+          </a:bodyPr>
+          <a:lstStyle/>
+          <a:p>
+            <a:pPr algn="ctr"/>
+            <a:r>
+              <a:rPr lang="en-US" dirty="0">
+                <a:solidFill>
+                  <a:schemeClr val="accent1">
+                    <a:lumMod val="20000"/>
+                    <a:lumOff val="80000"/>
+                  </a:schemeClr>
+                </a:solidFill>
+                <a:latin typeface="Counter-Strike" panose="02000506030000020004" pitchFamily="2" charset="0"/>
+                <a:hlinkClick r:id="rId6" action="ppaction://hlinksldjump">
+                  <a:extLst>
+                    <a:ext uri="{A12FA001-AC4F-418D-AE19-62706E023703}">
+                      <ahyp:hlinkClr xmlns:ahyp="http://schemas.microsoft.com/office/drawing/2018/hyperlinkcolor" val="tx"/>
+                    </a:ext>
+                  </a:extLst>
+                </a:hlinkClick>
+              </a:rPr>
+              <a:t>People</a:t>
+            </a:r>
+            <a:endParaRPr lang="en-US" dirty="0">
+              <a:solidFill>
+                <a:schemeClr val="accent1">
+                  <a:lumMod val="20000"/>
+                  <a:lumOff val="80000"/>
+                </a:schemeClr>
+              </a:solidFill>
+              <a:latin typeface="Counter-Strike" panose="02000506030000020004" pitchFamily="2" charset="0"/>
+            </a:endParaRPr>
+          </a:p>
+        </p:txBody>
+      </p:sp>
+      <p:sp>
+        <p:nvSpPr>
+          <p:cNvPr id="17" name="TextBox 16">
+            <a:extLst>
+              <a:ext uri="{FF2B5EF4-FFF2-40B4-BE49-F238E27FC236}">
+                <a16:creationId xmlns:a16="http://schemas.microsoft.com/office/drawing/2014/main" id="{A9DCA6C6-CC9D-4CB6-967D-7213F3683D7A}"/>
+              </a:ext>
+            </a:extLst>
+          </p:cNvPr>
+          <p:cNvSpPr txBox="1"/>
+          <p:nvPr/>
+        </p:nvSpPr>
+        <p:spPr>
+          <a:xfrm>
+            <a:off x="9780692" y="276672"/>
+            <a:ext cx="1739153" cy="369332"/>
+          </a:xfrm>
+          <a:prstGeom prst="rect">
+            <a:avLst/>
+          </a:prstGeom>
+          <a:noFill/>
+        </p:spPr>
+        <p:txBody>
+          <a:bodyPr wrap="square" rtlCol="0">
+            <a:spAutoFit/>
+          </a:bodyPr>
+          <a:lstStyle/>
+          <a:p>
+            <a:pPr algn="ctr"/>
+            <a:r>
+              <a:rPr lang="en-US" dirty="0">
+                <a:solidFill>
+                  <a:schemeClr val="accent1">
+                    <a:lumMod val="20000"/>
+                    <a:lumOff val="80000"/>
+                  </a:schemeClr>
+                </a:solidFill>
+                <a:latin typeface="Counter-Strike" panose="02000506030000020004" pitchFamily="2" charset="0"/>
+                <a:hlinkClick r:id="rId7" action="ppaction://hlinksldjump">
+                  <a:extLst>
+                    <a:ext uri="{A12FA001-AC4F-418D-AE19-62706E023703}">
+                      <ahyp:hlinkClr xmlns:ahyp="http://schemas.microsoft.com/office/drawing/2018/hyperlinkcolor" val="tx"/>
+                    </a:ext>
+                  </a:extLst>
+                </a:hlinkClick>
+              </a:rPr>
+              <a:t>Messaging</a:t>
+            </a:r>
+            <a:endParaRPr lang="en-US" dirty="0">
+              <a:solidFill>
+                <a:schemeClr val="accent1">
+                  <a:lumMod val="20000"/>
+                  <a:lumOff val="80000"/>
+                </a:schemeClr>
+              </a:solidFill>
+              <a:latin typeface="Counter-Strike" panose="02000506030000020004" pitchFamily="2" charset="0"/>
+            </a:endParaRPr>
+          </a:p>
+        </p:txBody>
+      </p:sp>
+      <p:sp>
+        <p:nvSpPr>
+          <p:cNvPr id="2" name="Rectangle: Rounded Corners 1">
+            <a:extLst>
+              <a:ext uri="{FF2B5EF4-FFF2-40B4-BE49-F238E27FC236}">
+                <a16:creationId xmlns:a16="http://schemas.microsoft.com/office/drawing/2014/main" id="{9EA77E21-E978-4B56-8FF6-191B66970EC1}"/>
+              </a:ext>
+            </a:extLst>
+          </p:cNvPr>
+          <p:cNvSpPr/>
+          <p:nvPr/>
+        </p:nvSpPr>
+        <p:spPr>
+          <a:xfrm>
+            <a:off x="3412565" y="2052195"/>
+            <a:ext cx="5133788" cy="1075765"/>
+          </a:xfrm>
+          <a:prstGeom prst="roundRect">
+            <a:avLst/>
+          </a:prstGeom>
+        </p:spPr>
+        <p:style>
+          <a:lnRef idx="2">
+            <a:schemeClr val="accent1">
+              <a:shade val="50000"/>
+            </a:schemeClr>
+          </a:lnRef>
+          <a:fillRef idx="1">
+            <a:schemeClr val="accent1"/>
+          </a:fillRef>
+          <a:effectRef idx="0">
+            <a:schemeClr val="accent1"/>
+          </a:effectRef>
+          <a:fontRef idx="minor">
+            <a:schemeClr val="lt1"/>
+          </a:fontRef>
+        </p:style>
+        <p:txBody>
+          <a:bodyPr rtlCol="0" anchor="ctr"/>
+          <a:lstStyle/>
+          <a:p>
+            <a:pPr algn="ctr"/>
+            <a:endParaRPr lang="en-US" dirty="0"/>
+          </a:p>
+        </p:txBody>
+      </p:sp>
+      <p:sp>
+        <p:nvSpPr>
+          <p:cNvPr id="3" name="TextBox 2">
+            <a:extLst>
+              <a:ext uri="{FF2B5EF4-FFF2-40B4-BE49-F238E27FC236}">
+                <a16:creationId xmlns:a16="http://schemas.microsoft.com/office/drawing/2014/main" id="{C09C1B5B-EB56-4083-A99B-8C4EE64C588F}"/>
+              </a:ext>
+            </a:extLst>
+          </p:cNvPr>
+          <p:cNvSpPr txBox="1"/>
+          <p:nvPr/>
+        </p:nvSpPr>
+        <p:spPr>
+          <a:xfrm>
+            <a:off x="3699435" y="2079812"/>
+            <a:ext cx="4739341" cy="369332"/>
+          </a:xfrm>
+          <a:prstGeom prst="rect">
+            <a:avLst/>
+          </a:prstGeom>
+          <a:noFill/>
+        </p:spPr>
+        <p:txBody>
+          <a:bodyPr wrap="square" rtlCol="0">
+            <a:spAutoFit/>
+          </a:bodyPr>
+          <a:lstStyle/>
+          <a:p>
+            <a:r>
+              <a:rPr lang="en-US" dirty="0">
+                <a:latin typeface="Counter-Strike" panose="02000506030000020004" pitchFamily="2" charset="0"/>
+              </a:rPr>
+              <a:t>Find People near you!</a:t>
+            </a:r>
+          </a:p>
+        </p:txBody>
+      </p:sp>
+      <p:sp>
+        <p:nvSpPr>
+          <p:cNvPr id="4" name="Rectangle: Rounded Corners 3">
+            <a:hlinkClick r:id="rId8" action="ppaction://hlinksldjump"/>
+            <a:extLst>
+              <a:ext uri="{FF2B5EF4-FFF2-40B4-BE49-F238E27FC236}">
+                <a16:creationId xmlns:a16="http://schemas.microsoft.com/office/drawing/2014/main" id="{C50CEFD0-0CCB-4014-A2D9-F9D6EED989D9}"/>
+              </a:ext>
+            </a:extLst>
+          </p:cNvPr>
+          <p:cNvSpPr/>
+          <p:nvPr/>
+        </p:nvSpPr>
+        <p:spPr>
+          <a:xfrm>
+            <a:off x="3699435" y="2549556"/>
+            <a:ext cx="3209365" cy="301220"/>
+          </a:xfrm>
+          <a:prstGeom prst="roundRect">
+            <a:avLst/>
+          </a:prstGeom>
+          <a:solidFill>
+            <a:schemeClr val="tx1"/>
+          </a:solidFill>
+        </p:spPr>
+        <p:style>
+          <a:lnRef idx="2">
+            <a:schemeClr val="accent1">
+              <a:shade val="50000"/>
+            </a:schemeClr>
+          </a:lnRef>
+          <a:fillRef idx="1">
+            <a:schemeClr val="accent1"/>
+          </a:fillRef>
+          <a:effectRef idx="0">
+            <a:schemeClr val="accent1"/>
+          </a:effectRef>
+          <a:fontRef idx="minor">
+            <a:schemeClr val="lt1"/>
+          </a:fontRef>
+        </p:style>
+        <p:txBody>
+          <a:bodyPr rtlCol="0" anchor="ctr"/>
+          <a:lstStyle/>
+          <a:p>
+            <a:pPr algn="ctr"/>
+            <a:endParaRPr lang="en-US" dirty="0"/>
+          </a:p>
+        </p:txBody>
+      </p:sp>
+      <p:sp>
+        <p:nvSpPr>
+          <p:cNvPr id="5" name="TextBox 4">
+            <a:extLst>
+              <a:ext uri="{FF2B5EF4-FFF2-40B4-BE49-F238E27FC236}">
+                <a16:creationId xmlns:a16="http://schemas.microsoft.com/office/drawing/2014/main" id="{35EBFA56-40D4-4987-8179-CA6AA0699DE4}"/>
+              </a:ext>
+            </a:extLst>
+          </p:cNvPr>
+          <p:cNvSpPr txBox="1"/>
+          <p:nvPr/>
+        </p:nvSpPr>
+        <p:spPr>
+          <a:xfrm>
+            <a:off x="3706708" y="2470804"/>
+            <a:ext cx="3010844" cy="369332"/>
+          </a:xfrm>
+          <a:prstGeom prst="rect">
+            <a:avLst/>
+          </a:prstGeom>
+          <a:noFill/>
+        </p:spPr>
+        <p:txBody>
+          <a:bodyPr wrap="square" rtlCol="0">
+            <a:spAutoFit/>
+          </a:bodyPr>
+          <a:lstStyle/>
+          <a:p>
+            <a:r>
+              <a:rPr lang="en-US" dirty="0">
+                <a:solidFill>
+                  <a:schemeClr val="bg1"/>
+                </a:solidFill>
+                <a:latin typeface="Counter-Strike" panose="02000506030000020004" pitchFamily="2" charset="0"/>
+              </a:rPr>
+              <a:t>Enter your location…</a:t>
+            </a:r>
+          </a:p>
+        </p:txBody>
+      </p:sp>
+      <p:sp>
+        <p:nvSpPr>
+          <p:cNvPr id="8" name="Rectangle: Rounded Corners 7">
+            <a:hlinkClick r:id="rId9" action="ppaction://hlinksldjump"/>
+            <a:extLst>
+              <a:ext uri="{FF2B5EF4-FFF2-40B4-BE49-F238E27FC236}">
+                <a16:creationId xmlns:a16="http://schemas.microsoft.com/office/drawing/2014/main" id="{83CECA7D-ABB5-4640-9383-5474B4D8B7D3}"/>
+              </a:ext>
+            </a:extLst>
+          </p:cNvPr>
+          <p:cNvSpPr/>
+          <p:nvPr/>
+        </p:nvSpPr>
+        <p:spPr>
+          <a:xfrm>
+            <a:off x="7106024" y="2549556"/>
+            <a:ext cx="1231152" cy="290580"/>
+          </a:xfrm>
+          <a:prstGeom prst="roundRect">
+            <a:avLst/>
+          </a:prstGeom>
+          <a:solidFill>
+            <a:schemeClr val="accent1">
+              <a:lumMod val="40000"/>
+              <a:lumOff val="60000"/>
+            </a:schemeClr>
+          </a:solidFill>
+          <a:ln>
+            <a:solidFill>
+              <a:schemeClr val="accent1">
+                <a:lumMod val="75000"/>
+              </a:schemeClr>
+            </a:solidFill>
+          </a:ln>
+        </p:spPr>
+        <p:style>
+          <a:lnRef idx="2">
+            <a:schemeClr val="accent1">
+              <a:shade val="50000"/>
+            </a:schemeClr>
+          </a:lnRef>
+          <a:fillRef idx="1">
+            <a:schemeClr val="accent1"/>
+          </a:fillRef>
+          <a:effectRef idx="0">
+            <a:schemeClr val="accent1"/>
+          </a:effectRef>
+          <a:fontRef idx="minor">
+            <a:schemeClr val="lt1"/>
+          </a:fontRef>
+        </p:style>
+        <p:txBody>
+          <a:bodyPr rtlCol="0" anchor="ctr"/>
+          <a:lstStyle/>
+          <a:p>
+            <a:pPr algn="ctr"/>
+            <a:endParaRPr lang="en-US"/>
+          </a:p>
+        </p:txBody>
+      </p:sp>
+      <p:sp>
+        <p:nvSpPr>
+          <p:cNvPr id="19" name="TextBox 18">
+            <a:extLst>
+              <a:ext uri="{FF2B5EF4-FFF2-40B4-BE49-F238E27FC236}">
+                <a16:creationId xmlns:a16="http://schemas.microsoft.com/office/drawing/2014/main" id="{B3AE9198-36DA-4DB2-AB3F-06DF308C535B}"/>
+              </a:ext>
+            </a:extLst>
+          </p:cNvPr>
+          <p:cNvSpPr txBox="1"/>
+          <p:nvPr/>
+        </p:nvSpPr>
+        <p:spPr>
+          <a:xfrm>
+            <a:off x="7195670" y="2470804"/>
+            <a:ext cx="1080445" cy="369332"/>
+          </a:xfrm>
+          <a:prstGeom prst="rect">
+            <a:avLst/>
+          </a:prstGeom>
+          <a:noFill/>
+        </p:spPr>
+        <p:txBody>
+          <a:bodyPr wrap="square" rtlCol="0">
+            <a:spAutoFit/>
+          </a:bodyPr>
+          <a:lstStyle/>
+          <a:p>
+            <a:r>
+              <a:rPr lang="en-US" dirty="0">
+                <a:latin typeface="Counter-Strike" panose="02000506030000020004" pitchFamily="2" charset="0"/>
+              </a:rPr>
+              <a:t>Search</a:t>
+            </a:r>
+          </a:p>
+        </p:txBody>
+      </p:sp>
+      <p:sp>
+        <p:nvSpPr>
+          <p:cNvPr id="21" name="Rectangle 20">
+            <a:extLst>
+              <a:ext uri="{FF2B5EF4-FFF2-40B4-BE49-F238E27FC236}">
+                <a16:creationId xmlns:a16="http://schemas.microsoft.com/office/drawing/2014/main" id="{E29AF7FB-E937-4DFC-8BC7-EA20B3458439}"/>
+              </a:ext>
+            </a:extLst>
+          </p:cNvPr>
+          <p:cNvSpPr/>
+          <p:nvPr/>
+        </p:nvSpPr>
+        <p:spPr>
+          <a:xfrm>
+            <a:off x="3840152" y="1512006"/>
+            <a:ext cx="4097597" cy="369332"/>
+          </a:xfrm>
+          <a:prstGeom prst="rect">
+            <a:avLst/>
+          </a:prstGeom>
+        </p:spPr>
+        <p:txBody>
+          <a:bodyPr wrap="none">
+            <a:spAutoFit/>
+          </a:bodyPr>
+          <a:lstStyle/>
+          <a:p>
+            <a:pPr algn="ctr"/>
+            <a:r>
+              <a:rPr lang="en-US" dirty="0">
+                <a:latin typeface="Counter-Strike" panose="02000506030000020004" pitchFamily="2" charset="0"/>
+              </a:rPr>
+              <a:t>Error: Please Enter your location!</a:t>
+            </a:r>
+          </a:p>
+        </p:txBody>
+      </p:sp>
+    </p:spTree>
+    <p:extLst>
+      <p:ext uri="{BB962C8B-B14F-4D97-AF65-F5344CB8AC3E}">
+        <p14:creationId xmlns:p14="http://schemas.microsoft.com/office/powerpoint/2010/main" val="141939320"/>
       </p:ext>
     </p:extLst>
   </p:cSld>
@@ -9848,6 +11087,276 @@
               </a:solidFill>
               <a:latin typeface="Counter-Strike" panose="02000506030000020004" pitchFamily="2" charset="0"/>
             </a:endParaRPr>
+          </a:p>
+        </p:txBody>
+      </p:sp>
+      <p:sp>
+        <p:nvSpPr>
+          <p:cNvPr id="2" name="Rectangle: Rounded Corners 1">
+            <a:extLst>
+              <a:ext uri="{FF2B5EF4-FFF2-40B4-BE49-F238E27FC236}">
+                <a16:creationId xmlns:a16="http://schemas.microsoft.com/office/drawing/2014/main" id="{9EA77E21-E978-4B56-8FF6-191B66970EC1}"/>
+              </a:ext>
+            </a:extLst>
+          </p:cNvPr>
+          <p:cNvSpPr/>
+          <p:nvPr/>
+        </p:nvSpPr>
+        <p:spPr>
+          <a:xfrm>
+            <a:off x="3412565" y="2052195"/>
+            <a:ext cx="5133788" cy="1075765"/>
+          </a:xfrm>
+          <a:prstGeom prst="roundRect">
+            <a:avLst/>
+          </a:prstGeom>
+        </p:spPr>
+        <p:style>
+          <a:lnRef idx="2">
+            <a:schemeClr val="accent1">
+              <a:shade val="50000"/>
+            </a:schemeClr>
+          </a:lnRef>
+          <a:fillRef idx="1">
+            <a:schemeClr val="accent1"/>
+          </a:fillRef>
+          <a:effectRef idx="0">
+            <a:schemeClr val="accent1"/>
+          </a:effectRef>
+          <a:fontRef idx="minor">
+            <a:schemeClr val="lt1"/>
+          </a:fontRef>
+        </p:style>
+        <p:txBody>
+          <a:bodyPr rtlCol="0" anchor="ctr"/>
+          <a:lstStyle/>
+          <a:p>
+            <a:pPr algn="ctr"/>
+            <a:endParaRPr lang="en-US" dirty="0"/>
+          </a:p>
+        </p:txBody>
+      </p:sp>
+      <p:sp>
+        <p:nvSpPr>
+          <p:cNvPr id="3" name="TextBox 2">
+            <a:extLst>
+              <a:ext uri="{FF2B5EF4-FFF2-40B4-BE49-F238E27FC236}">
+                <a16:creationId xmlns:a16="http://schemas.microsoft.com/office/drawing/2014/main" id="{C09C1B5B-EB56-4083-A99B-8C4EE64C588F}"/>
+              </a:ext>
+            </a:extLst>
+          </p:cNvPr>
+          <p:cNvSpPr txBox="1"/>
+          <p:nvPr/>
+        </p:nvSpPr>
+        <p:spPr>
+          <a:xfrm>
+            <a:off x="3699435" y="2079812"/>
+            <a:ext cx="4739341" cy="369332"/>
+          </a:xfrm>
+          <a:prstGeom prst="rect">
+            <a:avLst/>
+          </a:prstGeom>
+          <a:noFill/>
+        </p:spPr>
+        <p:txBody>
+          <a:bodyPr wrap="square" rtlCol="0">
+            <a:spAutoFit/>
+          </a:bodyPr>
+          <a:lstStyle/>
+          <a:p>
+            <a:r>
+              <a:rPr lang="en-US" dirty="0">
+                <a:latin typeface="Counter-Strike" panose="02000506030000020004" pitchFamily="2" charset="0"/>
+              </a:rPr>
+              <a:t>Find Workouts near you!</a:t>
+            </a:r>
+          </a:p>
+        </p:txBody>
+      </p:sp>
+      <p:sp>
+        <p:nvSpPr>
+          <p:cNvPr id="4" name="Rectangle: Rounded Corners 3">
+            <a:hlinkClick r:id="rId8" action="ppaction://hlinksldjump"/>
+            <a:extLst>
+              <a:ext uri="{FF2B5EF4-FFF2-40B4-BE49-F238E27FC236}">
+                <a16:creationId xmlns:a16="http://schemas.microsoft.com/office/drawing/2014/main" id="{C50CEFD0-0CCB-4014-A2D9-F9D6EED989D9}"/>
+              </a:ext>
+            </a:extLst>
+          </p:cNvPr>
+          <p:cNvSpPr/>
+          <p:nvPr/>
+        </p:nvSpPr>
+        <p:spPr>
+          <a:xfrm>
+            <a:off x="3699435" y="2549556"/>
+            <a:ext cx="3209365" cy="301220"/>
+          </a:xfrm>
+          <a:prstGeom prst="roundRect">
+            <a:avLst/>
+          </a:prstGeom>
+          <a:solidFill>
+            <a:schemeClr val="tx1"/>
+          </a:solidFill>
+        </p:spPr>
+        <p:style>
+          <a:lnRef idx="2">
+            <a:schemeClr val="accent1">
+              <a:shade val="50000"/>
+            </a:schemeClr>
+          </a:lnRef>
+          <a:fillRef idx="1">
+            <a:schemeClr val="accent1"/>
+          </a:fillRef>
+          <a:effectRef idx="0">
+            <a:schemeClr val="accent1"/>
+          </a:effectRef>
+          <a:fontRef idx="minor">
+            <a:schemeClr val="lt1"/>
+          </a:fontRef>
+        </p:style>
+        <p:txBody>
+          <a:bodyPr rtlCol="0" anchor="ctr"/>
+          <a:lstStyle/>
+          <a:p>
+            <a:pPr algn="ctr"/>
+            <a:endParaRPr lang="en-US" dirty="0"/>
+          </a:p>
+        </p:txBody>
+      </p:sp>
+      <p:sp>
+        <p:nvSpPr>
+          <p:cNvPr id="5" name="TextBox 4">
+            <a:extLst>
+              <a:ext uri="{FF2B5EF4-FFF2-40B4-BE49-F238E27FC236}">
+                <a16:creationId xmlns:a16="http://schemas.microsoft.com/office/drawing/2014/main" id="{35EBFA56-40D4-4987-8179-CA6AA0699DE4}"/>
+              </a:ext>
+            </a:extLst>
+          </p:cNvPr>
+          <p:cNvSpPr txBox="1"/>
+          <p:nvPr/>
+        </p:nvSpPr>
+        <p:spPr>
+          <a:xfrm>
+            <a:off x="3706708" y="2470804"/>
+            <a:ext cx="3010844" cy="369332"/>
+          </a:xfrm>
+          <a:prstGeom prst="rect">
+            <a:avLst/>
+          </a:prstGeom>
+          <a:noFill/>
+        </p:spPr>
+        <p:txBody>
+          <a:bodyPr wrap="square" rtlCol="0">
+            <a:spAutoFit/>
+          </a:bodyPr>
+          <a:lstStyle/>
+          <a:p>
+            <a:r>
+              <a:rPr lang="en-US" dirty="0">
+                <a:solidFill>
+                  <a:schemeClr val="bg1"/>
+                </a:solidFill>
+                <a:latin typeface="Counter-Strike" panose="02000506030000020004" pitchFamily="2" charset="0"/>
+              </a:rPr>
+              <a:t>Enter your location…</a:t>
+            </a:r>
+          </a:p>
+        </p:txBody>
+      </p:sp>
+      <p:sp>
+        <p:nvSpPr>
+          <p:cNvPr id="8" name="Rectangle: Rounded Corners 7">
+            <a:hlinkClick r:id="rId9" action="ppaction://hlinksldjump"/>
+            <a:extLst>
+              <a:ext uri="{FF2B5EF4-FFF2-40B4-BE49-F238E27FC236}">
+                <a16:creationId xmlns:a16="http://schemas.microsoft.com/office/drawing/2014/main" id="{83CECA7D-ABB5-4640-9383-5474B4D8B7D3}"/>
+              </a:ext>
+            </a:extLst>
+          </p:cNvPr>
+          <p:cNvSpPr/>
+          <p:nvPr/>
+        </p:nvSpPr>
+        <p:spPr>
+          <a:xfrm>
+            <a:off x="7106024" y="2549556"/>
+            <a:ext cx="1231152" cy="290580"/>
+          </a:xfrm>
+          <a:prstGeom prst="roundRect">
+            <a:avLst/>
+          </a:prstGeom>
+          <a:solidFill>
+            <a:schemeClr val="accent1">
+              <a:lumMod val="40000"/>
+              <a:lumOff val="60000"/>
+            </a:schemeClr>
+          </a:solidFill>
+          <a:ln>
+            <a:solidFill>
+              <a:schemeClr val="accent1">
+                <a:lumMod val="75000"/>
+              </a:schemeClr>
+            </a:solidFill>
+          </a:ln>
+        </p:spPr>
+        <p:style>
+          <a:lnRef idx="2">
+            <a:schemeClr val="accent1">
+              <a:shade val="50000"/>
+            </a:schemeClr>
+          </a:lnRef>
+          <a:fillRef idx="1">
+            <a:schemeClr val="accent1"/>
+          </a:fillRef>
+          <a:effectRef idx="0">
+            <a:schemeClr val="accent1"/>
+          </a:effectRef>
+          <a:fontRef idx="minor">
+            <a:schemeClr val="lt1"/>
+          </a:fontRef>
+        </p:style>
+        <p:txBody>
+          <a:bodyPr rtlCol="0" anchor="ctr"/>
+          <a:lstStyle/>
+          <a:p>
+            <a:pPr algn="ctr"/>
+            <a:endParaRPr lang="en-US"/>
+          </a:p>
+        </p:txBody>
+      </p:sp>
+      <p:sp>
+        <p:nvSpPr>
+          <p:cNvPr id="19" name="TextBox 18">
+            <a:extLst>
+              <a:ext uri="{FF2B5EF4-FFF2-40B4-BE49-F238E27FC236}">
+                <a16:creationId xmlns:a16="http://schemas.microsoft.com/office/drawing/2014/main" id="{B3AE9198-36DA-4DB2-AB3F-06DF308C535B}"/>
+              </a:ext>
+            </a:extLst>
+          </p:cNvPr>
+          <p:cNvSpPr txBox="1"/>
+          <p:nvPr/>
+        </p:nvSpPr>
+        <p:spPr>
+          <a:xfrm>
+            <a:off x="7195670" y="2470804"/>
+            <a:ext cx="1080445" cy="369332"/>
+          </a:xfrm>
+          <a:prstGeom prst="rect">
+            <a:avLst/>
+          </a:prstGeom>
+          <a:noFill/>
+        </p:spPr>
+        <p:txBody>
+          <a:bodyPr wrap="square" rtlCol="0">
+            <a:spAutoFit/>
+          </a:bodyPr>
+          <a:lstStyle/>
+          <a:p>
+            <a:r>
+              <a:rPr lang="en-US" dirty="0">
+                <a:latin typeface="Counter-Strike" panose="02000506030000020004" pitchFamily="2" charset="0"/>
+              </a:rPr>
+              <a:t>Search</a:t>
+            </a:r>
           </a:p>
         </p:txBody>
       </p:sp>
@@ -10754,10 +12263,317 @@
           </a:p>
         </p:txBody>
       </p:sp>
+      <p:sp>
+        <p:nvSpPr>
+          <p:cNvPr id="2" name="Rectangle: Rounded Corners 1">
+            <a:extLst>
+              <a:ext uri="{FF2B5EF4-FFF2-40B4-BE49-F238E27FC236}">
+                <a16:creationId xmlns:a16="http://schemas.microsoft.com/office/drawing/2014/main" id="{9EA77E21-E978-4B56-8FF6-191B66970EC1}"/>
+              </a:ext>
+            </a:extLst>
+          </p:cNvPr>
+          <p:cNvSpPr/>
+          <p:nvPr/>
+        </p:nvSpPr>
+        <p:spPr>
+          <a:xfrm>
+            <a:off x="3412565" y="2052195"/>
+            <a:ext cx="5133788" cy="1075765"/>
+          </a:xfrm>
+          <a:prstGeom prst="roundRect">
+            <a:avLst/>
+          </a:prstGeom>
+        </p:spPr>
+        <p:style>
+          <a:lnRef idx="2">
+            <a:schemeClr val="accent1">
+              <a:shade val="50000"/>
+            </a:schemeClr>
+          </a:lnRef>
+          <a:fillRef idx="1">
+            <a:schemeClr val="accent1"/>
+          </a:fillRef>
+          <a:effectRef idx="0">
+            <a:schemeClr val="accent1"/>
+          </a:effectRef>
+          <a:fontRef idx="minor">
+            <a:schemeClr val="lt1"/>
+          </a:fontRef>
+        </p:style>
+        <p:txBody>
+          <a:bodyPr rtlCol="0" anchor="ctr"/>
+          <a:lstStyle/>
+          <a:p>
+            <a:pPr algn="ctr"/>
+            <a:endParaRPr lang="en-US" dirty="0"/>
+          </a:p>
+        </p:txBody>
+      </p:sp>
+      <p:sp>
+        <p:nvSpPr>
+          <p:cNvPr id="3" name="TextBox 2">
+            <a:extLst>
+              <a:ext uri="{FF2B5EF4-FFF2-40B4-BE49-F238E27FC236}">
+                <a16:creationId xmlns:a16="http://schemas.microsoft.com/office/drawing/2014/main" id="{C09C1B5B-EB56-4083-A99B-8C4EE64C588F}"/>
+              </a:ext>
+            </a:extLst>
+          </p:cNvPr>
+          <p:cNvSpPr txBox="1"/>
+          <p:nvPr/>
+        </p:nvSpPr>
+        <p:spPr>
+          <a:xfrm>
+            <a:off x="3699435" y="2079812"/>
+            <a:ext cx="4739341" cy="369332"/>
+          </a:xfrm>
+          <a:prstGeom prst="rect">
+            <a:avLst/>
+          </a:prstGeom>
+          <a:noFill/>
+        </p:spPr>
+        <p:txBody>
+          <a:bodyPr wrap="square" rtlCol="0">
+            <a:spAutoFit/>
+          </a:bodyPr>
+          <a:lstStyle/>
+          <a:p>
+            <a:r>
+              <a:rPr lang="en-US" dirty="0">
+                <a:latin typeface="Counter-Strike" panose="02000506030000020004" pitchFamily="2" charset="0"/>
+              </a:rPr>
+              <a:t>Find Workouts near you!</a:t>
+            </a:r>
+          </a:p>
+        </p:txBody>
+      </p:sp>
+      <p:sp>
+        <p:nvSpPr>
+          <p:cNvPr id="4" name="Rectangle: Rounded Corners 3">
+            <a:hlinkClick r:id="rId6" action="ppaction://hlinksldjump"/>
+            <a:extLst>
+              <a:ext uri="{FF2B5EF4-FFF2-40B4-BE49-F238E27FC236}">
+                <a16:creationId xmlns:a16="http://schemas.microsoft.com/office/drawing/2014/main" id="{C50CEFD0-0CCB-4014-A2D9-F9D6EED989D9}"/>
+              </a:ext>
+            </a:extLst>
+          </p:cNvPr>
+          <p:cNvSpPr/>
+          <p:nvPr/>
+        </p:nvSpPr>
+        <p:spPr>
+          <a:xfrm>
+            <a:off x="3699435" y="2549556"/>
+            <a:ext cx="3209365" cy="301220"/>
+          </a:xfrm>
+          <a:prstGeom prst="roundRect">
+            <a:avLst/>
+          </a:prstGeom>
+          <a:solidFill>
+            <a:schemeClr val="tx1"/>
+          </a:solidFill>
+        </p:spPr>
+        <p:style>
+          <a:lnRef idx="2">
+            <a:schemeClr val="accent1">
+              <a:shade val="50000"/>
+            </a:schemeClr>
+          </a:lnRef>
+          <a:fillRef idx="1">
+            <a:schemeClr val="accent1"/>
+          </a:fillRef>
+          <a:effectRef idx="0">
+            <a:schemeClr val="accent1"/>
+          </a:effectRef>
+          <a:fontRef idx="minor">
+            <a:schemeClr val="lt1"/>
+          </a:fontRef>
+        </p:style>
+        <p:txBody>
+          <a:bodyPr rtlCol="0" anchor="ctr"/>
+          <a:lstStyle/>
+          <a:p>
+            <a:pPr algn="ctr"/>
+            <a:endParaRPr lang="en-US" dirty="0"/>
+          </a:p>
+        </p:txBody>
+      </p:sp>
+      <p:sp>
+        <p:nvSpPr>
+          <p:cNvPr id="5" name="TextBox 4">
+            <a:extLst>
+              <a:ext uri="{FF2B5EF4-FFF2-40B4-BE49-F238E27FC236}">
+                <a16:creationId xmlns:a16="http://schemas.microsoft.com/office/drawing/2014/main" id="{35EBFA56-40D4-4987-8179-CA6AA0699DE4}"/>
+              </a:ext>
+            </a:extLst>
+          </p:cNvPr>
+          <p:cNvSpPr txBox="1"/>
+          <p:nvPr/>
+        </p:nvSpPr>
+        <p:spPr>
+          <a:xfrm>
+            <a:off x="3706708" y="2470804"/>
+            <a:ext cx="3010844" cy="369332"/>
+          </a:xfrm>
+          <a:prstGeom prst="rect">
+            <a:avLst/>
+          </a:prstGeom>
+          <a:noFill/>
+        </p:spPr>
+        <p:txBody>
+          <a:bodyPr wrap="square" rtlCol="0">
+            <a:spAutoFit/>
+          </a:bodyPr>
+          <a:lstStyle/>
+          <a:p>
+            <a:r>
+              <a:rPr lang="en-US" dirty="0">
+                <a:solidFill>
+                  <a:schemeClr val="bg1"/>
+                </a:solidFill>
+                <a:latin typeface="Counter-Strike" panose="02000506030000020004" pitchFamily="2" charset="0"/>
+              </a:rPr>
+              <a:t>Enter your location…</a:t>
+            </a:r>
+          </a:p>
+        </p:txBody>
+      </p:sp>
+      <p:sp>
+        <p:nvSpPr>
+          <p:cNvPr id="8" name="Rectangle: Rounded Corners 7">
+            <a:hlinkClick r:id="rId8" action="ppaction://hlinksldjump"/>
+            <a:extLst>
+              <a:ext uri="{FF2B5EF4-FFF2-40B4-BE49-F238E27FC236}">
+                <a16:creationId xmlns:a16="http://schemas.microsoft.com/office/drawing/2014/main" id="{83CECA7D-ABB5-4640-9383-5474B4D8B7D3}"/>
+              </a:ext>
+            </a:extLst>
+          </p:cNvPr>
+          <p:cNvSpPr/>
+          <p:nvPr/>
+        </p:nvSpPr>
+        <p:spPr>
+          <a:xfrm>
+            <a:off x="7106024" y="2549556"/>
+            <a:ext cx="1231152" cy="290580"/>
+          </a:xfrm>
+          <a:prstGeom prst="roundRect">
+            <a:avLst/>
+          </a:prstGeom>
+          <a:solidFill>
+            <a:schemeClr val="accent1">
+              <a:lumMod val="40000"/>
+              <a:lumOff val="60000"/>
+            </a:schemeClr>
+          </a:solidFill>
+          <a:ln>
+            <a:solidFill>
+              <a:schemeClr val="accent1">
+                <a:lumMod val="75000"/>
+              </a:schemeClr>
+            </a:solidFill>
+          </a:ln>
+        </p:spPr>
+        <p:style>
+          <a:lnRef idx="2">
+            <a:schemeClr val="accent1">
+              <a:shade val="50000"/>
+            </a:schemeClr>
+          </a:lnRef>
+          <a:fillRef idx="1">
+            <a:schemeClr val="accent1"/>
+          </a:fillRef>
+          <a:effectRef idx="0">
+            <a:schemeClr val="accent1"/>
+          </a:effectRef>
+          <a:fontRef idx="minor">
+            <a:schemeClr val="lt1"/>
+          </a:fontRef>
+        </p:style>
+        <p:txBody>
+          <a:bodyPr rtlCol="0" anchor="ctr"/>
+          <a:lstStyle/>
+          <a:p>
+            <a:pPr algn="ctr"/>
+            <a:endParaRPr lang="en-US"/>
+          </a:p>
+        </p:txBody>
+      </p:sp>
+      <p:sp>
+        <p:nvSpPr>
+          <p:cNvPr id="19" name="TextBox 18">
+            <a:extLst>
+              <a:ext uri="{FF2B5EF4-FFF2-40B4-BE49-F238E27FC236}">
+                <a16:creationId xmlns:a16="http://schemas.microsoft.com/office/drawing/2014/main" id="{B3AE9198-36DA-4DB2-AB3F-06DF308C535B}"/>
+              </a:ext>
+            </a:extLst>
+          </p:cNvPr>
+          <p:cNvSpPr txBox="1"/>
+          <p:nvPr/>
+        </p:nvSpPr>
+        <p:spPr>
+          <a:xfrm>
+            <a:off x="7195670" y="2470804"/>
+            <a:ext cx="1080445" cy="369332"/>
+          </a:xfrm>
+          <a:prstGeom prst="rect">
+            <a:avLst/>
+          </a:prstGeom>
+          <a:noFill/>
+        </p:spPr>
+        <p:txBody>
+          <a:bodyPr wrap="square" rtlCol="0">
+            <a:spAutoFit/>
+          </a:bodyPr>
+          <a:lstStyle/>
+          <a:p>
+            <a:r>
+              <a:rPr lang="en-US" dirty="0">
+                <a:latin typeface="Counter-Strike" panose="02000506030000020004" pitchFamily="2" charset="0"/>
+              </a:rPr>
+              <a:t>Search</a:t>
+            </a:r>
+          </a:p>
+        </p:txBody>
+      </p:sp>
+      <p:sp>
+        <p:nvSpPr>
+          <p:cNvPr id="21" name="TextBox 20">
+            <a:extLst>
+              <a:ext uri="{FF2B5EF4-FFF2-40B4-BE49-F238E27FC236}">
+                <a16:creationId xmlns:a16="http://schemas.microsoft.com/office/drawing/2014/main" id="{67675C19-A5AF-44BD-B540-B45A4C972547}"/>
+              </a:ext>
+            </a:extLst>
+          </p:cNvPr>
+          <p:cNvSpPr txBox="1"/>
+          <p:nvPr/>
+        </p:nvSpPr>
+        <p:spPr>
+          <a:xfrm>
+            <a:off x="3567953" y="1392518"/>
+            <a:ext cx="4870823" cy="369332"/>
+          </a:xfrm>
+          <a:prstGeom prst="rect">
+            <a:avLst/>
+          </a:prstGeom>
+          <a:noFill/>
+        </p:spPr>
+        <p:txBody>
+          <a:bodyPr wrap="square" rtlCol="0">
+            <a:spAutoFit/>
+          </a:bodyPr>
+          <a:lstStyle/>
+          <a:p>
+            <a:r>
+              <a:rPr lang="en-US" dirty="0">
+                <a:latin typeface="Counter-Strike" panose="02000506030000020004" pitchFamily="2" charset="0"/>
+              </a:rPr>
+              <a:t>Error: Please Enter your location!</a:t>
+            </a:r>
+          </a:p>
+        </p:txBody>
+      </p:sp>
     </p:spTree>
     <p:extLst>
       <p:ext uri="{BB962C8B-B14F-4D97-AF65-F5344CB8AC3E}">
-        <p14:creationId xmlns:p14="http://schemas.microsoft.com/office/powerpoint/2010/main" val="1490585121"/>
+        <p14:creationId xmlns:p14="http://schemas.microsoft.com/office/powerpoint/2010/main" val="1429004198"/>
       </p:ext>
     </p:extLst>
   </p:cSld>
@@ -11659,10 +13475,10 @@
       </p:sp>
       <p:sp>
         <p:nvSpPr>
-          <p:cNvPr id="2" name="Rectangle 1">
-            <a:extLst>
-              <a:ext uri="{FF2B5EF4-FFF2-40B4-BE49-F238E27FC236}">
-                <a16:creationId xmlns:a16="http://schemas.microsoft.com/office/drawing/2014/main" id="{E2F02F2F-0461-AB41-B91E-5982F79DEC60}"/>
+          <p:cNvPr id="2" name="Rectangle: Rounded Corners 1">
+            <a:extLst>
+              <a:ext uri="{FF2B5EF4-FFF2-40B4-BE49-F238E27FC236}">
+                <a16:creationId xmlns:a16="http://schemas.microsoft.com/office/drawing/2014/main" id="{9EA77E21-E978-4B56-8FF6-191B66970EC1}"/>
               </a:ext>
             </a:extLst>
           </p:cNvPr>
@@ -11671,18 +13487,12 @@
         </p:nvSpPr>
         <p:spPr>
           <a:xfrm>
-            <a:off x="484092" y="1780681"/>
-            <a:ext cx="10326399" cy="4584673"/>
-          </a:xfrm>
-          <a:prstGeom prst="rect">
-            <a:avLst/>
-          </a:prstGeom>
-          <a:solidFill>
-            <a:schemeClr val="accent1">
-              <a:lumMod val="20000"/>
-              <a:lumOff val="80000"/>
-            </a:schemeClr>
-          </a:solidFill>
+            <a:off x="3412565" y="2052195"/>
+            <a:ext cx="5133788" cy="1075765"/>
+          </a:xfrm>
+          <a:prstGeom prst="roundRect">
+            <a:avLst/>
+          </a:prstGeom>
         </p:spPr>
         <p:style>
           <a:lnRef idx="2">
@@ -11709,230 +13519,12 @@
           </a:p>
         </p:txBody>
       </p:sp>
-      <p:cxnSp>
-        <p:nvCxnSpPr>
-          <p:cNvPr id="4" name="Straight Connector 3">
-            <a:extLst>
-              <a:ext uri="{FF2B5EF4-FFF2-40B4-BE49-F238E27FC236}">
-                <a16:creationId xmlns:a16="http://schemas.microsoft.com/office/drawing/2014/main" id="{0390F5B1-ACFA-704C-B381-C26EC0F3A184}"/>
-              </a:ext>
-            </a:extLst>
-          </p:cNvPr>
-          <p:cNvCxnSpPr>
-            <a:cxnSpLocks/>
-          </p:cNvCxnSpPr>
-          <p:nvPr/>
-        </p:nvCxnSpPr>
-        <p:spPr>
-          <a:xfrm>
-            <a:off x="502022" y="2478505"/>
-            <a:ext cx="10326399" cy="0"/>
-          </a:xfrm>
-          <a:prstGeom prst="line">
-            <a:avLst/>
-          </a:prstGeom>
-        </p:spPr>
-        <p:style>
-          <a:lnRef idx="1">
-            <a:schemeClr val="accent1"/>
-          </a:lnRef>
-          <a:fillRef idx="0">
-            <a:schemeClr val="accent1"/>
-          </a:fillRef>
-          <a:effectRef idx="0">
-            <a:schemeClr val="accent1"/>
-          </a:effectRef>
-          <a:fontRef idx="minor">
-            <a:schemeClr val="tx1"/>
-          </a:fontRef>
-        </p:style>
-      </p:cxnSp>
-      <p:cxnSp>
-        <p:nvCxnSpPr>
-          <p:cNvPr id="19" name="Straight Connector 18">
-            <a:extLst>
-              <a:ext uri="{FF2B5EF4-FFF2-40B4-BE49-F238E27FC236}">
-                <a16:creationId xmlns:a16="http://schemas.microsoft.com/office/drawing/2014/main" id="{2A814C2D-6B2E-AE41-AF16-C545A726108B}"/>
-              </a:ext>
-            </a:extLst>
-          </p:cNvPr>
-          <p:cNvCxnSpPr/>
-          <p:nvPr/>
-        </p:nvCxnSpPr>
-        <p:spPr>
-          <a:xfrm>
-            <a:off x="502022" y="3152274"/>
-            <a:ext cx="10326399" cy="0"/>
-          </a:xfrm>
-          <a:prstGeom prst="line">
-            <a:avLst/>
-          </a:prstGeom>
-        </p:spPr>
-        <p:style>
-          <a:lnRef idx="1">
-            <a:schemeClr val="accent1"/>
-          </a:lnRef>
-          <a:fillRef idx="0">
-            <a:schemeClr val="accent1"/>
-          </a:fillRef>
-          <a:effectRef idx="0">
-            <a:schemeClr val="accent1"/>
-          </a:effectRef>
-          <a:fontRef idx="minor">
-            <a:schemeClr val="tx1"/>
-          </a:fontRef>
-        </p:style>
-      </p:cxnSp>
-      <p:cxnSp>
-        <p:nvCxnSpPr>
-          <p:cNvPr id="23" name="Straight Connector 22">
-            <a:extLst>
-              <a:ext uri="{FF2B5EF4-FFF2-40B4-BE49-F238E27FC236}">
-                <a16:creationId xmlns:a16="http://schemas.microsoft.com/office/drawing/2014/main" id="{115B2645-EB18-6047-B500-E0EEDC203865}"/>
-              </a:ext>
-            </a:extLst>
-          </p:cNvPr>
-          <p:cNvCxnSpPr/>
-          <p:nvPr/>
-        </p:nvCxnSpPr>
-        <p:spPr>
-          <a:xfrm>
-            <a:off x="502022" y="3838074"/>
-            <a:ext cx="10326399" cy="0"/>
-          </a:xfrm>
-          <a:prstGeom prst="line">
-            <a:avLst/>
-          </a:prstGeom>
-        </p:spPr>
-        <p:style>
-          <a:lnRef idx="1">
-            <a:schemeClr val="accent1"/>
-          </a:lnRef>
-          <a:fillRef idx="0">
-            <a:schemeClr val="accent1"/>
-          </a:fillRef>
-          <a:effectRef idx="0">
-            <a:schemeClr val="accent1"/>
-          </a:effectRef>
-          <a:fontRef idx="minor">
-            <a:schemeClr val="tx1"/>
-          </a:fontRef>
-        </p:style>
-      </p:cxnSp>
-      <p:cxnSp>
-        <p:nvCxnSpPr>
-          <p:cNvPr id="26" name="Straight Connector 25">
-            <a:extLst>
-              <a:ext uri="{FF2B5EF4-FFF2-40B4-BE49-F238E27FC236}">
-                <a16:creationId xmlns:a16="http://schemas.microsoft.com/office/drawing/2014/main" id="{140E06D5-7EFF-2940-AC31-DD6568B5E51D}"/>
-              </a:ext>
-            </a:extLst>
-          </p:cNvPr>
-          <p:cNvCxnSpPr/>
-          <p:nvPr/>
-        </p:nvCxnSpPr>
-        <p:spPr>
-          <a:xfrm>
-            <a:off x="502022" y="4518793"/>
-            <a:ext cx="10326399" cy="0"/>
-          </a:xfrm>
-          <a:prstGeom prst="line">
-            <a:avLst/>
-          </a:prstGeom>
-        </p:spPr>
-        <p:style>
-          <a:lnRef idx="1">
-            <a:schemeClr val="accent1"/>
-          </a:lnRef>
-          <a:fillRef idx="0">
-            <a:schemeClr val="accent1"/>
-          </a:fillRef>
-          <a:effectRef idx="0">
-            <a:schemeClr val="accent1"/>
-          </a:effectRef>
-          <a:fontRef idx="minor">
-            <a:schemeClr val="tx1"/>
-          </a:fontRef>
-        </p:style>
-      </p:cxnSp>
-      <p:cxnSp>
-        <p:nvCxnSpPr>
-          <p:cNvPr id="28" name="Straight Connector 27">
-            <a:extLst>
-              <a:ext uri="{FF2B5EF4-FFF2-40B4-BE49-F238E27FC236}">
-                <a16:creationId xmlns:a16="http://schemas.microsoft.com/office/drawing/2014/main" id="{3056ED4B-211E-8A4F-B434-5846ED99A107}"/>
-              </a:ext>
-            </a:extLst>
-          </p:cNvPr>
-          <p:cNvCxnSpPr/>
-          <p:nvPr/>
-        </p:nvCxnSpPr>
-        <p:spPr>
-          <a:xfrm>
-            <a:off x="502022" y="5161547"/>
-            <a:ext cx="10326399" cy="0"/>
-          </a:xfrm>
-          <a:prstGeom prst="line">
-            <a:avLst/>
-          </a:prstGeom>
-        </p:spPr>
-        <p:style>
-          <a:lnRef idx="1">
-            <a:schemeClr val="accent1"/>
-          </a:lnRef>
-          <a:fillRef idx="0">
-            <a:schemeClr val="accent1"/>
-          </a:fillRef>
-          <a:effectRef idx="0">
-            <a:schemeClr val="accent1"/>
-          </a:effectRef>
-          <a:fontRef idx="minor">
-            <a:schemeClr val="tx1"/>
-          </a:fontRef>
-        </p:style>
-      </p:cxnSp>
-      <p:cxnSp>
-        <p:nvCxnSpPr>
-          <p:cNvPr id="30" name="Straight Connector 29">
-            <a:extLst>
-              <a:ext uri="{FF2B5EF4-FFF2-40B4-BE49-F238E27FC236}">
-                <a16:creationId xmlns:a16="http://schemas.microsoft.com/office/drawing/2014/main" id="{C9B68DE0-6C2E-6E43-8A36-03BACE54CDAB}"/>
-              </a:ext>
-            </a:extLst>
-          </p:cNvPr>
-          <p:cNvCxnSpPr/>
-          <p:nvPr/>
-        </p:nvCxnSpPr>
-        <p:spPr>
-          <a:xfrm>
-            <a:off x="502022" y="5868770"/>
-            <a:ext cx="10326399" cy="0"/>
-          </a:xfrm>
-          <a:prstGeom prst="line">
-            <a:avLst/>
-          </a:prstGeom>
-        </p:spPr>
-        <p:style>
-          <a:lnRef idx="1">
-            <a:schemeClr val="accent1"/>
-          </a:lnRef>
-          <a:fillRef idx="0">
-            <a:schemeClr val="accent1"/>
-          </a:fillRef>
-          <a:effectRef idx="0">
-            <a:schemeClr val="accent1"/>
-          </a:effectRef>
-          <a:fontRef idx="minor">
-            <a:schemeClr val="tx1"/>
-          </a:fontRef>
-        </p:style>
-      </p:cxnSp>
-      <p:sp>
-        <p:nvSpPr>
-          <p:cNvPr id="33" name="TextBox 32">
-            <a:extLst>
-              <a:ext uri="{FF2B5EF4-FFF2-40B4-BE49-F238E27FC236}">
-                <a16:creationId xmlns:a16="http://schemas.microsoft.com/office/drawing/2014/main" id="{7D1F823B-1AC6-E648-94F6-8599E2A6471C}"/>
+      <p:sp>
+        <p:nvSpPr>
+          <p:cNvPr id="3" name="TextBox 2">
+            <a:extLst>
+              <a:ext uri="{FF2B5EF4-FFF2-40B4-BE49-F238E27FC236}">
+                <a16:creationId xmlns:a16="http://schemas.microsoft.com/office/drawing/2014/main" id="{C09C1B5B-EB56-4083-A99B-8C4EE64C588F}"/>
               </a:ext>
             </a:extLst>
           </p:cNvPr>
@@ -11941,8 +13533,8 @@
         </p:nvSpPr>
         <p:spPr>
           <a:xfrm>
-            <a:off x="1275347" y="1949116"/>
-            <a:ext cx="937244" cy="369332"/>
+            <a:off x="3699435" y="2079812"/>
+            <a:ext cx="4739341" cy="369332"/>
           </a:xfrm>
           <a:prstGeom prst="rect">
             <a:avLst/>
@@ -11957,310 +13549,19 @@
           <a:p>
             <a:r>
               <a:rPr lang="en-US" dirty="0">
-                <a:solidFill>
-                  <a:schemeClr val="accent1">
-                    <a:lumMod val="75000"/>
-                  </a:schemeClr>
-                </a:solidFill>
+                <a:latin typeface="Counter-Strike" panose="02000506030000020004" pitchFamily="2" charset="0"/>
               </a:rPr>
-              <a:t>Bob</a:t>
+              <a:t>Find Workouts near you!</a:t>
             </a:r>
           </a:p>
         </p:txBody>
       </p:sp>
       <p:sp>
         <p:nvSpPr>
-          <p:cNvPr id="34" name="TextBox 33">
-            <a:extLst>
-              <a:ext uri="{FF2B5EF4-FFF2-40B4-BE49-F238E27FC236}">
-                <a16:creationId xmlns:a16="http://schemas.microsoft.com/office/drawing/2014/main" id="{2434CABA-F0E9-114E-9F7A-6EC27990B974}"/>
-              </a:ext>
-            </a:extLst>
-          </p:cNvPr>
-          <p:cNvSpPr txBox="1"/>
-          <p:nvPr/>
-        </p:nvSpPr>
-        <p:spPr>
-          <a:xfrm>
-            <a:off x="1257573" y="2626380"/>
-            <a:ext cx="937244" cy="369332"/>
-          </a:xfrm>
-          <a:prstGeom prst="rect">
-            <a:avLst/>
-          </a:prstGeom>
-          <a:noFill/>
-        </p:spPr>
-        <p:txBody>
-          <a:bodyPr wrap="square" rtlCol="0">
-            <a:spAutoFit/>
-          </a:bodyPr>
-          <a:lstStyle/>
-          <a:p>
-            <a:r>
-              <a:rPr lang="en-US" dirty="0">
-                <a:solidFill>
-                  <a:schemeClr val="accent1">
-                    <a:lumMod val="75000"/>
-                  </a:schemeClr>
-                </a:solidFill>
-              </a:rPr>
-              <a:t>Amy</a:t>
-            </a:r>
-          </a:p>
-        </p:txBody>
-      </p:sp>
-      <p:sp>
-        <p:nvSpPr>
-          <p:cNvPr id="35" name="TextBox 34">
-            <a:extLst>
-              <a:ext uri="{FF2B5EF4-FFF2-40B4-BE49-F238E27FC236}">
-                <a16:creationId xmlns:a16="http://schemas.microsoft.com/office/drawing/2014/main" id="{E3609244-E3DA-524E-97B8-3EBFCD7AEDBE}"/>
-              </a:ext>
-            </a:extLst>
-          </p:cNvPr>
-          <p:cNvSpPr txBox="1"/>
-          <p:nvPr/>
-        </p:nvSpPr>
-        <p:spPr>
-          <a:xfrm>
-            <a:off x="1275347" y="3296653"/>
-            <a:ext cx="937244" cy="369332"/>
-          </a:xfrm>
-          <a:prstGeom prst="rect">
-            <a:avLst/>
-          </a:prstGeom>
-          <a:noFill/>
-        </p:spPr>
-        <p:txBody>
-          <a:bodyPr wrap="square" rtlCol="0">
-            <a:spAutoFit/>
-          </a:bodyPr>
-          <a:lstStyle/>
-          <a:p>
-            <a:r>
-              <a:rPr lang="en-US" dirty="0">
-                <a:solidFill>
-                  <a:schemeClr val="accent1">
-                    <a:lumMod val="75000"/>
-                  </a:schemeClr>
-                </a:solidFill>
-              </a:rPr>
-              <a:t>Josh</a:t>
-            </a:r>
-          </a:p>
-        </p:txBody>
-      </p:sp>
-      <p:sp>
-        <p:nvSpPr>
-          <p:cNvPr id="36" name="TextBox 35">
-            <a:extLst>
-              <a:ext uri="{FF2B5EF4-FFF2-40B4-BE49-F238E27FC236}">
-                <a16:creationId xmlns:a16="http://schemas.microsoft.com/office/drawing/2014/main" id="{77A6D70A-32F9-FA4C-87DD-7DE394FA0BEA}"/>
-              </a:ext>
-            </a:extLst>
-          </p:cNvPr>
-          <p:cNvSpPr txBox="1"/>
-          <p:nvPr/>
-        </p:nvSpPr>
-        <p:spPr>
-          <a:xfrm>
-            <a:off x="1275347" y="4018547"/>
-            <a:ext cx="937244" cy="369332"/>
-          </a:xfrm>
-          <a:prstGeom prst="rect">
-            <a:avLst/>
-          </a:prstGeom>
-          <a:noFill/>
-        </p:spPr>
-        <p:txBody>
-          <a:bodyPr wrap="square" rtlCol="0">
-            <a:spAutoFit/>
-          </a:bodyPr>
-          <a:lstStyle/>
-          <a:p>
-            <a:r>
-              <a:rPr lang="en-US" dirty="0">
-                <a:solidFill>
-                  <a:schemeClr val="accent1">
-                    <a:lumMod val="75000"/>
-                  </a:schemeClr>
-                </a:solidFill>
-              </a:rPr>
-              <a:t>Anna</a:t>
-            </a:r>
-          </a:p>
-        </p:txBody>
-      </p:sp>
-      <p:sp>
-        <p:nvSpPr>
-          <p:cNvPr id="37" name="TextBox 36">
-            <a:extLst>
-              <a:ext uri="{FF2B5EF4-FFF2-40B4-BE49-F238E27FC236}">
-                <a16:creationId xmlns:a16="http://schemas.microsoft.com/office/drawing/2014/main" id="{89E848AE-101B-BD4A-89FB-B9D08DC2D67A}"/>
-              </a:ext>
-            </a:extLst>
-          </p:cNvPr>
-          <p:cNvSpPr txBox="1"/>
-          <p:nvPr/>
-        </p:nvSpPr>
-        <p:spPr>
-          <a:xfrm>
-            <a:off x="2352959" y="2598278"/>
-            <a:ext cx="3390983" cy="369332"/>
-          </a:xfrm>
-          <a:prstGeom prst="rect">
-            <a:avLst/>
-          </a:prstGeom>
-          <a:noFill/>
-        </p:spPr>
-        <p:txBody>
-          <a:bodyPr wrap="square" rtlCol="0">
-            <a:spAutoFit/>
-          </a:bodyPr>
-          <a:lstStyle/>
-          <a:p>
-            <a:r>
-              <a:rPr lang="en-US" dirty="0">
-                <a:solidFill>
-                  <a:schemeClr val="tx2">
-                    <a:lumMod val="10000"/>
-                  </a:schemeClr>
-                </a:solidFill>
-              </a:rPr>
-              <a:t>Last active 2 hours ago</a:t>
-            </a:r>
-          </a:p>
-        </p:txBody>
-      </p:sp>
-      <p:sp>
-        <p:nvSpPr>
-          <p:cNvPr id="38" name="TextBox 37">
-            <a:extLst>
-              <a:ext uri="{FF2B5EF4-FFF2-40B4-BE49-F238E27FC236}">
-                <a16:creationId xmlns:a16="http://schemas.microsoft.com/office/drawing/2014/main" id="{8D0A846C-B138-FC46-892B-8BC161144B3C}"/>
-              </a:ext>
-            </a:extLst>
-          </p:cNvPr>
-          <p:cNvSpPr txBox="1"/>
-          <p:nvPr/>
-        </p:nvSpPr>
-        <p:spPr>
-          <a:xfrm>
-            <a:off x="2352960" y="1968774"/>
-            <a:ext cx="3585246" cy="369332"/>
-          </a:xfrm>
-          <a:prstGeom prst="rect">
-            <a:avLst/>
-          </a:prstGeom>
-          <a:noFill/>
-        </p:spPr>
-        <p:txBody>
-          <a:bodyPr wrap="square" rtlCol="0">
-            <a:spAutoFit/>
-          </a:bodyPr>
-          <a:lstStyle/>
-          <a:p>
-            <a:r>
-              <a:rPr lang="en-US" dirty="0">
-                <a:solidFill>
-                  <a:schemeClr val="tx2">
-                    <a:lumMod val="10000"/>
-                  </a:schemeClr>
-                </a:solidFill>
-              </a:rPr>
-              <a:t>Active now: one new message</a:t>
-            </a:r>
-          </a:p>
-        </p:txBody>
-      </p:sp>
-      <p:sp>
-        <p:nvSpPr>
-          <p:cNvPr id="39" name="TextBox 38">
-            <a:extLst>
-              <a:ext uri="{FF2B5EF4-FFF2-40B4-BE49-F238E27FC236}">
-                <a16:creationId xmlns:a16="http://schemas.microsoft.com/office/drawing/2014/main" id="{0CC75971-302B-824A-B64B-97BA53A85B2F}"/>
-              </a:ext>
-            </a:extLst>
-          </p:cNvPr>
-          <p:cNvSpPr txBox="1"/>
-          <p:nvPr/>
-        </p:nvSpPr>
-        <p:spPr>
-          <a:xfrm>
-            <a:off x="2352958" y="3278996"/>
-            <a:ext cx="3390983" cy="369332"/>
-          </a:xfrm>
-          <a:prstGeom prst="rect">
-            <a:avLst/>
-          </a:prstGeom>
-          <a:noFill/>
-        </p:spPr>
-        <p:txBody>
-          <a:bodyPr wrap="square" rtlCol="0">
-            <a:spAutoFit/>
-          </a:bodyPr>
-          <a:lstStyle/>
-          <a:p>
-            <a:r>
-              <a:rPr lang="en-US" dirty="0">
-                <a:solidFill>
-                  <a:schemeClr val="tx2">
-                    <a:lumMod val="10000"/>
-                  </a:schemeClr>
-                </a:solidFill>
-              </a:rPr>
-              <a:t>Last active 4 hours ago</a:t>
-            </a:r>
-          </a:p>
-        </p:txBody>
-      </p:sp>
-      <p:sp>
-        <p:nvSpPr>
-          <p:cNvPr id="40" name="TextBox 39">
-            <a:extLst>
-              <a:ext uri="{FF2B5EF4-FFF2-40B4-BE49-F238E27FC236}">
-                <a16:creationId xmlns:a16="http://schemas.microsoft.com/office/drawing/2014/main" id="{71B84212-7603-184B-BB4C-2730DAB3B391}"/>
-              </a:ext>
-            </a:extLst>
-          </p:cNvPr>
-          <p:cNvSpPr txBox="1"/>
-          <p:nvPr/>
-        </p:nvSpPr>
-        <p:spPr>
-          <a:xfrm>
-            <a:off x="2352958" y="3960388"/>
-            <a:ext cx="3390983" cy="369332"/>
-          </a:xfrm>
-          <a:prstGeom prst="rect">
-            <a:avLst/>
-          </a:prstGeom>
-          <a:noFill/>
-        </p:spPr>
-        <p:txBody>
-          <a:bodyPr wrap="square" rtlCol="0">
-            <a:spAutoFit/>
-          </a:bodyPr>
-          <a:lstStyle/>
-          <a:p>
-            <a:r>
-              <a:rPr lang="en-US" dirty="0">
-                <a:solidFill>
-                  <a:schemeClr val="tx2">
-                    <a:lumMod val="10000"/>
-                  </a:schemeClr>
-                </a:solidFill>
-              </a:rPr>
-              <a:t>Last active yesterday</a:t>
-            </a:r>
-          </a:p>
-        </p:txBody>
-      </p:sp>
-      <p:sp>
-        <p:nvSpPr>
-          <p:cNvPr id="42" name="Lightning Bolt 41">
-            <a:extLst>
-              <a:ext uri="{FF2B5EF4-FFF2-40B4-BE49-F238E27FC236}">
-                <a16:creationId xmlns:a16="http://schemas.microsoft.com/office/drawing/2014/main" id="{12D5E3DD-1951-BE4B-A971-46E560455667}"/>
+          <p:cNvPr id="4" name="Rectangle: Rounded Corners 3">
+            <a:extLst>
+              <a:ext uri="{FF2B5EF4-FFF2-40B4-BE49-F238E27FC236}">
+                <a16:creationId xmlns:a16="http://schemas.microsoft.com/office/drawing/2014/main" id="{C50CEFD0-0CCB-4014-A2D9-F9D6EED989D9}"/>
               </a:ext>
             </a:extLst>
           </p:cNvPr>
@@ -12268,13 +13569,16 @@
           <p:nvPr/>
         </p:nvSpPr>
         <p:spPr>
-          <a:xfrm rot="249055">
-            <a:off x="1053791" y="2016868"/>
-            <a:ext cx="235933" cy="251834"/>
-          </a:xfrm>
-          <a:prstGeom prst="lightningBolt">
-            <a:avLst/>
-          </a:prstGeom>
+          <a:xfrm>
+            <a:off x="3699435" y="2549556"/>
+            <a:ext cx="3209365" cy="301220"/>
+          </a:xfrm>
+          <a:prstGeom prst="roundRect">
+            <a:avLst/>
+          </a:prstGeom>
+          <a:solidFill>
+            <a:schemeClr val="tx1"/>
+          </a:solidFill>
         </p:spPr>
         <p:style>
           <a:lnRef idx="2">
@@ -12297,14 +13601,151 @@
           <a:lstStyle/>
           <a:p>
             <a:pPr algn="ctr"/>
+            <a:endParaRPr lang="en-US" dirty="0"/>
+          </a:p>
+        </p:txBody>
+      </p:sp>
+      <p:sp>
+        <p:nvSpPr>
+          <p:cNvPr id="5" name="TextBox 4">
+            <a:extLst>
+              <a:ext uri="{FF2B5EF4-FFF2-40B4-BE49-F238E27FC236}">
+                <a16:creationId xmlns:a16="http://schemas.microsoft.com/office/drawing/2014/main" id="{35EBFA56-40D4-4987-8179-CA6AA0699DE4}"/>
+              </a:ext>
+            </a:extLst>
+          </p:cNvPr>
+          <p:cNvSpPr txBox="1"/>
+          <p:nvPr/>
+        </p:nvSpPr>
+        <p:spPr>
+          <a:xfrm>
+            <a:off x="3706708" y="2470804"/>
+            <a:ext cx="3010844" cy="369332"/>
+          </a:xfrm>
+          <a:prstGeom prst="rect">
+            <a:avLst/>
+          </a:prstGeom>
+          <a:noFill/>
+        </p:spPr>
+        <p:txBody>
+          <a:bodyPr wrap="square" rtlCol="0">
+            <a:spAutoFit/>
+          </a:bodyPr>
+          <a:lstStyle/>
+          <a:p>
+            <a:r>
+              <a:rPr lang="en-US" dirty="0">
+                <a:solidFill>
+                  <a:schemeClr val="bg1"/>
+                </a:solidFill>
+                <a:latin typeface="Counter-Strike" panose="02000506030000020004" pitchFamily="2" charset="0"/>
+              </a:rPr>
+              <a:t>Charlotte, NC</a:t>
+            </a:r>
+          </a:p>
+        </p:txBody>
+      </p:sp>
+      <p:sp>
+        <p:nvSpPr>
+          <p:cNvPr id="8" name="Rectangle: Rounded Corners 7">
+            <a:hlinkClick r:id="rId6" action="ppaction://hlinksldjump"/>
+            <a:extLst>
+              <a:ext uri="{FF2B5EF4-FFF2-40B4-BE49-F238E27FC236}">
+                <a16:creationId xmlns:a16="http://schemas.microsoft.com/office/drawing/2014/main" id="{83CECA7D-ABB5-4640-9383-5474B4D8B7D3}"/>
+              </a:ext>
+            </a:extLst>
+          </p:cNvPr>
+          <p:cNvSpPr/>
+          <p:nvPr/>
+        </p:nvSpPr>
+        <p:spPr>
+          <a:xfrm>
+            <a:off x="7106024" y="2549556"/>
+            <a:ext cx="1231152" cy="290580"/>
+          </a:xfrm>
+          <a:prstGeom prst="roundRect">
+            <a:avLst/>
+          </a:prstGeom>
+          <a:solidFill>
+            <a:schemeClr val="accent1">
+              <a:lumMod val="40000"/>
+              <a:lumOff val="60000"/>
+            </a:schemeClr>
+          </a:solidFill>
+          <a:ln>
+            <a:solidFill>
+              <a:schemeClr val="accent1">
+                <a:lumMod val="75000"/>
+              </a:schemeClr>
+            </a:solidFill>
+          </a:ln>
+        </p:spPr>
+        <p:style>
+          <a:lnRef idx="2">
+            <a:schemeClr val="accent1">
+              <a:shade val="50000"/>
+            </a:schemeClr>
+          </a:lnRef>
+          <a:fillRef idx="1">
+            <a:schemeClr val="accent1"/>
+          </a:fillRef>
+          <a:effectRef idx="0">
+            <a:schemeClr val="accent1"/>
+          </a:effectRef>
+          <a:fontRef idx="minor">
+            <a:schemeClr val="lt1"/>
+          </a:fontRef>
+        </p:style>
+        <p:txBody>
+          <a:bodyPr rtlCol="0" anchor="ctr"/>
+          <a:lstStyle/>
+          <a:p>
+            <a:pPr algn="ctr"/>
             <a:endParaRPr lang="en-US"/>
+          </a:p>
+        </p:txBody>
+      </p:sp>
+      <p:sp>
+        <p:nvSpPr>
+          <p:cNvPr id="19" name="TextBox 18">
+            <a:extLst>
+              <a:ext uri="{FF2B5EF4-FFF2-40B4-BE49-F238E27FC236}">
+                <a16:creationId xmlns:a16="http://schemas.microsoft.com/office/drawing/2014/main" id="{B3AE9198-36DA-4DB2-AB3F-06DF308C535B}"/>
+              </a:ext>
+            </a:extLst>
+          </p:cNvPr>
+          <p:cNvSpPr txBox="1"/>
+          <p:nvPr/>
+        </p:nvSpPr>
+        <p:spPr>
+          <a:xfrm>
+            <a:off x="7195670" y="2470804"/>
+            <a:ext cx="1080445" cy="369332"/>
+          </a:xfrm>
+          <a:prstGeom prst="rect">
+            <a:avLst/>
+          </a:prstGeom>
+          <a:noFill/>
+        </p:spPr>
+        <p:txBody>
+          <a:bodyPr wrap="square" rtlCol="0">
+            <a:spAutoFit/>
+          </a:bodyPr>
+          <a:lstStyle/>
+          <a:p>
+            <a:r>
+              <a:rPr lang="en-US" dirty="0">
+                <a:latin typeface="Counter-Strike" panose="02000506030000020004" pitchFamily="2" charset="0"/>
+              </a:rPr>
+              <a:t>Search</a:t>
+            </a:r>
           </a:p>
         </p:txBody>
       </p:sp>
     </p:spTree>
     <p:extLst>
       <p:ext uri="{BB962C8B-B14F-4D97-AF65-F5344CB8AC3E}">
-        <p14:creationId xmlns:p14="http://schemas.microsoft.com/office/powerpoint/2010/main" val="137419678"/>
+        <p14:creationId xmlns:p14="http://schemas.microsoft.com/office/powerpoint/2010/main" val="3232211572"/>
       </p:ext>
     </p:extLst>
   </p:cSld>
@@ -13038,6 +14479,5286 @@
         </p:nvSpPr>
         <p:spPr>
           <a:xfrm>
+            <a:off x="2212591" y="276672"/>
+            <a:ext cx="1589741" cy="369332"/>
+          </a:xfrm>
+          <a:prstGeom prst="rect">
+            <a:avLst/>
+          </a:prstGeom>
+          <a:noFill/>
+        </p:spPr>
+        <p:txBody>
+          <a:bodyPr wrap="square" rtlCol="0">
+            <a:spAutoFit/>
+          </a:bodyPr>
+          <a:lstStyle/>
+          <a:p>
+            <a:pPr algn="ctr"/>
+            <a:r>
+              <a:rPr lang="en-US" dirty="0">
+                <a:solidFill>
+                  <a:schemeClr val="accent1">
+                    <a:lumMod val="20000"/>
+                    <a:lumOff val="80000"/>
+                  </a:schemeClr>
+                </a:solidFill>
+                <a:latin typeface="Counter-Strike" panose="02000506030000020004" pitchFamily="2" charset="0"/>
+                <a:hlinkClick r:id="rId5" action="ppaction://hlinksldjump">
+                  <a:extLst>
+                    <a:ext uri="{A12FA001-AC4F-418D-AE19-62706E023703}">
+                      <ahyp:hlinkClr xmlns:ahyp="http://schemas.microsoft.com/office/drawing/2018/hyperlinkcolor" val="tx"/>
+                    </a:ext>
+                  </a:extLst>
+                </a:hlinkClick>
+              </a:rPr>
+              <a:t>Workouts</a:t>
+            </a:r>
+            <a:endParaRPr lang="en-US" dirty="0">
+              <a:solidFill>
+                <a:schemeClr val="accent1">
+                  <a:lumMod val="20000"/>
+                  <a:lumOff val="80000"/>
+                </a:schemeClr>
+              </a:solidFill>
+              <a:latin typeface="Counter-Strike" panose="02000506030000020004" pitchFamily="2" charset="0"/>
+            </a:endParaRPr>
+          </a:p>
+        </p:txBody>
+      </p:sp>
+      <p:sp>
+        <p:nvSpPr>
+          <p:cNvPr id="15" name="TextBox 14">
+            <a:extLst>
+              <a:ext uri="{FF2B5EF4-FFF2-40B4-BE49-F238E27FC236}">
+                <a16:creationId xmlns:a16="http://schemas.microsoft.com/office/drawing/2014/main" id="{23FDE9B0-6214-466C-BE66-394519FA5712}"/>
+              </a:ext>
+            </a:extLst>
+          </p:cNvPr>
+          <p:cNvSpPr txBox="1"/>
+          <p:nvPr/>
+        </p:nvSpPr>
+        <p:spPr>
+          <a:xfrm>
+            <a:off x="8185167" y="269904"/>
+            <a:ext cx="1565835" cy="369332"/>
+          </a:xfrm>
+          <a:prstGeom prst="rect">
+            <a:avLst/>
+          </a:prstGeom>
+          <a:noFill/>
+        </p:spPr>
+        <p:txBody>
+          <a:bodyPr wrap="square" rtlCol="0">
+            <a:spAutoFit/>
+          </a:bodyPr>
+          <a:lstStyle/>
+          <a:p>
+            <a:pPr algn="ctr"/>
+            <a:r>
+              <a:rPr lang="en-US" dirty="0">
+                <a:solidFill>
+                  <a:schemeClr val="accent1">
+                    <a:lumMod val="20000"/>
+                    <a:lumOff val="80000"/>
+                  </a:schemeClr>
+                </a:solidFill>
+                <a:latin typeface="Counter-Strike" panose="02000506030000020004" pitchFamily="2" charset="0"/>
+                <a:hlinkClick r:id="rId6" action="ppaction://hlinksldjump">
+                  <a:extLst>
+                    <a:ext uri="{A12FA001-AC4F-418D-AE19-62706E023703}">
+                      <ahyp:hlinkClr xmlns:ahyp="http://schemas.microsoft.com/office/drawing/2018/hyperlinkcolor" val="tx"/>
+                    </a:ext>
+                  </a:extLst>
+                </a:hlinkClick>
+              </a:rPr>
+              <a:t>People</a:t>
+            </a:r>
+            <a:endParaRPr lang="en-US" dirty="0">
+              <a:solidFill>
+                <a:schemeClr val="accent1">
+                  <a:lumMod val="20000"/>
+                  <a:lumOff val="80000"/>
+                </a:schemeClr>
+              </a:solidFill>
+              <a:latin typeface="Counter-Strike" panose="02000506030000020004" pitchFamily="2" charset="0"/>
+            </a:endParaRPr>
+          </a:p>
+        </p:txBody>
+      </p:sp>
+      <p:sp>
+        <p:nvSpPr>
+          <p:cNvPr id="17" name="TextBox 16">
+            <a:extLst>
+              <a:ext uri="{FF2B5EF4-FFF2-40B4-BE49-F238E27FC236}">
+                <a16:creationId xmlns:a16="http://schemas.microsoft.com/office/drawing/2014/main" id="{A9DCA6C6-CC9D-4CB6-967D-7213F3683D7A}"/>
+              </a:ext>
+            </a:extLst>
+          </p:cNvPr>
+          <p:cNvSpPr txBox="1"/>
+          <p:nvPr/>
+        </p:nvSpPr>
+        <p:spPr>
+          <a:xfrm>
+            <a:off x="9780692" y="276672"/>
+            <a:ext cx="1739153" cy="369332"/>
+          </a:xfrm>
+          <a:prstGeom prst="rect">
+            <a:avLst/>
+          </a:prstGeom>
+          <a:noFill/>
+        </p:spPr>
+        <p:txBody>
+          <a:bodyPr wrap="square" rtlCol="0">
+            <a:spAutoFit/>
+          </a:bodyPr>
+          <a:lstStyle/>
+          <a:p>
+            <a:pPr algn="ctr"/>
+            <a:r>
+              <a:rPr lang="en-US" dirty="0">
+                <a:solidFill>
+                  <a:schemeClr val="accent1">
+                    <a:lumMod val="20000"/>
+                    <a:lumOff val="80000"/>
+                  </a:schemeClr>
+                </a:solidFill>
+                <a:latin typeface="Counter-Strike" panose="02000506030000020004" pitchFamily="2" charset="0"/>
+                <a:hlinkClick r:id="rId7" action="ppaction://hlinksldjump">
+                  <a:extLst>
+                    <a:ext uri="{A12FA001-AC4F-418D-AE19-62706E023703}">
+                      <ahyp:hlinkClr xmlns:ahyp="http://schemas.microsoft.com/office/drawing/2018/hyperlinkcolor" val="tx"/>
+                    </a:ext>
+                  </a:extLst>
+                </a:hlinkClick>
+              </a:rPr>
+              <a:t>Messaging</a:t>
+            </a:r>
+            <a:endParaRPr lang="en-US" dirty="0">
+              <a:solidFill>
+                <a:schemeClr val="accent1">
+                  <a:lumMod val="20000"/>
+                  <a:lumOff val="80000"/>
+                </a:schemeClr>
+              </a:solidFill>
+              <a:latin typeface="Counter-Strike" panose="02000506030000020004" pitchFamily="2" charset="0"/>
+            </a:endParaRPr>
+          </a:p>
+        </p:txBody>
+      </p:sp>
+      <p:sp>
+        <p:nvSpPr>
+          <p:cNvPr id="2" name="Rectangle: Rounded Corners 1">
+            <a:extLst>
+              <a:ext uri="{FF2B5EF4-FFF2-40B4-BE49-F238E27FC236}">
+                <a16:creationId xmlns:a16="http://schemas.microsoft.com/office/drawing/2014/main" id="{E7CD762B-C4EA-4852-B174-4CA683D52D23}"/>
+              </a:ext>
+            </a:extLst>
+          </p:cNvPr>
+          <p:cNvSpPr/>
+          <p:nvPr/>
+        </p:nvSpPr>
+        <p:spPr>
+          <a:xfrm>
+            <a:off x="723153" y="926353"/>
+            <a:ext cx="10745694" cy="747059"/>
+          </a:xfrm>
+          <a:prstGeom prst="roundRect">
+            <a:avLst/>
+          </a:prstGeom>
+        </p:spPr>
+        <p:style>
+          <a:lnRef idx="2">
+            <a:schemeClr val="accent1">
+              <a:shade val="50000"/>
+            </a:schemeClr>
+          </a:lnRef>
+          <a:fillRef idx="1">
+            <a:schemeClr val="accent1"/>
+          </a:fillRef>
+          <a:effectRef idx="0">
+            <a:schemeClr val="accent1"/>
+          </a:effectRef>
+          <a:fontRef idx="minor">
+            <a:schemeClr val="lt1"/>
+          </a:fontRef>
+        </p:style>
+        <p:txBody>
+          <a:bodyPr rtlCol="0" anchor="ctr"/>
+          <a:lstStyle/>
+          <a:p>
+            <a:pPr algn="ctr"/>
+            <a:endParaRPr lang="en-US"/>
+          </a:p>
+        </p:txBody>
+      </p:sp>
+      <p:sp>
+        <p:nvSpPr>
+          <p:cNvPr id="3" name="TextBox 2">
+            <a:extLst>
+              <a:ext uri="{FF2B5EF4-FFF2-40B4-BE49-F238E27FC236}">
+                <a16:creationId xmlns:a16="http://schemas.microsoft.com/office/drawing/2014/main" id="{9A16684D-5C57-428A-B75A-ADD9803E09C2}"/>
+              </a:ext>
+            </a:extLst>
+          </p:cNvPr>
+          <p:cNvSpPr txBox="1"/>
+          <p:nvPr/>
+        </p:nvSpPr>
+        <p:spPr>
+          <a:xfrm>
+            <a:off x="719977" y="936115"/>
+            <a:ext cx="10608235" cy="646331"/>
+          </a:xfrm>
+          <a:prstGeom prst="rect">
+            <a:avLst/>
+          </a:prstGeom>
+          <a:noFill/>
+        </p:spPr>
+        <p:txBody>
+          <a:bodyPr wrap="square" rtlCol="0">
+            <a:spAutoFit/>
+          </a:bodyPr>
+          <a:lstStyle/>
+          <a:p>
+            <a:pPr algn="ctr"/>
+            <a:r>
+              <a:rPr lang="en-US" sz="3600" dirty="0">
+                <a:latin typeface="Counter-Strike" panose="02000506030000020004" pitchFamily="2" charset="0"/>
+              </a:rPr>
+              <a:t>Workouts available in Charlotte, NC</a:t>
+            </a:r>
+          </a:p>
+        </p:txBody>
+      </p:sp>
+      <p:pic>
+        <p:nvPicPr>
+          <p:cNvPr id="5" name="Picture 4" descr="A person swimming in a body of water&#10;&#10;Description automatically generated">
+            <a:extLst>
+              <a:ext uri="{FF2B5EF4-FFF2-40B4-BE49-F238E27FC236}">
+                <a16:creationId xmlns:a16="http://schemas.microsoft.com/office/drawing/2014/main" id="{BF11D1AF-97FC-4BEE-AF45-B05C67737865}"/>
+              </a:ext>
+            </a:extLst>
+          </p:cNvPr>
+          <p:cNvPicPr>
+            <a:picLocks noChangeAspect="1"/>
+          </p:cNvPicPr>
+          <p:nvPr/>
+        </p:nvPicPr>
+        <p:blipFill>
+          <a:blip r:embed="rId8">
+            <a:extLst>
+              <a:ext uri="{28A0092B-C50C-407E-A947-70E740481C1C}">
+                <a14:useLocalDpi xmlns:a14="http://schemas.microsoft.com/office/drawing/2010/main" val="0"/>
+              </a:ext>
+              <a:ext uri="{837473B0-CC2E-450A-ABE3-18F120FF3D39}">
+                <a1611:picAttrSrcUrl xmlns:a1611="http://schemas.microsoft.com/office/drawing/2016/11/main" r:id="rId9"/>
+              </a:ext>
+            </a:extLst>
+          </a:blip>
+          <a:stretch>
+            <a:fillRect/>
+          </a:stretch>
+        </p:blipFill>
+        <p:spPr>
+          <a:xfrm>
+            <a:off x="2163483" y="1707047"/>
+            <a:ext cx="2658871" cy="1790584"/>
+          </a:xfrm>
+          <a:prstGeom prst="rect">
+            <a:avLst/>
+          </a:prstGeom>
+        </p:spPr>
+      </p:pic>
+      <p:sp>
+        <p:nvSpPr>
+          <p:cNvPr id="8" name="TextBox 7">
+            <a:extLst>
+              <a:ext uri="{FF2B5EF4-FFF2-40B4-BE49-F238E27FC236}">
+                <a16:creationId xmlns:a16="http://schemas.microsoft.com/office/drawing/2014/main" id="{77C84202-6815-42B2-8E81-08378EE5D332}"/>
+              </a:ext>
+            </a:extLst>
+          </p:cNvPr>
+          <p:cNvSpPr txBox="1"/>
+          <p:nvPr/>
+        </p:nvSpPr>
+        <p:spPr>
+          <a:xfrm>
+            <a:off x="2259104" y="3419778"/>
+            <a:ext cx="2360706" cy="338554"/>
+          </a:xfrm>
+          <a:prstGeom prst="rect">
+            <a:avLst/>
+          </a:prstGeom>
+          <a:noFill/>
+        </p:spPr>
+        <p:txBody>
+          <a:bodyPr wrap="square" rtlCol="0">
+            <a:spAutoFit/>
+          </a:bodyPr>
+          <a:lstStyle/>
+          <a:p>
+            <a:pPr algn="ctr"/>
+            <a:r>
+              <a:rPr lang="en-US" sz="1600" dirty="0">
+                <a:latin typeface="Counter-Strike" panose="02000506030000020004" pitchFamily="2" charset="0"/>
+              </a:rPr>
+              <a:t>Swimming at the YMCA</a:t>
+            </a:r>
+          </a:p>
+        </p:txBody>
+      </p:sp>
+      <p:pic>
+        <p:nvPicPr>
+          <p:cNvPr id="21" name="Picture 20" descr="A picture containing sport, person, indoor, man&#10;&#10;Description automatically generated">
+            <a:extLst>
+              <a:ext uri="{FF2B5EF4-FFF2-40B4-BE49-F238E27FC236}">
+                <a16:creationId xmlns:a16="http://schemas.microsoft.com/office/drawing/2014/main" id="{F058324F-867F-4B22-AC88-93CDD1D8C1BD}"/>
+              </a:ext>
+            </a:extLst>
+          </p:cNvPr>
+          <p:cNvPicPr>
+            <a:picLocks noChangeAspect="1"/>
+          </p:cNvPicPr>
+          <p:nvPr/>
+        </p:nvPicPr>
+        <p:blipFill>
+          <a:blip r:embed="rId10">
+            <a:extLst>
+              <a:ext uri="{28A0092B-C50C-407E-A947-70E740481C1C}">
+                <a14:useLocalDpi xmlns:a14="http://schemas.microsoft.com/office/drawing/2010/main" val="0"/>
+              </a:ext>
+              <a:ext uri="{837473B0-CC2E-450A-ABE3-18F120FF3D39}">
+                <a1611:picAttrSrcUrl xmlns:a1611="http://schemas.microsoft.com/office/drawing/2016/11/main" r:id="rId11"/>
+              </a:ext>
+            </a:extLst>
+          </a:blip>
+          <a:stretch>
+            <a:fillRect/>
+          </a:stretch>
+        </p:blipFill>
+        <p:spPr>
+          <a:xfrm>
+            <a:off x="6738861" y="1702356"/>
+            <a:ext cx="2684075" cy="1790585"/>
+          </a:xfrm>
+          <a:prstGeom prst="rect">
+            <a:avLst/>
+          </a:prstGeom>
+        </p:spPr>
+      </p:pic>
+      <p:sp>
+        <p:nvSpPr>
+          <p:cNvPr id="23" name="TextBox 22">
+            <a:extLst>
+              <a:ext uri="{FF2B5EF4-FFF2-40B4-BE49-F238E27FC236}">
+                <a16:creationId xmlns:a16="http://schemas.microsoft.com/office/drawing/2014/main" id="{E6D2AD91-5363-4521-A9B7-83EF50343D49}"/>
+              </a:ext>
+            </a:extLst>
+          </p:cNvPr>
+          <p:cNvSpPr txBox="1"/>
+          <p:nvPr/>
+        </p:nvSpPr>
+        <p:spPr>
+          <a:xfrm>
+            <a:off x="6399891" y="3599211"/>
+            <a:ext cx="3570551" cy="338554"/>
+          </a:xfrm>
+          <a:prstGeom prst="rect">
+            <a:avLst/>
+          </a:prstGeom>
+          <a:noFill/>
+        </p:spPr>
+        <p:txBody>
+          <a:bodyPr wrap="square" rtlCol="0">
+            <a:spAutoFit/>
+          </a:bodyPr>
+          <a:lstStyle/>
+          <a:p>
+            <a:pPr algn="ctr"/>
+            <a:r>
+              <a:rPr lang="en-US" sz="1600" dirty="0">
+                <a:latin typeface="Counter-Strike" panose="02000506030000020004" pitchFamily="2" charset="0"/>
+              </a:rPr>
+              <a:t>Lifting Weights at Planet Fitness</a:t>
+            </a:r>
+          </a:p>
+        </p:txBody>
+      </p:sp>
+      <p:pic>
+        <p:nvPicPr>
+          <p:cNvPr id="26" name="Picture 25" descr="A person standing in front of a sunset&#10;&#10;Description automatically generated">
+            <a:extLst>
+              <a:ext uri="{FF2B5EF4-FFF2-40B4-BE49-F238E27FC236}">
+                <a16:creationId xmlns:a16="http://schemas.microsoft.com/office/drawing/2014/main" id="{7620DFC0-6902-4DA4-B5EB-ACB6A30FF469}"/>
+              </a:ext>
+            </a:extLst>
+          </p:cNvPr>
+          <p:cNvPicPr>
+            <a:picLocks noChangeAspect="1"/>
+          </p:cNvPicPr>
+          <p:nvPr/>
+        </p:nvPicPr>
+        <p:blipFill>
+          <a:blip r:embed="rId12">
+            <a:extLst>
+              <a:ext uri="{28A0092B-C50C-407E-A947-70E740481C1C}">
+                <a14:useLocalDpi xmlns:a14="http://schemas.microsoft.com/office/drawing/2010/main" val="0"/>
+              </a:ext>
+              <a:ext uri="{837473B0-CC2E-450A-ABE3-18F120FF3D39}">
+                <a1611:picAttrSrcUrl xmlns:a1611="http://schemas.microsoft.com/office/drawing/2016/11/main" r:id="rId13"/>
+              </a:ext>
+            </a:extLst>
+          </a:blip>
+          <a:stretch>
+            <a:fillRect/>
+          </a:stretch>
+        </p:blipFill>
+        <p:spPr>
+          <a:xfrm>
+            <a:off x="2163483" y="3937765"/>
+            <a:ext cx="2658871" cy="1771472"/>
+          </a:xfrm>
+          <a:prstGeom prst="rect">
+            <a:avLst/>
+          </a:prstGeom>
+        </p:spPr>
+      </p:pic>
+      <p:sp>
+        <p:nvSpPr>
+          <p:cNvPr id="27" name="TextBox 26">
+            <a:extLst>
+              <a:ext uri="{FF2B5EF4-FFF2-40B4-BE49-F238E27FC236}">
+                <a16:creationId xmlns:a16="http://schemas.microsoft.com/office/drawing/2014/main" id="{4F2404EB-EB3D-4376-B8CF-89B42BFF8BA9}"/>
+              </a:ext>
+            </a:extLst>
+          </p:cNvPr>
+          <p:cNvSpPr txBox="1"/>
+          <p:nvPr/>
+        </p:nvSpPr>
+        <p:spPr>
+          <a:xfrm>
+            <a:off x="1840424" y="5675773"/>
+            <a:ext cx="3304988" cy="338554"/>
+          </a:xfrm>
+          <a:prstGeom prst="rect">
+            <a:avLst/>
+          </a:prstGeom>
+          <a:noFill/>
+        </p:spPr>
+        <p:txBody>
+          <a:bodyPr wrap="square" rtlCol="0">
+            <a:spAutoFit/>
+          </a:bodyPr>
+          <a:lstStyle/>
+          <a:p>
+            <a:pPr algn="ctr"/>
+            <a:r>
+              <a:rPr lang="en-US" sz="1600" dirty="0">
+                <a:latin typeface="Counter-Strike" panose="02000506030000020004" pitchFamily="2" charset="0"/>
+              </a:rPr>
+              <a:t>Running at Park Road Park</a:t>
+            </a:r>
+          </a:p>
+        </p:txBody>
+      </p:sp>
+      <p:pic>
+        <p:nvPicPr>
+          <p:cNvPr id="32" name="Picture 31" descr="A yellow ball&#10;&#10;Description automatically generated">
+            <a:extLst>
+              <a:ext uri="{FF2B5EF4-FFF2-40B4-BE49-F238E27FC236}">
+                <a16:creationId xmlns:a16="http://schemas.microsoft.com/office/drawing/2014/main" id="{CB9FFC9F-E2C6-4FC2-8833-2E551B0BBC3B}"/>
+              </a:ext>
+            </a:extLst>
+          </p:cNvPr>
+          <p:cNvPicPr>
+            <a:picLocks noChangeAspect="1"/>
+          </p:cNvPicPr>
+          <p:nvPr/>
+        </p:nvPicPr>
+        <p:blipFill>
+          <a:blip r:embed="rId14">
+            <a:extLst>
+              <a:ext uri="{28A0092B-C50C-407E-A947-70E740481C1C}">
+                <a14:useLocalDpi xmlns:a14="http://schemas.microsoft.com/office/drawing/2010/main" val="0"/>
+              </a:ext>
+              <a:ext uri="{837473B0-CC2E-450A-ABE3-18F120FF3D39}">
+                <a1611:picAttrSrcUrl xmlns:a1611="http://schemas.microsoft.com/office/drawing/2016/11/main" r:id="rId15"/>
+              </a:ext>
+            </a:extLst>
+          </a:blip>
+          <a:stretch>
+            <a:fillRect/>
+          </a:stretch>
+        </p:blipFill>
+        <p:spPr>
+          <a:xfrm>
+            <a:off x="6738861" y="3949454"/>
+            <a:ext cx="2658872" cy="1768981"/>
+          </a:xfrm>
+          <a:prstGeom prst="rect">
+            <a:avLst/>
+          </a:prstGeom>
+        </p:spPr>
+      </p:pic>
+      <p:sp>
+        <p:nvSpPr>
+          <p:cNvPr id="33" name="TextBox 32">
+            <a:extLst>
+              <a:ext uri="{FF2B5EF4-FFF2-40B4-BE49-F238E27FC236}">
+                <a16:creationId xmlns:a16="http://schemas.microsoft.com/office/drawing/2014/main" id="{BB98F9A9-A68F-4A24-9A42-F3EBAC242DFC}"/>
+              </a:ext>
+            </a:extLst>
+          </p:cNvPr>
+          <p:cNvSpPr txBox="1"/>
+          <p:nvPr/>
+        </p:nvSpPr>
+        <p:spPr>
+          <a:xfrm>
+            <a:off x="6611400" y="5673278"/>
+            <a:ext cx="2892612" cy="338554"/>
+          </a:xfrm>
+          <a:prstGeom prst="rect">
+            <a:avLst/>
+          </a:prstGeom>
+          <a:noFill/>
+        </p:spPr>
+        <p:txBody>
+          <a:bodyPr wrap="square" rtlCol="0">
+            <a:spAutoFit/>
+          </a:bodyPr>
+          <a:lstStyle/>
+          <a:p>
+            <a:pPr algn="ctr"/>
+            <a:r>
+              <a:rPr lang="en-US" sz="1600" dirty="0">
+                <a:latin typeface="Counter-Strike" panose="02000506030000020004" pitchFamily="2" charset="0"/>
+              </a:rPr>
+              <a:t>Tennis at UNC Charlotte</a:t>
+            </a:r>
+          </a:p>
+        </p:txBody>
+      </p:sp>
+      <p:sp>
+        <p:nvSpPr>
+          <p:cNvPr id="34" name="Rectangle: Rounded Corners 33">
+            <a:hlinkClick r:id="rId5" action="ppaction://hlinksldjump"/>
+            <a:extLst>
+              <a:ext uri="{FF2B5EF4-FFF2-40B4-BE49-F238E27FC236}">
+                <a16:creationId xmlns:a16="http://schemas.microsoft.com/office/drawing/2014/main" id="{F8785216-02A5-4D08-9358-33762508927E}"/>
+              </a:ext>
+            </a:extLst>
+          </p:cNvPr>
+          <p:cNvSpPr/>
+          <p:nvPr/>
+        </p:nvSpPr>
+        <p:spPr>
+          <a:xfrm>
+            <a:off x="3724670" y="6102844"/>
+            <a:ext cx="4384070" cy="564298"/>
+          </a:xfrm>
+          <a:prstGeom prst="roundRect">
+            <a:avLst/>
+          </a:prstGeom>
+        </p:spPr>
+        <p:style>
+          <a:lnRef idx="2">
+            <a:schemeClr val="accent1">
+              <a:shade val="50000"/>
+            </a:schemeClr>
+          </a:lnRef>
+          <a:fillRef idx="1">
+            <a:schemeClr val="accent1"/>
+          </a:fillRef>
+          <a:effectRef idx="0">
+            <a:schemeClr val="accent1"/>
+          </a:effectRef>
+          <a:fontRef idx="minor">
+            <a:schemeClr val="lt1"/>
+          </a:fontRef>
+        </p:style>
+        <p:txBody>
+          <a:bodyPr rtlCol="0" anchor="ctr"/>
+          <a:lstStyle/>
+          <a:p>
+            <a:pPr algn="ctr"/>
+            <a:endParaRPr lang="en-US"/>
+          </a:p>
+        </p:txBody>
+      </p:sp>
+      <p:sp>
+        <p:nvSpPr>
+          <p:cNvPr id="35" name="TextBox 34">
+            <a:extLst>
+              <a:ext uri="{FF2B5EF4-FFF2-40B4-BE49-F238E27FC236}">
+                <a16:creationId xmlns:a16="http://schemas.microsoft.com/office/drawing/2014/main" id="{24B4BED7-C7B9-4A2E-A585-C6465195BCC4}"/>
+              </a:ext>
+            </a:extLst>
+          </p:cNvPr>
+          <p:cNvSpPr txBox="1"/>
+          <p:nvPr/>
+        </p:nvSpPr>
+        <p:spPr>
+          <a:xfrm>
+            <a:off x="3932516" y="6071835"/>
+            <a:ext cx="3968377" cy="523220"/>
+          </a:xfrm>
+          <a:prstGeom prst="rect">
+            <a:avLst/>
+          </a:prstGeom>
+          <a:noFill/>
+        </p:spPr>
+        <p:txBody>
+          <a:bodyPr wrap="square" rtlCol="0">
+            <a:spAutoFit/>
+          </a:bodyPr>
+          <a:lstStyle/>
+          <a:p>
+            <a:pPr algn="ctr"/>
+            <a:r>
+              <a:rPr lang="en-US" sz="2800" dirty="0">
+                <a:latin typeface="Counter-Strike" panose="02000506030000020004" pitchFamily="2" charset="0"/>
+              </a:rPr>
+              <a:t>Change Location</a:t>
+            </a:r>
+          </a:p>
+        </p:txBody>
+      </p:sp>
+    </p:spTree>
+    <p:extLst>
+      <p:ext uri="{BB962C8B-B14F-4D97-AF65-F5344CB8AC3E}">
+        <p14:creationId xmlns:p14="http://schemas.microsoft.com/office/powerpoint/2010/main" val="1490585121"/>
+      </p:ext>
+    </p:extLst>
+  </p:cSld>
+  <p:clrMapOvr>
+    <a:masterClrMapping/>
+  </p:clrMapOvr>
+</p:sld>
+</file>
+
+<file path=ppt/slides/slide6.xml><?xml version="1.0" encoding="utf-8"?>
+<p:sld xmlns:a="http://schemas.openxmlformats.org/drawingml/2006/main" xmlns:r="http://schemas.openxmlformats.org/officeDocument/2006/relationships" xmlns:p="http://schemas.openxmlformats.org/presentationml/2006/main">
+  <p:cSld>
+    <p:bg>
+      <p:bgPr>
+        <a:gradFill rotWithShape="1">
+          <a:gsLst>
+            <a:gs pos="0">
+              <a:schemeClr val="bg2">
+                <a:tint val="96000"/>
+                <a:shade val="100000"/>
+                <a:hueMod val="270000"/>
+                <a:satMod val="200000"/>
+                <a:lumMod val="128000"/>
+              </a:schemeClr>
+            </a:gs>
+            <a:gs pos="50000">
+              <a:schemeClr val="bg2">
+                <a:shade val="100000"/>
+                <a:hueMod val="100000"/>
+                <a:satMod val="110000"/>
+                <a:lumMod val="130000"/>
+              </a:schemeClr>
+            </a:gs>
+            <a:gs pos="100000">
+              <a:schemeClr val="bg2">
+                <a:shade val="78000"/>
+                <a:hueMod val="44000"/>
+                <a:satMod val="200000"/>
+                <a:lumMod val="69000"/>
+              </a:schemeClr>
+            </a:gs>
+          </a:gsLst>
+          <a:lin ang="2520000" scaled="0"/>
+        </a:gradFill>
+        <a:effectLst/>
+      </p:bgPr>
+    </p:bg>
+    <p:spTree>
+      <p:nvGrpSpPr>
+        <p:cNvPr id="1" name=""/>
+        <p:cNvGrpSpPr/>
+        <p:nvPr/>
+      </p:nvGrpSpPr>
+      <p:grpSpPr>
+        <a:xfrm>
+          <a:off x="0" y="0"/>
+          <a:ext cx="0" cy="0"/>
+          <a:chOff x="0" y="0"/>
+          <a:chExt cx="0" cy="0"/>
+        </a:xfrm>
+      </p:grpSpPr>
+      <p:pic>
+        <p:nvPicPr>
+          <p:cNvPr id="12" name="Picture 11">
+            <a:extLst>
+              <a:ext uri="{FF2B5EF4-FFF2-40B4-BE49-F238E27FC236}">
+                <a16:creationId xmlns:a16="http://schemas.microsoft.com/office/drawing/2014/main" id="{AC3E6C53-102E-4ACA-BCBB-3CC973B99486}"/>
+              </a:ext>
+              <a:ext uri="{C183D7F6-B498-43B3-948B-1728B52AA6E4}">
+                <adec:decorative xmlns:adec="http://schemas.microsoft.com/office/drawing/2017/decorative" val="1"/>
+              </a:ext>
+            </a:extLst>
+          </p:cNvPr>
+          <p:cNvPicPr>
+            <a:picLocks noGrp="1" noRot="1" noChangeAspect="1" noMove="1" noResize="1" noEditPoints="1" noAdjustHandles="1" noChangeArrowheads="1" noChangeShapeType="1" noCrop="1"/>
+          </p:cNvPicPr>
+          <p:nvPr>
+            <p:extLst>
+              <p:ext uri="{386F3935-93C4-4BCD-93E2-E3B085C9AB24}">
+                <p16:designElem xmlns:p16="http://schemas.microsoft.com/office/powerpoint/2015/main" val="1"/>
+              </p:ext>
+            </p:extLst>
+          </p:nvPr>
+        </p:nvPicPr>
+        <p:blipFill>
+          <a:blip r:embed="rId2">
+            <a:alphaModFix amt="10000"/>
+            <a:extLst>
+              <a:ext uri="{28A0092B-C50C-407E-A947-70E740481C1C}">
+                <a14:useLocalDpi xmlns:a14="http://schemas.microsoft.com/office/drawing/2010/main" val="0"/>
+              </a:ext>
+            </a:extLst>
+          </a:blip>
+          <a:stretch>
+            <a:fillRect/>
+          </a:stretch>
+        </p:blipFill>
+        <p:spPr>
+          <a:xfrm>
+            <a:off x="0" y="0"/>
+            <a:ext cx="12192000" cy="6858000"/>
+          </a:xfrm>
+          <a:prstGeom prst="rect">
+            <a:avLst/>
+          </a:prstGeom>
+        </p:spPr>
+      </p:pic>
+      <p:pic>
+        <p:nvPicPr>
+          <p:cNvPr id="14" name="Picture 13">
+            <a:extLst>
+              <a:ext uri="{FF2B5EF4-FFF2-40B4-BE49-F238E27FC236}">
+                <a16:creationId xmlns:a16="http://schemas.microsoft.com/office/drawing/2014/main" id="{17B2B42C-0777-4D6E-9432-535281803A88}"/>
+              </a:ext>
+              <a:ext uri="{C183D7F6-B498-43B3-948B-1728B52AA6E4}">
+                <adec:decorative xmlns:adec="http://schemas.microsoft.com/office/drawing/2017/decorative" val="1"/>
+              </a:ext>
+            </a:extLst>
+          </p:cNvPr>
+          <p:cNvPicPr>
+            <a:picLocks noGrp="1" noRot="1" noChangeAspect="1" noMove="1" noResize="1" noEditPoints="1" noAdjustHandles="1" noChangeArrowheads="1" noChangeShapeType="1" noCrop="1"/>
+          </p:cNvPicPr>
+          <p:nvPr>
+            <p:extLst>
+              <p:ext uri="{386F3935-93C4-4BCD-93E2-E3B085C9AB24}">
+                <p16:designElem xmlns:p16="http://schemas.microsoft.com/office/powerpoint/2015/main" val="1"/>
+              </p:ext>
+            </p:extLst>
+          </p:nvPr>
+        </p:nvPicPr>
+        <p:blipFill>
+          <a:blip r:embed="rId3">
+            <a:extLst>
+              <a:ext uri="{28A0092B-C50C-407E-A947-70E740481C1C}">
+                <a14:useLocalDpi xmlns:a14="http://schemas.microsoft.com/office/drawing/2010/main" val="0"/>
+              </a:ext>
+            </a:extLst>
+          </a:blip>
+          <a:stretch>
+            <a:fillRect/>
+          </a:stretch>
+        </p:blipFill>
+        <p:spPr>
+          <a:xfrm>
+            <a:off x="1" y="4242851"/>
+            <a:ext cx="8968084" cy="275942"/>
+          </a:xfrm>
+          <a:prstGeom prst="rect">
+            <a:avLst/>
+          </a:prstGeom>
+        </p:spPr>
+      </p:pic>
+      <p:pic>
+        <p:nvPicPr>
+          <p:cNvPr id="16" name="Picture 15">
+            <a:extLst>
+              <a:ext uri="{FF2B5EF4-FFF2-40B4-BE49-F238E27FC236}">
+                <a16:creationId xmlns:a16="http://schemas.microsoft.com/office/drawing/2014/main" id="{EFEAAB60-93E2-4DC6-99AC-939637BCE864}"/>
+              </a:ext>
+              <a:ext uri="{C183D7F6-B498-43B3-948B-1728B52AA6E4}">
+                <adec:decorative xmlns:adec="http://schemas.microsoft.com/office/drawing/2017/decorative" val="1"/>
+              </a:ext>
+            </a:extLst>
+          </p:cNvPr>
+          <p:cNvPicPr>
+            <a:picLocks noGrp="1" noRot="1" noChangeAspect="1" noMove="1" noResize="1" noEditPoints="1" noAdjustHandles="1" noChangeArrowheads="1" noChangeShapeType="1" noCrop="1"/>
+          </p:cNvPicPr>
+          <p:nvPr>
+            <p:extLst>
+              <p:ext uri="{386F3935-93C4-4BCD-93E2-E3B085C9AB24}">
+                <p16:designElem xmlns:p16="http://schemas.microsoft.com/office/powerpoint/2015/main" val="1"/>
+              </p:ext>
+            </p:extLst>
+          </p:nvPr>
+        </p:nvPicPr>
+        <p:blipFill>
+          <a:blip r:embed="rId4">
+            <a:extLst>
+              <a:ext uri="{28A0092B-C50C-407E-A947-70E740481C1C}">
+                <a14:useLocalDpi xmlns:a14="http://schemas.microsoft.com/office/drawing/2010/main" val="0"/>
+              </a:ext>
+            </a:extLst>
+          </a:blip>
+          <a:stretch>
+            <a:fillRect/>
+          </a:stretch>
+        </p:blipFill>
+        <p:spPr>
+          <a:xfrm>
+            <a:off x="9111716" y="4243845"/>
+            <a:ext cx="3077108" cy="276940"/>
+          </a:xfrm>
+          <a:prstGeom prst="rect">
+            <a:avLst/>
+          </a:prstGeom>
+        </p:spPr>
+      </p:pic>
+      <p:sp>
+        <p:nvSpPr>
+          <p:cNvPr id="18" name="Rectangle 17">
+            <a:extLst>
+              <a:ext uri="{FF2B5EF4-FFF2-40B4-BE49-F238E27FC236}">
+                <a16:creationId xmlns:a16="http://schemas.microsoft.com/office/drawing/2014/main" id="{7EF5ECB8-D49C-48FB-A93E-88EB2FFDFD42}"/>
+              </a:ext>
+              <a:ext uri="{C183D7F6-B498-43B3-948B-1728B52AA6E4}">
+                <adec:decorative xmlns:adec="http://schemas.microsoft.com/office/drawing/2017/decorative" val="1"/>
+              </a:ext>
+            </a:extLst>
+          </p:cNvPr>
+          <p:cNvSpPr>
+            <a:spLocks noGrp="1" noRot="1" noChangeAspect="1" noMove="1" noResize="1" noEditPoints="1" noAdjustHandles="1" noChangeArrowheads="1" noChangeShapeType="1" noTextEdit="1"/>
+          </p:cNvSpPr>
+          <p:nvPr>
+            <p:extLst>
+              <p:ext uri="{386F3935-93C4-4BCD-93E2-E3B085C9AB24}">
+                <p16:designElem xmlns:p16="http://schemas.microsoft.com/office/powerpoint/2015/main" val="1"/>
+              </p:ext>
+            </p:extLst>
+          </p:nvPr>
+        </p:nvSpPr>
+        <p:spPr bwMode="ltGray">
+          <a:xfrm>
+            <a:off x="0" y="2590078"/>
+            <a:ext cx="8968085" cy="1660332"/>
+          </a:xfrm>
+          <a:prstGeom prst="rect">
+            <a:avLst/>
+          </a:prstGeom>
+          <a:solidFill>
+            <a:schemeClr val="bg1">
+              <a:lumMod val="85000"/>
+              <a:lumOff val="15000"/>
+            </a:schemeClr>
+          </a:solidFill>
+          <a:ln>
+            <a:noFill/>
+          </a:ln>
+        </p:spPr>
+        <p:style>
+          <a:lnRef idx="2">
+            <a:schemeClr val="accent1">
+              <a:shade val="50000"/>
+            </a:schemeClr>
+          </a:lnRef>
+          <a:fillRef idx="1">
+            <a:schemeClr val="accent1"/>
+          </a:fillRef>
+          <a:effectRef idx="0">
+            <a:schemeClr val="accent1"/>
+          </a:effectRef>
+          <a:fontRef idx="minor">
+            <a:schemeClr val="lt1"/>
+          </a:fontRef>
+        </p:style>
+      </p:sp>
+      <p:sp>
+        <p:nvSpPr>
+          <p:cNvPr id="20" name="Rectangle 19">
+            <a:extLst>
+              <a:ext uri="{FF2B5EF4-FFF2-40B4-BE49-F238E27FC236}">
+                <a16:creationId xmlns:a16="http://schemas.microsoft.com/office/drawing/2014/main" id="{411B77A2-BD5C-432D-B52E-C12612C74C17}"/>
+              </a:ext>
+              <a:ext uri="{C183D7F6-B498-43B3-948B-1728B52AA6E4}">
+                <adec:decorative xmlns:adec="http://schemas.microsoft.com/office/drawing/2017/decorative" val="1"/>
+              </a:ext>
+            </a:extLst>
+          </p:cNvPr>
+          <p:cNvSpPr>
+            <a:spLocks noGrp="1" noRot="1" noChangeAspect="1" noMove="1" noResize="1" noEditPoints="1" noAdjustHandles="1" noChangeArrowheads="1" noChangeShapeType="1" noTextEdit="1"/>
+          </p:cNvSpPr>
+          <p:nvPr>
+            <p:extLst>
+              <p:ext uri="{386F3935-93C4-4BCD-93E2-E3B085C9AB24}">
+                <p16:designElem xmlns:p16="http://schemas.microsoft.com/office/powerpoint/2015/main" val="1"/>
+              </p:ext>
+            </p:extLst>
+          </p:nvPr>
+        </p:nvSpPr>
+        <p:spPr>
+          <a:xfrm>
+            <a:off x="9111715" y="2590078"/>
+            <a:ext cx="3077109" cy="1660332"/>
+          </a:xfrm>
+          <a:prstGeom prst="rect">
+            <a:avLst/>
+          </a:prstGeom>
+          <a:solidFill>
+            <a:schemeClr val="accent1"/>
+          </a:solidFill>
+          <a:ln>
+            <a:noFill/>
+          </a:ln>
+        </p:spPr>
+        <p:style>
+          <a:lnRef idx="2">
+            <a:schemeClr val="accent1">
+              <a:shade val="50000"/>
+            </a:schemeClr>
+          </a:lnRef>
+          <a:fillRef idx="1">
+            <a:schemeClr val="accent1"/>
+          </a:fillRef>
+          <a:effectRef idx="0">
+            <a:schemeClr val="accent1"/>
+          </a:effectRef>
+          <a:fontRef idx="minor">
+            <a:schemeClr val="lt1"/>
+          </a:fontRef>
+        </p:style>
+      </p:sp>
+      <p:sp useBgFill="1">
+        <p:nvSpPr>
+          <p:cNvPr id="22" name="Rectangle 21">
+            <a:extLst>
+              <a:ext uri="{FF2B5EF4-FFF2-40B4-BE49-F238E27FC236}">
+                <a16:creationId xmlns:a16="http://schemas.microsoft.com/office/drawing/2014/main" id="{B5C18694-F55B-41C0-ABF3-C1D971F99ADB}"/>
+              </a:ext>
+              <a:ext uri="{C183D7F6-B498-43B3-948B-1728B52AA6E4}">
+                <adec:decorative xmlns:adec="http://schemas.microsoft.com/office/drawing/2017/decorative" val="1"/>
+              </a:ext>
+            </a:extLst>
+          </p:cNvPr>
+          <p:cNvSpPr>
+            <a:spLocks noGrp="1" noRot="1" noChangeAspect="1" noMove="1" noResize="1" noEditPoints="1" noAdjustHandles="1" noChangeArrowheads="1" noChangeShapeType="1" noTextEdit="1"/>
+          </p:cNvSpPr>
+          <p:nvPr>
+            <p:extLst>
+              <p:ext uri="{386F3935-93C4-4BCD-93E2-E3B085C9AB24}">
+                <p16:designElem xmlns:p16="http://schemas.microsoft.com/office/powerpoint/2015/main" val="1"/>
+              </p:ext>
+            </p:extLst>
+          </p:nvPr>
+        </p:nvSpPr>
+        <p:spPr>
+          <a:xfrm>
+            <a:off x="0" y="0"/>
+            <a:ext cx="12192000" cy="6858000"/>
+          </a:xfrm>
+          <a:prstGeom prst="rect">
+            <a:avLst/>
+          </a:prstGeom>
+          <a:ln>
+            <a:noFill/>
+          </a:ln>
+        </p:spPr>
+        <p:style>
+          <a:lnRef idx="2">
+            <a:schemeClr val="accent1">
+              <a:shade val="50000"/>
+            </a:schemeClr>
+          </a:lnRef>
+          <a:fillRef idx="1">
+            <a:schemeClr val="accent1"/>
+          </a:fillRef>
+          <a:effectRef idx="0">
+            <a:schemeClr val="accent1"/>
+          </a:effectRef>
+          <a:fontRef idx="minor">
+            <a:schemeClr val="lt1"/>
+          </a:fontRef>
+        </p:style>
+        <p:txBody>
+          <a:bodyPr rtlCol="0" anchor="ctr"/>
+          <a:lstStyle/>
+          <a:p>
+            <a:pPr algn="ctr"/>
+            <a:endParaRPr lang="en-US"/>
+          </a:p>
+        </p:txBody>
+      </p:sp>
+      <p:pic>
+        <p:nvPicPr>
+          <p:cNvPr id="24" name="Picture 23">
+            <a:extLst>
+              <a:ext uri="{FF2B5EF4-FFF2-40B4-BE49-F238E27FC236}">
+                <a16:creationId xmlns:a16="http://schemas.microsoft.com/office/drawing/2014/main" id="{E3E46CA8-7278-4BA3-AACE-235B5B3B53E0}"/>
+              </a:ext>
+              <a:ext uri="{C183D7F6-B498-43B3-948B-1728B52AA6E4}">
+                <adec:decorative xmlns:adec="http://schemas.microsoft.com/office/drawing/2017/decorative" val="1"/>
+              </a:ext>
+            </a:extLst>
+          </p:cNvPr>
+          <p:cNvPicPr>
+            <a:picLocks noGrp="1" noRot="1" noChangeAspect="1" noMove="1" noResize="1" noEditPoints="1" noAdjustHandles="1" noChangeArrowheads="1" noChangeShapeType="1" noCrop="1"/>
+          </p:cNvPicPr>
+          <p:nvPr>
+            <p:extLst>
+              <p:ext uri="{386F3935-93C4-4BCD-93E2-E3B085C9AB24}">
+                <p16:designElem xmlns:p16="http://schemas.microsoft.com/office/powerpoint/2015/main" val="1"/>
+              </p:ext>
+            </p:extLst>
+          </p:nvPr>
+        </p:nvPicPr>
+        <p:blipFill>
+          <a:blip r:embed="rId2">
+            <a:alphaModFix amt="10000"/>
+            <a:extLst>
+              <a:ext uri="{28A0092B-C50C-407E-A947-70E740481C1C}">
+                <a14:useLocalDpi xmlns:a14="http://schemas.microsoft.com/office/drawing/2010/main" val="0"/>
+              </a:ext>
+            </a:extLst>
+          </a:blip>
+          <a:stretch>
+            <a:fillRect/>
+          </a:stretch>
+        </p:blipFill>
+        <p:spPr>
+          <a:xfrm>
+            <a:off x="0" y="0"/>
+            <a:ext cx="12192000" cy="6858000"/>
+          </a:xfrm>
+          <a:prstGeom prst="rect">
+            <a:avLst/>
+          </a:prstGeom>
+        </p:spPr>
+      </p:pic>
+      <p:sp>
+        <p:nvSpPr>
+          <p:cNvPr id="9" name="Rectangle 8">
+            <a:extLst>
+              <a:ext uri="{FF2B5EF4-FFF2-40B4-BE49-F238E27FC236}">
+                <a16:creationId xmlns:a16="http://schemas.microsoft.com/office/drawing/2014/main" id="{6DFE6781-8F98-4989-B963-48136A48563D}"/>
+              </a:ext>
+            </a:extLst>
+          </p:cNvPr>
+          <p:cNvSpPr/>
+          <p:nvPr/>
+        </p:nvSpPr>
+        <p:spPr>
+          <a:xfrm>
+            <a:off x="10970001" y="5868770"/>
+            <a:ext cx="1222000" cy="989230"/>
+          </a:xfrm>
+          <a:prstGeom prst="rect">
+            <a:avLst/>
+          </a:prstGeom>
+          <a:effectLst>
+            <a:outerShdw blurRad="50800" dist="38100" dir="2700000" algn="tl" rotWithShape="0">
+              <a:prstClr val="black">
+                <a:alpha val="40000"/>
+              </a:prstClr>
+            </a:outerShdw>
+          </a:effectLst>
+        </p:spPr>
+        <p:style>
+          <a:lnRef idx="2">
+            <a:schemeClr val="accent1">
+              <a:shade val="50000"/>
+            </a:schemeClr>
+          </a:lnRef>
+          <a:fillRef idx="1">
+            <a:schemeClr val="accent1"/>
+          </a:fillRef>
+          <a:effectRef idx="0">
+            <a:schemeClr val="accent1"/>
+          </a:effectRef>
+          <a:fontRef idx="minor">
+            <a:schemeClr val="lt1"/>
+          </a:fontRef>
+        </p:style>
+        <p:txBody>
+          <a:bodyPr rtlCol="0" anchor="ctr"/>
+          <a:lstStyle/>
+          <a:p>
+            <a:pPr algn="ctr"/>
+            <a:endParaRPr lang="en-US"/>
+          </a:p>
+        </p:txBody>
+      </p:sp>
+      <p:sp>
+        <p:nvSpPr>
+          <p:cNvPr id="6" name="TextBox 5">
+            <a:extLst>
+              <a:ext uri="{FF2B5EF4-FFF2-40B4-BE49-F238E27FC236}">
+                <a16:creationId xmlns:a16="http://schemas.microsoft.com/office/drawing/2014/main" id="{1D6E3BC5-6F68-4014-AEE1-3D012AF022C3}"/>
+              </a:ext>
+            </a:extLst>
+          </p:cNvPr>
+          <p:cNvSpPr txBox="1"/>
+          <p:nvPr/>
+        </p:nvSpPr>
+        <p:spPr>
+          <a:xfrm>
+            <a:off x="10987930" y="5760874"/>
+            <a:ext cx="1222000" cy="923330"/>
+          </a:xfrm>
+          <a:prstGeom prst="rect">
+            <a:avLst/>
+          </a:prstGeom>
+          <a:noFill/>
+        </p:spPr>
+        <p:txBody>
+          <a:bodyPr wrap="square" rtlCol="0">
+            <a:spAutoFit/>
+          </a:bodyPr>
+          <a:lstStyle/>
+          <a:p>
+            <a:pPr>
+              <a:spcAft>
+                <a:spcPts val="600"/>
+              </a:spcAft>
+            </a:pPr>
+            <a:r>
+              <a:rPr lang="en-US" sz="5400" dirty="0">
+                <a:solidFill>
+                  <a:schemeClr val="accent1">
+                    <a:lumMod val="20000"/>
+                    <a:lumOff val="80000"/>
+                  </a:schemeClr>
+                </a:solidFill>
+                <a:latin typeface="Counter-Strike" panose="02000506030000020004" pitchFamily="2" charset="0"/>
+                <a:hlinkClick r:id="" action="ppaction://hlinkshowjump?jump=firstslide">
+                  <a:extLst>
+                    <a:ext uri="{A12FA001-AC4F-418D-AE19-62706E023703}">
+                      <ahyp:hlinkClr xmlns:ahyp="http://schemas.microsoft.com/office/drawing/2018/hyperlinkcolor" val="tx"/>
+                    </a:ext>
+                  </a:extLst>
+                </a:hlinkClick>
+              </a:rPr>
+              <a:t>EP</a:t>
+            </a:r>
+            <a:endParaRPr lang="en-US" sz="5400" dirty="0">
+              <a:solidFill>
+                <a:schemeClr val="accent1">
+                  <a:lumMod val="20000"/>
+                  <a:lumOff val="80000"/>
+                </a:schemeClr>
+              </a:solidFill>
+              <a:latin typeface="Counter-Strike" panose="02000506030000020004" pitchFamily="2" charset="0"/>
+            </a:endParaRPr>
+          </a:p>
+        </p:txBody>
+      </p:sp>
+      <p:sp>
+        <p:nvSpPr>
+          <p:cNvPr id="10" name="Rectangle 9">
+            <a:extLst>
+              <a:ext uri="{FF2B5EF4-FFF2-40B4-BE49-F238E27FC236}">
+                <a16:creationId xmlns:a16="http://schemas.microsoft.com/office/drawing/2014/main" id="{9DA4959C-10EA-4094-A70F-B79F0082F990}"/>
+              </a:ext>
+            </a:extLst>
+          </p:cNvPr>
+          <p:cNvSpPr/>
+          <p:nvPr/>
+        </p:nvSpPr>
+        <p:spPr>
+          <a:xfrm>
+            <a:off x="3176" y="253561"/>
+            <a:ext cx="12192000" cy="490211"/>
+          </a:xfrm>
+          <a:prstGeom prst="rect">
+            <a:avLst/>
+          </a:prstGeom>
+        </p:spPr>
+        <p:style>
+          <a:lnRef idx="2">
+            <a:schemeClr val="accent1">
+              <a:shade val="50000"/>
+            </a:schemeClr>
+          </a:lnRef>
+          <a:fillRef idx="1">
+            <a:schemeClr val="accent1"/>
+          </a:fillRef>
+          <a:effectRef idx="0">
+            <a:schemeClr val="accent1"/>
+          </a:effectRef>
+          <a:fontRef idx="minor">
+            <a:schemeClr val="lt1"/>
+          </a:fontRef>
+        </p:style>
+        <p:txBody>
+          <a:bodyPr rtlCol="0" anchor="ctr"/>
+          <a:lstStyle/>
+          <a:p>
+            <a:pPr algn="ctr"/>
+            <a:endParaRPr lang="en-US"/>
+          </a:p>
+        </p:txBody>
+      </p:sp>
+      <p:sp>
+        <p:nvSpPr>
+          <p:cNvPr id="7" name="TextBox 6">
+            <a:extLst>
+              <a:ext uri="{FF2B5EF4-FFF2-40B4-BE49-F238E27FC236}">
+                <a16:creationId xmlns:a16="http://schemas.microsoft.com/office/drawing/2014/main" id="{6585967D-4C3F-41FF-8621-A94A3115096A}"/>
+              </a:ext>
+            </a:extLst>
+          </p:cNvPr>
+          <p:cNvSpPr txBox="1"/>
+          <p:nvPr/>
+        </p:nvSpPr>
+        <p:spPr>
+          <a:xfrm>
+            <a:off x="4254251" y="165368"/>
+            <a:ext cx="3683498" cy="578404"/>
+          </a:xfrm>
+          <a:prstGeom prst="rect">
+            <a:avLst/>
+          </a:prstGeom>
+          <a:effectLst>
+            <a:outerShdw blurRad="88900" dist="38100" dir="2700000" algn="tl" rotWithShape="0">
+              <a:prstClr val="black">
+                <a:alpha val="30000"/>
+              </a:prstClr>
+            </a:outerShdw>
+          </a:effectLst>
+        </p:spPr>
+        <p:txBody>
+          <a:bodyPr vert="horz" lIns="91440" tIns="45720" rIns="91440" bIns="45720" rtlCol="0" anchor="b">
+            <a:normAutofit fontScale="92500" lnSpcReduction="20000"/>
+          </a:bodyPr>
+          <a:lstStyle/>
+          <a:p>
+            <a:pPr algn="ctr" defTabSz="914400">
+              <a:lnSpc>
+                <a:spcPct val="90000"/>
+              </a:lnSpc>
+              <a:spcBef>
+                <a:spcPct val="0"/>
+              </a:spcBef>
+              <a:spcAft>
+                <a:spcPts val="600"/>
+              </a:spcAft>
+            </a:pPr>
+            <a:r>
+              <a:rPr lang="en-US" sz="4400" dirty="0">
+                <a:solidFill>
+                  <a:schemeClr val="accent1">
+                    <a:lumMod val="20000"/>
+                    <a:lumOff val="80000"/>
+                  </a:schemeClr>
+                </a:solidFill>
+                <a:latin typeface="Counter-Strike" panose="02000506030000020004" pitchFamily="2" charset="0"/>
+                <a:ea typeface="+mj-ea"/>
+                <a:cs typeface="+mj-cs"/>
+                <a:hlinkClick r:id="" action="ppaction://hlinkshowjump?jump=firstslide">
+                  <a:extLst>
+                    <a:ext uri="{A12FA001-AC4F-418D-AE19-62706E023703}">
+                      <ahyp:hlinkClr xmlns:ahyp="http://schemas.microsoft.com/office/drawing/2018/hyperlinkcolor" val="tx"/>
+                    </a:ext>
+                  </a:extLst>
+                </a:hlinkClick>
+              </a:rPr>
+              <a:t>ExerPals.com</a:t>
+            </a:r>
+            <a:endParaRPr lang="en-US" sz="4400" dirty="0">
+              <a:solidFill>
+                <a:schemeClr val="accent1">
+                  <a:lumMod val="20000"/>
+                  <a:lumOff val="80000"/>
+                </a:schemeClr>
+              </a:solidFill>
+              <a:latin typeface="Counter-Strike" panose="02000506030000020004" pitchFamily="2" charset="0"/>
+              <a:ea typeface="+mj-ea"/>
+              <a:cs typeface="+mj-cs"/>
+            </a:endParaRPr>
+          </a:p>
+        </p:txBody>
+      </p:sp>
+      <p:sp>
+        <p:nvSpPr>
+          <p:cNvPr id="11" name="TextBox 10">
+            <a:extLst>
+              <a:ext uri="{FF2B5EF4-FFF2-40B4-BE49-F238E27FC236}">
+                <a16:creationId xmlns:a16="http://schemas.microsoft.com/office/drawing/2014/main" id="{84256461-81E3-4C58-ACCA-B9F44393FC21}"/>
+              </a:ext>
+            </a:extLst>
+          </p:cNvPr>
+          <p:cNvSpPr txBox="1"/>
+          <p:nvPr/>
+        </p:nvSpPr>
+        <p:spPr>
+          <a:xfrm>
+            <a:off x="502022" y="269904"/>
+            <a:ext cx="1284941" cy="369332"/>
+          </a:xfrm>
+          <a:prstGeom prst="rect">
+            <a:avLst/>
+          </a:prstGeom>
+          <a:noFill/>
+        </p:spPr>
+        <p:txBody>
+          <a:bodyPr wrap="square" rtlCol="0">
+            <a:spAutoFit/>
+          </a:bodyPr>
+          <a:lstStyle/>
+          <a:p>
+            <a:pPr algn="ctr"/>
+            <a:r>
+              <a:rPr lang="en-US" dirty="0">
+                <a:solidFill>
+                  <a:schemeClr val="accent1">
+                    <a:lumMod val="20000"/>
+                    <a:lumOff val="80000"/>
+                  </a:schemeClr>
+                </a:solidFill>
+                <a:latin typeface="Counter-Strike" panose="02000506030000020004" pitchFamily="2" charset="0"/>
+                <a:hlinkClick r:id="" action="ppaction://hlinkshowjump?jump=firstslide">
+                  <a:extLst>
+                    <a:ext uri="{A12FA001-AC4F-418D-AE19-62706E023703}">
+                      <ahyp:hlinkClr xmlns:ahyp="http://schemas.microsoft.com/office/drawing/2018/hyperlinkcolor" val="tx"/>
+                    </a:ext>
+                  </a:extLst>
+                </a:hlinkClick>
+              </a:rPr>
+              <a:t>Home</a:t>
+            </a:r>
+            <a:endParaRPr lang="en-US" dirty="0">
+              <a:solidFill>
+                <a:schemeClr val="accent1">
+                  <a:lumMod val="20000"/>
+                  <a:lumOff val="80000"/>
+                </a:schemeClr>
+              </a:solidFill>
+              <a:latin typeface="Counter-Strike" panose="02000506030000020004" pitchFamily="2" charset="0"/>
+            </a:endParaRPr>
+          </a:p>
+        </p:txBody>
+      </p:sp>
+      <p:sp>
+        <p:nvSpPr>
+          <p:cNvPr id="13" name="TextBox 12">
+            <a:extLst>
+              <a:ext uri="{FF2B5EF4-FFF2-40B4-BE49-F238E27FC236}">
+                <a16:creationId xmlns:a16="http://schemas.microsoft.com/office/drawing/2014/main" id="{ED23F9D3-B298-495F-B0C6-3DDB24866581}"/>
+              </a:ext>
+            </a:extLst>
+          </p:cNvPr>
+          <p:cNvSpPr txBox="1"/>
+          <p:nvPr/>
+        </p:nvSpPr>
+        <p:spPr>
+          <a:xfrm>
+            <a:off x="2212591" y="276672"/>
+            <a:ext cx="1589741" cy="369332"/>
+          </a:xfrm>
+          <a:prstGeom prst="rect">
+            <a:avLst/>
+          </a:prstGeom>
+          <a:noFill/>
+        </p:spPr>
+        <p:txBody>
+          <a:bodyPr wrap="square" rtlCol="0">
+            <a:spAutoFit/>
+          </a:bodyPr>
+          <a:lstStyle/>
+          <a:p>
+            <a:pPr algn="ctr"/>
+            <a:r>
+              <a:rPr lang="en-US" dirty="0">
+                <a:solidFill>
+                  <a:schemeClr val="accent1">
+                    <a:lumMod val="20000"/>
+                    <a:lumOff val="80000"/>
+                  </a:schemeClr>
+                </a:solidFill>
+                <a:latin typeface="Counter-Strike" panose="02000506030000020004" pitchFamily="2" charset="0"/>
+                <a:hlinkClick r:id="rId5" action="ppaction://hlinksldjump">
+                  <a:extLst>
+                    <a:ext uri="{A12FA001-AC4F-418D-AE19-62706E023703}">
+                      <ahyp:hlinkClr xmlns:ahyp="http://schemas.microsoft.com/office/drawing/2018/hyperlinkcolor" val="tx"/>
+                    </a:ext>
+                  </a:extLst>
+                </a:hlinkClick>
+              </a:rPr>
+              <a:t>Workouts</a:t>
+            </a:r>
+            <a:endParaRPr lang="en-US" dirty="0">
+              <a:solidFill>
+                <a:schemeClr val="accent1">
+                  <a:lumMod val="20000"/>
+                  <a:lumOff val="80000"/>
+                </a:schemeClr>
+              </a:solidFill>
+              <a:latin typeface="Counter-Strike" panose="02000506030000020004" pitchFamily="2" charset="0"/>
+            </a:endParaRPr>
+          </a:p>
+        </p:txBody>
+      </p:sp>
+      <p:sp>
+        <p:nvSpPr>
+          <p:cNvPr id="15" name="TextBox 14">
+            <a:extLst>
+              <a:ext uri="{FF2B5EF4-FFF2-40B4-BE49-F238E27FC236}">
+                <a16:creationId xmlns:a16="http://schemas.microsoft.com/office/drawing/2014/main" id="{23FDE9B0-6214-466C-BE66-394519FA5712}"/>
+              </a:ext>
+            </a:extLst>
+          </p:cNvPr>
+          <p:cNvSpPr txBox="1"/>
+          <p:nvPr/>
+        </p:nvSpPr>
+        <p:spPr>
+          <a:xfrm>
+            <a:off x="8185167" y="269904"/>
+            <a:ext cx="1565835" cy="369332"/>
+          </a:xfrm>
+          <a:prstGeom prst="rect">
+            <a:avLst/>
+          </a:prstGeom>
+          <a:noFill/>
+        </p:spPr>
+        <p:txBody>
+          <a:bodyPr wrap="square" rtlCol="0">
+            <a:spAutoFit/>
+          </a:bodyPr>
+          <a:lstStyle/>
+          <a:p>
+            <a:pPr algn="ctr"/>
+            <a:r>
+              <a:rPr lang="en-US" dirty="0">
+                <a:solidFill>
+                  <a:schemeClr val="accent1">
+                    <a:lumMod val="20000"/>
+                    <a:lumOff val="80000"/>
+                  </a:schemeClr>
+                </a:solidFill>
+                <a:latin typeface="Counter-Strike" panose="02000506030000020004" pitchFamily="2" charset="0"/>
+                <a:hlinkClick r:id="rId6" action="ppaction://hlinksldjump">
+                  <a:extLst>
+                    <a:ext uri="{A12FA001-AC4F-418D-AE19-62706E023703}">
+                      <ahyp:hlinkClr xmlns:ahyp="http://schemas.microsoft.com/office/drawing/2018/hyperlinkcolor" val="tx"/>
+                    </a:ext>
+                  </a:extLst>
+                </a:hlinkClick>
+              </a:rPr>
+              <a:t>People</a:t>
+            </a:r>
+            <a:endParaRPr lang="en-US" dirty="0">
+              <a:solidFill>
+                <a:schemeClr val="accent1">
+                  <a:lumMod val="20000"/>
+                  <a:lumOff val="80000"/>
+                </a:schemeClr>
+              </a:solidFill>
+              <a:latin typeface="Counter-Strike" panose="02000506030000020004" pitchFamily="2" charset="0"/>
+            </a:endParaRPr>
+          </a:p>
+        </p:txBody>
+      </p:sp>
+      <p:sp>
+        <p:nvSpPr>
+          <p:cNvPr id="17" name="TextBox 16">
+            <a:extLst>
+              <a:ext uri="{FF2B5EF4-FFF2-40B4-BE49-F238E27FC236}">
+                <a16:creationId xmlns:a16="http://schemas.microsoft.com/office/drawing/2014/main" id="{A9DCA6C6-CC9D-4CB6-967D-7213F3683D7A}"/>
+              </a:ext>
+            </a:extLst>
+          </p:cNvPr>
+          <p:cNvSpPr txBox="1"/>
+          <p:nvPr/>
+        </p:nvSpPr>
+        <p:spPr>
+          <a:xfrm>
+            <a:off x="9780692" y="276672"/>
+            <a:ext cx="1739153" cy="369332"/>
+          </a:xfrm>
+          <a:prstGeom prst="rect">
+            <a:avLst/>
+          </a:prstGeom>
+          <a:noFill/>
+        </p:spPr>
+        <p:txBody>
+          <a:bodyPr wrap="square" rtlCol="0">
+            <a:spAutoFit/>
+          </a:bodyPr>
+          <a:lstStyle/>
+          <a:p>
+            <a:pPr algn="ctr"/>
+            <a:r>
+              <a:rPr lang="en-US" dirty="0">
+                <a:solidFill>
+                  <a:schemeClr val="accent1">
+                    <a:lumMod val="20000"/>
+                    <a:lumOff val="80000"/>
+                  </a:schemeClr>
+                </a:solidFill>
+                <a:latin typeface="Counter-Strike" panose="02000506030000020004" pitchFamily="2" charset="0"/>
+                <a:hlinkClick r:id="rId7" action="ppaction://hlinksldjump">
+                  <a:extLst>
+                    <a:ext uri="{A12FA001-AC4F-418D-AE19-62706E023703}">
+                      <ahyp:hlinkClr xmlns:ahyp="http://schemas.microsoft.com/office/drawing/2018/hyperlinkcolor" val="tx"/>
+                    </a:ext>
+                  </a:extLst>
+                </a:hlinkClick>
+              </a:rPr>
+              <a:t>Messaging</a:t>
+            </a:r>
+            <a:endParaRPr lang="en-US" dirty="0">
+              <a:solidFill>
+                <a:schemeClr val="accent1">
+                  <a:lumMod val="20000"/>
+                  <a:lumOff val="80000"/>
+                </a:schemeClr>
+              </a:solidFill>
+              <a:latin typeface="Counter-Strike" panose="02000506030000020004" pitchFamily="2" charset="0"/>
+            </a:endParaRPr>
+          </a:p>
+        </p:txBody>
+      </p:sp>
+      <p:sp>
+        <p:nvSpPr>
+          <p:cNvPr id="2" name="Rectangle 1">
+            <a:extLst>
+              <a:ext uri="{FF2B5EF4-FFF2-40B4-BE49-F238E27FC236}">
+                <a16:creationId xmlns:a16="http://schemas.microsoft.com/office/drawing/2014/main" id="{E2F02F2F-0461-AB41-B91E-5982F79DEC60}"/>
+              </a:ext>
+            </a:extLst>
+          </p:cNvPr>
+          <p:cNvSpPr/>
+          <p:nvPr/>
+        </p:nvSpPr>
+        <p:spPr>
+          <a:xfrm>
+            <a:off x="484092" y="1780681"/>
+            <a:ext cx="10326399" cy="4584673"/>
+          </a:xfrm>
+          <a:prstGeom prst="rect">
+            <a:avLst/>
+          </a:prstGeom>
+          <a:solidFill>
+            <a:schemeClr val="accent1">
+              <a:lumMod val="20000"/>
+              <a:lumOff val="80000"/>
+            </a:schemeClr>
+          </a:solidFill>
+        </p:spPr>
+        <p:style>
+          <a:lnRef idx="2">
+            <a:schemeClr val="accent1">
+              <a:shade val="50000"/>
+            </a:schemeClr>
+          </a:lnRef>
+          <a:fillRef idx="1">
+            <a:schemeClr val="accent1"/>
+          </a:fillRef>
+          <a:effectRef idx="0">
+            <a:schemeClr val="accent1"/>
+          </a:effectRef>
+          <a:fontRef idx="minor">
+            <a:schemeClr val="lt1"/>
+          </a:fontRef>
+        </p:style>
+        <p:txBody>
+          <a:bodyPr rtlCol="0" anchor="ctr"/>
+          <a:lstStyle/>
+          <a:p>
+            <a:pPr algn="ctr"/>
+            <a:endParaRPr lang="en-US" dirty="0"/>
+          </a:p>
+        </p:txBody>
+      </p:sp>
+      <p:cxnSp>
+        <p:nvCxnSpPr>
+          <p:cNvPr id="4" name="Straight Connector 3">
+            <a:extLst>
+              <a:ext uri="{FF2B5EF4-FFF2-40B4-BE49-F238E27FC236}">
+                <a16:creationId xmlns:a16="http://schemas.microsoft.com/office/drawing/2014/main" id="{0390F5B1-ACFA-704C-B381-C26EC0F3A184}"/>
+              </a:ext>
+            </a:extLst>
+          </p:cNvPr>
+          <p:cNvCxnSpPr>
+            <a:cxnSpLocks/>
+          </p:cNvCxnSpPr>
+          <p:nvPr/>
+        </p:nvCxnSpPr>
+        <p:spPr>
+          <a:xfrm>
+            <a:off x="502022" y="2478505"/>
+            <a:ext cx="10326399" cy="0"/>
+          </a:xfrm>
+          <a:prstGeom prst="line">
+            <a:avLst/>
+          </a:prstGeom>
+        </p:spPr>
+        <p:style>
+          <a:lnRef idx="1">
+            <a:schemeClr val="accent1"/>
+          </a:lnRef>
+          <a:fillRef idx="0">
+            <a:schemeClr val="accent1"/>
+          </a:fillRef>
+          <a:effectRef idx="0">
+            <a:schemeClr val="accent1"/>
+          </a:effectRef>
+          <a:fontRef idx="minor">
+            <a:schemeClr val="tx1"/>
+          </a:fontRef>
+        </p:style>
+      </p:cxnSp>
+      <p:cxnSp>
+        <p:nvCxnSpPr>
+          <p:cNvPr id="19" name="Straight Connector 18">
+            <a:extLst>
+              <a:ext uri="{FF2B5EF4-FFF2-40B4-BE49-F238E27FC236}">
+                <a16:creationId xmlns:a16="http://schemas.microsoft.com/office/drawing/2014/main" id="{2A814C2D-6B2E-AE41-AF16-C545A726108B}"/>
+              </a:ext>
+            </a:extLst>
+          </p:cNvPr>
+          <p:cNvCxnSpPr/>
+          <p:nvPr/>
+        </p:nvCxnSpPr>
+        <p:spPr>
+          <a:xfrm>
+            <a:off x="502022" y="3152274"/>
+            <a:ext cx="10326399" cy="0"/>
+          </a:xfrm>
+          <a:prstGeom prst="line">
+            <a:avLst/>
+          </a:prstGeom>
+        </p:spPr>
+        <p:style>
+          <a:lnRef idx="1">
+            <a:schemeClr val="accent1"/>
+          </a:lnRef>
+          <a:fillRef idx="0">
+            <a:schemeClr val="accent1"/>
+          </a:fillRef>
+          <a:effectRef idx="0">
+            <a:schemeClr val="accent1"/>
+          </a:effectRef>
+          <a:fontRef idx="minor">
+            <a:schemeClr val="tx1"/>
+          </a:fontRef>
+        </p:style>
+      </p:cxnSp>
+      <p:cxnSp>
+        <p:nvCxnSpPr>
+          <p:cNvPr id="23" name="Straight Connector 22">
+            <a:extLst>
+              <a:ext uri="{FF2B5EF4-FFF2-40B4-BE49-F238E27FC236}">
+                <a16:creationId xmlns:a16="http://schemas.microsoft.com/office/drawing/2014/main" id="{115B2645-EB18-6047-B500-E0EEDC203865}"/>
+              </a:ext>
+            </a:extLst>
+          </p:cNvPr>
+          <p:cNvCxnSpPr/>
+          <p:nvPr/>
+        </p:nvCxnSpPr>
+        <p:spPr>
+          <a:xfrm>
+            <a:off x="502022" y="3838074"/>
+            <a:ext cx="10326399" cy="0"/>
+          </a:xfrm>
+          <a:prstGeom prst="line">
+            <a:avLst/>
+          </a:prstGeom>
+        </p:spPr>
+        <p:style>
+          <a:lnRef idx="1">
+            <a:schemeClr val="accent1"/>
+          </a:lnRef>
+          <a:fillRef idx="0">
+            <a:schemeClr val="accent1"/>
+          </a:fillRef>
+          <a:effectRef idx="0">
+            <a:schemeClr val="accent1"/>
+          </a:effectRef>
+          <a:fontRef idx="minor">
+            <a:schemeClr val="tx1"/>
+          </a:fontRef>
+        </p:style>
+      </p:cxnSp>
+      <p:cxnSp>
+        <p:nvCxnSpPr>
+          <p:cNvPr id="26" name="Straight Connector 25">
+            <a:extLst>
+              <a:ext uri="{FF2B5EF4-FFF2-40B4-BE49-F238E27FC236}">
+                <a16:creationId xmlns:a16="http://schemas.microsoft.com/office/drawing/2014/main" id="{140E06D5-7EFF-2940-AC31-DD6568B5E51D}"/>
+              </a:ext>
+            </a:extLst>
+          </p:cNvPr>
+          <p:cNvCxnSpPr/>
+          <p:nvPr/>
+        </p:nvCxnSpPr>
+        <p:spPr>
+          <a:xfrm>
+            <a:off x="502022" y="4518793"/>
+            <a:ext cx="10326399" cy="0"/>
+          </a:xfrm>
+          <a:prstGeom prst="line">
+            <a:avLst/>
+          </a:prstGeom>
+        </p:spPr>
+        <p:style>
+          <a:lnRef idx="1">
+            <a:schemeClr val="accent1"/>
+          </a:lnRef>
+          <a:fillRef idx="0">
+            <a:schemeClr val="accent1"/>
+          </a:fillRef>
+          <a:effectRef idx="0">
+            <a:schemeClr val="accent1"/>
+          </a:effectRef>
+          <a:fontRef idx="minor">
+            <a:schemeClr val="tx1"/>
+          </a:fontRef>
+        </p:style>
+      </p:cxnSp>
+      <p:cxnSp>
+        <p:nvCxnSpPr>
+          <p:cNvPr id="28" name="Straight Connector 27">
+            <a:extLst>
+              <a:ext uri="{FF2B5EF4-FFF2-40B4-BE49-F238E27FC236}">
+                <a16:creationId xmlns:a16="http://schemas.microsoft.com/office/drawing/2014/main" id="{3056ED4B-211E-8A4F-B434-5846ED99A107}"/>
+              </a:ext>
+            </a:extLst>
+          </p:cNvPr>
+          <p:cNvCxnSpPr/>
+          <p:nvPr/>
+        </p:nvCxnSpPr>
+        <p:spPr>
+          <a:xfrm>
+            <a:off x="502022" y="5161547"/>
+            <a:ext cx="10326399" cy="0"/>
+          </a:xfrm>
+          <a:prstGeom prst="line">
+            <a:avLst/>
+          </a:prstGeom>
+        </p:spPr>
+        <p:style>
+          <a:lnRef idx="1">
+            <a:schemeClr val="accent1"/>
+          </a:lnRef>
+          <a:fillRef idx="0">
+            <a:schemeClr val="accent1"/>
+          </a:fillRef>
+          <a:effectRef idx="0">
+            <a:schemeClr val="accent1"/>
+          </a:effectRef>
+          <a:fontRef idx="minor">
+            <a:schemeClr val="tx1"/>
+          </a:fontRef>
+        </p:style>
+      </p:cxnSp>
+      <p:cxnSp>
+        <p:nvCxnSpPr>
+          <p:cNvPr id="30" name="Straight Connector 29">
+            <a:extLst>
+              <a:ext uri="{FF2B5EF4-FFF2-40B4-BE49-F238E27FC236}">
+                <a16:creationId xmlns:a16="http://schemas.microsoft.com/office/drawing/2014/main" id="{C9B68DE0-6C2E-6E43-8A36-03BACE54CDAB}"/>
+              </a:ext>
+            </a:extLst>
+          </p:cNvPr>
+          <p:cNvCxnSpPr/>
+          <p:nvPr/>
+        </p:nvCxnSpPr>
+        <p:spPr>
+          <a:xfrm>
+            <a:off x="502022" y="5868770"/>
+            <a:ext cx="10326399" cy="0"/>
+          </a:xfrm>
+          <a:prstGeom prst="line">
+            <a:avLst/>
+          </a:prstGeom>
+        </p:spPr>
+        <p:style>
+          <a:lnRef idx="1">
+            <a:schemeClr val="accent1"/>
+          </a:lnRef>
+          <a:fillRef idx="0">
+            <a:schemeClr val="accent1"/>
+          </a:fillRef>
+          <a:effectRef idx="0">
+            <a:schemeClr val="accent1"/>
+          </a:effectRef>
+          <a:fontRef idx="minor">
+            <a:schemeClr val="tx1"/>
+          </a:fontRef>
+        </p:style>
+      </p:cxnSp>
+      <p:sp>
+        <p:nvSpPr>
+          <p:cNvPr id="33" name="TextBox 32">
+            <a:extLst>
+              <a:ext uri="{FF2B5EF4-FFF2-40B4-BE49-F238E27FC236}">
+                <a16:creationId xmlns:a16="http://schemas.microsoft.com/office/drawing/2014/main" id="{7D1F823B-1AC6-E648-94F6-8599E2A6471C}"/>
+              </a:ext>
+            </a:extLst>
+          </p:cNvPr>
+          <p:cNvSpPr txBox="1"/>
+          <p:nvPr/>
+        </p:nvSpPr>
+        <p:spPr>
+          <a:xfrm>
+            <a:off x="1275347" y="1949116"/>
+            <a:ext cx="937244" cy="369332"/>
+          </a:xfrm>
+          <a:prstGeom prst="rect">
+            <a:avLst/>
+          </a:prstGeom>
+          <a:noFill/>
+        </p:spPr>
+        <p:txBody>
+          <a:bodyPr wrap="square" rtlCol="0">
+            <a:spAutoFit/>
+          </a:bodyPr>
+          <a:lstStyle/>
+          <a:p>
+            <a:r>
+              <a:rPr lang="en-US" dirty="0">
+                <a:solidFill>
+                  <a:schemeClr val="accent1">
+                    <a:lumMod val="75000"/>
+                  </a:schemeClr>
+                </a:solidFill>
+                <a:latin typeface="Counter-Strike" panose="02000506030000020004" pitchFamily="2" charset="0"/>
+              </a:rPr>
+              <a:t>Bob</a:t>
+            </a:r>
+          </a:p>
+        </p:txBody>
+      </p:sp>
+      <p:sp>
+        <p:nvSpPr>
+          <p:cNvPr id="34" name="TextBox 33">
+            <a:extLst>
+              <a:ext uri="{FF2B5EF4-FFF2-40B4-BE49-F238E27FC236}">
+                <a16:creationId xmlns:a16="http://schemas.microsoft.com/office/drawing/2014/main" id="{2434CABA-F0E9-114E-9F7A-6EC27990B974}"/>
+              </a:ext>
+            </a:extLst>
+          </p:cNvPr>
+          <p:cNvSpPr txBox="1"/>
+          <p:nvPr/>
+        </p:nvSpPr>
+        <p:spPr>
+          <a:xfrm>
+            <a:off x="1257573" y="2626380"/>
+            <a:ext cx="937244" cy="369332"/>
+          </a:xfrm>
+          <a:prstGeom prst="rect">
+            <a:avLst/>
+          </a:prstGeom>
+          <a:noFill/>
+        </p:spPr>
+        <p:txBody>
+          <a:bodyPr wrap="square" rtlCol="0">
+            <a:spAutoFit/>
+          </a:bodyPr>
+          <a:lstStyle/>
+          <a:p>
+            <a:r>
+              <a:rPr lang="en-US" dirty="0">
+                <a:solidFill>
+                  <a:schemeClr val="accent1">
+                    <a:lumMod val="75000"/>
+                  </a:schemeClr>
+                </a:solidFill>
+                <a:latin typeface="Counter-Strike" panose="02000506030000020004" pitchFamily="2" charset="0"/>
+              </a:rPr>
+              <a:t>Amy</a:t>
+            </a:r>
+          </a:p>
+        </p:txBody>
+      </p:sp>
+      <p:sp>
+        <p:nvSpPr>
+          <p:cNvPr id="35" name="TextBox 34">
+            <a:extLst>
+              <a:ext uri="{FF2B5EF4-FFF2-40B4-BE49-F238E27FC236}">
+                <a16:creationId xmlns:a16="http://schemas.microsoft.com/office/drawing/2014/main" id="{E3609244-E3DA-524E-97B8-3EBFCD7AEDBE}"/>
+              </a:ext>
+            </a:extLst>
+          </p:cNvPr>
+          <p:cNvSpPr txBox="1"/>
+          <p:nvPr/>
+        </p:nvSpPr>
+        <p:spPr>
+          <a:xfrm>
+            <a:off x="1275347" y="3296653"/>
+            <a:ext cx="937244" cy="369332"/>
+          </a:xfrm>
+          <a:prstGeom prst="rect">
+            <a:avLst/>
+          </a:prstGeom>
+          <a:noFill/>
+        </p:spPr>
+        <p:txBody>
+          <a:bodyPr wrap="square" rtlCol="0">
+            <a:spAutoFit/>
+          </a:bodyPr>
+          <a:lstStyle/>
+          <a:p>
+            <a:r>
+              <a:rPr lang="en-US" dirty="0">
+                <a:solidFill>
+                  <a:schemeClr val="accent1">
+                    <a:lumMod val="75000"/>
+                  </a:schemeClr>
+                </a:solidFill>
+                <a:latin typeface="Counter-Strike" panose="02000506030000020004" pitchFamily="2" charset="0"/>
+              </a:rPr>
+              <a:t>Josh</a:t>
+            </a:r>
+          </a:p>
+        </p:txBody>
+      </p:sp>
+      <p:sp>
+        <p:nvSpPr>
+          <p:cNvPr id="36" name="TextBox 35">
+            <a:extLst>
+              <a:ext uri="{FF2B5EF4-FFF2-40B4-BE49-F238E27FC236}">
+                <a16:creationId xmlns:a16="http://schemas.microsoft.com/office/drawing/2014/main" id="{77A6D70A-32F9-FA4C-87DD-7DE394FA0BEA}"/>
+              </a:ext>
+            </a:extLst>
+          </p:cNvPr>
+          <p:cNvSpPr txBox="1"/>
+          <p:nvPr/>
+        </p:nvSpPr>
+        <p:spPr>
+          <a:xfrm>
+            <a:off x="1275347" y="4018547"/>
+            <a:ext cx="937244" cy="369332"/>
+          </a:xfrm>
+          <a:prstGeom prst="rect">
+            <a:avLst/>
+          </a:prstGeom>
+          <a:noFill/>
+        </p:spPr>
+        <p:txBody>
+          <a:bodyPr wrap="square" rtlCol="0">
+            <a:spAutoFit/>
+          </a:bodyPr>
+          <a:lstStyle/>
+          <a:p>
+            <a:r>
+              <a:rPr lang="en-US" dirty="0">
+                <a:solidFill>
+                  <a:schemeClr val="accent1">
+                    <a:lumMod val="75000"/>
+                  </a:schemeClr>
+                </a:solidFill>
+                <a:latin typeface="Counter-Strike" panose="02000506030000020004" pitchFamily="2" charset="0"/>
+              </a:rPr>
+              <a:t>Anna</a:t>
+            </a:r>
+          </a:p>
+        </p:txBody>
+      </p:sp>
+      <p:sp>
+        <p:nvSpPr>
+          <p:cNvPr id="37" name="TextBox 36">
+            <a:extLst>
+              <a:ext uri="{FF2B5EF4-FFF2-40B4-BE49-F238E27FC236}">
+                <a16:creationId xmlns:a16="http://schemas.microsoft.com/office/drawing/2014/main" id="{89E848AE-101B-BD4A-89FB-B9D08DC2D67A}"/>
+              </a:ext>
+            </a:extLst>
+          </p:cNvPr>
+          <p:cNvSpPr txBox="1"/>
+          <p:nvPr/>
+        </p:nvSpPr>
+        <p:spPr>
+          <a:xfrm>
+            <a:off x="2352959" y="2598278"/>
+            <a:ext cx="3390983" cy="369332"/>
+          </a:xfrm>
+          <a:prstGeom prst="rect">
+            <a:avLst/>
+          </a:prstGeom>
+          <a:noFill/>
+        </p:spPr>
+        <p:txBody>
+          <a:bodyPr wrap="square" rtlCol="0">
+            <a:spAutoFit/>
+          </a:bodyPr>
+          <a:lstStyle/>
+          <a:p>
+            <a:r>
+              <a:rPr lang="en-US" dirty="0">
+                <a:solidFill>
+                  <a:schemeClr val="tx2">
+                    <a:lumMod val="10000"/>
+                  </a:schemeClr>
+                </a:solidFill>
+                <a:latin typeface="Counter-Strike" panose="02000506030000020004" pitchFamily="2" charset="0"/>
+              </a:rPr>
+              <a:t>Last active 2 hours ago</a:t>
+            </a:r>
+          </a:p>
+        </p:txBody>
+      </p:sp>
+      <p:sp>
+        <p:nvSpPr>
+          <p:cNvPr id="38" name="TextBox 37">
+            <a:extLst>
+              <a:ext uri="{FF2B5EF4-FFF2-40B4-BE49-F238E27FC236}">
+                <a16:creationId xmlns:a16="http://schemas.microsoft.com/office/drawing/2014/main" id="{8D0A846C-B138-FC46-892B-8BC161144B3C}"/>
+              </a:ext>
+            </a:extLst>
+          </p:cNvPr>
+          <p:cNvSpPr txBox="1"/>
+          <p:nvPr/>
+        </p:nvSpPr>
+        <p:spPr>
+          <a:xfrm>
+            <a:off x="2352960" y="1968774"/>
+            <a:ext cx="3585246" cy="369332"/>
+          </a:xfrm>
+          <a:prstGeom prst="rect">
+            <a:avLst/>
+          </a:prstGeom>
+          <a:noFill/>
+        </p:spPr>
+        <p:txBody>
+          <a:bodyPr wrap="square" rtlCol="0">
+            <a:spAutoFit/>
+          </a:bodyPr>
+          <a:lstStyle/>
+          <a:p>
+            <a:r>
+              <a:rPr lang="en-US" dirty="0">
+                <a:solidFill>
+                  <a:schemeClr val="tx2">
+                    <a:lumMod val="10000"/>
+                  </a:schemeClr>
+                </a:solidFill>
+                <a:latin typeface="Counter-Strike" panose="02000506030000020004" pitchFamily="2" charset="0"/>
+              </a:rPr>
+              <a:t>Active now: one new message</a:t>
+            </a:r>
+          </a:p>
+        </p:txBody>
+      </p:sp>
+      <p:sp>
+        <p:nvSpPr>
+          <p:cNvPr id="39" name="TextBox 38">
+            <a:extLst>
+              <a:ext uri="{FF2B5EF4-FFF2-40B4-BE49-F238E27FC236}">
+                <a16:creationId xmlns:a16="http://schemas.microsoft.com/office/drawing/2014/main" id="{0CC75971-302B-824A-B64B-97BA53A85B2F}"/>
+              </a:ext>
+            </a:extLst>
+          </p:cNvPr>
+          <p:cNvSpPr txBox="1"/>
+          <p:nvPr/>
+        </p:nvSpPr>
+        <p:spPr>
+          <a:xfrm>
+            <a:off x="2352958" y="3278996"/>
+            <a:ext cx="3390983" cy="369332"/>
+          </a:xfrm>
+          <a:prstGeom prst="rect">
+            <a:avLst/>
+          </a:prstGeom>
+          <a:noFill/>
+        </p:spPr>
+        <p:txBody>
+          <a:bodyPr wrap="square" rtlCol="0">
+            <a:spAutoFit/>
+          </a:bodyPr>
+          <a:lstStyle/>
+          <a:p>
+            <a:r>
+              <a:rPr lang="en-US" dirty="0">
+                <a:solidFill>
+                  <a:schemeClr val="tx2">
+                    <a:lumMod val="10000"/>
+                  </a:schemeClr>
+                </a:solidFill>
+                <a:latin typeface="Counter-Strike" panose="02000506030000020004" pitchFamily="2" charset="0"/>
+              </a:rPr>
+              <a:t>Last active 4 hours ago</a:t>
+            </a:r>
+          </a:p>
+        </p:txBody>
+      </p:sp>
+      <p:sp>
+        <p:nvSpPr>
+          <p:cNvPr id="40" name="TextBox 39">
+            <a:extLst>
+              <a:ext uri="{FF2B5EF4-FFF2-40B4-BE49-F238E27FC236}">
+                <a16:creationId xmlns:a16="http://schemas.microsoft.com/office/drawing/2014/main" id="{71B84212-7603-184B-BB4C-2730DAB3B391}"/>
+              </a:ext>
+            </a:extLst>
+          </p:cNvPr>
+          <p:cNvSpPr txBox="1"/>
+          <p:nvPr/>
+        </p:nvSpPr>
+        <p:spPr>
+          <a:xfrm>
+            <a:off x="2352958" y="3960388"/>
+            <a:ext cx="3390983" cy="369332"/>
+          </a:xfrm>
+          <a:prstGeom prst="rect">
+            <a:avLst/>
+          </a:prstGeom>
+          <a:noFill/>
+        </p:spPr>
+        <p:txBody>
+          <a:bodyPr wrap="square" rtlCol="0">
+            <a:spAutoFit/>
+          </a:bodyPr>
+          <a:lstStyle/>
+          <a:p>
+            <a:r>
+              <a:rPr lang="en-US" dirty="0">
+                <a:solidFill>
+                  <a:schemeClr val="tx2">
+                    <a:lumMod val="10000"/>
+                  </a:schemeClr>
+                </a:solidFill>
+                <a:latin typeface="Counter-Strike" panose="02000506030000020004" pitchFamily="2" charset="0"/>
+              </a:rPr>
+              <a:t>Last active yesterday</a:t>
+            </a:r>
+          </a:p>
+        </p:txBody>
+      </p:sp>
+      <p:sp>
+        <p:nvSpPr>
+          <p:cNvPr id="42" name="Lightning Bolt 41">
+            <a:extLst>
+              <a:ext uri="{FF2B5EF4-FFF2-40B4-BE49-F238E27FC236}">
+                <a16:creationId xmlns:a16="http://schemas.microsoft.com/office/drawing/2014/main" id="{12D5E3DD-1951-BE4B-A971-46E560455667}"/>
+              </a:ext>
+            </a:extLst>
+          </p:cNvPr>
+          <p:cNvSpPr/>
+          <p:nvPr/>
+        </p:nvSpPr>
+        <p:spPr>
+          <a:xfrm rot="249055">
+            <a:off x="1053791" y="2016868"/>
+            <a:ext cx="235933" cy="251834"/>
+          </a:xfrm>
+          <a:prstGeom prst="lightningBolt">
+            <a:avLst/>
+          </a:prstGeom>
+        </p:spPr>
+        <p:style>
+          <a:lnRef idx="2">
+            <a:schemeClr val="accent1">
+              <a:shade val="50000"/>
+            </a:schemeClr>
+          </a:lnRef>
+          <a:fillRef idx="1">
+            <a:schemeClr val="accent1"/>
+          </a:fillRef>
+          <a:effectRef idx="0">
+            <a:schemeClr val="accent1"/>
+          </a:effectRef>
+          <a:fontRef idx="minor">
+            <a:schemeClr val="lt1"/>
+          </a:fontRef>
+        </p:style>
+        <p:txBody>
+          <a:bodyPr rtlCol="0" anchor="ctr"/>
+          <a:lstStyle/>
+          <a:p>
+            <a:pPr algn="ctr"/>
+            <a:endParaRPr lang="en-US"/>
+          </a:p>
+        </p:txBody>
+      </p:sp>
+    </p:spTree>
+    <p:extLst>
+      <p:ext uri="{BB962C8B-B14F-4D97-AF65-F5344CB8AC3E}">
+        <p14:creationId xmlns:p14="http://schemas.microsoft.com/office/powerpoint/2010/main" val="137419678"/>
+      </p:ext>
+    </p:extLst>
+  </p:cSld>
+  <p:clrMapOvr>
+    <a:masterClrMapping/>
+  </p:clrMapOvr>
+</p:sld>
+</file>
+
+<file path=ppt/slides/slide7.xml><?xml version="1.0" encoding="utf-8"?>
+<p:sld xmlns:a="http://schemas.openxmlformats.org/drawingml/2006/main" xmlns:r="http://schemas.openxmlformats.org/officeDocument/2006/relationships" xmlns:p="http://schemas.openxmlformats.org/presentationml/2006/main">
+  <p:cSld>
+    <p:bg>
+      <p:bgPr>
+        <a:gradFill rotWithShape="1">
+          <a:gsLst>
+            <a:gs pos="0">
+              <a:schemeClr val="bg2">
+                <a:tint val="96000"/>
+                <a:shade val="100000"/>
+                <a:hueMod val="270000"/>
+                <a:satMod val="200000"/>
+                <a:lumMod val="128000"/>
+              </a:schemeClr>
+            </a:gs>
+            <a:gs pos="50000">
+              <a:schemeClr val="bg2">
+                <a:shade val="100000"/>
+                <a:hueMod val="100000"/>
+                <a:satMod val="110000"/>
+                <a:lumMod val="130000"/>
+              </a:schemeClr>
+            </a:gs>
+            <a:gs pos="100000">
+              <a:schemeClr val="bg2">
+                <a:shade val="78000"/>
+                <a:hueMod val="44000"/>
+                <a:satMod val="200000"/>
+                <a:lumMod val="69000"/>
+              </a:schemeClr>
+            </a:gs>
+          </a:gsLst>
+          <a:lin ang="2520000" scaled="0"/>
+        </a:gradFill>
+        <a:effectLst/>
+      </p:bgPr>
+    </p:bg>
+    <p:spTree>
+      <p:nvGrpSpPr>
+        <p:cNvPr id="1" name=""/>
+        <p:cNvGrpSpPr/>
+        <p:nvPr/>
+      </p:nvGrpSpPr>
+      <p:grpSpPr>
+        <a:xfrm>
+          <a:off x="0" y="0"/>
+          <a:ext cx="0" cy="0"/>
+          <a:chOff x="0" y="0"/>
+          <a:chExt cx="0" cy="0"/>
+        </a:xfrm>
+      </p:grpSpPr>
+      <p:pic>
+        <p:nvPicPr>
+          <p:cNvPr id="12" name="Picture 11">
+            <a:extLst>
+              <a:ext uri="{FF2B5EF4-FFF2-40B4-BE49-F238E27FC236}">
+                <a16:creationId xmlns:a16="http://schemas.microsoft.com/office/drawing/2014/main" id="{AC3E6C53-102E-4ACA-BCBB-3CC973B99486}"/>
+              </a:ext>
+              <a:ext uri="{C183D7F6-B498-43B3-948B-1728B52AA6E4}">
+                <adec:decorative xmlns:adec="http://schemas.microsoft.com/office/drawing/2017/decorative" val="1"/>
+              </a:ext>
+            </a:extLst>
+          </p:cNvPr>
+          <p:cNvPicPr>
+            <a:picLocks noGrp="1" noRot="1" noChangeAspect="1" noMove="1" noResize="1" noEditPoints="1" noAdjustHandles="1" noChangeArrowheads="1" noChangeShapeType="1" noCrop="1"/>
+          </p:cNvPicPr>
+          <p:nvPr>
+            <p:extLst>
+              <p:ext uri="{386F3935-93C4-4BCD-93E2-E3B085C9AB24}">
+                <p16:designElem xmlns:p16="http://schemas.microsoft.com/office/powerpoint/2015/main" val="1"/>
+              </p:ext>
+            </p:extLst>
+          </p:nvPr>
+        </p:nvPicPr>
+        <p:blipFill>
+          <a:blip r:embed="rId2">
+            <a:alphaModFix amt="10000"/>
+            <a:extLst>
+              <a:ext uri="{28A0092B-C50C-407E-A947-70E740481C1C}">
+                <a14:useLocalDpi xmlns:a14="http://schemas.microsoft.com/office/drawing/2010/main" val="0"/>
+              </a:ext>
+            </a:extLst>
+          </a:blip>
+          <a:stretch>
+            <a:fillRect/>
+          </a:stretch>
+        </p:blipFill>
+        <p:spPr>
+          <a:xfrm>
+            <a:off x="0" y="0"/>
+            <a:ext cx="12192000" cy="6858000"/>
+          </a:xfrm>
+          <a:prstGeom prst="rect">
+            <a:avLst/>
+          </a:prstGeom>
+        </p:spPr>
+      </p:pic>
+      <p:pic>
+        <p:nvPicPr>
+          <p:cNvPr id="14" name="Picture 13">
+            <a:extLst>
+              <a:ext uri="{FF2B5EF4-FFF2-40B4-BE49-F238E27FC236}">
+                <a16:creationId xmlns:a16="http://schemas.microsoft.com/office/drawing/2014/main" id="{17B2B42C-0777-4D6E-9432-535281803A88}"/>
+              </a:ext>
+              <a:ext uri="{C183D7F6-B498-43B3-948B-1728B52AA6E4}">
+                <adec:decorative xmlns:adec="http://schemas.microsoft.com/office/drawing/2017/decorative" val="1"/>
+              </a:ext>
+            </a:extLst>
+          </p:cNvPr>
+          <p:cNvPicPr>
+            <a:picLocks noGrp="1" noRot="1" noChangeAspect="1" noMove="1" noResize="1" noEditPoints="1" noAdjustHandles="1" noChangeArrowheads="1" noChangeShapeType="1" noCrop="1"/>
+          </p:cNvPicPr>
+          <p:nvPr>
+            <p:extLst>
+              <p:ext uri="{386F3935-93C4-4BCD-93E2-E3B085C9AB24}">
+                <p16:designElem xmlns:p16="http://schemas.microsoft.com/office/powerpoint/2015/main" val="1"/>
+              </p:ext>
+            </p:extLst>
+          </p:nvPr>
+        </p:nvPicPr>
+        <p:blipFill>
+          <a:blip r:embed="rId3">
+            <a:extLst>
+              <a:ext uri="{28A0092B-C50C-407E-A947-70E740481C1C}">
+                <a14:useLocalDpi xmlns:a14="http://schemas.microsoft.com/office/drawing/2010/main" val="0"/>
+              </a:ext>
+            </a:extLst>
+          </a:blip>
+          <a:stretch>
+            <a:fillRect/>
+          </a:stretch>
+        </p:blipFill>
+        <p:spPr>
+          <a:xfrm>
+            <a:off x="1" y="4242851"/>
+            <a:ext cx="8968084" cy="275942"/>
+          </a:xfrm>
+          <a:prstGeom prst="rect">
+            <a:avLst/>
+          </a:prstGeom>
+        </p:spPr>
+      </p:pic>
+      <p:pic>
+        <p:nvPicPr>
+          <p:cNvPr id="16" name="Picture 15">
+            <a:extLst>
+              <a:ext uri="{FF2B5EF4-FFF2-40B4-BE49-F238E27FC236}">
+                <a16:creationId xmlns:a16="http://schemas.microsoft.com/office/drawing/2014/main" id="{EFEAAB60-93E2-4DC6-99AC-939637BCE864}"/>
+              </a:ext>
+              <a:ext uri="{C183D7F6-B498-43B3-948B-1728B52AA6E4}">
+                <adec:decorative xmlns:adec="http://schemas.microsoft.com/office/drawing/2017/decorative" val="1"/>
+              </a:ext>
+            </a:extLst>
+          </p:cNvPr>
+          <p:cNvPicPr>
+            <a:picLocks noGrp="1" noRot="1" noChangeAspect="1" noMove="1" noResize="1" noEditPoints="1" noAdjustHandles="1" noChangeArrowheads="1" noChangeShapeType="1" noCrop="1"/>
+          </p:cNvPicPr>
+          <p:nvPr>
+            <p:extLst>
+              <p:ext uri="{386F3935-93C4-4BCD-93E2-E3B085C9AB24}">
+                <p16:designElem xmlns:p16="http://schemas.microsoft.com/office/powerpoint/2015/main" val="1"/>
+              </p:ext>
+            </p:extLst>
+          </p:nvPr>
+        </p:nvPicPr>
+        <p:blipFill>
+          <a:blip r:embed="rId4">
+            <a:extLst>
+              <a:ext uri="{28A0092B-C50C-407E-A947-70E740481C1C}">
+                <a14:useLocalDpi xmlns:a14="http://schemas.microsoft.com/office/drawing/2010/main" val="0"/>
+              </a:ext>
+            </a:extLst>
+          </a:blip>
+          <a:stretch>
+            <a:fillRect/>
+          </a:stretch>
+        </p:blipFill>
+        <p:spPr>
+          <a:xfrm>
+            <a:off x="9111716" y="4243845"/>
+            <a:ext cx="3077108" cy="276940"/>
+          </a:xfrm>
+          <a:prstGeom prst="rect">
+            <a:avLst/>
+          </a:prstGeom>
+        </p:spPr>
+      </p:pic>
+      <p:sp>
+        <p:nvSpPr>
+          <p:cNvPr id="18" name="Rectangle 17">
+            <a:extLst>
+              <a:ext uri="{FF2B5EF4-FFF2-40B4-BE49-F238E27FC236}">
+                <a16:creationId xmlns:a16="http://schemas.microsoft.com/office/drawing/2014/main" id="{7EF5ECB8-D49C-48FB-A93E-88EB2FFDFD42}"/>
+              </a:ext>
+              <a:ext uri="{C183D7F6-B498-43B3-948B-1728B52AA6E4}">
+                <adec:decorative xmlns:adec="http://schemas.microsoft.com/office/drawing/2017/decorative" val="1"/>
+              </a:ext>
+            </a:extLst>
+          </p:cNvPr>
+          <p:cNvSpPr>
+            <a:spLocks noGrp="1" noRot="1" noChangeAspect="1" noMove="1" noResize="1" noEditPoints="1" noAdjustHandles="1" noChangeArrowheads="1" noChangeShapeType="1" noTextEdit="1"/>
+          </p:cNvSpPr>
+          <p:nvPr>
+            <p:extLst>
+              <p:ext uri="{386F3935-93C4-4BCD-93E2-E3B085C9AB24}">
+                <p16:designElem xmlns:p16="http://schemas.microsoft.com/office/powerpoint/2015/main" val="1"/>
+              </p:ext>
+            </p:extLst>
+          </p:nvPr>
+        </p:nvSpPr>
+        <p:spPr bwMode="ltGray">
+          <a:xfrm>
+            <a:off x="0" y="2590078"/>
+            <a:ext cx="8968085" cy="1660332"/>
+          </a:xfrm>
+          <a:prstGeom prst="rect">
+            <a:avLst/>
+          </a:prstGeom>
+          <a:solidFill>
+            <a:schemeClr val="bg1">
+              <a:lumMod val="85000"/>
+              <a:lumOff val="15000"/>
+            </a:schemeClr>
+          </a:solidFill>
+          <a:ln>
+            <a:noFill/>
+          </a:ln>
+        </p:spPr>
+        <p:style>
+          <a:lnRef idx="2">
+            <a:schemeClr val="accent1">
+              <a:shade val="50000"/>
+            </a:schemeClr>
+          </a:lnRef>
+          <a:fillRef idx="1">
+            <a:schemeClr val="accent1"/>
+          </a:fillRef>
+          <a:effectRef idx="0">
+            <a:schemeClr val="accent1"/>
+          </a:effectRef>
+          <a:fontRef idx="minor">
+            <a:schemeClr val="lt1"/>
+          </a:fontRef>
+        </p:style>
+      </p:sp>
+      <p:sp>
+        <p:nvSpPr>
+          <p:cNvPr id="20" name="Rectangle 19">
+            <a:extLst>
+              <a:ext uri="{FF2B5EF4-FFF2-40B4-BE49-F238E27FC236}">
+                <a16:creationId xmlns:a16="http://schemas.microsoft.com/office/drawing/2014/main" id="{411B77A2-BD5C-432D-B52E-C12612C74C17}"/>
+              </a:ext>
+              <a:ext uri="{C183D7F6-B498-43B3-948B-1728B52AA6E4}">
+                <adec:decorative xmlns:adec="http://schemas.microsoft.com/office/drawing/2017/decorative" val="1"/>
+              </a:ext>
+            </a:extLst>
+          </p:cNvPr>
+          <p:cNvSpPr>
+            <a:spLocks noGrp="1" noRot="1" noChangeAspect="1" noMove="1" noResize="1" noEditPoints="1" noAdjustHandles="1" noChangeArrowheads="1" noChangeShapeType="1" noTextEdit="1"/>
+          </p:cNvSpPr>
+          <p:nvPr>
+            <p:extLst>
+              <p:ext uri="{386F3935-93C4-4BCD-93E2-E3B085C9AB24}">
+                <p16:designElem xmlns:p16="http://schemas.microsoft.com/office/powerpoint/2015/main" val="1"/>
+              </p:ext>
+            </p:extLst>
+          </p:nvPr>
+        </p:nvSpPr>
+        <p:spPr>
+          <a:xfrm>
+            <a:off x="9111715" y="2590078"/>
+            <a:ext cx="3077109" cy="1660332"/>
+          </a:xfrm>
+          <a:prstGeom prst="rect">
+            <a:avLst/>
+          </a:prstGeom>
+          <a:solidFill>
+            <a:schemeClr val="accent1"/>
+          </a:solidFill>
+          <a:ln>
+            <a:noFill/>
+          </a:ln>
+        </p:spPr>
+        <p:style>
+          <a:lnRef idx="2">
+            <a:schemeClr val="accent1">
+              <a:shade val="50000"/>
+            </a:schemeClr>
+          </a:lnRef>
+          <a:fillRef idx="1">
+            <a:schemeClr val="accent1"/>
+          </a:fillRef>
+          <a:effectRef idx="0">
+            <a:schemeClr val="accent1"/>
+          </a:effectRef>
+          <a:fontRef idx="minor">
+            <a:schemeClr val="lt1"/>
+          </a:fontRef>
+        </p:style>
+      </p:sp>
+      <p:sp useBgFill="1">
+        <p:nvSpPr>
+          <p:cNvPr id="22" name="Rectangle 21">
+            <a:extLst>
+              <a:ext uri="{FF2B5EF4-FFF2-40B4-BE49-F238E27FC236}">
+                <a16:creationId xmlns:a16="http://schemas.microsoft.com/office/drawing/2014/main" id="{B5C18694-F55B-41C0-ABF3-C1D971F99ADB}"/>
+              </a:ext>
+              <a:ext uri="{C183D7F6-B498-43B3-948B-1728B52AA6E4}">
+                <adec:decorative xmlns:adec="http://schemas.microsoft.com/office/drawing/2017/decorative" val="1"/>
+              </a:ext>
+            </a:extLst>
+          </p:cNvPr>
+          <p:cNvSpPr>
+            <a:spLocks noGrp="1" noRot="1" noChangeAspect="1" noMove="1" noResize="1" noEditPoints="1" noAdjustHandles="1" noChangeArrowheads="1" noChangeShapeType="1" noTextEdit="1"/>
+          </p:cNvSpPr>
+          <p:nvPr>
+            <p:extLst>
+              <p:ext uri="{386F3935-93C4-4BCD-93E2-E3B085C9AB24}">
+                <p16:designElem xmlns:p16="http://schemas.microsoft.com/office/powerpoint/2015/main" val="1"/>
+              </p:ext>
+            </p:extLst>
+          </p:nvPr>
+        </p:nvSpPr>
+        <p:spPr>
+          <a:xfrm>
+            <a:off x="0" y="0"/>
+            <a:ext cx="12192000" cy="6858000"/>
+          </a:xfrm>
+          <a:prstGeom prst="rect">
+            <a:avLst/>
+          </a:prstGeom>
+          <a:ln>
+            <a:noFill/>
+          </a:ln>
+        </p:spPr>
+        <p:style>
+          <a:lnRef idx="2">
+            <a:schemeClr val="accent1">
+              <a:shade val="50000"/>
+            </a:schemeClr>
+          </a:lnRef>
+          <a:fillRef idx="1">
+            <a:schemeClr val="accent1"/>
+          </a:fillRef>
+          <a:effectRef idx="0">
+            <a:schemeClr val="accent1"/>
+          </a:effectRef>
+          <a:fontRef idx="minor">
+            <a:schemeClr val="lt1"/>
+          </a:fontRef>
+        </p:style>
+        <p:txBody>
+          <a:bodyPr rtlCol="0" anchor="ctr"/>
+          <a:lstStyle/>
+          <a:p>
+            <a:pPr algn="ctr"/>
+            <a:endParaRPr lang="en-US"/>
+          </a:p>
+        </p:txBody>
+      </p:sp>
+      <p:pic>
+        <p:nvPicPr>
+          <p:cNvPr id="24" name="Picture 23">
+            <a:extLst>
+              <a:ext uri="{FF2B5EF4-FFF2-40B4-BE49-F238E27FC236}">
+                <a16:creationId xmlns:a16="http://schemas.microsoft.com/office/drawing/2014/main" id="{E3E46CA8-7278-4BA3-AACE-235B5B3B53E0}"/>
+              </a:ext>
+              <a:ext uri="{C183D7F6-B498-43B3-948B-1728B52AA6E4}">
+                <adec:decorative xmlns:adec="http://schemas.microsoft.com/office/drawing/2017/decorative" val="1"/>
+              </a:ext>
+            </a:extLst>
+          </p:cNvPr>
+          <p:cNvPicPr>
+            <a:picLocks noGrp="1" noRot="1" noChangeAspect="1" noMove="1" noResize="1" noEditPoints="1" noAdjustHandles="1" noChangeArrowheads="1" noChangeShapeType="1" noCrop="1"/>
+          </p:cNvPicPr>
+          <p:nvPr>
+            <p:extLst>
+              <p:ext uri="{386F3935-93C4-4BCD-93E2-E3B085C9AB24}">
+                <p16:designElem xmlns:p16="http://schemas.microsoft.com/office/powerpoint/2015/main" val="1"/>
+              </p:ext>
+            </p:extLst>
+          </p:nvPr>
+        </p:nvPicPr>
+        <p:blipFill>
+          <a:blip r:embed="rId2">
+            <a:alphaModFix amt="10000"/>
+            <a:extLst>
+              <a:ext uri="{28A0092B-C50C-407E-A947-70E740481C1C}">
+                <a14:useLocalDpi xmlns:a14="http://schemas.microsoft.com/office/drawing/2010/main" val="0"/>
+              </a:ext>
+            </a:extLst>
+          </a:blip>
+          <a:stretch>
+            <a:fillRect/>
+          </a:stretch>
+        </p:blipFill>
+        <p:spPr>
+          <a:xfrm>
+            <a:off x="0" y="0"/>
+            <a:ext cx="12192000" cy="6858000"/>
+          </a:xfrm>
+          <a:prstGeom prst="rect">
+            <a:avLst/>
+          </a:prstGeom>
+        </p:spPr>
+      </p:pic>
+      <p:sp>
+        <p:nvSpPr>
+          <p:cNvPr id="9" name="Rectangle 8">
+            <a:extLst>
+              <a:ext uri="{FF2B5EF4-FFF2-40B4-BE49-F238E27FC236}">
+                <a16:creationId xmlns:a16="http://schemas.microsoft.com/office/drawing/2014/main" id="{6DFE6781-8F98-4989-B963-48136A48563D}"/>
+              </a:ext>
+            </a:extLst>
+          </p:cNvPr>
+          <p:cNvSpPr/>
+          <p:nvPr/>
+        </p:nvSpPr>
+        <p:spPr>
+          <a:xfrm>
+            <a:off x="10970001" y="5868770"/>
+            <a:ext cx="1222000" cy="989230"/>
+          </a:xfrm>
+          <a:prstGeom prst="rect">
+            <a:avLst/>
+          </a:prstGeom>
+          <a:effectLst>
+            <a:outerShdw blurRad="50800" dist="38100" dir="2700000" algn="tl" rotWithShape="0">
+              <a:prstClr val="black">
+                <a:alpha val="40000"/>
+              </a:prstClr>
+            </a:outerShdw>
+          </a:effectLst>
+        </p:spPr>
+        <p:style>
+          <a:lnRef idx="2">
+            <a:schemeClr val="accent1">
+              <a:shade val="50000"/>
+            </a:schemeClr>
+          </a:lnRef>
+          <a:fillRef idx="1">
+            <a:schemeClr val="accent1"/>
+          </a:fillRef>
+          <a:effectRef idx="0">
+            <a:schemeClr val="accent1"/>
+          </a:effectRef>
+          <a:fontRef idx="minor">
+            <a:schemeClr val="lt1"/>
+          </a:fontRef>
+        </p:style>
+        <p:txBody>
+          <a:bodyPr rtlCol="0" anchor="ctr"/>
+          <a:lstStyle/>
+          <a:p>
+            <a:pPr algn="ctr"/>
+            <a:endParaRPr lang="en-US"/>
+          </a:p>
+        </p:txBody>
+      </p:sp>
+      <p:sp>
+        <p:nvSpPr>
+          <p:cNvPr id="6" name="TextBox 5">
+            <a:extLst>
+              <a:ext uri="{FF2B5EF4-FFF2-40B4-BE49-F238E27FC236}">
+                <a16:creationId xmlns:a16="http://schemas.microsoft.com/office/drawing/2014/main" id="{1D6E3BC5-6F68-4014-AEE1-3D012AF022C3}"/>
+              </a:ext>
+            </a:extLst>
+          </p:cNvPr>
+          <p:cNvSpPr txBox="1"/>
+          <p:nvPr/>
+        </p:nvSpPr>
+        <p:spPr>
+          <a:xfrm>
+            <a:off x="10987930" y="5760874"/>
+            <a:ext cx="1222000" cy="923330"/>
+          </a:xfrm>
+          <a:prstGeom prst="rect">
+            <a:avLst/>
+          </a:prstGeom>
+          <a:noFill/>
+        </p:spPr>
+        <p:txBody>
+          <a:bodyPr wrap="square" rtlCol="0">
+            <a:spAutoFit/>
+          </a:bodyPr>
+          <a:lstStyle/>
+          <a:p>
+            <a:pPr>
+              <a:spcAft>
+                <a:spcPts val="600"/>
+              </a:spcAft>
+            </a:pPr>
+            <a:r>
+              <a:rPr lang="en-US" sz="5400" dirty="0">
+                <a:solidFill>
+                  <a:schemeClr val="accent1">
+                    <a:lumMod val="20000"/>
+                    <a:lumOff val="80000"/>
+                  </a:schemeClr>
+                </a:solidFill>
+                <a:latin typeface="Counter-Strike" panose="02000506030000020004" pitchFamily="2" charset="0"/>
+                <a:hlinkClick r:id="" action="ppaction://hlinkshowjump?jump=firstslide">
+                  <a:extLst>
+                    <a:ext uri="{A12FA001-AC4F-418D-AE19-62706E023703}">
+                      <ahyp:hlinkClr xmlns:ahyp="http://schemas.microsoft.com/office/drawing/2018/hyperlinkcolor" val="tx"/>
+                    </a:ext>
+                  </a:extLst>
+                </a:hlinkClick>
+              </a:rPr>
+              <a:t>EP</a:t>
+            </a:r>
+            <a:endParaRPr lang="en-US" sz="5400" dirty="0">
+              <a:solidFill>
+                <a:schemeClr val="accent1">
+                  <a:lumMod val="20000"/>
+                  <a:lumOff val="80000"/>
+                </a:schemeClr>
+              </a:solidFill>
+              <a:latin typeface="Counter-Strike" panose="02000506030000020004" pitchFamily="2" charset="0"/>
+            </a:endParaRPr>
+          </a:p>
+        </p:txBody>
+      </p:sp>
+      <p:sp>
+        <p:nvSpPr>
+          <p:cNvPr id="10" name="Rectangle 9">
+            <a:extLst>
+              <a:ext uri="{FF2B5EF4-FFF2-40B4-BE49-F238E27FC236}">
+                <a16:creationId xmlns:a16="http://schemas.microsoft.com/office/drawing/2014/main" id="{9DA4959C-10EA-4094-A70F-B79F0082F990}"/>
+              </a:ext>
+            </a:extLst>
+          </p:cNvPr>
+          <p:cNvSpPr/>
+          <p:nvPr/>
+        </p:nvSpPr>
+        <p:spPr>
+          <a:xfrm>
+            <a:off x="3176" y="253561"/>
+            <a:ext cx="12192000" cy="490211"/>
+          </a:xfrm>
+          <a:prstGeom prst="rect">
+            <a:avLst/>
+          </a:prstGeom>
+        </p:spPr>
+        <p:style>
+          <a:lnRef idx="2">
+            <a:schemeClr val="accent1">
+              <a:shade val="50000"/>
+            </a:schemeClr>
+          </a:lnRef>
+          <a:fillRef idx="1">
+            <a:schemeClr val="accent1"/>
+          </a:fillRef>
+          <a:effectRef idx="0">
+            <a:schemeClr val="accent1"/>
+          </a:effectRef>
+          <a:fontRef idx="minor">
+            <a:schemeClr val="lt1"/>
+          </a:fontRef>
+        </p:style>
+        <p:txBody>
+          <a:bodyPr rtlCol="0" anchor="ctr"/>
+          <a:lstStyle/>
+          <a:p>
+            <a:pPr algn="ctr"/>
+            <a:endParaRPr lang="en-US"/>
+          </a:p>
+        </p:txBody>
+      </p:sp>
+      <p:sp>
+        <p:nvSpPr>
+          <p:cNvPr id="7" name="TextBox 6">
+            <a:extLst>
+              <a:ext uri="{FF2B5EF4-FFF2-40B4-BE49-F238E27FC236}">
+                <a16:creationId xmlns:a16="http://schemas.microsoft.com/office/drawing/2014/main" id="{6585967D-4C3F-41FF-8621-A94A3115096A}"/>
+              </a:ext>
+            </a:extLst>
+          </p:cNvPr>
+          <p:cNvSpPr txBox="1"/>
+          <p:nvPr/>
+        </p:nvSpPr>
+        <p:spPr>
+          <a:xfrm>
+            <a:off x="4254251" y="165368"/>
+            <a:ext cx="3683498" cy="578404"/>
+          </a:xfrm>
+          <a:prstGeom prst="rect">
+            <a:avLst/>
+          </a:prstGeom>
+          <a:effectLst>
+            <a:outerShdw blurRad="88900" dist="38100" dir="2700000" algn="tl" rotWithShape="0">
+              <a:prstClr val="black">
+                <a:alpha val="30000"/>
+              </a:prstClr>
+            </a:outerShdw>
+          </a:effectLst>
+        </p:spPr>
+        <p:txBody>
+          <a:bodyPr vert="horz" lIns="91440" tIns="45720" rIns="91440" bIns="45720" rtlCol="0" anchor="b">
+            <a:normAutofit fontScale="92500" lnSpcReduction="20000"/>
+          </a:bodyPr>
+          <a:lstStyle/>
+          <a:p>
+            <a:pPr algn="ctr" defTabSz="914400">
+              <a:lnSpc>
+                <a:spcPct val="90000"/>
+              </a:lnSpc>
+              <a:spcBef>
+                <a:spcPct val="0"/>
+              </a:spcBef>
+              <a:spcAft>
+                <a:spcPts val="600"/>
+              </a:spcAft>
+            </a:pPr>
+            <a:r>
+              <a:rPr lang="en-US" sz="4400" dirty="0">
+                <a:solidFill>
+                  <a:schemeClr val="accent1">
+                    <a:lumMod val="20000"/>
+                    <a:lumOff val="80000"/>
+                  </a:schemeClr>
+                </a:solidFill>
+                <a:latin typeface="Counter-Strike" panose="02000506030000020004" pitchFamily="2" charset="0"/>
+                <a:ea typeface="+mj-ea"/>
+                <a:cs typeface="+mj-cs"/>
+                <a:hlinkClick r:id="" action="ppaction://hlinkshowjump?jump=firstslide">
+                  <a:extLst>
+                    <a:ext uri="{A12FA001-AC4F-418D-AE19-62706E023703}">
+                      <ahyp:hlinkClr xmlns:ahyp="http://schemas.microsoft.com/office/drawing/2018/hyperlinkcolor" val="tx"/>
+                    </a:ext>
+                  </a:extLst>
+                </a:hlinkClick>
+              </a:rPr>
+              <a:t>ExerPals.com</a:t>
+            </a:r>
+            <a:endParaRPr lang="en-US" sz="4400" dirty="0">
+              <a:solidFill>
+                <a:schemeClr val="accent1">
+                  <a:lumMod val="20000"/>
+                  <a:lumOff val="80000"/>
+                </a:schemeClr>
+              </a:solidFill>
+              <a:latin typeface="Counter-Strike" panose="02000506030000020004" pitchFamily="2" charset="0"/>
+              <a:ea typeface="+mj-ea"/>
+              <a:cs typeface="+mj-cs"/>
+            </a:endParaRPr>
+          </a:p>
+        </p:txBody>
+      </p:sp>
+      <p:sp>
+        <p:nvSpPr>
+          <p:cNvPr id="11" name="TextBox 10">
+            <a:extLst>
+              <a:ext uri="{FF2B5EF4-FFF2-40B4-BE49-F238E27FC236}">
+                <a16:creationId xmlns:a16="http://schemas.microsoft.com/office/drawing/2014/main" id="{84256461-81E3-4C58-ACCA-B9F44393FC21}"/>
+              </a:ext>
+            </a:extLst>
+          </p:cNvPr>
+          <p:cNvSpPr txBox="1"/>
+          <p:nvPr/>
+        </p:nvSpPr>
+        <p:spPr>
+          <a:xfrm>
+            <a:off x="502022" y="269904"/>
+            <a:ext cx="1284941" cy="369332"/>
+          </a:xfrm>
+          <a:prstGeom prst="rect">
+            <a:avLst/>
+          </a:prstGeom>
+          <a:noFill/>
+        </p:spPr>
+        <p:txBody>
+          <a:bodyPr wrap="square" rtlCol="0">
+            <a:spAutoFit/>
+          </a:bodyPr>
+          <a:lstStyle/>
+          <a:p>
+            <a:pPr algn="ctr"/>
+            <a:r>
+              <a:rPr lang="en-US" dirty="0">
+                <a:solidFill>
+                  <a:schemeClr val="accent1">
+                    <a:lumMod val="20000"/>
+                    <a:lumOff val="80000"/>
+                  </a:schemeClr>
+                </a:solidFill>
+                <a:latin typeface="Counter-Strike" panose="02000506030000020004" pitchFamily="2" charset="0"/>
+                <a:hlinkClick r:id="" action="ppaction://hlinkshowjump?jump=firstslide">
+                  <a:extLst>
+                    <a:ext uri="{A12FA001-AC4F-418D-AE19-62706E023703}">
+                      <ahyp:hlinkClr xmlns:ahyp="http://schemas.microsoft.com/office/drawing/2018/hyperlinkcolor" val="tx"/>
+                    </a:ext>
+                  </a:extLst>
+                </a:hlinkClick>
+              </a:rPr>
+              <a:t>Home</a:t>
+            </a:r>
+            <a:endParaRPr lang="en-US" dirty="0">
+              <a:solidFill>
+                <a:schemeClr val="accent1">
+                  <a:lumMod val="20000"/>
+                  <a:lumOff val="80000"/>
+                </a:schemeClr>
+              </a:solidFill>
+              <a:latin typeface="Counter-Strike" panose="02000506030000020004" pitchFamily="2" charset="0"/>
+            </a:endParaRPr>
+          </a:p>
+        </p:txBody>
+      </p:sp>
+      <p:sp>
+        <p:nvSpPr>
+          <p:cNvPr id="13" name="TextBox 12">
+            <a:extLst>
+              <a:ext uri="{FF2B5EF4-FFF2-40B4-BE49-F238E27FC236}">
+                <a16:creationId xmlns:a16="http://schemas.microsoft.com/office/drawing/2014/main" id="{ED23F9D3-B298-495F-B0C6-3DDB24866581}"/>
+              </a:ext>
+            </a:extLst>
+          </p:cNvPr>
+          <p:cNvSpPr txBox="1"/>
+          <p:nvPr/>
+        </p:nvSpPr>
+        <p:spPr>
+          <a:xfrm>
+            <a:off x="2212591" y="276672"/>
+            <a:ext cx="1589741" cy="369332"/>
+          </a:xfrm>
+          <a:prstGeom prst="rect">
+            <a:avLst/>
+          </a:prstGeom>
+          <a:noFill/>
+        </p:spPr>
+        <p:txBody>
+          <a:bodyPr wrap="square" rtlCol="0">
+            <a:spAutoFit/>
+          </a:bodyPr>
+          <a:lstStyle/>
+          <a:p>
+            <a:pPr algn="ctr"/>
+            <a:r>
+              <a:rPr lang="en-US" dirty="0">
+                <a:solidFill>
+                  <a:schemeClr val="accent1">
+                    <a:lumMod val="20000"/>
+                    <a:lumOff val="80000"/>
+                  </a:schemeClr>
+                </a:solidFill>
+                <a:latin typeface="Counter-Strike" panose="02000506030000020004" pitchFamily="2" charset="0"/>
+                <a:hlinkClick r:id="rId5" action="ppaction://hlinksldjump">
+                  <a:extLst>
+                    <a:ext uri="{A12FA001-AC4F-418D-AE19-62706E023703}">
+                      <ahyp:hlinkClr xmlns:ahyp="http://schemas.microsoft.com/office/drawing/2018/hyperlinkcolor" val="tx"/>
+                    </a:ext>
+                  </a:extLst>
+                </a:hlinkClick>
+              </a:rPr>
+              <a:t>Workouts</a:t>
+            </a:r>
+            <a:endParaRPr lang="en-US" dirty="0">
+              <a:solidFill>
+                <a:schemeClr val="accent1">
+                  <a:lumMod val="20000"/>
+                  <a:lumOff val="80000"/>
+                </a:schemeClr>
+              </a:solidFill>
+              <a:latin typeface="Counter-Strike" panose="02000506030000020004" pitchFamily="2" charset="0"/>
+            </a:endParaRPr>
+          </a:p>
+        </p:txBody>
+      </p:sp>
+      <p:sp>
+        <p:nvSpPr>
+          <p:cNvPr id="15" name="TextBox 14">
+            <a:extLst>
+              <a:ext uri="{FF2B5EF4-FFF2-40B4-BE49-F238E27FC236}">
+                <a16:creationId xmlns:a16="http://schemas.microsoft.com/office/drawing/2014/main" id="{23FDE9B0-6214-466C-BE66-394519FA5712}"/>
+              </a:ext>
+            </a:extLst>
+          </p:cNvPr>
+          <p:cNvSpPr txBox="1"/>
+          <p:nvPr/>
+        </p:nvSpPr>
+        <p:spPr>
+          <a:xfrm>
+            <a:off x="8185167" y="269904"/>
+            <a:ext cx="1565835" cy="369332"/>
+          </a:xfrm>
+          <a:prstGeom prst="rect">
+            <a:avLst/>
+          </a:prstGeom>
+          <a:noFill/>
+        </p:spPr>
+        <p:txBody>
+          <a:bodyPr wrap="square" rtlCol="0">
+            <a:spAutoFit/>
+          </a:bodyPr>
+          <a:lstStyle/>
+          <a:p>
+            <a:pPr algn="ctr"/>
+            <a:r>
+              <a:rPr lang="en-US" dirty="0">
+                <a:solidFill>
+                  <a:schemeClr val="accent1">
+                    <a:lumMod val="20000"/>
+                    <a:lumOff val="80000"/>
+                  </a:schemeClr>
+                </a:solidFill>
+                <a:latin typeface="Counter-Strike" panose="02000506030000020004" pitchFamily="2" charset="0"/>
+                <a:hlinkClick r:id="rId6" action="ppaction://hlinksldjump">
+                  <a:extLst>
+                    <a:ext uri="{A12FA001-AC4F-418D-AE19-62706E023703}">
+                      <ahyp:hlinkClr xmlns:ahyp="http://schemas.microsoft.com/office/drawing/2018/hyperlinkcolor" val="tx"/>
+                    </a:ext>
+                  </a:extLst>
+                </a:hlinkClick>
+              </a:rPr>
+              <a:t>People</a:t>
+            </a:r>
+            <a:endParaRPr lang="en-US" dirty="0">
+              <a:solidFill>
+                <a:schemeClr val="accent1">
+                  <a:lumMod val="20000"/>
+                  <a:lumOff val="80000"/>
+                </a:schemeClr>
+              </a:solidFill>
+              <a:latin typeface="Counter-Strike" panose="02000506030000020004" pitchFamily="2" charset="0"/>
+            </a:endParaRPr>
+          </a:p>
+        </p:txBody>
+      </p:sp>
+      <p:sp>
+        <p:nvSpPr>
+          <p:cNvPr id="17" name="TextBox 16">
+            <a:extLst>
+              <a:ext uri="{FF2B5EF4-FFF2-40B4-BE49-F238E27FC236}">
+                <a16:creationId xmlns:a16="http://schemas.microsoft.com/office/drawing/2014/main" id="{A9DCA6C6-CC9D-4CB6-967D-7213F3683D7A}"/>
+              </a:ext>
+            </a:extLst>
+          </p:cNvPr>
+          <p:cNvSpPr txBox="1"/>
+          <p:nvPr/>
+        </p:nvSpPr>
+        <p:spPr>
+          <a:xfrm>
+            <a:off x="9780692" y="276672"/>
+            <a:ext cx="1739153" cy="369332"/>
+          </a:xfrm>
+          <a:prstGeom prst="rect">
+            <a:avLst/>
+          </a:prstGeom>
+          <a:noFill/>
+        </p:spPr>
+        <p:txBody>
+          <a:bodyPr wrap="square" rtlCol="0">
+            <a:spAutoFit/>
+          </a:bodyPr>
+          <a:lstStyle/>
+          <a:p>
+            <a:pPr algn="ctr"/>
+            <a:r>
+              <a:rPr lang="en-US" dirty="0">
+                <a:solidFill>
+                  <a:schemeClr val="accent1">
+                    <a:lumMod val="20000"/>
+                    <a:lumOff val="80000"/>
+                  </a:schemeClr>
+                </a:solidFill>
+                <a:latin typeface="Counter-Strike" panose="02000506030000020004" pitchFamily="2" charset="0"/>
+                <a:hlinkClick r:id="rId7" action="ppaction://hlinksldjump">
+                  <a:extLst>
+                    <a:ext uri="{A12FA001-AC4F-418D-AE19-62706E023703}">
+                      <ahyp:hlinkClr xmlns:ahyp="http://schemas.microsoft.com/office/drawing/2018/hyperlinkcolor" val="tx"/>
+                    </a:ext>
+                  </a:extLst>
+                </a:hlinkClick>
+              </a:rPr>
+              <a:t>Messaging</a:t>
+            </a:r>
+            <a:endParaRPr lang="en-US" dirty="0">
+              <a:solidFill>
+                <a:schemeClr val="accent1">
+                  <a:lumMod val="20000"/>
+                  <a:lumOff val="80000"/>
+                </a:schemeClr>
+              </a:solidFill>
+              <a:latin typeface="Counter-Strike" panose="02000506030000020004" pitchFamily="2" charset="0"/>
+            </a:endParaRPr>
+          </a:p>
+        </p:txBody>
+      </p:sp>
+      <p:sp>
+        <p:nvSpPr>
+          <p:cNvPr id="2" name="Rectangle: Rounded Corners 1">
+            <a:extLst>
+              <a:ext uri="{FF2B5EF4-FFF2-40B4-BE49-F238E27FC236}">
+                <a16:creationId xmlns:a16="http://schemas.microsoft.com/office/drawing/2014/main" id="{9EA77E21-E978-4B56-8FF6-191B66970EC1}"/>
+              </a:ext>
+            </a:extLst>
+          </p:cNvPr>
+          <p:cNvSpPr/>
+          <p:nvPr/>
+        </p:nvSpPr>
+        <p:spPr>
+          <a:xfrm>
+            <a:off x="3412565" y="2052195"/>
+            <a:ext cx="5133788" cy="1075765"/>
+          </a:xfrm>
+          <a:prstGeom prst="roundRect">
+            <a:avLst/>
+          </a:prstGeom>
+        </p:spPr>
+        <p:style>
+          <a:lnRef idx="2">
+            <a:schemeClr val="accent1">
+              <a:shade val="50000"/>
+            </a:schemeClr>
+          </a:lnRef>
+          <a:fillRef idx="1">
+            <a:schemeClr val="accent1"/>
+          </a:fillRef>
+          <a:effectRef idx="0">
+            <a:schemeClr val="accent1"/>
+          </a:effectRef>
+          <a:fontRef idx="minor">
+            <a:schemeClr val="lt1"/>
+          </a:fontRef>
+        </p:style>
+        <p:txBody>
+          <a:bodyPr rtlCol="0" anchor="ctr"/>
+          <a:lstStyle/>
+          <a:p>
+            <a:pPr algn="ctr"/>
+            <a:endParaRPr lang="en-US" dirty="0"/>
+          </a:p>
+        </p:txBody>
+      </p:sp>
+      <p:sp>
+        <p:nvSpPr>
+          <p:cNvPr id="3" name="TextBox 2">
+            <a:extLst>
+              <a:ext uri="{FF2B5EF4-FFF2-40B4-BE49-F238E27FC236}">
+                <a16:creationId xmlns:a16="http://schemas.microsoft.com/office/drawing/2014/main" id="{C09C1B5B-EB56-4083-A99B-8C4EE64C588F}"/>
+              </a:ext>
+            </a:extLst>
+          </p:cNvPr>
+          <p:cNvSpPr txBox="1"/>
+          <p:nvPr/>
+        </p:nvSpPr>
+        <p:spPr>
+          <a:xfrm>
+            <a:off x="3699435" y="2079812"/>
+            <a:ext cx="4739341" cy="369332"/>
+          </a:xfrm>
+          <a:prstGeom prst="rect">
+            <a:avLst/>
+          </a:prstGeom>
+          <a:noFill/>
+        </p:spPr>
+        <p:txBody>
+          <a:bodyPr wrap="square" rtlCol="0">
+            <a:spAutoFit/>
+          </a:bodyPr>
+          <a:lstStyle/>
+          <a:p>
+            <a:r>
+              <a:rPr lang="en-US" dirty="0">
+                <a:latin typeface="Counter-Strike" panose="02000506030000020004" pitchFamily="2" charset="0"/>
+              </a:rPr>
+              <a:t>Find People near you!</a:t>
+            </a:r>
+          </a:p>
+        </p:txBody>
+      </p:sp>
+      <p:sp>
+        <p:nvSpPr>
+          <p:cNvPr id="4" name="Rectangle: Rounded Corners 3">
+            <a:hlinkClick r:id="rId8" action="ppaction://hlinksldjump"/>
+            <a:extLst>
+              <a:ext uri="{FF2B5EF4-FFF2-40B4-BE49-F238E27FC236}">
+                <a16:creationId xmlns:a16="http://schemas.microsoft.com/office/drawing/2014/main" id="{C50CEFD0-0CCB-4014-A2D9-F9D6EED989D9}"/>
+              </a:ext>
+            </a:extLst>
+          </p:cNvPr>
+          <p:cNvSpPr/>
+          <p:nvPr/>
+        </p:nvSpPr>
+        <p:spPr>
+          <a:xfrm>
+            <a:off x="3699435" y="2549556"/>
+            <a:ext cx="3209365" cy="301220"/>
+          </a:xfrm>
+          <a:prstGeom prst="roundRect">
+            <a:avLst/>
+          </a:prstGeom>
+          <a:solidFill>
+            <a:schemeClr val="tx1"/>
+          </a:solidFill>
+        </p:spPr>
+        <p:style>
+          <a:lnRef idx="2">
+            <a:schemeClr val="accent1">
+              <a:shade val="50000"/>
+            </a:schemeClr>
+          </a:lnRef>
+          <a:fillRef idx="1">
+            <a:schemeClr val="accent1"/>
+          </a:fillRef>
+          <a:effectRef idx="0">
+            <a:schemeClr val="accent1"/>
+          </a:effectRef>
+          <a:fontRef idx="minor">
+            <a:schemeClr val="lt1"/>
+          </a:fontRef>
+        </p:style>
+        <p:txBody>
+          <a:bodyPr rtlCol="0" anchor="ctr"/>
+          <a:lstStyle/>
+          <a:p>
+            <a:pPr algn="ctr"/>
+            <a:endParaRPr lang="en-US" dirty="0"/>
+          </a:p>
+        </p:txBody>
+      </p:sp>
+      <p:sp>
+        <p:nvSpPr>
+          <p:cNvPr id="5" name="TextBox 4">
+            <a:extLst>
+              <a:ext uri="{FF2B5EF4-FFF2-40B4-BE49-F238E27FC236}">
+                <a16:creationId xmlns:a16="http://schemas.microsoft.com/office/drawing/2014/main" id="{35EBFA56-40D4-4987-8179-CA6AA0699DE4}"/>
+              </a:ext>
+            </a:extLst>
+          </p:cNvPr>
+          <p:cNvSpPr txBox="1"/>
+          <p:nvPr/>
+        </p:nvSpPr>
+        <p:spPr>
+          <a:xfrm>
+            <a:off x="3706708" y="2470804"/>
+            <a:ext cx="3010844" cy="369332"/>
+          </a:xfrm>
+          <a:prstGeom prst="rect">
+            <a:avLst/>
+          </a:prstGeom>
+          <a:noFill/>
+        </p:spPr>
+        <p:txBody>
+          <a:bodyPr wrap="square" rtlCol="0">
+            <a:spAutoFit/>
+          </a:bodyPr>
+          <a:lstStyle/>
+          <a:p>
+            <a:r>
+              <a:rPr lang="en-US" dirty="0">
+                <a:solidFill>
+                  <a:schemeClr val="bg1"/>
+                </a:solidFill>
+                <a:latin typeface="Counter-Strike" panose="02000506030000020004" pitchFamily="2" charset="0"/>
+              </a:rPr>
+              <a:t>Enter your location…</a:t>
+            </a:r>
+          </a:p>
+        </p:txBody>
+      </p:sp>
+      <p:sp>
+        <p:nvSpPr>
+          <p:cNvPr id="8" name="Rectangle: Rounded Corners 7">
+            <a:hlinkClick r:id="rId9" action="ppaction://hlinksldjump"/>
+            <a:extLst>
+              <a:ext uri="{FF2B5EF4-FFF2-40B4-BE49-F238E27FC236}">
+                <a16:creationId xmlns:a16="http://schemas.microsoft.com/office/drawing/2014/main" id="{83CECA7D-ABB5-4640-9383-5474B4D8B7D3}"/>
+              </a:ext>
+            </a:extLst>
+          </p:cNvPr>
+          <p:cNvSpPr/>
+          <p:nvPr/>
+        </p:nvSpPr>
+        <p:spPr>
+          <a:xfrm>
+            <a:off x="7106024" y="2549556"/>
+            <a:ext cx="1231152" cy="290580"/>
+          </a:xfrm>
+          <a:prstGeom prst="roundRect">
+            <a:avLst/>
+          </a:prstGeom>
+          <a:solidFill>
+            <a:schemeClr val="accent1">
+              <a:lumMod val="40000"/>
+              <a:lumOff val="60000"/>
+            </a:schemeClr>
+          </a:solidFill>
+          <a:ln>
+            <a:solidFill>
+              <a:schemeClr val="accent1">
+                <a:lumMod val="75000"/>
+              </a:schemeClr>
+            </a:solidFill>
+          </a:ln>
+        </p:spPr>
+        <p:style>
+          <a:lnRef idx="2">
+            <a:schemeClr val="accent1">
+              <a:shade val="50000"/>
+            </a:schemeClr>
+          </a:lnRef>
+          <a:fillRef idx="1">
+            <a:schemeClr val="accent1"/>
+          </a:fillRef>
+          <a:effectRef idx="0">
+            <a:schemeClr val="accent1"/>
+          </a:effectRef>
+          <a:fontRef idx="minor">
+            <a:schemeClr val="lt1"/>
+          </a:fontRef>
+        </p:style>
+        <p:txBody>
+          <a:bodyPr rtlCol="0" anchor="ctr"/>
+          <a:lstStyle/>
+          <a:p>
+            <a:pPr algn="ctr"/>
+            <a:endParaRPr lang="en-US"/>
+          </a:p>
+        </p:txBody>
+      </p:sp>
+      <p:sp>
+        <p:nvSpPr>
+          <p:cNvPr id="19" name="TextBox 18">
+            <a:extLst>
+              <a:ext uri="{FF2B5EF4-FFF2-40B4-BE49-F238E27FC236}">
+                <a16:creationId xmlns:a16="http://schemas.microsoft.com/office/drawing/2014/main" id="{B3AE9198-36DA-4DB2-AB3F-06DF308C535B}"/>
+              </a:ext>
+            </a:extLst>
+          </p:cNvPr>
+          <p:cNvSpPr txBox="1"/>
+          <p:nvPr/>
+        </p:nvSpPr>
+        <p:spPr>
+          <a:xfrm>
+            <a:off x="7195670" y="2470804"/>
+            <a:ext cx="1080445" cy="369332"/>
+          </a:xfrm>
+          <a:prstGeom prst="rect">
+            <a:avLst/>
+          </a:prstGeom>
+          <a:noFill/>
+        </p:spPr>
+        <p:txBody>
+          <a:bodyPr wrap="square" rtlCol="0">
+            <a:spAutoFit/>
+          </a:bodyPr>
+          <a:lstStyle/>
+          <a:p>
+            <a:r>
+              <a:rPr lang="en-US" dirty="0">
+                <a:latin typeface="Counter-Strike" panose="02000506030000020004" pitchFamily="2" charset="0"/>
+              </a:rPr>
+              <a:t>Search</a:t>
+            </a:r>
+          </a:p>
+        </p:txBody>
+      </p:sp>
+    </p:spTree>
+    <p:extLst>
+      <p:ext uri="{BB962C8B-B14F-4D97-AF65-F5344CB8AC3E}">
+        <p14:creationId xmlns:p14="http://schemas.microsoft.com/office/powerpoint/2010/main" val="3330762211"/>
+      </p:ext>
+    </p:extLst>
+  </p:cSld>
+  <p:clrMapOvr>
+    <a:masterClrMapping/>
+  </p:clrMapOvr>
+</p:sld>
+</file>
+
+<file path=ppt/slides/slide8.xml><?xml version="1.0" encoding="utf-8"?>
+<p:sld xmlns:a="http://schemas.openxmlformats.org/drawingml/2006/main" xmlns:r="http://schemas.openxmlformats.org/officeDocument/2006/relationships" xmlns:p="http://schemas.openxmlformats.org/presentationml/2006/main">
+  <p:cSld>
+    <p:bg>
+      <p:bgPr>
+        <a:gradFill rotWithShape="1">
+          <a:gsLst>
+            <a:gs pos="0">
+              <a:schemeClr val="bg2">
+                <a:tint val="96000"/>
+                <a:shade val="100000"/>
+                <a:hueMod val="270000"/>
+                <a:satMod val="200000"/>
+                <a:lumMod val="128000"/>
+              </a:schemeClr>
+            </a:gs>
+            <a:gs pos="50000">
+              <a:schemeClr val="bg2">
+                <a:shade val="100000"/>
+                <a:hueMod val="100000"/>
+                <a:satMod val="110000"/>
+                <a:lumMod val="130000"/>
+              </a:schemeClr>
+            </a:gs>
+            <a:gs pos="100000">
+              <a:schemeClr val="bg2">
+                <a:shade val="78000"/>
+                <a:hueMod val="44000"/>
+                <a:satMod val="200000"/>
+                <a:lumMod val="69000"/>
+              </a:schemeClr>
+            </a:gs>
+          </a:gsLst>
+          <a:lin ang="2520000" scaled="0"/>
+        </a:gradFill>
+        <a:effectLst/>
+      </p:bgPr>
+    </p:bg>
+    <p:spTree>
+      <p:nvGrpSpPr>
+        <p:cNvPr id="1" name=""/>
+        <p:cNvGrpSpPr/>
+        <p:nvPr/>
+      </p:nvGrpSpPr>
+      <p:grpSpPr>
+        <a:xfrm>
+          <a:off x="0" y="0"/>
+          <a:ext cx="0" cy="0"/>
+          <a:chOff x="0" y="0"/>
+          <a:chExt cx="0" cy="0"/>
+        </a:xfrm>
+      </p:grpSpPr>
+      <p:pic>
+        <p:nvPicPr>
+          <p:cNvPr id="12" name="Picture 11">
+            <a:extLst>
+              <a:ext uri="{FF2B5EF4-FFF2-40B4-BE49-F238E27FC236}">
+                <a16:creationId xmlns:a16="http://schemas.microsoft.com/office/drawing/2014/main" id="{AC3E6C53-102E-4ACA-BCBB-3CC973B99486}"/>
+              </a:ext>
+              <a:ext uri="{C183D7F6-B498-43B3-948B-1728B52AA6E4}">
+                <adec:decorative xmlns:adec="http://schemas.microsoft.com/office/drawing/2017/decorative" val="1"/>
+              </a:ext>
+            </a:extLst>
+          </p:cNvPr>
+          <p:cNvPicPr>
+            <a:picLocks noGrp="1" noRot="1" noChangeAspect="1" noMove="1" noResize="1" noEditPoints="1" noAdjustHandles="1" noChangeArrowheads="1" noChangeShapeType="1" noCrop="1"/>
+          </p:cNvPicPr>
+          <p:nvPr>
+            <p:extLst>
+              <p:ext uri="{386F3935-93C4-4BCD-93E2-E3B085C9AB24}">
+                <p16:designElem xmlns:p16="http://schemas.microsoft.com/office/powerpoint/2015/main" val="1"/>
+              </p:ext>
+            </p:extLst>
+          </p:nvPr>
+        </p:nvPicPr>
+        <p:blipFill>
+          <a:blip r:embed="rId2">
+            <a:alphaModFix amt="10000"/>
+            <a:extLst>
+              <a:ext uri="{28A0092B-C50C-407E-A947-70E740481C1C}">
+                <a14:useLocalDpi xmlns:a14="http://schemas.microsoft.com/office/drawing/2010/main" val="0"/>
+              </a:ext>
+            </a:extLst>
+          </a:blip>
+          <a:stretch>
+            <a:fillRect/>
+          </a:stretch>
+        </p:blipFill>
+        <p:spPr>
+          <a:xfrm>
+            <a:off x="0" y="0"/>
+            <a:ext cx="12192000" cy="6858000"/>
+          </a:xfrm>
+          <a:prstGeom prst="rect">
+            <a:avLst/>
+          </a:prstGeom>
+        </p:spPr>
+      </p:pic>
+      <p:pic>
+        <p:nvPicPr>
+          <p:cNvPr id="14" name="Picture 13">
+            <a:extLst>
+              <a:ext uri="{FF2B5EF4-FFF2-40B4-BE49-F238E27FC236}">
+                <a16:creationId xmlns:a16="http://schemas.microsoft.com/office/drawing/2014/main" id="{17B2B42C-0777-4D6E-9432-535281803A88}"/>
+              </a:ext>
+              <a:ext uri="{C183D7F6-B498-43B3-948B-1728B52AA6E4}">
+                <adec:decorative xmlns:adec="http://schemas.microsoft.com/office/drawing/2017/decorative" val="1"/>
+              </a:ext>
+            </a:extLst>
+          </p:cNvPr>
+          <p:cNvPicPr>
+            <a:picLocks noGrp="1" noRot="1" noChangeAspect="1" noMove="1" noResize="1" noEditPoints="1" noAdjustHandles="1" noChangeArrowheads="1" noChangeShapeType="1" noCrop="1"/>
+          </p:cNvPicPr>
+          <p:nvPr>
+            <p:extLst>
+              <p:ext uri="{386F3935-93C4-4BCD-93E2-E3B085C9AB24}">
+                <p16:designElem xmlns:p16="http://schemas.microsoft.com/office/powerpoint/2015/main" val="1"/>
+              </p:ext>
+            </p:extLst>
+          </p:nvPr>
+        </p:nvPicPr>
+        <p:blipFill>
+          <a:blip r:embed="rId3">
+            <a:extLst>
+              <a:ext uri="{28A0092B-C50C-407E-A947-70E740481C1C}">
+                <a14:useLocalDpi xmlns:a14="http://schemas.microsoft.com/office/drawing/2010/main" val="0"/>
+              </a:ext>
+            </a:extLst>
+          </a:blip>
+          <a:stretch>
+            <a:fillRect/>
+          </a:stretch>
+        </p:blipFill>
+        <p:spPr>
+          <a:xfrm>
+            <a:off x="1" y="4242851"/>
+            <a:ext cx="8968084" cy="275942"/>
+          </a:xfrm>
+          <a:prstGeom prst="rect">
+            <a:avLst/>
+          </a:prstGeom>
+        </p:spPr>
+      </p:pic>
+      <p:pic>
+        <p:nvPicPr>
+          <p:cNvPr id="16" name="Picture 15">
+            <a:extLst>
+              <a:ext uri="{FF2B5EF4-FFF2-40B4-BE49-F238E27FC236}">
+                <a16:creationId xmlns:a16="http://schemas.microsoft.com/office/drawing/2014/main" id="{EFEAAB60-93E2-4DC6-99AC-939637BCE864}"/>
+              </a:ext>
+              <a:ext uri="{C183D7F6-B498-43B3-948B-1728B52AA6E4}">
+                <adec:decorative xmlns:adec="http://schemas.microsoft.com/office/drawing/2017/decorative" val="1"/>
+              </a:ext>
+            </a:extLst>
+          </p:cNvPr>
+          <p:cNvPicPr>
+            <a:picLocks noGrp="1" noRot="1" noChangeAspect="1" noMove="1" noResize="1" noEditPoints="1" noAdjustHandles="1" noChangeArrowheads="1" noChangeShapeType="1" noCrop="1"/>
+          </p:cNvPicPr>
+          <p:nvPr>
+            <p:extLst>
+              <p:ext uri="{386F3935-93C4-4BCD-93E2-E3B085C9AB24}">
+                <p16:designElem xmlns:p16="http://schemas.microsoft.com/office/powerpoint/2015/main" val="1"/>
+              </p:ext>
+            </p:extLst>
+          </p:nvPr>
+        </p:nvPicPr>
+        <p:blipFill>
+          <a:blip r:embed="rId4">
+            <a:extLst>
+              <a:ext uri="{28A0092B-C50C-407E-A947-70E740481C1C}">
+                <a14:useLocalDpi xmlns:a14="http://schemas.microsoft.com/office/drawing/2010/main" val="0"/>
+              </a:ext>
+            </a:extLst>
+          </a:blip>
+          <a:stretch>
+            <a:fillRect/>
+          </a:stretch>
+        </p:blipFill>
+        <p:spPr>
+          <a:xfrm>
+            <a:off x="9111716" y="4243845"/>
+            <a:ext cx="3077108" cy="276940"/>
+          </a:xfrm>
+          <a:prstGeom prst="rect">
+            <a:avLst/>
+          </a:prstGeom>
+        </p:spPr>
+      </p:pic>
+      <p:sp>
+        <p:nvSpPr>
+          <p:cNvPr id="18" name="Rectangle 17">
+            <a:extLst>
+              <a:ext uri="{FF2B5EF4-FFF2-40B4-BE49-F238E27FC236}">
+                <a16:creationId xmlns:a16="http://schemas.microsoft.com/office/drawing/2014/main" id="{7EF5ECB8-D49C-48FB-A93E-88EB2FFDFD42}"/>
+              </a:ext>
+              <a:ext uri="{C183D7F6-B498-43B3-948B-1728B52AA6E4}">
+                <adec:decorative xmlns:adec="http://schemas.microsoft.com/office/drawing/2017/decorative" val="1"/>
+              </a:ext>
+            </a:extLst>
+          </p:cNvPr>
+          <p:cNvSpPr>
+            <a:spLocks noGrp="1" noRot="1" noChangeAspect="1" noMove="1" noResize="1" noEditPoints="1" noAdjustHandles="1" noChangeArrowheads="1" noChangeShapeType="1" noTextEdit="1"/>
+          </p:cNvSpPr>
+          <p:nvPr>
+            <p:extLst>
+              <p:ext uri="{386F3935-93C4-4BCD-93E2-E3B085C9AB24}">
+                <p16:designElem xmlns:p16="http://schemas.microsoft.com/office/powerpoint/2015/main" val="1"/>
+              </p:ext>
+            </p:extLst>
+          </p:nvPr>
+        </p:nvSpPr>
+        <p:spPr bwMode="ltGray">
+          <a:xfrm>
+            <a:off x="0" y="2590078"/>
+            <a:ext cx="8968085" cy="1660332"/>
+          </a:xfrm>
+          <a:prstGeom prst="rect">
+            <a:avLst/>
+          </a:prstGeom>
+          <a:solidFill>
+            <a:schemeClr val="bg1">
+              <a:lumMod val="85000"/>
+              <a:lumOff val="15000"/>
+            </a:schemeClr>
+          </a:solidFill>
+          <a:ln>
+            <a:noFill/>
+          </a:ln>
+        </p:spPr>
+        <p:style>
+          <a:lnRef idx="2">
+            <a:schemeClr val="accent1">
+              <a:shade val="50000"/>
+            </a:schemeClr>
+          </a:lnRef>
+          <a:fillRef idx="1">
+            <a:schemeClr val="accent1"/>
+          </a:fillRef>
+          <a:effectRef idx="0">
+            <a:schemeClr val="accent1"/>
+          </a:effectRef>
+          <a:fontRef idx="minor">
+            <a:schemeClr val="lt1"/>
+          </a:fontRef>
+        </p:style>
+      </p:sp>
+      <p:sp>
+        <p:nvSpPr>
+          <p:cNvPr id="20" name="Rectangle 19">
+            <a:extLst>
+              <a:ext uri="{FF2B5EF4-FFF2-40B4-BE49-F238E27FC236}">
+                <a16:creationId xmlns:a16="http://schemas.microsoft.com/office/drawing/2014/main" id="{411B77A2-BD5C-432D-B52E-C12612C74C17}"/>
+              </a:ext>
+              <a:ext uri="{C183D7F6-B498-43B3-948B-1728B52AA6E4}">
+                <adec:decorative xmlns:adec="http://schemas.microsoft.com/office/drawing/2017/decorative" val="1"/>
+              </a:ext>
+            </a:extLst>
+          </p:cNvPr>
+          <p:cNvSpPr>
+            <a:spLocks noGrp="1" noRot="1" noChangeAspect="1" noMove="1" noResize="1" noEditPoints="1" noAdjustHandles="1" noChangeArrowheads="1" noChangeShapeType="1" noTextEdit="1"/>
+          </p:cNvSpPr>
+          <p:nvPr>
+            <p:extLst>
+              <p:ext uri="{386F3935-93C4-4BCD-93E2-E3B085C9AB24}">
+                <p16:designElem xmlns:p16="http://schemas.microsoft.com/office/powerpoint/2015/main" val="1"/>
+              </p:ext>
+            </p:extLst>
+          </p:nvPr>
+        </p:nvSpPr>
+        <p:spPr>
+          <a:xfrm>
+            <a:off x="9111715" y="2590078"/>
+            <a:ext cx="3077109" cy="1660332"/>
+          </a:xfrm>
+          <a:prstGeom prst="rect">
+            <a:avLst/>
+          </a:prstGeom>
+          <a:solidFill>
+            <a:schemeClr val="accent1"/>
+          </a:solidFill>
+          <a:ln>
+            <a:noFill/>
+          </a:ln>
+        </p:spPr>
+        <p:style>
+          <a:lnRef idx="2">
+            <a:schemeClr val="accent1">
+              <a:shade val="50000"/>
+            </a:schemeClr>
+          </a:lnRef>
+          <a:fillRef idx="1">
+            <a:schemeClr val="accent1"/>
+          </a:fillRef>
+          <a:effectRef idx="0">
+            <a:schemeClr val="accent1"/>
+          </a:effectRef>
+          <a:fontRef idx="minor">
+            <a:schemeClr val="lt1"/>
+          </a:fontRef>
+        </p:style>
+      </p:sp>
+      <p:sp useBgFill="1">
+        <p:nvSpPr>
+          <p:cNvPr id="22" name="Rectangle 21">
+            <a:extLst>
+              <a:ext uri="{FF2B5EF4-FFF2-40B4-BE49-F238E27FC236}">
+                <a16:creationId xmlns:a16="http://schemas.microsoft.com/office/drawing/2014/main" id="{B5C18694-F55B-41C0-ABF3-C1D971F99ADB}"/>
+              </a:ext>
+              <a:ext uri="{C183D7F6-B498-43B3-948B-1728B52AA6E4}">
+                <adec:decorative xmlns:adec="http://schemas.microsoft.com/office/drawing/2017/decorative" val="1"/>
+              </a:ext>
+            </a:extLst>
+          </p:cNvPr>
+          <p:cNvSpPr>
+            <a:spLocks noGrp="1" noRot="1" noChangeAspect="1" noMove="1" noResize="1" noEditPoints="1" noAdjustHandles="1" noChangeArrowheads="1" noChangeShapeType="1" noTextEdit="1"/>
+          </p:cNvSpPr>
+          <p:nvPr>
+            <p:extLst>
+              <p:ext uri="{386F3935-93C4-4BCD-93E2-E3B085C9AB24}">
+                <p16:designElem xmlns:p16="http://schemas.microsoft.com/office/powerpoint/2015/main" val="1"/>
+              </p:ext>
+            </p:extLst>
+          </p:nvPr>
+        </p:nvSpPr>
+        <p:spPr>
+          <a:xfrm>
+            <a:off x="0" y="0"/>
+            <a:ext cx="12192000" cy="6858000"/>
+          </a:xfrm>
+          <a:prstGeom prst="rect">
+            <a:avLst/>
+          </a:prstGeom>
+          <a:ln>
+            <a:noFill/>
+          </a:ln>
+        </p:spPr>
+        <p:style>
+          <a:lnRef idx="2">
+            <a:schemeClr val="accent1">
+              <a:shade val="50000"/>
+            </a:schemeClr>
+          </a:lnRef>
+          <a:fillRef idx="1">
+            <a:schemeClr val="accent1"/>
+          </a:fillRef>
+          <a:effectRef idx="0">
+            <a:schemeClr val="accent1"/>
+          </a:effectRef>
+          <a:fontRef idx="minor">
+            <a:schemeClr val="lt1"/>
+          </a:fontRef>
+        </p:style>
+        <p:txBody>
+          <a:bodyPr rtlCol="0" anchor="ctr"/>
+          <a:lstStyle/>
+          <a:p>
+            <a:pPr algn="ctr"/>
+            <a:endParaRPr lang="en-US"/>
+          </a:p>
+        </p:txBody>
+      </p:sp>
+      <p:pic>
+        <p:nvPicPr>
+          <p:cNvPr id="24" name="Picture 23">
+            <a:extLst>
+              <a:ext uri="{FF2B5EF4-FFF2-40B4-BE49-F238E27FC236}">
+                <a16:creationId xmlns:a16="http://schemas.microsoft.com/office/drawing/2014/main" id="{E3E46CA8-7278-4BA3-AACE-235B5B3B53E0}"/>
+              </a:ext>
+              <a:ext uri="{C183D7F6-B498-43B3-948B-1728B52AA6E4}">
+                <adec:decorative xmlns:adec="http://schemas.microsoft.com/office/drawing/2017/decorative" val="1"/>
+              </a:ext>
+            </a:extLst>
+          </p:cNvPr>
+          <p:cNvPicPr>
+            <a:picLocks noGrp="1" noRot="1" noChangeAspect="1" noMove="1" noResize="1" noEditPoints="1" noAdjustHandles="1" noChangeArrowheads="1" noChangeShapeType="1" noCrop="1"/>
+          </p:cNvPicPr>
+          <p:nvPr>
+            <p:extLst>
+              <p:ext uri="{386F3935-93C4-4BCD-93E2-E3B085C9AB24}">
+                <p16:designElem xmlns:p16="http://schemas.microsoft.com/office/powerpoint/2015/main" val="1"/>
+              </p:ext>
+            </p:extLst>
+          </p:nvPr>
+        </p:nvPicPr>
+        <p:blipFill>
+          <a:blip r:embed="rId2">
+            <a:alphaModFix amt="10000"/>
+            <a:extLst>
+              <a:ext uri="{28A0092B-C50C-407E-A947-70E740481C1C}">
+                <a14:useLocalDpi xmlns:a14="http://schemas.microsoft.com/office/drawing/2010/main" val="0"/>
+              </a:ext>
+            </a:extLst>
+          </a:blip>
+          <a:stretch>
+            <a:fillRect/>
+          </a:stretch>
+        </p:blipFill>
+        <p:spPr>
+          <a:xfrm>
+            <a:off x="0" y="0"/>
+            <a:ext cx="12192000" cy="6858000"/>
+          </a:xfrm>
+          <a:prstGeom prst="rect">
+            <a:avLst/>
+          </a:prstGeom>
+        </p:spPr>
+      </p:pic>
+      <p:sp>
+        <p:nvSpPr>
+          <p:cNvPr id="9" name="Rectangle 8">
+            <a:extLst>
+              <a:ext uri="{FF2B5EF4-FFF2-40B4-BE49-F238E27FC236}">
+                <a16:creationId xmlns:a16="http://schemas.microsoft.com/office/drawing/2014/main" id="{6DFE6781-8F98-4989-B963-48136A48563D}"/>
+              </a:ext>
+            </a:extLst>
+          </p:cNvPr>
+          <p:cNvSpPr/>
+          <p:nvPr/>
+        </p:nvSpPr>
+        <p:spPr>
+          <a:xfrm>
+            <a:off x="10970001" y="5868770"/>
+            <a:ext cx="1222000" cy="989230"/>
+          </a:xfrm>
+          <a:prstGeom prst="rect">
+            <a:avLst/>
+          </a:prstGeom>
+          <a:effectLst>
+            <a:outerShdw blurRad="50800" dist="38100" dir="2700000" algn="tl" rotWithShape="0">
+              <a:prstClr val="black">
+                <a:alpha val="40000"/>
+              </a:prstClr>
+            </a:outerShdw>
+          </a:effectLst>
+        </p:spPr>
+        <p:style>
+          <a:lnRef idx="2">
+            <a:schemeClr val="accent1">
+              <a:shade val="50000"/>
+            </a:schemeClr>
+          </a:lnRef>
+          <a:fillRef idx="1">
+            <a:schemeClr val="accent1"/>
+          </a:fillRef>
+          <a:effectRef idx="0">
+            <a:schemeClr val="accent1"/>
+          </a:effectRef>
+          <a:fontRef idx="minor">
+            <a:schemeClr val="lt1"/>
+          </a:fontRef>
+        </p:style>
+        <p:txBody>
+          <a:bodyPr rtlCol="0" anchor="ctr"/>
+          <a:lstStyle/>
+          <a:p>
+            <a:pPr algn="ctr"/>
+            <a:endParaRPr lang="en-US"/>
+          </a:p>
+        </p:txBody>
+      </p:sp>
+      <p:sp>
+        <p:nvSpPr>
+          <p:cNvPr id="6" name="TextBox 5">
+            <a:extLst>
+              <a:ext uri="{FF2B5EF4-FFF2-40B4-BE49-F238E27FC236}">
+                <a16:creationId xmlns:a16="http://schemas.microsoft.com/office/drawing/2014/main" id="{1D6E3BC5-6F68-4014-AEE1-3D012AF022C3}"/>
+              </a:ext>
+            </a:extLst>
+          </p:cNvPr>
+          <p:cNvSpPr txBox="1"/>
+          <p:nvPr/>
+        </p:nvSpPr>
+        <p:spPr>
+          <a:xfrm>
+            <a:off x="10987930" y="5760874"/>
+            <a:ext cx="1222000" cy="923330"/>
+          </a:xfrm>
+          <a:prstGeom prst="rect">
+            <a:avLst/>
+          </a:prstGeom>
+          <a:noFill/>
+        </p:spPr>
+        <p:txBody>
+          <a:bodyPr wrap="square" rtlCol="0">
+            <a:spAutoFit/>
+          </a:bodyPr>
+          <a:lstStyle/>
+          <a:p>
+            <a:pPr>
+              <a:spcAft>
+                <a:spcPts val="600"/>
+              </a:spcAft>
+            </a:pPr>
+            <a:r>
+              <a:rPr lang="en-US" sz="5400" dirty="0">
+                <a:solidFill>
+                  <a:schemeClr val="accent1">
+                    <a:lumMod val="20000"/>
+                    <a:lumOff val="80000"/>
+                  </a:schemeClr>
+                </a:solidFill>
+                <a:latin typeface="Counter-Strike" panose="02000506030000020004" pitchFamily="2" charset="0"/>
+                <a:hlinkClick r:id="" action="ppaction://hlinkshowjump?jump=firstslide">
+                  <a:extLst>
+                    <a:ext uri="{A12FA001-AC4F-418D-AE19-62706E023703}">
+                      <ahyp:hlinkClr xmlns:ahyp="http://schemas.microsoft.com/office/drawing/2018/hyperlinkcolor" val="tx"/>
+                    </a:ext>
+                  </a:extLst>
+                </a:hlinkClick>
+              </a:rPr>
+              <a:t>EP</a:t>
+            </a:r>
+            <a:endParaRPr lang="en-US" sz="5400" dirty="0">
+              <a:solidFill>
+                <a:schemeClr val="accent1">
+                  <a:lumMod val="20000"/>
+                  <a:lumOff val="80000"/>
+                </a:schemeClr>
+              </a:solidFill>
+              <a:latin typeface="Counter-Strike" panose="02000506030000020004" pitchFamily="2" charset="0"/>
+            </a:endParaRPr>
+          </a:p>
+        </p:txBody>
+      </p:sp>
+      <p:sp>
+        <p:nvSpPr>
+          <p:cNvPr id="10" name="Rectangle 9">
+            <a:extLst>
+              <a:ext uri="{FF2B5EF4-FFF2-40B4-BE49-F238E27FC236}">
+                <a16:creationId xmlns:a16="http://schemas.microsoft.com/office/drawing/2014/main" id="{9DA4959C-10EA-4094-A70F-B79F0082F990}"/>
+              </a:ext>
+            </a:extLst>
+          </p:cNvPr>
+          <p:cNvSpPr/>
+          <p:nvPr/>
+        </p:nvSpPr>
+        <p:spPr>
+          <a:xfrm>
+            <a:off x="3176" y="253561"/>
+            <a:ext cx="12192000" cy="490211"/>
+          </a:xfrm>
+          <a:prstGeom prst="rect">
+            <a:avLst/>
+          </a:prstGeom>
+        </p:spPr>
+        <p:style>
+          <a:lnRef idx="2">
+            <a:schemeClr val="accent1">
+              <a:shade val="50000"/>
+            </a:schemeClr>
+          </a:lnRef>
+          <a:fillRef idx="1">
+            <a:schemeClr val="accent1"/>
+          </a:fillRef>
+          <a:effectRef idx="0">
+            <a:schemeClr val="accent1"/>
+          </a:effectRef>
+          <a:fontRef idx="minor">
+            <a:schemeClr val="lt1"/>
+          </a:fontRef>
+        </p:style>
+        <p:txBody>
+          <a:bodyPr rtlCol="0" anchor="ctr"/>
+          <a:lstStyle/>
+          <a:p>
+            <a:pPr algn="ctr"/>
+            <a:endParaRPr lang="en-US"/>
+          </a:p>
+        </p:txBody>
+      </p:sp>
+      <p:sp>
+        <p:nvSpPr>
+          <p:cNvPr id="7" name="TextBox 6">
+            <a:extLst>
+              <a:ext uri="{FF2B5EF4-FFF2-40B4-BE49-F238E27FC236}">
+                <a16:creationId xmlns:a16="http://schemas.microsoft.com/office/drawing/2014/main" id="{6585967D-4C3F-41FF-8621-A94A3115096A}"/>
+              </a:ext>
+            </a:extLst>
+          </p:cNvPr>
+          <p:cNvSpPr txBox="1"/>
+          <p:nvPr/>
+        </p:nvSpPr>
+        <p:spPr>
+          <a:xfrm>
+            <a:off x="4254251" y="165368"/>
+            <a:ext cx="3683498" cy="578404"/>
+          </a:xfrm>
+          <a:prstGeom prst="rect">
+            <a:avLst/>
+          </a:prstGeom>
+          <a:effectLst>
+            <a:outerShdw blurRad="88900" dist="38100" dir="2700000" algn="tl" rotWithShape="0">
+              <a:prstClr val="black">
+                <a:alpha val="30000"/>
+              </a:prstClr>
+            </a:outerShdw>
+          </a:effectLst>
+        </p:spPr>
+        <p:txBody>
+          <a:bodyPr vert="horz" lIns="91440" tIns="45720" rIns="91440" bIns="45720" rtlCol="0" anchor="b">
+            <a:normAutofit fontScale="92500" lnSpcReduction="20000"/>
+          </a:bodyPr>
+          <a:lstStyle/>
+          <a:p>
+            <a:pPr algn="ctr" defTabSz="914400">
+              <a:lnSpc>
+                <a:spcPct val="90000"/>
+              </a:lnSpc>
+              <a:spcBef>
+                <a:spcPct val="0"/>
+              </a:spcBef>
+              <a:spcAft>
+                <a:spcPts val="600"/>
+              </a:spcAft>
+            </a:pPr>
+            <a:r>
+              <a:rPr lang="en-US" sz="4400" dirty="0">
+                <a:solidFill>
+                  <a:schemeClr val="accent1">
+                    <a:lumMod val="20000"/>
+                    <a:lumOff val="80000"/>
+                  </a:schemeClr>
+                </a:solidFill>
+                <a:latin typeface="Counter-Strike" panose="02000506030000020004" pitchFamily="2" charset="0"/>
+                <a:ea typeface="+mj-ea"/>
+                <a:cs typeface="+mj-cs"/>
+                <a:hlinkClick r:id="" action="ppaction://hlinkshowjump?jump=firstslide">
+                  <a:extLst>
+                    <a:ext uri="{A12FA001-AC4F-418D-AE19-62706E023703}">
+                      <ahyp:hlinkClr xmlns:ahyp="http://schemas.microsoft.com/office/drawing/2018/hyperlinkcolor" val="tx"/>
+                    </a:ext>
+                  </a:extLst>
+                </a:hlinkClick>
+              </a:rPr>
+              <a:t>ExerPals.com</a:t>
+            </a:r>
+            <a:endParaRPr lang="en-US" sz="4400" dirty="0">
+              <a:solidFill>
+                <a:schemeClr val="accent1">
+                  <a:lumMod val="20000"/>
+                  <a:lumOff val="80000"/>
+                </a:schemeClr>
+              </a:solidFill>
+              <a:latin typeface="Counter-Strike" panose="02000506030000020004" pitchFamily="2" charset="0"/>
+              <a:ea typeface="+mj-ea"/>
+              <a:cs typeface="+mj-cs"/>
+            </a:endParaRPr>
+          </a:p>
+        </p:txBody>
+      </p:sp>
+      <p:sp>
+        <p:nvSpPr>
+          <p:cNvPr id="11" name="TextBox 10">
+            <a:extLst>
+              <a:ext uri="{FF2B5EF4-FFF2-40B4-BE49-F238E27FC236}">
+                <a16:creationId xmlns:a16="http://schemas.microsoft.com/office/drawing/2014/main" id="{84256461-81E3-4C58-ACCA-B9F44393FC21}"/>
+              </a:ext>
+            </a:extLst>
+          </p:cNvPr>
+          <p:cNvSpPr txBox="1"/>
+          <p:nvPr/>
+        </p:nvSpPr>
+        <p:spPr>
+          <a:xfrm>
+            <a:off x="502022" y="269904"/>
+            <a:ext cx="1284941" cy="369332"/>
+          </a:xfrm>
+          <a:prstGeom prst="rect">
+            <a:avLst/>
+          </a:prstGeom>
+          <a:noFill/>
+        </p:spPr>
+        <p:txBody>
+          <a:bodyPr wrap="square" rtlCol="0">
+            <a:spAutoFit/>
+          </a:bodyPr>
+          <a:lstStyle/>
+          <a:p>
+            <a:pPr algn="ctr"/>
+            <a:r>
+              <a:rPr lang="en-US" dirty="0">
+                <a:solidFill>
+                  <a:schemeClr val="accent1">
+                    <a:lumMod val="20000"/>
+                    <a:lumOff val="80000"/>
+                  </a:schemeClr>
+                </a:solidFill>
+                <a:latin typeface="Counter-Strike" panose="02000506030000020004" pitchFamily="2" charset="0"/>
+                <a:hlinkClick r:id="" action="ppaction://hlinkshowjump?jump=firstslide">
+                  <a:extLst>
+                    <a:ext uri="{A12FA001-AC4F-418D-AE19-62706E023703}">
+                      <ahyp:hlinkClr xmlns:ahyp="http://schemas.microsoft.com/office/drawing/2018/hyperlinkcolor" val="tx"/>
+                    </a:ext>
+                  </a:extLst>
+                </a:hlinkClick>
+              </a:rPr>
+              <a:t>Home</a:t>
+            </a:r>
+            <a:endParaRPr lang="en-US" dirty="0">
+              <a:solidFill>
+                <a:schemeClr val="accent1">
+                  <a:lumMod val="20000"/>
+                  <a:lumOff val="80000"/>
+                </a:schemeClr>
+              </a:solidFill>
+              <a:latin typeface="Counter-Strike" panose="02000506030000020004" pitchFamily="2" charset="0"/>
+            </a:endParaRPr>
+          </a:p>
+        </p:txBody>
+      </p:sp>
+      <p:sp>
+        <p:nvSpPr>
+          <p:cNvPr id="13" name="TextBox 12">
+            <a:extLst>
+              <a:ext uri="{FF2B5EF4-FFF2-40B4-BE49-F238E27FC236}">
+                <a16:creationId xmlns:a16="http://schemas.microsoft.com/office/drawing/2014/main" id="{ED23F9D3-B298-495F-B0C6-3DDB24866581}"/>
+              </a:ext>
+            </a:extLst>
+          </p:cNvPr>
+          <p:cNvSpPr txBox="1"/>
+          <p:nvPr/>
+        </p:nvSpPr>
+        <p:spPr>
+          <a:xfrm>
+            <a:off x="2212591" y="276672"/>
+            <a:ext cx="1589741" cy="369332"/>
+          </a:xfrm>
+          <a:prstGeom prst="rect">
+            <a:avLst/>
+          </a:prstGeom>
+          <a:noFill/>
+        </p:spPr>
+        <p:txBody>
+          <a:bodyPr wrap="square" rtlCol="0">
+            <a:spAutoFit/>
+          </a:bodyPr>
+          <a:lstStyle/>
+          <a:p>
+            <a:pPr algn="ctr"/>
+            <a:r>
+              <a:rPr lang="en-US" dirty="0">
+                <a:solidFill>
+                  <a:schemeClr val="accent1">
+                    <a:lumMod val="20000"/>
+                    <a:lumOff val="80000"/>
+                  </a:schemeClr>
+                </a:solidFill>
+                <a:latin typeface="Counter-Strike" panose="02000506030000020004" pitchFamily="2" charset="0"/>
+                <a:hlinkClick r:id="rId5" action="ppaction://hlinksldjump">
+                  <a:extLst>
+                    <a:ext uri="{A12FA001-AC4F-418D-AE19-62706E023703}">
+                      <ahyp:hlinkClr xmlns:ahyp="http://schemas.microsoft.com/office/drawing/2018/hyperlinkcolor" val="tx"/>
+                    </a:ext>
+                  </a:extLst>
+                </a:hlinkClick>
+              </a:rPr>
+              <a:t>Workouts</a:t>
+            </a:r>
+            <a:endParaRPr lang="en-US" dirty="0">
+              <a:solidFill>
+                <a:schemeClr val="accent1">
+                  <a:lumMod val="20000"/>
+                  <a:lumOff val="80000"/>
+                </a:schemeClr>
+              </a:solidFill>
+              <a:latin typeface="Counter-Strike" panose="02000506030000020004" pitchFamily="2" charset="0"/>
+            </a:endParaRPr>
+          </a:p>
+        </p:txBody>
+      </p:sp>
+      <p:sp>
+        <p:nvSpPr>
+          <p:cNvPr id="15" name="TextBox 14">
+            <a:extLst>
+              <a:ext uri="{FF2B5EF4-FFF2-40B4-BE49-F238E27FC236}">
+                <a16:creationId xmlns:a16="http://schemas.microsoft.com/office/drawing/2014/main" id="{23FDE9B0-6214-466C-BE66-394519FA5712}"/>
+              </a:ext>
+            </a:extLst>
+          </p:cNvPr>
+          <p:cNvSpPr txBox="1"/>
+          <p:nvPr/>
+        </p:nvSpPr>
+        <p:spPr>
+          <a:xfrm>
+            <a:off x="8185167" y="269904"/>
+            <a:ext cx="1565835" cy="369332"/>
+          </a:xfrm>
+          <a:prstGeom prst="rect">
+            <a:avLst/>
+          </a:prstGeom>
+          <a:noFill/>
+        </p:spPr>
+        <p:txBody>
+          <a:bodyPr wrap="square" rtlCol="0">
+            <a:spAutoFit/>
+          </a:bodyPr>
+          <a:lstStyle/>
+          <a:p>
+            <a:pPr algn="ctr"/>
+            <a:r>
+              <a:rPr lang="en-US" dirty="0">
+                <a:solidFill>
+                  <a:schemeClr val="accent1">
+                    <a:lumMod val="20000"/>
+                    <a:lumOff val="80000"/>
+                  </a:schemeClr>
+                </a:solidFill>
+                <a:latin typeface="Counter-Strike" panose="02000506030000020004" pitchFamily="2" charset="0"/>
+                <a:hlinkClick r:id="rId6" action="ppaction://hlinksldjump">
+                  <a:extLst>
+                    <a:ext uri="{A12FA001-AC4F-418D-AE19-62706E023703}">
+                      <ahyp:hlinkClr xmlns:ahyp="http://schemas.microsoft.com/office/drawing/2018/hyperlinkcolor" val="tx"/>
+                    </a:ext>
+                  </a:extLst>
+                </a:hlinkClick>
+              </a:rPr>
+              <a:t>People</a:t>
+            </a:r>
+            <a:endParaRPr lang="en-US" dirty="0">
+              <a:solidFill>
+                <a:schemeClr val="accent1">
+                  <a:lumMod val="20000"/>
+                  <a:lumOff val="80000"/>
+                </a:schemeClr>
+              </a:solidFill>
+              <a:latin typeface="Counter-Strike" panose="02000506030000020004" pitchFamily="2" charset="0"/>
+            </a:endParaRPr>
+          </a:p>
+        </p:txBody>
+      </p:sp>
+      <p:sp>
+        <p:nvSpPr>
+          <p:cNvPr id="17" name="TextBox 16">
+            <a:extLst>
+              <a:ext uri="{FF2B5EF4-FFF2-40B4-BE49-F238E27FC236}">
+                <a16:creationId xmlns:a16="http://schemas.microsoft.com/office/drawing/2014/main" id="{A9DCA6C6-CC9D-4CB6-967D-7213F3683D7A}"/>
+              </a:ext>
+            </a:extLst>
+          </p:cNvPr>
+          <p:cNvSpPr txBox="1"/>
+          <p:nvPr/>
+        </p:nvSpPr>
+        <p:spPr>
+          <a:xfrm>
+            <a:off x="9780692" y="276672"/>
+            <a:ext cx="1739153" cy="369332"/>
+          </a:xfrm>
+          <a:prstGeom prst="rect">
+            <a:avLst/>
+          </a:prstGeom>
+          <a:noFill/>
+        </p:spPr>
+        <p:txBody>
+          <a:bodyPr wrap="square" rtlCol="0">
+            <a:spAutoFit/>
+          </a:bodyPr>
+          <a:lstStyle/>
+          <a:p>
+            <a:pPr algn="ctr"/>
+            <a:r>
+              <a:rPr lang="en-US" dirty="0">
+                <a:solidFill>
+                  <a:schemeClr val="accent1">
+                    <a:lumMod val="20000"/>
+                    <a:lumOff val="80000"/>
+                  </a:schemeClr>
+                </a:solidFill>
+                <a:latin typeface="Counter-Strike" panose="02000506030000020004" pitchFamily="2" charset="0"/>
+                <a:hlinkClick r:id="rId7" action="ppaction://hlinksldjump">
+                  <a:extLst>
+                    <a:ext uri="{A12FA001-AC4F-418D-AE19-62706E023703}">
+                      <ahyp:hlinkClr xmlns:ahyp="http://schemas.microsoft.com/office/drawing/2018/hyperlinkcolor" val="tx"/>
+                    </a:ext>
+                  </a:extLst>
+                </a:hlinkClick>
+              </a:rPr>
+              <a:t>Messaging</a:t>
+            </a:r>
+            <a:endParaRPr lang="en-US" dirty="0">
+              <a:solidFill>
+                <a:schemeClr val="accent1">
+                  <a:lumMod val="20000"/>
+                  <a:lumOff val="80000"/>
+                </a:schemeClr>
+              </a:solidFill>
+              <a:latin typeface="Counter-Strike" panose="02000506030000020004" pitchFamily="2" charset="0"/>
+            </a:endParaRPr>
+          </a:p>
+        </p:txBody>
+      </p:sp>
+      <p:sp>
+        <p:nvSpPr>
+          <p:cNvPr id="2" name="Rectangle: Rounded Corners 1">
+            <a:extLst>
+              <a:ext uri="{FF2B5EF4-FFF2-40B4-BE49-F238E27FC236}">
+                <a16:creationId xmlns:a16="http://schemas.microsoft.com/office/drawing/2014/main" id="{9EA77E21-E978-4B56-8FF6-191B66970EC1}"/>
+              </a:ext>
+            </a:extLst>
+          </p:cNvPr>
+          <p:cNvSpPr/>
+          <p:nvPr/>
+        </p:nvSpPr>
+        <p:spPr>
+          <a:xfrm>
+            <a:off x="3412565" y="2052195"/>
+            <a:ext cx="5133788" cy="1075765"/>
+          </a:xfrm>
+          <a:prstGeom prst="roundRect">
+            <a:avLst/>
+          </a:prstGeom>
+        </p:spPr>
+        <p:style>
+          <a:lnRef idx="2">
+            <a:schemeClr val="accent1">
+              <a:shade val="50000"/>
+            </a:schemeClr>
+          </a:lnRef>
+          <a:fillRef idx="1">
+            <a:schemeClr val="accent1"/>
+          </a:fillRef>
+          <a:effectRef idx="0">
+            <a:schemeClr val="accent1"/>
+          </a:effectRef>
+          <a:fontRef idx="minor">
+            <a:schemeClr val="lt1"/>
+          </a:fontRef>
+        </p:style>
+        <p:txBody>
+          <a:bodyPr rtlCol="0" anchor="ctr"/>
+          <a:lstStyle/>
+          <a:p>
+            <a:pPr algn="ctr"/>
+            <a:endParaRPr lang="en-US" dirty="0"/>
+          </a:p>
+        </p:txBody>
+      </p:sp>
+      <p:sp>
+        <p:nvSpPr>
+          <p:cNvPr id="3" name="TextBox 2">
+            <a:extLst>
+              <a:ext uri="{FF2B5EF4-FFF2-40B4-BE49-F238E27FC236}">
+                <a16:creationId xmlns:a16="http://schemas.microsoft.com/office/drawing/2014/main" id="{C09C1B5B-EB56-4083-A99B-8C4EE64C588F}"/>
+              </a:ext>
+            </a:extLst>
+          </p:cNvPr>
+          <p:cNvSpPr txBox="1"/>
+          <p:nvPr/>
+        </p:nvSpPr>
+        <p:spPr>
+          <a:xfrm>
+            <a:off x="3699435" y="2079812"/>
+            <a:ext cx="4739341" cy="369332"/>
+          </a:xfrm>
+          <a:prstGeom prst="rect">
+            <a:avLst/>
+          </a:prstGeom>
+          <a:noFill/>
+        </p:spPr>
+        <p:txBody>
+          <a:bodyPr wrap="square" rtlCol="0">
+            <a:spAutoFit/>
+          </a:bodyPr>
+          <a:lstStyle/>
+          <a:p>
+            <a:r>
+              <a:rPr lang="en-US" dirty="0">
+                <a:latin typeface="Counter-Strike" panose="02000506030000020004" pitchFamily="2" charset="0"/>
+              </a:rPr>
+              <a:t>Find People near you!</a:t>
+            </a:r>
+          </a:p>
+        </p:txBody>
+      </p:sp>
+      <p:sp>
+        <p:nvSpPr>
+          <p:cNvPr id="4" name="Rectangle: Rounded Corners 3">
+            <a:extLst>
+              <a:ext uri="{FF2B5EF4-FFF2-40B4-BE49-F238E27FC236}">
+                <a16:creationId xmlns:a16="http://schemas.microsoft.com/office/drawing/2014/main" id="{C50CEFD0-0CCB-4014-A2D9-F9D6EED989D9}"/>
+              </a:ext>
+            </a:extLst>
+          </p:cNvPr>
+          <p:cNvSpPr/>
+          <p:nvPr/>
+        </p:nvSpPr>
+        <p:spPr>
+          <a:xfrm>
+            <a:off x="3699435" y="2549556"/>
+            <a:ext cx="3209365" cy="301220"/>
+          </a:xfrm>
+          <a:prstGeom prst="roundRect">
+            <a:avLst/>
+          </a:prstGeom>
+          <a:solidFill>
+            <a:schemeClr val="tx1"/>
+          </a:solidFill>
+        </p:spPr>
+        <p:style>
+          <a:lnRef idx="2">
+            <a:schemeClr val="accent1">
+              <a:shade val="50000"/>
+            </a:schemeClr>
+          </a:lnRef>
+          <a:fillRef idx="1">
+            <a:schemeClr val="accent1"/>
+          </a:fillRef>
+          <a:effectRef idx="0">
+            <a:schemeClr val="accent1"/>
+          </a:effectRef>
+          <a:fontRef idx="minor">
+            <a:schemeClr val="lt1"/>
+          </a:fontRef>
+        </p:style>
+        <p:txBody>
+          <a:bodyPr rtlCol="0" anchor="ctr"/>
+          <a:lstStyle/>
+          <a:p>
+            <a:pPr algn="ctr"/>
+            <a:endParaRPr lang="en-US" dirty="0"/>
+          </a:p>
+        </p:txBody>
+      </p:sp>
+      <p:sp>
+        <p:nvSpPr>
+          <p:cNvPr id="5" name="TextBox 4">
+            <a:extLst>
+              <a:ext uri="{FF2B5EF4-FFF2-40B4-BE49-F238E27FC236}">
+                <a16:creationId xmlns:a16="http://schemas.microsoft.com/office/drawing/2014/main" id="{35EBFA56-40D4-4987-8179-CA6AA0699DE4}"/>
+              </a:ext>
+            </a:extLst>
+          </p:cNvPr>
+          <p:cNvSpPr txBox="1"/>
+          <p:nvPr/>
+        </p:nvSpPr>
+        <p:spPr>
+          <a:xfrm>
+            <a:off x="3706708" y="2470804"/>
+            <a:ext cx="3010844" cy="369332"/>
+          </a:xfrm>
+          <a:prstGeom prst="rect">
+            <a:avLst/>
+          </a:prstGeom>
+          <a:noFill/>
+        </p:spPr>
+        <p:txBody>
+          <a:bodyPr wrap="square" rtlCol="0">
+            <a:spAutoFit/>
+          </a:bodyPr>
+          <a:lstStyle/>
+          <a:p>
+            <a:r>
+              <a:rPr lang="en-US" dirty="0">
+                <a:solidFill>
+                  <a:schemeClr val="bg1"/>
+                </a:solidFill>
+                <a:latin typeface="Counter-Strike" panose="02000506030000020004" pitchFamily="2" charset="0"/>
+              </a:rPr>
+              <a:t>Charlotte, NC</a:t>
+            </a:r>
+          </a:p>
+        </p:txBody>
+      </p:sp>
+      <p:sp>
+        <p:nvSpPr>
+          <p:cNvPr id="8" name="Rectangle: Rounded Corners 7">
+            <a:hlinkClick r:id="rId8" action="ppaction://hlinksldjump"/>
+            <a:extLst>
+              <a:ext uri="{FF2B5EF4-FFF2-40B4-BE49-F238E27FC236}">
+                <a16:creationId xmlns:a16="http://schemas.microsoft.com/office/drawing/2014/main" id="{83CECA7D-ABB5-4640-9383-5474B4D8B7D3}"/>
+              </a:ext>
+            </a:extLst>
+          </p:cNvPr>
+          <p:cNvSpPr/>
+          <p:nvPr/>
+        </p:nvSpPr>
+        <p:spPr>
+          <a:xfrm>
+            <a:off x="7106024" y="2549556"/>
+            <a:ext cx="1231152" cy="290580"/>
+          </a:xfrm>
+          <a:prstGeom prst="roundRect">
+            <a:avLst/>
+          </a:prstGeom>
+          <a:solidFill>
+            <a:schemeClr val="accent1">
+              <a:lumMod val="40000"/>
+              <a:lumOff val="60000"/>
+            </a:schemeClr>
+          </a:solidFill>
+          <a:ln>
+            <a:solidFill>
+              <a:schemeClr val="accent1">
+                <a:lumMod val="75000"/>
+              </a:schemeClr>
+            </a:solidFill>
+          </a:ln>
+        </p:spPr>
+        <p:style>
+          <a:lnRef idx="2">
+            <a:schemeClr val="accent1">
+              <a:shade val="50000"/>
+            </a:schemeClr>
+          </a:lnRef>
+          <a:fillRef idx="1">
+            <a:schemeClr val="accent1"/>
+          </a:fillRef>
+          <a:effectRef idx="0">
+            <a:schemeClr val="accent1"/>
+          </a:effectRef>
+          <a:fontRef idx="minor">
+            <a:schemeClr val="lt1"/>
+          </a:fontRef>
+        </p:style>
+        <p:txBody>
+          <a:bodyPr rtlCol="0" anchor="ctr"/>
+          <a:lstStyle/>
+          <a:p>
+            <a:pPr algn="ctr"/>
+            <a:endParaRPr lang="en-US"/>
+          </a:p>
+        </p:txBody>
+      </p:sp>
+      <p:sp>
+        <p:nvSpPr>
+          <p:cNvPr id="19" name="TextBox 18">
+            <a:extLst>
+              <a:ext uri="{FF2B5EF4-FFF2-40B4-BE49-F238E27FC236}">
+                <a16:creationId xmlns:a16="http://schemas.microsoft.com/office/drawing/2014/main" id="{B3AE9198-36DA-4DB2-AB3F-06DF308C535B}"/>
+              </a:ext>
+            </a:extLst>
+          </p:cNvPr>
+          <p:cNvSpPr txBox="1"/>
+          <p:nvPr/>
+        </p:nvSpPr>
+        <p:spPr>
+          <a:xfrm>
+            <a:off x="7195670" y="2470804"/>
+            <a:ext cx="1080445" cy="369332"/>
+          </a:xfrm>
+          <a:prstGeom prst="rect">
+            <a:avLst/>
+          </a:prstGeom>
+          <a:noFill/>
+        </p:spPr>
+        <p:txBody>
+          <a:bodyPr wrap="square" rtlCol="0">
+            <a:spAutoFit/>
+          </a:bodyPr>
+          <a:lstStyle/>
+          <a:p>
+            <a:r>
+              <a:rPr lang="en-US" dirty="0">
+                <a:latin typeface="Counter-Strike" panose="02000506030000020004" pitchFamily="2" charset="0"/>
+              </a:rPr>
+              <a:t>Search</a:t>
+            </a:r>
+          </a:p>
+        </p:txBody>
+      </p:sp>
+    </p:spTree>
+    <p:extLst>
+      <p:ext uri="{BB962C8B-B14F-4D97-AF65-F5344CB8AC3E}">
+        <p14:creationId xmlns:p14="http://schemas.microsoft.com/office/powerpoint/2010/main" val="2067285750"/>
+      </p:ext>
+    </p:extLst>
+  </p:cSld>
+  <p:clrMapOvr>
+    <a:masterClrMapping/>
+  </p:clrMapOvr>
+</p:sld>
+</file>
+
+<file path=ppt/slides/slide9.xml><?xml version="1.0" encoding="utf-8"?>
+<p:sld xmlns:a="http://schemas.openxmlformats.org/drawingml/2006/main" xmlns:r="http://schemas.openxmlformats.org/officeDocument/2006/relationships" xmlns:p="http://schemas.openxmlformats.org/presentationml/2006/main">
+  <p:cSld>
+    <p:bg>
+      <p:bgPr>
+        <a:gradFill rotWithShape="1">
+          <a:gsLst>
+            <a:gs pos="0">
+              <a:schemeClr val="bg2">
+                <a:tint val="96000"/>
+                <a:shade val="100000"/>
+                <a:hueMod val="270000"/>
+                <a:satMod val="200000"/>
+                <a:lumMod val="128000"/>
+              </a:schemeClr>
+            </a:gs>
+            <a:gs pos="50000">
+              <a:schemeClr val="bg2">
+                <a:shade val="100000"/>
+                <a:hueMod val="100000"/>
+                <a:satMod val="110000"/>
+                <a:lumMod val="130000"/>
+              </a:schemeClr>
+            </a:gs>
+            <a:gs pos="100000">
+              <a:schemeClr val="bg2">
+                <a:shade val="78000"/>
+                <a:hueMod val="44000"/>
+                <a:satMod val="200000"/>
+                <a:lumMod val="69000"/>
+              </a:schemeClr>
+            </a:gs>
+          </a:gsLst>
+          <a:lin ang="2520000" scaled="0"/>
+        </a:gradFill>
+        <a:effectLst/>
+      </p:bgPr>
+    </p:bg>
+    <p:spTree>
+      <p:nvGrpSpPr>
+        <p:cNvPr id="1" name=""/>
+        <p:cNvGrpSpPr/>
+        <p:nvPr/>
+      </p:nvGrpSpPr>
+      <p:grpSpPr>
+        <a:xfrm>
+          <a:off x="0" y="0"/>
+          <a:ext cx="0" cy="0"/>
+          <a:chOff x="0" y="0"/>
+          <a:chExt cx="0" cy="0"/>
+        </a:xfrm>
+      </p:grpSpPr>
+      <p:pic>
+        <p:nvPicPr>
+          <p:cNvPr id="12" name="Picture 11">
+            <a:extLst>
+              <a:ext uri="{FF2B5EF4-FFF2-40B4-BE49-F238E27FC236}">
+                <a16:creationId xmlns:a16="http://schemas.microsoft.com/office/drawing/2014/main" id="{AC3E6C53-102E-4ACA-BCBB-3CC973B99486}"/>
+              </a:ext>
+              <a:ext uri="{C183D7F6-B498-43B3-948B-1728B52AA6E4}">
+                <adec:decorative xmlns:adec="http://schemas.microsoft.com/office/drawing/2017/decorative" val="1"/>
+              </a:ext>
+            </a:extLst>
+          </p:cNvPr>
+          <p:cNvPicPr>
+            <a:picLocks noGrp="1" noRot="1" noChangeAspect="1" noMove="1" noResize="1" noEditPoints="1" noAdjustHandles="1" noChangeArrowheads="1" noChangeShapeType="1" noCrop="1"/>
+          </p:cNvPicPr>
+          <p:nvPr>
+            <p:extLst>
+              <p:ext uri="{386F3935-93C4-4BCD-93E2-E3B085C9AB24}">
+                <p16:designElem xmlns:p16="http://schemas.microsoft.com/office/powerpoint/2015/main" val="1"/>
+              </p:ext>
+            </p:extLst>
+          </p:nvPr>
+        </p:nvPicPr>
+        <p:blipFill>
+          <a:blip r:embed="rId2">
+            <a:alphaModFix amt="10000"/>
+            <a:extLst>
+              <a:ext uri="{28A0092B-C50C-407E-A947-70E740481C1C}">
+                <a14:useLocalDpi xmlns:a14="http://schemas.microsoft.com/office/drawing/2010/main" val="0"/>
+              </a:ext>
+            </a:extLst>
+          </a:blip>
+          <a:stretch>
+            <a:fillRect/>
+          </a:stretch>
+        </p:blipFill>
+        <p:spPr>
+          <a:xfrm>
+            <a:off x="0" y="0"/>
+            <a:ext cx="12192000" cy="6858000"/>
+          </a:xfrm>
+          <a:prstGeom prst="rect">
+            <a:avLst/>
+          </a:prstGeom>
+        </p:spPr>
+      </p:pic>
+      <p:pic>
+        <p:nvPicPr>
+          <p:cNvPr id="14" name="Picture 13">
+            <a:extLst>
+              <a:ext uri="{FF2B5EF4-FFF2-40B4-BE49-F238E27FC236}">
+                <a16:creationId xmlns:a16="http://schemas.microsoft.com/office/drawing/2014/main" id="{17B2B42C-0777-4D6E-9432-535281803A88}"/>
+              </a:ext>
+              <a:ext uri="{C183D7F6-B498-43B3-948B-1728B52AA6E4}">
+                <adec:decorative xmlns:adec="http://schemas.microsoft.com/office/drawing/2017/decorative" val="1"/>
+              </a:ext>
+            </a:extLst>
+          </p:cNvPr>
+          <p:cNvPicPr>
+            <a:picLocks noGrp="1" noRot="1" noChangeAspect="1" noMove="1" noResize="1" noEditPoints="1" noAdjustHandles="1" noChangeArrowheads="1" noChangeShapeType="1" noCrop="1"/>
+          </p:cNvPicPr>
+          <p:nvPr>
+            <p:extLst>
+              <p:ext uri="{386F3935-93C4-4BCD-93E2-E3B085C9AB24}">
+                <p16:designElem xmlns:p16="http://schemas.microsoft.com/office/powerpoint/2015/main" val="1"/>
+              </p:ext>
+            </p:extLst>
+          </p:nvPr>
+        </p:nvPicPr>
+        <p:blipFill>
+          <a:blip r:embed="rId3">
+            <a:extLst>
+              <a:ext uri="{28A0092B-C50C-407E-A947-70E740481C1C}">
+                <a14:useLocalDpi xmlns:a14="http://schemas.microsoft.com/office/drawing/2010/main" val="0"/>
+              </a:ext>
+            </a:extLst>
+          </a:blip>
+          <a:stretch>
+            <a:fillRect/>
+          </a:stretch>
+        </p:blipFill>
+        <p:spPr>
+          <a:xfrm>
+            <a:off x="1" y="4242851"/>
+            <a:ext cx="8968084" cy="275942"/>
+          </a:xfrm>
+          <a:prstGeom prst="rect">
+            <a:avLst/>
+          </a:prstGeom>
+        </p:spPr>
+      </p:pic>
+      <p:pic>
+        <p:nvPicPr>
+          <p:cNvPr id="16" name="Picture 15">
+            <a:extLst>
+              <a:ext uri="{FF2B5EF4-FFF2-40B4-BE49-F238E27FC236}">
+                <a16:creationId xmlns:a16="http://schemas.microsoft.com/office/drawing/2014/main" id="{EFEAAB60-93E2-4DC6-99AC-939637BCE864}"/>
+              </a:ext>
+              <a:ext uri="{C183D7F6-B498-43B3-948B-1728B52AA6E4}">
+                <adec:decorative xmlns:adec="http://schemas.microsoft.com/office/drawing/2017/decorative" val="1"/>
+              </a:ext>
+            </a:extLst>
+          </p:cNvPr>
+          <p:cNvPicPr>
+            <a:picLocks noGrp="1" noRot="1" noChangeAspect="1" noMove="1" noResize="1" noEditPoints="1" noAdjustHandles="1" noChangeArrowheads="1" noChangeShapeType="1" noCrop="1"/>
+          </p:cNvPicPr>
+          <p:nvPr>
+            <p:extLst>
+              <p:ext uri="{386F3935-93C4-4BCD-93E2-E3B085C9AB24}">
+                <p16:designElem xmlns:p16="http://schemas.microsoft.com/office/powerpoint/2015/main" val="1"/>
+              </p:ext>
+            </p:extLst>
+          </p:nvPr>
+        </p:nvPicPr>
+        <p:blipFill>
+          <a:blip r:embed="rId4">
+            <a:extLst>
+              <a:ext uri="{28A0092B-C50C-407E-A947-70E740481C1C}">
+                <a14:useLocalDpi xmlns:a14="http://schemas.microsoft.com/office/drawing/2010/main" val="0"/>
+              </a:ext>
+            </a:extLst>
+          </a:blip>
+          <a:stretch>
+            <a:fillRect/>
+          </a:stretch>
+        </p:blipFill>
+        <p:spPr>
+          <a:xfrm>
+            <a:off x="9111716" y="4243845"/>
+            <a:ext cx="3077108" cy="276940"/>
+          </a:xfrm>
+          <a:prstGeom prst="rect">
+            <a:avLst/>
+          </a:prstGeom>
+        </p:spPr>
+      </p:pic>
+      <p:sp>
+        <p:nvSpPr>
+          <p:cNvPr id="18" name="Rectangle 17">
+            <a:extLst>
+              <a:ext uri="{FF2B5EF4-FFF2-40B4-BE49-F238E27FC236}">
+                <a16:creationId xmlns:a16="http://schemas.microsoft.com/office/drawing/2014/main" id="{7EF5ECB8-D49C-48FB-A93E-88EB2FFDFD42}"/>
+              </a:ext>
+              <a:ext uri="{C183D7F6-B498-43B3-948B-1728B52AA6E4}">
+                <adec:decorative xmlns:adec="http://schemas.microsoft.com/office/drawing/2017/decorative" val="1"/>
+              </a:ext>
+            </a:extLst>
+          </p:cNvPr>
+          <p:cNvSpPr>
+            <a:spLocks noGrp="1" noRot="1" noChangeAspect="1" noMove="1" noResize="1" noEditPoints="1" noAdjustHandles="1" noChangeArrowheads="1" noChangeShapeType="1" noTextEdit="1"/>
+          </p:cNvSpPr>
+          <p:nvPr>
+            <p:extLst>
+              <p:ext uri="{386F3935-93C4-4BCD-93E2-E3B085C9AB24}">
+                <p16:designElem xmlns:p16="http://schemas.microsoft.com/office/powerpoint/2015/main" val="1"/>
+              </p:ext>
+            </p:extLst>
+          </p:nvPr>
+        </p:nvSpPr>
+        <p:spPr bwMode="ltGray">
+          <a:xfrm>
+            <a:off x="0" y="2590078"/>
+            <a:ext cx="8968085" cy="1660332"/>
+          </a:xfrm>
+          <a:prstGeom prst="rect">
+            <a:avLst/>
+          </a:prstGeom>
+          <a:solidFill>
+            <a:schemeClr val="bg1">
+              <a:lumMod val="85000"/>
+              <a:lumOff val="15000"/>
+            </a:schemeClr>
+          </a:solidFill>
+          <a:ln>
+            <a:noFill/>
+          </a:ln>
+        </p:spPr>
+        <p:style>
+          <a:lnRef idx="2">
+            <a:schemeClr val="accent1">
+              <a:shade val="50000"/>
+            </a:schemeClr>
+          </a:lnRef>
+          <a:fillRef idx="1">
+            <a:schemeClr val="accent1"/>
+          </a:fillRef>
+          <a:effectRef idx="0">
+            <a:schemeClr val="accent1"/>
+          </a:effectRef>
+          <a:fontRef idx="minor">
+            <a:schemeClr val="lt1"/>
+          </a:fontRef>
+        </p:style>
+      </p:sp>
+      <p:sp>
+        <p:nvSpPr>
+          <p:cNvPr id="20" name="Rectangle 19">
+            <a:extLst>
+              <a:ext uri="{FF2B5EF4-FFF2-40B4-BE49-F238E27FC236}">
+                <a16:creationId xmlns:a16="http://schemas.microsoft.com/office/drawing/2014/main" id="{411B77A2-BD5C-432D-B52E-C12612C74C17}"/>
+              </a:ext>
+              <a:ext uri="{C183D7F6-B498-43B3-948B-1728B52AA6E4}">
+                <adec:decorative xmlns:adec="http://schemas.microsoft.com/office/drawing/2017/decorative" val="1"/>
+              </a:ext>
+            </a:extLst>
+          </p:cNvPr>
+          <p:cNvSpPr>
+            <a:spLocks noGrp="1" noRot="1" noChangeAspect="1" noMove="1" noResize="1" noEditPoints="1" noAdjustHandles="1" noChangeArrowheads="1" noChangeShapeType="1" noTextEdit="1"/>
+          </p:cNvSpPr>
+          <p:nvPr>
+            <p:extLst>
+              <p:ext uri="{386F3935-93C4-4BCD-93E2-E3B085C9AB24}">
+                <p16:designElem xmlns:p16="http://schemas.microsoft.com/office/powerpoint/2015/main" val="1"/>
+              </p:ext>
+            </p:extLst>
+          </p:nvPr>
+        </p:nvSpPr>
+        <p:spPr>
+          <a:xfrm>
+            <a:off x="9111715" y="2590078"/>
+            <a:ext cx="3077109" cy="1660332"/>
+          </a:xfrm>
+          <a:prstGeom prst="rect">
+            <a:avLst/>
+          </a:prstGeom>
+          <a:solidFill>
+            <a:schemeClr val="accent1"/>
+          </a:solidFill>
+          <a:ln>
+            <a:noFill/>
+          </a:ln>
+        </p:spPr>
+        <p:style>
+          <a:lnRef idx="2">
+            <a:schemeClr val="accent1">
+              <a:shade val="50000"/>
+            </a:schemeClr>
+          </a:lnRef>
+          <a:fillRef idx="1">
+            <a:schemeClr val="accent1"/>
+          </a:fillRef>
+          <a:effectRef idx="0">
+            <a:schemeClr val="accent1"/>
+          </a:effectRef>
+          <a:fontRef idx="minor">
+            <a:schemeClr val="lt1"/>
+          </a:fontRef>
+        </p:style>
+      </p:sp>
+      <p:sp useBgFill="1">
+        <p:nvSpPr>
+          <p:cNvPr id="22" name="Rectangle 21">
+            <a:extLst>
+              <a:ext uri="{FF2B5EF4-FFF2-40B4-BE49-F238E27FC236}">
+                <a16:creationId xmlns:a16="http://schemas.microsoft.com/office/drawing/2014/main" id="{B5C18694-F55B-41C0-ABF3-C1D971F99ADB}"/>
+              </a:ext>
+              <a:ext uri="{C183D7F6-B498-43B3-948B-1728B52AA6E4}">
+                <adec:decorative xmlns:adec="http://schemas.microsoft.com/office/drawing/2017/decorative" val="1"/>
+              </a:ext>
+            </a:extLst>
+          </p:cNvPr>
+          <p:cNvSpPr>
+            <a:spLocks noGrp="1" noRot="1" noChangeAspect="1" noMove="1" noResize="1" noEditPoints="1" noAdjustHandles="1" noChangeArrowheads="1" noChangeShapeType="1" noTextEdit="1"/>
+          </p:cNvSpPr>
+          <p:nvPr>
+            <p:extLst>
+              <p:ext uri="{386F3935-93C4-4BCD-93E2-E3B085C9AB24}">
+                <p16:designElem xmlns:p16="http://schemas.microsoft.com/office/powerpoint/2015/main" val="1"/>
+              </p:ext>
+            </p:extLst>
+          </p:nvPr>
+        </p:nvSpPr>
+        <p:spPr>
+          <a:xfrm>
+            <a:off x="0" y="0"/>
+            <a:ext cx="12192000" cy="6858000"/>
+          </a:xfrm>
+          <a:prstGeom prst="rect">
+            <a:avLst/>
+          </a:prstGeom>
+          <a:ln>
+            <a:noFill/>
+          </a:ln>
+        </p:spPr>
+        <p:style>
+          <a:lnRef idx="2">
+            <a:schemeClr val="accent1">
+              <a:shade val="50000"/>
+            </a:schemeClr>
+          </a:lnRef>
+          <a:fillRef idx="1">
+            <a:schemeClr val="accent1"/>
+          </a:fillRef>
+          <a:effectRef idx="0">
+            <a:schemeClr val="accent1"/>
+          </a:effectRef>
+          <a:fontRef idx="minor">
+            <a:schemeClr val="lt1"/>
+          </a:fontRef>
+        </p:style>
+        <p:txBody>
+          <a:bodyPr rtlCol="0" anchor="ctr"/>
+          <a:lstStyle/>
+          <a:p>
+            <a:pPr algn="ctr"/>
+            <a:endParaRPr lang="en-US"/>
+          </a:p>
+        </p:txBody>
+      </p:sp>
+      <p:pic>
+        <p:nvPicPr>
+          <p:cNvPr id="24" name="Picture 23">
+            <a:extLst>
+              <a:ext uri="{FF2B5EF4-FFF2-40B4-BE49-F238E27FC236}">
+                <a16:creationId xmlns:a16="http://schemas.microsoft.com/office/drawing/2014/main" id="{E3E46CA8-7278-4BA3-AACE-235B5B3B53E0}"/>
+              </a:ext>
+              <a:ext uri="{C183D7F6-B498-43B3-948B-1728B52AA6E4}">
+                <adec:decorative xmlns:adec="http://schemas.microsoft.com/office/drawing/2017/decorative" val="1"/>
+              </a:ext>
+            </a:extLst>
+          </p:cNvPr>
+          <p:cNvPicPr>
+            <a:picLocks noGrp="1" noRot="1" noChangeAspect="1" noMove="1" noResize="1" noEditPoints="1" noAdjustHandles="1" noChangeArrowheads="1" noChangeShapeType="1" noCrop="1"/>
+          </p:cNvPicPr>
+          <p:nvPr>
+            <p:extLst>
+              <p:ext uri="{386F3935-93C4-4BCD-93E2-E3B085C9AB24}">
+                <p16:designElem xmlns:p16="http://schemas.microsoft.com/office/powerpoint/2015/main" val="1"/>
+              </p:ext>
+            </p:extLst>
+          </p:nvPr>
+        </p:nvPicPr>
+        <p:blipFill>
+          <a:blip r:embed="rId2">
+            <a:alphaModFix amt="10000"/>
+            <a:extLst>
+              <a:ext uri="{28A0092B-C50C-407E-A947-70E740481C1C}">
+                <a14:useLocalDpi xmlns:a14="http://schemas.microsoft.com/office/drawing/2010/main" val="0"/>
+              </a:ext>
+            </a:extLst>
+          </a:blip>
+          <a:stretch>
+            <a:fillRect/>
+          </a:stretch>
+        </p:blipFill>
+        <p:spPr>
+          <a:xfrm>
+            <a:off x="0" y="0"/>
+            <a:ext cx="12192000" cy="6858000"/>
+          </a:xfrm>
+          <a:prstGeom prst="rect">
+            <a:avLst/>
+          </a:prstGeom>
+        </p:spPr>
+      </p:pic>
+      <p:sp>
+        <p:nvSpPr>
+          <p:cNvPr id="9" name="Rectangle 8">
+            <a:extLst>
+              <a:ext uri="{FF2B5EF4-FFF2-40B4-BE49-F238E27FC236}">
+                <a16:creationId xmlns:a16="http://schemas.microsoft.com/office/drawing/2014/main" id="{6DFE6781-8F98-4989-B963-48136A48563D}"/>
+              </a:ext>
+            </a:extLst>
+          </p:cNvPr>
+          <p:cNvSpPr/>
+          <p:nvPr/>
+        </p:nvSpPr>
+        <p:spPr>
+          <a:xfrm>
+            <a:off x="10970001" y="5868770"/>
+            <a:ext cx="1222000" cy="989230"/>
+          </a:xfrm>
+          <a:prstGeom prst="rect">
+            <a:avLst/>
+          </a:prstGeom>
+          <a:effectLst>
+            <a:outerShdw blurRad="50800" dist="38100" dir="2700000" algn="tl" rotWithShape="0">
+              <a:prstClr val="black">
+                <a:alpha val="40000"/>
+              </a:prstClr>
+            </a:outerShdw>
+          </a:effectLst>
+        </p:spPr>
+        <p:style>
+          <a:lnRef idx="2">
+            <a:schemeClr val="accent1">
+              <a:shade val="50000"/>
+            </a:schemeClr>
+          </a:lnRef>
+          <a:fillRef idx="1">
+            <a:schemeClr val="accent1"/>
+          </a:fillRef>
+          <a:effectRef idx="0">
+            <a:schemeClr val="accent1"/>
+          </a:effectRef>
+          <a:fontRef idx="minor">
+            <a:schemeClr val="lt1"/>
+          </a:fontRef>
+        </p:style>
+        <p:txBody>
+          <a:bodyPr rtlCol="0" anchor="ctr"/>
+          <a:lstStyle/>
+          <a:p>
+            <a:pPr algn="ctr"/>
+            <a:endParaRPr lang="en-US"/>
+          </a:p>
+        </p:txBody>
+      </p:sp>
+      <p:sp>
+        <p:nvSpPr>
+          <p:cNvPr id="6" name="TextBox 5">
+            <a:extLst>
+              <a:ext uri="{FF2B5EF4-FFF2-40B4-BE49-F238E27FC236}">
+                <a16:creationId xmlns:a16="http://schemas.microsoft.com/office/drawing/2014/main" id="{1D6E3BC5-6F68-4014-AEE1-3D012AF022C3}"/>
+              </a:ext>
+            </a:extLst>
+          </p:cNvPr>
+          <p:cNvSpPr txBox="1"/>
+          <p:nvPr/>
+        </p:nvSpPr>
+        <p:spPr>
+          <a:xfrm>
+            <a:off x="10987930" y="5760874"/>
+            <a:ext cx="1222000" cy="923330"/>
+          </a:xfrm>
+          <a:prstGeom prst="rect">
+            <a:avLst/>
+          </a:prstGeom>
+          <a:noFill/>
+        </p:spPr>
+        <p:txBody>
+          <a:bodyPr wrap="square" rtlCol="0">
+            <a:spAutoFit/>
+          </a:bodyPr>
+          <a:lstStyle/>
+          <a:p>
+            <a:pPr>
+              <a:spcAft>
+                <a:spcPts val="600"/>
+              </a:spcAft>
+            </a:pPr>
+            <a:r>
+              <a:rPr lang="en-US" sz="5400" dirty="0">
+                <a:solidFill>
+                  <a:schemeClr val="accent1">
+                    <a:lumMod val="20000"/>
+                    <a:lumOff val="80000"/>
+                  </a:schemeClr>
+                </a:solidFill>
+                <a:latin typeface="Counter-Strike" panose="02000506030000020004" pitchFamily="2" charset="0"/>
+                <a:hlinkClick r:id="" action="ppaction://hlinkshowjump?jump=firstslide">
+                  <a:extLst>
+                    <a:ext uri="{A12FA001-AC4F-418D-AE19-62706E023703}">
+                      <ahyp:hlinkClr xmlns:ahyp="http://schemas.microsoft.com/office/drawing/2018/hyperlinkcolor" val="tx"/>
+                    </a:ext>
+                  </a:extLst>
+                </a:hlinkClick>
+              </a:rPr>
+              <a:t>EP</a:t>
+            </a:r>
+            <a:endParaRPr lang="en-US" sz="5400" dirty="0">
+              <a:solidFill>
+                <a:schemeClr val="accent1">
+                  <a:lumMod val="20000"/>
+                  <a:lumOff val="80000"/>
+                </a:schemeClr>
+              </a:solidFill>
+              <a:latin typeface="Counter-Strike" panose="02000506030000020004" pitchFamily="2" charset="0"/>
+            </a:endParaRPr>
+          </a:p>
+        </p:txBody>
+      </p:sp>
+      <p:sp>
+        <p:nvSpPr>
+          <p:cNvPr id="10" name="Rectangle 9">
+            <a:extLst>
+              <a:ext uri="{FF2B5EF4-FFF2-40B4-BE49-F238E27FC236}">
+                <a16:creationId xmlns:a16="http://schemas.microsoft.com/office/drawing/2014/main" id="{9DA4959C-10EA-4094-A70F-B79F0082F990}"/>
+              </a:ext>
+            </a:extLst>
+          </p:cNvPr>
+          <p:cNvSpPr/>
+          <p:nvPr/>
+        </p:nvSpPr>
+        <p:spPr>
+          <a:xfrm>
+            <a:off x="3176" y="253561"/>
+            <a:ext cx="12192000" cy="490211"/>
+          </a:xfrm>
+          <a:prstGeom prst="rect">
+            <a:avLst/>
+          </a:prstGeom>
+        </p:spPr>
+        <p:style>
+          <a:lnRef idx="2">
+            <a:schemeClr val="accent1">
+              <a:shade val="50000"/>
+            </a:schemeClr>
+          </a:lnRef>
+          <a:fillRef idx="1">
+            <a:schemeClr val="accent1"/>
+          </a:fillRef>
+          <a:effectRef idx="0">
+            <a:schemeClr val="accent1"/>
+          </a:effectRef>
+          <a:fontRef idx="minor">
+            <a:schemeClr val="lt1"/>
+          </a:fontRef>
+        </p:style>
+        <p:txBody>
+          <a:bodyPr rtlCol="0" anchor="ctr"/>
+          <a:lstStyle/>
+          <a:p>
+            <a:pPr algn="ctr"/>
+            <a:endParaRPr lang="en-US"/>
+          </a:p>
+        </p:txBody>
+      </p:sp>
+      <p:sp>
+        <p:nvSpPr>
+          <p:cNvPr id="7" name="TextBox 6">
+            <a:extLst>
+              <a:ext uri="{FF2B5EF4-FFF2-40B4-BE49-F238E27FC236}">
+                <a16:creationId xmlns:a16="http://schemas.microsoft.com/office/drawing/2014/main" id="{6585967D-4C3F-41FF-8621-A94A3115096A}"/>
+              </a:ext>
+            </a:extLst>
+          </p:cNvPr>
+          <p:cNvSpPr txBox="1"/>
+          <p:nvPr/>
+        </p:nvSpPr>
+        <p:spPr>
+          <a:xfrm>
+            <a:off x="4254251" y="165368"/>
+            <a:ext cx="3683498" cy="578404"/>
+          </a:xfrm>
+          <a:prstGeom prst="rect">
+            <a:avLst/>
+          </a:prstGeom>
+          <a:effectLst>
+            <a:outerShdw blurRad="88900" dist="38100" dir="2700000" algn="tl" rotWithShape="0">
+              <a:prstClr val="black">
+                <a:alpha val="30000"/>
+              </a:prstClr>
+            </a:outerShdw>
+          </a:effectLst>
+        </p:spPr>
+        <p:txBody>
+          <a:bodyPr vert="horz" lIns="91440" tIns="45720" rIns="91440" bIns="45720" rtlCol="0" anchor="b">
+            <a:normAutofit fontScale="92500" lnSpcReduction="20000"/>
+          </a:bodyPr>
+          <a:lstStyle/>
+          <a:p>
+            <a:pPr algn="ctr" defTabSz="914400">
+              <a:lnSpc>
+                <a:spcPct val="90000"/>
+              </a:lnSpc>
+              <a:spcBef>
+                <a:spcPct val="0"/>
+              </a:spcBef>
+              <a:spcAft>
+                <a:spcPts val="600"/>
+              </a:spcAft>
+            </a:pPr>
+            <a:r>
+              <a:rPr lang="en-US" sz="4400" dirty="0">
+                <a:solidFill>
+                  <a:schemeClr val="accent1">
+                    <a:lumMod val="20000"/>
+                    <a:lumOff val="80000"/>
+                  </a:schemeClr>
+                </a:solidFill>
+                <a:latin typeface="Counter-Strike" panose="02000506030000020004" pitchFamily="2" charset="0"/>
+                <a:ea typeface="+mj-ea"/>
+                <a:cs typeface="+mj-cs"/>
+                <a:hlinkClick r:id="" action="ppaction://hlinkshowjump?jump=firstslide">
+                  <a:extLst>
+                    <a:ext uri="{A12FA001-AC4F-418D-AE19-62706E023703}">
+                      <ahyp:hlinkClr xmlns:ahyp="http://schemas.microsoft.com/office/drawing/2018/hyperlinkcolor" val="tx"/>
+                    </a:ext>
+                  </a:extLst>
+                </a:hlinkClick>
+              </a:rPr>
+              <a:t>ExerPals.com</a:t>
+            </a:r>
+            <a:endParaRPr lang="en-US" sz="4400" dirty="0">
+              <a:solidFill>
+                <a:schemeClr val="accent1">
+                  <a:lumMod val="20000"/>
+                  <a:lumOff val="80000"/>
+                </a:schemeClr>
+              </a:solidFill>
+              <a:latin typeface="Counter-Strike" panose="02000506030000020004" pitchFamily="2" charset="0"/>
+              <a:ea typeface="+mj-ea"/>
+              <a:cs typeface="+mj-cs"/>
+            </a:endParaRPr>
+          </a:p>
+        </p:txBody>
+      </p:sp>
+      <p:sp>
+        <p:nvSpPr>
+          <p:cNvPr id="11" name="TextBox 10">
+            <a:extLst>
+              <a:ext uri="{FF2B5EF4-FFF2-40B4-BE49-F238E27FC236}">
+                <a16:creationId xmlns:a16="http://schemas.microsoft.com/office/drawing/2014/main" id="{84256461-81E3-4C58-ACCA-B9F44393FC21}"/>
+              </a:ext>
+            </a:extLst>
+          </p:cNvPr>
+          <p:cNvSpPr txBox="1"/>
+          <p:nvPr/>
+        </p:nvSpPr>
+        <p:spPr>
+          <a:xfrm>
+            <a:off x="502022" y="269904"/>
+            <a:ext cx="1284941" cy="369332"/>
+          </a:xfrm>
+          <a:prstGeom prst="rect">
+            <a:avLst/>
+          </a:prstGeom>
+          <a:noFill/>
+        </p:spPr>
+        <p:txBody>
+          <a:bodyPr wrap="square" rtlCol="0">
+            <a:spAutoFit/>
+          </a:bodyPr>
+          <a:lstStyle/>
+          <a:p>
+            <a:pPr algn="ctr"/>
+            <a:r>
+              <a:rPr lang="en-US" dirty="0">
+                <a:solidFill>
+                  <a:schemeClr val="accent1">
+                    <a:lumMod val="20000"/>
+                    <a:lumOff val="80000"/>
+                  </a:schemeClr>
+                </a:solidFill>
+                <a:latin typeface="Counter-Strike" panose="02000506030000020004" pitchFamily="2" charset="0"/>
+                <a:hlinkClick r:id="" action="ppaction://hlinkshowjump?jump=firstslide">
+                  <a:extLst>
+                    <a:ext uri="{A12FA001-AC4F-418D-AE19-62706E023703}">
+                      <ahyp:hlinkClr xmlns:ahyp="http://schemas.microsoft.com/office/drawing/2018/hyperlinkcolor" val="tx"/>
+                    </a:ext>
+                  </a:extLst>
+                </a:hlinkClick>
+              </a:rPr>
+              <a:t>Home</a:t>
+            </a:r>
+            <a:endParaRPr lang="en-US" dirty="0">
+              <a:solidFill>
+                <a:schemeClr val="accent1">
+                  <a:lumMod val="20000"/>
+                  <a:lumOff val="80000"/>
+                </a:schemeClr>
+              </a:solidFill>
+              <a:latin typeface="Counter-Strike" panose="02000506030000020004" pitchFamily="2" charset="0"/>
+            </a:endParaRPr>
+          </a:p>
+        </p:txBody>
+      </p:sp>
+      <p:sp>
+        <p:nvSpPr>
+          <p:cNvPr id="13" name="TextBox 12">
+            <a:extLst>
+              <a:ext uri="{FF2B5EF4-FFF2-40B4-BE49-F238E27FC236}">
+                <a16:creationId xmlns:a16="http://schemas.microsoft.com/office/drawing/2014/main" id="{ED23F9D3-B298-495F-B0C6-3DDB24866581}"/>
+              </a:ext>
+            </a:extLst>
+          </p:cNvPr>
+          <p:cNvSpPr txBox="1"/>
+          <p:nvPr/>
+        </p:nvSpPr>
+        <p:spPr>
+          <a:xfrm>
             <a:off x="2212591" y="314000"/>
             <a:ext cx="1589741" cy="369332"/>
           </a:xfrm>
@@ -13134,6 +19855,536 @@
                 <a:latin typeface="Counter-Strike" panose="02000506030000020004" pitchFamily="2" charset="0"/>
               </a:rPr>
               <a:t>Messaging</a:t>
+            </a:r>
+          </a:p>
+        </p:txBody>
+      </p:sp>
+      <p:sp>
+        <p:nvSpPr>
+          <p:cNvPr id="19" name="Rectangle: Rounded Corners 18">
+            <a:extLst>
+              <a:ext uri="{FF2B5EF4-FFF2-40B4-BE49-F238E27FC236}">
+                <a16:creationId xmlns:a16="http://schemas.microsoft.com/office/drawing/2014/main" id="{BEFAE54E-B674-47FA-BFF5-08E17B0CED31}"/>
+              </a:ext>
+            </a:extLst>
+          </p:cNvPr>
+          <p:cNvSpPr/>
+          <p:nvPr/>
+        </p:nvSpPr>
+        <p:spPr>
+          <a:xfrm>
+            <a:off x="723153" y="926353"/>
+            <a:ext cx="10745694" cy="747059"/>
+          </a:xfrm>
+          <a:prstGeom prst="roundRect">
+            <a:avLst/>
+          </a:prstGeom>
+        </p:spPr>
+        <p:style>
+          <a:lnRef idx="2">
+            <a:schemeClr val="accent1">
+              <a:shade val="50000"/>
+            </a:schemeClr>
+          </a:lnRef>
+          <a:fillRef idx="1">
+            <a:schemeClr val="accent1"/>
+          </a:fillRef>
+          <a:effectRef idx="0">
+            <a:schemeClr val="accent1"/>
+          </a:effectRef>
+          <a:fontRef idx="minor">
+            <a:schemeClr val="lt1"/>
+          </a:fontRef>
+        </p:style>
+        <p:txBody>
+          <a:bodyPr rtlCol="0" anchor="ctr"/>
+          <a:lstStyle/>
+          <a:p>
+            <a:pPr algn="ctr"/>
+            <a:endParaRPr lang="en-US" dirty="0"/>
+          </a:p>
+        </p:txBody>
+      </p:sp>
+      <p:sp>
+        <p:nvSpPr>
+          <p:cNvPr id="2" name="TextBox 1">
+            <a:extLst>
+              <a:ext uri="{FF2B5EF4-FFF2-40B4-BE49-F238E27FC236}">
+                <a16:creationId xmlns:a16="http://schemas.microsoft.com/office/drawing/2014/main" id="{E06FB14B-4AB0-4E7E-ABB6-888E623794EF}"/>
+              </a:ext>
+            </a:extLst>
+          </p:cNvPr>
+          <p:cNvSpPr txBox="1"/>
+          <p:nvPr/>
+        </p:nvSpPr>
+        <p:spPr>
+          <a:xfrm>
+            <a:off x="884517" y="909140"/>
+            <a:ext cx="10422965" cy="646331"/>
+          </a:xfrm>
+          <a:prstGeom prst="rect">
+            <a:avLst/>
+          </a:prstGeom>
+          <a:noFill/>
+        </p:spPr>
+        <p:txBody>
+          <a:bodyPr wrap="square" rtlCol="0">
+            <a:spAutoFit/>
+          </a:bodyPr>
+          <a:lstStyle/>
+          <a:p>
+            <a:pPr algn="ctr"/>
+            <a:r>
+              <a:rPr lang="en-US" sz="3600" dirty="0">
+                <a:latin typeface="Counter-Strike" panose="02000506030000020004" pitchFamily="2" charset="0"/>
+              </a:rPr>
+              <a:t>People in Charlotte, NC</a:t>
+            </a:r>
+          </a:p>
+        </p:txBody>
+      </p:sp>
+      <p:pic>
+        <p:nvPicPr>
+          <p:cNvPr id="4" name="Picture 3" descr="A person wearing a hat&#10;&#10;Description automatically generated">
+            <a:extLst>
+              <a:ext uri="{FF2B5EF4-FFF2-40B4-BE49-F238E27FC236}">
+                <a16:creationId xmlns:a16="http://schemas.microsoft.com/office/drawing/2014/main" id="{0F9DFE24-127B-48A5-B246-738A324BEA1F}"/>
+              </a:ext>
+            </a:extLst>
+          </p:cNvPr>
+          <p:cNvPicPr>
+            <a:picLocks noChangeAspect="1"/>
+          </p:cNvPicPr>
+          <p:nvPr/>
+        </p:nvPicPr>
+        <p:blipFill>
+          <a:blip r:embed="rId5">
+            <a:extLst>
+              <a:ext uri="{28A0092B-C50C-407E-A947-70E740481C1C}">
+                <a14:useLocalDpi xmlns:a14="http://schemas.microsoft.com/office/drawing/2010/main" val="0"/>
+              </a:ext>
+              <a:ext uri="{837473B0-CC2E-450A-ABE3-18F120FF3D39}">
+                <a1611:picAttrSrcUrl xmlns:a1611="http://schemas.microsoft.com/office/drawing/2016/11/main" r:id="rId6"/>
+              </a:ext>
+            </a:extLst>
+          </a:blip>
+          <a:stretch>
+            <a:fillRect/>
+          </a:stretch>
+        </p:blipFill>
+        <p:spPr>
+          <a:xfrm>
+            <a:off x="2606721" y="1855993"/>
+            <a:ext cx="2089806" cy="1825315"/>
+          </a:xfrm>
+          <a:prstGeom prst="rect">
+            <a:avLst/>
+          </a:prstGeom>
+          <a:ln w="38100" cap="sq">
+            <a:solidFill>
+              <a:srgbClr val="000000"/>
+            </a:solidFill>
+            <a:prstDash val="solid"/>
+            <a:miter lim="800000"/>
+          </a:ln>
+          <a:effectLst>
+            <a:outerShdw blurRad="50800" dist="38100" dir="2700000" algn="tl" rotWithShape="0">
+              <a:srgbClr val="000000">
+                <a:alpha val="43000"/>
+              </a:srgbClr>
+            </a:outerShdw>
+          </a:effectLst>
+        </p:spPr>
+      </p:pic>
+      <p:sp>
+        <p:nvSpPr>
+          <p:cNvPr id="5" name="TextBox 4">
+            <a:extLst>
+              <a:ext uri="{FF2B5EF4-FFF2-40B4-BE49-F238E27FC236}">
+                <a16:creationId xmlns:a16="http://schemas.microsoft.com/office/drawing/2014/main" id="{304157C7-19CD-41C7-ADAA-F326877E31A0}"/>
+              </a:ext>
+            </a:extLst>
+          </p:cNvPr>
+          <p:cNvSpPr txBox="1"/>
+          <p:nvPr/>
+        </p:nvSpPr>
+        <p:spPr>
+          <a:xfrm>
+            <a:off x="2504141" y="3713737"/>
+            <a:ext cx="2294965" cy="338554"/>
+          </a:xfrm>
+          <a:prstGeom prst="rect">
+            <a:avLst/>
+          </a:prstGeom>
+          <a:noFill/>
+        </p:spPr>
+        <p:txBody>
+          <a:bodyPr wrap="square" rtlCol="0">
+            <a:spAutoFit/>
+          </a:bodyPr>
+          <a:lstStyle/>
+          <a:p>
+            <a:pPr algn="ctr"/>
+            <a:r>
+              <a:rPr lang="en-US" sz="1600" dirty="0">
+                <a:latin typeface="Counter-Strike" panose="02000506030000020004" pitchFamily="2" charset="0"/>
+              </a:rPr>
+              <a:t>Mike, 28</a:t>
+            </a:r>
+          </a:p>
+        </p:txBody>
+      </p:sp>
+      <p:pic>
+        <p:nvPicPr>
+          <p:cNvPr id="21" name="Picture 20" descr="A person wearing a purple shirt&#10;&#10;Description automatically generated">
+            <a:extLst>
+              <a:ext uri="{FF2B5EF4-FFF2-40B4-BE49-F238E27FC236}">
+                <a16:creationId xmlns:a16="http://schemas.microsoft.com/office/drawing/2014/main" id="{4E0C690D-38A3-435C-87AA-DA93EF7A0195}"/>
+              </a:ext>
+            </a:extLst>
+          </p:cNvPr>
+          <p:cNvPicPr>
+            <a:picLocks noChangeAspect="1"/>
+          </p:cNvPicPr>
+          <p:nvPr/>
+        </p:nvPicPr>
+        <p:blipFill rotWithShape="1">
+          <a:blip r:embed="rId7">
+            <a:extLst>
+              <a:ext uri="{28A0092B-C50C-407E-A947-70E740481C1C}">
+                <a14:useLocalDpi xmlns:a14="http://schemas.microsoft.com/office/drawing/2010/main" val="0"/>
+              </a:ext>
+              <a:ext uri="{837473B0-CC2E-450A-ABE3-18F120FF3D39}">
+                <a1611:picAttrSrcUrl xmlns:a1611="http://schemas.microsoft.com/office/drawing/2016/11/main" r:id="rId8"/>
+              </a:ext>
+            </a:extLst>
+          </a:blip>
+          <a:srcRect l="15652" t="430" r="9471"/>
+          <a:stretch/>
+        </p:blipFill>
+        <p:spPr>
+          <a:xfrm>
+            <a:off x="6878278" y="1855993"/>
+            <a:ext cx="2089806" cy="1849764"/>
+          </a:xfrm>
+          <a:prstGeom prst="rect">
+            <a:avLst/>
+          </a:prstGeom>
+          <a:ln w="38100" cap="sq">
+            <a:solidFill>
+              <a:srgbClr val="000000"/>
+            </a:solidFill>
+            <a:prstDash val="solid"/>
+            <a:miter lim="800000"/>
+          </a:ln>
+          <a:effectLst>
+            <a:outerShdw blurRad="50800" dist="38100" dir="2700000" algn="tl" rotWithShape="0">
+              <a:srgbClr val="000000">
+                <a:alpha val="43000"/>
+              </a:srgbClr>
+            </a:outerShdw>
+          </a:effectLst>
+        </p:spPr>
+      </p:pic>
+      <p:sp>
+        <p:nvSpPr>
+          <p:cNvPr id="23" name="TextBox 22">
+            <a:extLst>
+              <a:ext uri="{FF2B5EF4-FFF2-40B4-BE49-F238E27FC236}">
+                <a16:creationId xmlns:a16="http://schemas.microsoft.com/office/drawing/2014/main" id="{430CC487-4889-4A1F-AA55-4254C6AC1607}"/>
+              </a:ext>
+            </a:extLst>
+          </p:cNvPr>
+          <p:cNvSpPr txBox="1"/>
+          <p:nvPr/>
+        </p:nvSpPr>
+        <p:spPr>
+          <a:xfrm>
+            <a:off x="7014384" y="3705757"/>
+            <a:ext cx="1846729" cy="338554"/>
+          </a:xfrm>
+          <a:prstGeom prst="rect">
+            <a:avLst/>
+          </a:prstGeom>
+          <a:noFill/>
+        </p:spPr>
+        <p:txBody>
+          <a:bodyPr wrap="square" rtlCol="0">
+            <a:spAutoFit/>
+          </a:bodyPr>
+          <a:lstStyle/>
+          <a:p>
+            <a:pPr algn="ctr"/>
+            <a:r>
+              <a:rPr lang="en-US" sz="1600" dirty="0">
+                <a:latin typeface="Counter-Strike" panose="02000506030000020004" pitchFamily="2" charset="0"/>
+              </a:rPr>
+              <a:t>Janet, 47</a:t>
+            </a:r>
+          </a:p>
+        </p:txBody>
+      </p:sp>
+      <p:pic>
+        <p:nvPicPr>
+          <p:cNvPr id="26" name="Picture 25" descr="A person wearing sunglasses posing for the camera&#10;&#10;Description automatically generated">
+            <a:extLst>
+              <a:ext uri="{FF2B5EF4-FFF2-40B4-BE49-F238E27FC236}">
+                <a16:creationId xmlns:a16="http://schemas.microsoft.com/office/drawing/2014/main" id="{042B324E-0631-45F2-92CA-312A23E86FC1}"/>
+              </a:ext>
+            </a:extLst>
+          </p:cNvPr>
+          <p:cNvPicPr>
+            <a:picLocks noChangeAspect="1"/>
+          </p:cNvPicPr>
+          <p:nvPr/>
+        </p:nvPicPr>
+        <p:blipFill rotWithShape="1">
+          <a:blip r:embed="rId9">
+            <a:extLst>
+              <a:ext uri="{28A0092B-C50C-407E-A947-70E740481C1C}">
+                <a14:useLocalDpi xmlns:a14="http://schemas.microsoft.com/office/drawing/2010/main" val="0"/>
+              </a:ext>
+              <a:ext uri="{837473B0-CC2E-450A-ABE3-18F120FF3D39}">
+                <a1611:picAttrSrcUrl xmlns:a1611="http://schemas.microsoft.com/office/drawing/2016/11/main" r:id="rId10"/>
+              </a:ext>
+            </a:extLst>
+          </a:blip>
+          <a:srcRect t="1683" r="13948"/>
+          <a:stretch/>
+        </p:blipFill>
+        <p:spPr>
+          <a:xfrm>
+            <a:off x="6875102" y="4145549"/>
+            <a:ext cx="2089806" cy="1587792"/>
+          </a:xfrm>
+          <a:prstGeom prst="rect">
+            <a:avLst/>
+          </a:prstGeom>
+          <a:ln w="38100" cap="sq">
+            <a:solidFill>
+              <a:srgbClr val="000000"/>
+            </a:solidFill>
+            <a:prstDash val="solid"/>
+            <a:miter lim="800000"/>
+          </a:ln>
+          <a:effectLst>
+            <a:outerShdw blurRad="50800" dist="38100" dir="2700000" algn="tl" rotWithShape="0">
+              <a:srgbClr val="000000">
+                <a:alpha val="43000"/>
+              </a:srgbClr>
+            </a:outerShdw>
+          </a:effectLst>
+        </p:spPr>
+      </p:pic>
+      <p:sp>
+        <p:nvSpPr>
+          <p:cNvPr id="27" name="TextBox 26">
+            <a:extLst>
+              <a:ext uri="{FF2B5EF4-FFF2-40B4-BE49-F238E27FC236}">
+                <a16:creationId xmlns:a16="http://schemas.microsoft.com/office/drawing/2014/main" id="{C87519A9-2A19-4C4E-95C1-50055422EE5E}"/>
+              </a:ext>
+            </a:extLst>
+          </p:cNvPr>
+          <p:cNvSpPr txBox="1"/>
+          <p:nvPr/>
+        </p:nvSpPr>
+        <p:spPr>
+          <a:xfrm>
+            <a:off x="6816750" y="5762370"/>
+            <a:ext cx="2294965" cy="338554"/>
+          </a:xfrm>
+          <a:prstGeom prst="rect">
+            <a:avLst/>
+          </a:prstGeom>
+          <a:noFill/>
+        </p:spPr>
+        <p:txBody>
+          <a:bodyPr wrap="square" rtlCol="0">
+            <a:spAutoFit/>
+          </a:bodyPr>
+          <a:lstStyle/>
+          <a:p>
+            <a:pPr algn="ctr"/>
+            <a:r>
+              <a:rPr lang="en-US" sz="1600" dirty="0">
+                <a:latin typeface="Counter-Strike" panose="02000506030000020004" pitchFamily="2" charset="0"/>
+              </a:rPr>
+              <a:t>Cory, 27</a:t>
+            </a:r>
+          </a:p>
+        </p:txBody>
+      </p:sp>
+      <p:pic>
+        <p:nvPicPr>
+          <p:cNvPr id="33" name="Picture 32" descr="A person posing in a park&#10;&#10;Description automatically generated">
+            <a:extLst>
+              <a:ext uri="{FF2B5EF4-FFF2-40B4-BE49-F238E27FC236}">
+                <a16:creationId xmlns:a16="http://schemas.microsoft.com/office/drawing/2014/main" id="{0E322AAD-E315-4D60-B919-4D11F94C5963}"/>
+              </a:ext>
+            </a:extLst>
+          </p:cNvPr>
+          <p:cNvPicPr>
+            <a:picLocks noChangeAspect="1"/>
+          </p:cNvPicPr>
+          <p:nvPr/>
+        </p:nvPicPr>
+        <p:blipFill rotWithShape="1">
+          <a:blip r:embed="rId11">
+            <a:extLst>
+              <a:ext uri="{28A0092B-C50C-407E-A947-70E740481C1C}">
+                <a14:useLocalDpi xmlns:a14="http://schemas.microsoft.com/office/drawing/2010/main" val="0"/>
+              </a:ext>
+              <a:ext uri="{837473B0-CC2E-450A-ABE3-18F120FF3D39}">
+                <a1611:picAttrSrcUrl xmlns:a1611="http://schemas.microsoft.com/office/drawing/2016/11/main" r:id="rId12"/>
+              </a:ext>
+            </a:extLst>
+          </a:blip>
+          <a:srcRect l="4808" t="2275" r="5193" b="-1"/>
+          <a:stretch/>
+        </p:blipFill>
+        <p:spPr>
+          <a:xfrm>
+            <a:off x="2606721" y="4145549"/>
+            <a:ext cx="2089806" cy="1622568"/>
+          </a:xfrm>
+          <a:prstGeom prst="rect">
+            <a:avLst/>
+          </a:prstGeom>
+          <a:ln w="38100" cap="sq">
+            <a:solidFill>
+              <a:srgbClr val="000000"/>
+            </a:solidFill>
+            <a:prstDash val="solid"/>
+            <a:miter lim="800000"/>
+          </a:ln>
+          <a:effectLst>
+            <a:outerShdw blurRad="50800" dist="38100" dir="2700000" algn="tl" rotWithShape="0">
+              <a:srgbClr val="000000">
+                <a:alpha val="43000"/>
+              </a:srgbClr>
+            </a:outerShdw>
+          </a:effectLst>
+        </p:spPr>
+      </p:pic>
+      <p:sp>
+        <p:nvSpPr>
+          <p:cNvPr id="34" name="TextBox 33">
+            <a:extLst>
+              <a:ext uri="{FF2B5EF4-FFF2-40B4-BE49-F238E27FC236}">
+                <a16:creationId xmlns:a16="http://schemas.microsoft.com/office/drawing/2014/main" id="{37E23559-C454-473E-926C-B4D47B17F74C}"/>
+              </a:ext>
+            </a:extLst>
+          </p:cNvPr>
+          <p:cNvSpPr txBox="1"/>
+          <p:nvPr/>
+        </p:nvSpPr>
+        <p:spPr>
+          <a:xfrm>
+            <a:off x="2445160" y="5774332"/>
+            <a:ext cx="2294965" cy="338554"/>
+          </a:xfrm>
+          <a:prstGeom prst="rect">
+            <a:avLst/>
+          </a:prstGeom>
+          <a:noFill/>
+        </p:spPr>
+        <p:txBody>
+          <a:bodyPr wrap="square" rtlCol="0">
+            <a:spAutoFit/>
+          </a:bodyPr>
+          <a:lstStyle/>
+          <a:p>
+            <a:pPr algn="ctr"/>
+            <a:r>
+              <a:rPr lang="en-US" sz="1600" dirty="0">
+                <a:latin typeface="Counter-Strike" panose="02000506030000020004" pitchFamily="2" charset="0"/>
+              </a:rPr>
+              <a:t>Madison, 19</a:t>
+            </a:r>
+          </a:p>
+        </p:txBody>
+      </p:sp>
+      <p:sp>
+        <p:nvSpPr>
+          <p:cNvPr id="36" name="Rectangle: Rounded Corners 35">
+            <a:hlinkClick r:id="rId13" action="ppaction://hlinksldjump"/>
+            <a:extLst>
+              <a:ext uri="{FF2B5EF4-FFF2-40B4-BE49-F238E27FC236}">
+                <a16:creationId xmlns:a16="http://schemas.microsoft.com/office/drawing/2014/main" id="{2272D9AF-F9A6-4B5B-970C-C30E073DDE3E}"/>
+              </a:ext>
+            </a:extLst>
+          </p:cNvPr>
+          <p:cNvSpPr/>
+          <p:nvPr/>
+        </p:nvSpPr>
+        <p:spPr>
+          <a:xfrm>
+            <a:off x="3724670" y="6102844"/>
+            <a:ext cx="4384070" cy="564298"/>
+          </a:xfrm>
+          <a:prstGeom prst="roundRect">
+            <a:avLst/>
+          </a:prstGeom>
+        </p:spPr>
+        <p:style>
+          <a:lnRef idx="2">
+            <a:schemeClr val="accent1">
+              <a:shade val="50000"/>
+            </a:schemeClr>
+          </a:lnRef>
+          <a:fillRef idx="1">
+            <a:schemeClr val="accent1"/>
+          </a:fillRef>
+          <a:effectRef idx="0">
+            <a:schemeClr val="accent1"/>
+          </a:effectRef>
+          <a:fontRef idx="minor">
+            <a:schemeClr val="lt1"/>
+          </a:fontRef>
+        </p:style>
+        <p:txBody>
+          <a:bodyPr rtlCol="0" anchor="ctr"/>
+          <a:lstStyle/>
+          <a:p>
+            <a:pPr algn="ctr"/>
+            <a:endParaRPr lang="en-US"/>
+          </a:p>
+        </p:txBody>
+      </p:sp>
+      <p:sp>
+        <p:nvSpPr>
+          <p:cNvPr id="37" name="TextBox 36">
+            <a:extLst>
+              <a:ext uri="{FF2B5EF4-FFF2-40B4-BE49-F238E27FC236}">
+                <a16:creationId xmlns:a16="http://schemas.microsoft.com/office/drawing/2014/main" id="{6B6D6130-0F23-43EF-BECB-9443CEE8FC5F}"/>
+              </a:ext>
+            </a:extLst>
+          </p:cNvPr>
+          <p:cNvSpPr txBox="1"/>
+          <p:nvPr/>
+        </p:nvSpPr>
+        <p:spPr>
+          <a:xfrm>
+            <a:off x="3932516" y="6071835"/>
+            <a:ext cx="3968377" cy="523220"/>
+          </a:xfrm>
+          <a:prstGeom prst="rect">
+            <a:avLst/>
+          </a:prstGeom>
+          <a:noFill/>
+        </p:spPr>
+        <p:txBody>
+          <a:bodyPr wrap="square" rtlCol="0">
+            <a:spAutoFit/>
+          </a:bodyPr>
+          <a:lstStyle/>
+          <a:p>
+            <a:pPr algn="ctr"/>
+            <a:r>
+              <a:rPr lang="en-US" sz="2800" dirty="0">
+                <a:latin typeface="Counter-Strike" panose="02000506030000020004" pitchFamily="2" charset="0"/>
+              </a:rPr>
+              <a:t>Change Location</a:t>
             </a:r>
           </a:p>
         </p:txBody>

--- a/High Fidelity Prototyping Group 19.pptx
+++ b/High Fidelity Prototyping Group 19.pptx
@@ -395,7 +395,7 @@
           <a:p>
             <a:fld id="{57398CF1-2A2E-404A-9DC0-DB6C4A39A2F6}" type="datetimeFigureOut">
               <a:rPr lang="en-US" smtClean="0"/>
-              <a:t>4/5/2020</a:t>
+              <a:t>4/26/2020</a:t>
             </a:fld>
             <a:endParaRPr lang="en-US"/>
           </a:p>
@@ -809,7 +809,7 @@
           <a:p>
             <a:fld id="{57398CF1-2A2E-404A-9DC0-DB6C4A39A2F6}" type="datetimeFigureOut">
               <a:rPr lang="en-US" smtClean="0"/>
-              <a:t>4/5/2020</a:t>
+              <a:t>4/26/2020</a:t>
             </a:fld>
             <a:endParaRPr lang="en-US"/>
           </a:p>
@@ -1145,7 +1145,7 @@
           <a:p>
             <a:fld id="{57398CF1-2A2E-404A-9DC0-DB6C4A39A2F6}" type="datetimeFigureOut">
               <a:rPr lang="en-US" smtClean="0"/>
-              <a:t>4/5/2020</a:t>
+              <a:t>4/26/2020</a:t>
             </a:fld>
             <a:endParaRPr lang="en-US"/>
           </a:p>
@@ -1550,7 +1550,7 @@
           <a:p>
             <a:fld id="{57398CF1-2A2E-404A-9DC0-DB6C4A39A2F6}" type="datetimeFigureOut">
               <a:rPr lang="en-US" smtClean="0"/>
-              <a:t>4/5/2020</a:t>
+              <a:t>4/26/2020</a:t>
             </a:fld>
             <a:endParaRPr lang="en-US"/>
           </a:p>
@@ -2118,7 +2118,7 @@
           <a:p>
             <a:fld id="{57398CF1-2A2E-404A-9DC0-DB6C4A39A2F6}" type="datetimeFigureOut">
               <a:rPr lang="en-US" smtClean="0"/>
-              <a:t>4/5/2020</a:t>
+              <a:t>4/26/2020</a:t>
             </a:fld>
             <a:endParaRPr lang="en-US"/>
           </a:p>
@@ -2799,7 +2799,7 @@
           <a:p>
             <a:fld id="{57398CF1-2A2E-404A-9DC0-DB6C4A39A2F6}" type="datetimeFigureOut">
               <a:rPr lang="en-US" smtClean="0"/>
-              <a:t>4/5/2020</a:t>
+              <a:t>4/26/2020</a:t>
             </a:fld>
             <a:endParaRPr lang="en-US"/>
           </a:p>
@@ -3712,7 +3712,7 @@
           <a:p>
             <a:fld id="{57398CF1-2A2E-404A-9DC0-DB6C4A39A2F6}" type="datetimeFigureOut">
               <a:rPr lang="en-US" smtClean="0"/>
-              <a:t>4/5/2020</a:t>
+              <a:t>4/26/2020</a:t>
             </a:fld>
             <a:endParaRPr lang="en-US"/>
           </a:p>
@@ -4025,7 +4025,7 @@
           <a:p>
             <a:fld id="{57398CF1-2A2E-404A-9DC0-DB6C4A39A2F6}" type="datetimeFigureOut">
               <a:rPr lang="en-US" smtClean="0"/>
-              <a:t>4/5/2020</a:t>
+              <a:t>4/26/2020</a:t>
             </a:fld>
             <a:endParaRPr lang="en-US"/>
           </a:p>
@@ -4289,7 +4289,7 @@
           <a:p>
             <a:fld id="{57398CF1-2A2E-404A-9DC0-DB6C4A39A2F6}" type="datetimeFigureOut">
               <a:rPr lang="en-US" smtClean="0"/>
-              <a:t>4/5/2020</a:t>
+              <a:t>4/26/2020</a:t>
             </a:fld>
             <a:endParaRPr lang="en-US"/>
           </a:p>
@@ -4612,7 +4612,7 @@
           <a:p>
             <a:fld id="{57398CF1-2A2E-404A-9DC0-DB6C4A39A2F6}" type="datetimeFigureOut">
               <a:rPr lang="en-US" smtClean="0"/>
-              <a:t>4/5/2020</a:t>
+              <a:t>4/26/2020</a:t>
             </a:fld>
             <a:endParaRPr lang="en-US"/>
           </a:p>
@@ -5001,7 +5001,7 @@
           <a:p>
             <a:fld id="{57398CF1-2A2E-404A-9DC0-DB6C4A39A2F6}" type="datetimeFigureOut">
               <a:rPr lang="en-US" smtClean="0"/>
-              <a:t>4/5/2020</a:t>
+              <a:t>4/26/2020</a:t>
             </a:fld>
             <a:endParaRPr lang="en-US"/>
           </a:p>
@@ -5377,7 +5377,7 @@
           <a:p>
             <a:fld id="{57398CF1-2A2E-404A-9DC0-DB6C4A39A2F6}" type="datetimeFigureOut">
               <a:rPr lang="en-US" smtClean="0"/>
-              <a:t>4/5/2020</a:t>
+              <a:t>4/26/2020</a:t>
             </a:fld>
             <a:endParaRPr lang="en-US"/>
           </a:p>
@@ -5883,7 +5883,7 @@
           <a:p>
             <a:fld id="{57398CF1-2A2E-404A-9DC0-DB6C4A39A2F6}" type="datetimeFigureOut">
               <a:rPr lang="en-US" smtClean="0"/>
-              <a:t>4/5/2020</a:t>
+              <a:t>4/26/2020</a:t>
             </a:fld>
             <a:endParaRPr lang="en-US"/>
           </a:p>
@@ -6140,7 +6140,7 @@
           <a:p>
             <a:fld id="{57398CF1-2A2E-404A-9DC0-DB6C4A39A2F6}" type="datetimeFigureOut">
               <a:rPr lang="en-US" smtClean="0"/>
-              <a:t>4/5/2020</a:t>
+              <a:t>4/26/2020</a:t>
             </a:fld>
             <a:endParaRPr lang="en-US"/>
           </a:p>
@@ -6303,7 +6303,7 @@
           <a:p>
             <a:fld id="{57398CF1-2A2E-404A-9DC0-DB6C4A39A2F6}" type="datetimeFigureOut">
               <a:rPr lang="en-US" smtClean="0"/>
-              <a:t>4/5/2020</a:t>
+              <a:t>4/26/2020</a:t>
             </a:fld>
             <a:endParaRPr lang="en-US"/>
           </a:p>
@@ -6693,7 +6693,7 @@
           <a:p>
             <a:fld id="{57398CF1-2A2E-404A-9DC0-DB6C4A39A2F6}" type="datetimeFigureOut">
               <a:rPr lang="en-US" smtClean="0"/>
-              <a:t>4/5/2020</a:t>
+              <a:t>4/26/2020</a:t>
             </a:fld>
             <a:endParaRPr lang="en-US"/>
           </a:p>
@@ -7102,7 +7102,7 @@
           <a:p>
             <a:fld id="{57398CF1-2A2E-404A-9DC0-DB6C4A39A2F6}" type="datetimeFigureOut">
               <a:rPr lang="en-US" smtClean="0"/>
-              <a:t>4/5/2020</a:t>
+              <a:t>4/26/2020</a:t>
             </a:fld>
             <a:endParaRPr lang="en-US"/>
           </a:p>
@@ -7346,7 +7346,7 @@
           <a:p>
             <a:fld id="{57398CF1-2A2E-404A-9DC0-DB6C4A39A2F6}" type="datetimeFigureOut">
               <a:rPr lang="en-US" smtClean="0"/>
-              <a:t>4/5/2020</a:t>
+              <a:t>4/26/2020</a:t>
             </a:fld>
             <a:endParaRPr lang="en-US"/>
           </a:p>
@@ -8683,6 +8683,7 @@
       <p:pic>
         <p:nvPicPr>
           <p:cNvPr id="3" name="Picture 2">
+            <a:hlinkClick r:id="rId5" action="ppaction://hlinksldjump"/>
             <a:extLst>
               <a:ext uri="{FF2B5EF4-FFF2-40B4-BE49-F238E27FC236}">
                 <a16:creationId xmlns:a16="http://schemas.microsoft.com/office/drawing/2014/main" id="{0088BF91-BDCE-DD44-B2B5-ABD70311857F}"/>
@@ -8920,6 +8921,7 @@
       <p:pic>
         <p:nvPicPr>
           <p:cNvPr id="19" name="Picture 18">
+            <a:hlinkClick r:id="rId6" action="ppaction://hlinksldjump"/>
             <a:extLst>
               <a:ext uri="{FF2B5EF4-FFF2-40B4-BE49-F238E27FC236}">
                 <a16:creationId xmlns:a16="http://schemas.microsoft.com/office/drawing/2014/main" id="{41C3A364-4839-BC4E-829C-0E18170ADED1}"/>
@@ -8950,6 +8952,7 @@
       <p:pic>
         <p:nvPicPr>
           <p:cNvPr id="21" name="Picture 20">
+            <a:hlinkClick r:id="rId7" action="ppaction://hlinksldjump"/>
             <a:extLst>
               <a:ext uri="{FF2B5EF4-FFF2-40B4-BE49-F238E27FC236}">
                 <a16:creationId xmlns:a16="http://schemas.microsoft.com/office/drawing/2014/main" id="{8B8797CC-1A7A-5749-B4D7-F8BA15E96164}"/>
